--- a/slides.pptx
+++ b/slides.pptx
@@ -3146,7 +3146,7 @@
           <a:lstStyle/>
           <a:p>
             <a:pPr>
-              <a:defRPr b="1"/>
+              <a:defRPr b="1" sz="4200"/>
             </a:pPr>
             <a:r>
               <a:t>1 - Refrão Orante</a:t>
@@ -3170,7 +3170,7 @@
           <a:lstStyle/>
           <a:p>
             <a:pPr algn="ctr">
-              <a:defRPr sz="3600">
+              <a:defRPr sz="4200">
                 <a:solidFill>
                   <a:srgbClr val="000000"/>
                 </a:solidFill>
@@ -3182,7 +3182,7 @@
           </a:p>
           <a:p>
             <a:pPr algn="ctr">
-              <a:defRPr sz="3600">
+              <a:defRPr sz="4200">
                 <a:solidFill>
                   <a:srgbClr val="000000"/>
                 </a:solidFill>
@@ -3228,7 +3228,7 @@
           <a:lstStyle/>
           <a:p>
             <a:pPr>
-              <a:defRPr b="1"/>
+              <a:defRPr b="1" sz="4200"/>
             </a:pPr>
             <a:r>
               <a:t>3 - Ato Penitencial</a:t>
@@ -3252,7 +3252,7 @@
           <a:lstStyle/>
           <a:p>
             <a:pPr algn="ctr">
-              <a:defRPr sz="3600">
+              <a:defRPr sz="4200">
                 <a:solidFill>
                   <a:srgbClr val="000000"/>
                 </a:solidFill>
@@ -3264,7 +3264,7 @@
           </a:p>
           <a:p>
             <a:pPr algn="ctr">
-              <a:defRPr sz="3600">
+              <a:defRPr sz="4200">
                 <a:solidFill>
                   <a:srgbClr val="000000"/>
                 </a:solidFill>
@@ -3276,7 +3276,7 @@
           </a:p>
           <a:p>
             <a:pPr algn="ctr">
-              <a:defRPr sz="3600">
+              <a:defRPr sz="4200">
                 <a:solidFill>
                   <a:srgbClr val="000000"/>
                 </a:solidFill>
@@ -3322,7 +3322,7 @@
           <a:lstStyle/>
           <a:p>
             <a:pPr>
-              <a:defRPr b="1"/>
+              <a:defRPr b="1" sz="4200"/>
             </a:pPr>
             <a:r>
               <a:t>3 - Ato Penitencial</a:t>
@@ -3346,7 +3346,7 @@
           <a:lstStyle/>
           <a:p>
             <a:pPr algn="ctr">
-              <a:defRPr sz="3600">
+              <a:defRPr sz="4200">
                 <a:solidFill>
                   <a:srgbClr val="000000"/>
                 </a:solidFill>
@@ -3358,7 +3358,7 @@
           </a:p>
           <a:p>
             <a:pPr algn="ctr">
-              <a:defRPr sz="3600">
+              <a:defRPr sz="4200">
                 <a:solidFill>
                   <a:srgbClr val="000000"/>
                 </a:solidFill>
@@ -3370,7 +3370,7 @@
           </a:p>
           <a:p>
             <a:pPr algn="ctr">
-              <a:defRPr sz="3600">
+              <a:defRPr sz="4200">
                 <a:solidFill>
                   <a:srgbClr val="000000"/>
                 </a:solidFill>
@@ -3416,7 +3416,7 @@
           <a:lstStyle/>
           <a:p>
             <a:pPr>
-              <a:defRPr b="1"/>
+              <a:defRPr b="1" sz="4200"/>
             </a:pPr>
             <a:r>
               <a:t>3 - Ato Penitencial</a:t>
@@ -3440,7 +3440,7 @@
           <a:lstStyle/>
           <a:p>
             <a:pPr algn="ctr">
-              <a:defRPr sz="3600">
+              <a:defRPr sz="4200">
                 <a:solidFill>
                   <a:srgbClr val="000000"/>
                 </a:solidFill>
@@ -3452,7 +3452,7 @@
           </a:p>
           <a:p>
             <a:pPr algn="ctr">
-              <a:defRPr sz="3600">
+              <a:defRPr sz="4200">
                 <a:solidFill>
                   <a:srgbClr val="000000"/>
                 </a:solidFill>
@@ -3464,7 +3464,7 @@
           </a:p>
           <a:p>
             <a:pPr algn="ctr">
-              <a:defRPr sz="3600">
+              <a:defRPr sz="4200">
                 <a:solidFill>
                   <a:srgbClr val="000000"/>
                 </a:solidFill>
@@ -3510,7 +3510,7 @@
           <a:lstStyle/>
           <a:p>
             <a:pPr>
-              <a:defRPr b="1"/>
+              <a:defRPr b="1" sz="4200"/>
             </a:pPr>
             <a:r>
               <a:t>4 - Hino de Louvor</a:t>
@@ -3534,7 +3534,7 @@
           <a:lstStyle/>
           <a:p>
             <a:pPr algn="ctr">
-              <a:defRPr sz="3600">
+              <a:defRPr sz="4200">
                 <a:solidFill>
                   <a:srgbClr val="000000"/>
                 </a:solidFill>
@@ -3546,7 +3546,7 @@
           </a:p>
           <a:p>
             <a:pPr algn="ctr">
-              <a:defRPr sz="3600">
+              <a:defRPr sz="4200">
                 <a:solidFill>
                   <a:srgbClr val="000000"/>
                 </a:solidFill>
@@ -3558,7 +3558,7 @@
           </a:p>
           <a:p>
             <a:pPr algn="ctr">
-              <a:defRPr sz="3600">
+              <a:defRPr sz="4200">
                 <a:solidFill>
                   <a:srgbClr val="000000"/>
                 </a:solidFill>
@@ -3604,7 +3604,7 @@
           <a:lstStyle/>
           <a:p>
             <a:pPr>
-              <a:defRPr b="1"/>
+              <a:defRPr b="1" sz="4200"/>
             </a:pPr>
             <a:r>
               <a:t>4 - Hino de Louvor</a:t>
@@ -3628,7 +3628,7 @@
           <a:lstStyle/>
           <a:p>
             <a:pPr algn="ctr">
-              <a:defRPr sz="3600">
+              <a:defRPr sz="4200">
                 <a:solidFill>
                   <a:srgbClr val="000000"/>
                 </a:solidFill>
@@ -3640,7 +3640,7 @@
           </a:p>
           <a:p>
             <a:pPr algn="ctr">
-              <a:defRPr sz="3600">
+              <a:defRPr sz="4200">
                 <a:solidFill>
                   <a:srgbClr val="000000"/>
                 </a:solidFill>
@@ -3652,7 +3652,7 @@
           </a:p>
           <a:p>
             <a:pPr algn="ctr">
-              <a:defRPr sz="3600">
+              <a:defRPr sz="4200">
                 <a:solidFill>
                   <a:srgbClr val="000000"/>
                 </a:solidFill>
@@ -3664,7 +3664,7 @@
           </a:p>
           <a:p>
             <a:pPr algn="ctr">
-              <a:defRPr sz="3600">
+              <a:defRPr sz="4200">
                 <a:solidFill>
                   <a:srgbClr val="000000"/>
                 </a:solidFill>
@@ -3676,7 +3676,7 @@
           </a:p>
           <a:p>
             <a:pPr algn="ctr">
-              <a:defRPr sz="3600">
+              <a:defRPr sz="4200">
                 <a:solidFill>
                   <a:srgbClr val="000000"/>
                 </a:solidFill>
@@ -3722,7 +3722,7 @@
           <a:lstStyle/>
           <a:p>
             <a:pPr>
-              <a:defRPr b="1"/>
+              <a:defRPr b="1" sz="4200"/>
             </a:pPr>
             <a:r>
               <a:t>4 - Hino de Louvor</a:t>
@@ -3746,7 +3746,7 @@
           <a:lstStyle/>
           <a:p>
             <a:pPr algn="ctr">
-              <a:defRPr sz="3600">
+              <a:defRPr sz="4200">
                 <a:solidFill>
                   <a:srgbClr val="000000"/>
                 </a:solidFill>
@@ -3758,7 +3758,7 @@
           </a:p>
           <a:p>
             <a:pPr algn="ctr">
-              <a:defRPr sz="3600">
+              <a:defRPr sz="4200">
                 <a:solidFill>
                   <a:srgbClr val="000000"/>
                 </a:solidFill>
@@ -3804,7 +3804,7 @@
           <a:lstStyle/>
           <a:p>
             <a:pPr>
-              <a:defRPr b="1"/>
+              <a:defRPr b="1" sz="4200"/>
             </a:pPr>
             <a:r>
               <a:t>4 - Hino de Louvor</a:t>
@@ -3828,7 +3828,7 @@
           <a:lstStyle/>
           <a:p>
             <a:pPr algn="ctr">
-              <a:defRPr sz="3600">
+              <a:defRPr sz="4200">
                 <a:solidFill>
                   <a:srgbClr val="000000"/>
                 </a:solidFill>
@@ -3840,7 +3840,7 @@
           </a:p>
           <a:p>
             <a:pPr algn="ctr">
-              <a:defRPr sz="3600">
+              <a:defRPr sz="4200">
                 <a:solidFill>
                   <a:srgbClr val="000000"/>
                 </a:solidFill>
@@ -3852,7 +3852,7 @@
           </a:p>
           <a:p>
             <a:pPr algn="ctr">
-              <a:defRPr sz="3600">
+              <a:defRPr sz="4200">
                 <a:solidFill>
                   <a:srgbClr val="000000"/>
                 </a:solidFill>
@@ -3898,7 +3898,7 @@
           <a:lstStyle/>
           <a:p>
             <a:pPr>
-              <a:defRPr b="1"/>
+              <a:defRPr b="1" sz="4200"/>
             </a:pPr>
             <a:r>
               <a:t>4 - Hino de Louvor</a:t>
@@ -3922,7 +3922,7 @@
           <a:lstStyle/>
           <a:p>
             <a:pPr algn="ctr">
-              <a:defRPr sz="3600">
+              <a:defRPr sz="4200">
                 <a:solidFill>
                   <a:srgbClr val="000000"/>
                 </a:solidFill>
@@ -3934,7 +3934,7 @@
           </a:p>
           <a:p>
             <a:pPr algn="ctr">
-              <a:defRPr sz="3600">
+              <a:defRPr sz="4200">
                 <a:solidFill>
                   <a:srgbClr val="000000"/>
                 </a:solidFill>
@@ -3946,7 +3946,7 @@
           </a:p>
           <a:p>
             <a:pPr algn="ctr">
-              <a:defRPr sz="3600">
+              <a:defRPr sz="4200">
                 <a:solidFill>
                   <a:srgbClr val="000000"/>
                 </a:solidFill>
@@ -3958,7 +3958,7 @@
           </a:p>
           <a:p>
             <a:pPr algn="ctr">
-              <a:defRPr sz="3600">
+              <a:defRPr sz="4200">
                 <a:solidFill>
                   <a:srgbClr val="000000"/>
                 </a:solidFill>
@@ -4004,7 +4004,7 @@
           <a:lstStyle/>
           <a:p>
             <a:pPr>
-              <a:defRPr b="1"/>
+              <a:defRPr b="1" sz="4200"/>
             </a:pPr>
             <a:r>
               <a:t>5 - Primeira Leitura</a:t>
@@ -4028,7 +4028,7 @@
           <a:lstStyle/>
           <a:p>
             <a:pPr algn="ctr">
-              <a:defRPr sz="3600">
+              <a:defRPr sz="4200">
                 <a:solidFill>
                   <a:srgbClr val="000000"/>
                 </a:solidFill>
@@ -4040,7 +4040,7 @@
           </a:p>
           <a:p>
             <a:pPr algn="ctr">
-              <a:defRPr sz="3600">
+              <a:defRPr sz="4200">
                 <a:solidFill>
                   <a:srgbClr val="000000"/>
                 </a:solidFill>
@@ -4052,7 +4052,7 @@
           </a:p>
           <a:p>
             <a:pPr algn="ctr">
-              <a:defRPr sz="3600">
+              <a:defRPr sz="4200">
                 <a:solidFill>
                   <a:srgbClr val="000000"/>
                 </a:solidFill>
@@ -4098,7 +4098,7 @@
           <a:lstStyle/>
           <a:p>
             <a:pPr>
-              <a:defRPr b="1"/>
+              <a:defRPr b="1" sz="4200"/>
             </a:pPr>
             <a:r>
               <a:t>6 - Salmo</a:t>
@@ -4122,7 +4122,7 @@
           <a:lstStyle/>
           <a:p>
             <a:pPr algn="ctr">
-              <a:defRPr sz="3600">
+              <a:defRPr sz="4200">
                 <a:solidFill>
                   <a:srgbClr val="000000"/>
                 </a:solidFill>
@@ -4134,7 +4134,7 @@
           </a:p>
           <a:p>
             <a:pPr algn="ctr">
-              <a:defRPr sz="3600">
+              <a:defRPr sz="4200">
                 <a:solidFill>
                   <a:srgbClr val="000000"/>
                 </a:solidFill>
@@ -4180,7 +4180,7 @@
           <a:lstStyle/>
           <a:p>
             <a:pPr>
-              <a:defRPr b="1"/>
+              <a:defRPr b="1" sz="4200"/>
             </a:pPr>
             <a:r>
               <a:t>2 - Canto de Abertura</a:t>
@@ -4204,7 +4204,7 @@
           <a:lstStyle/>
           <a:p>
             <a:pPr algn="ctr">
-              <a:defRPr sz="3600">
+              <a:defRPr sz="4200">
                 <a:solidFill>
                   <a:srgbClr val="000000"/>
                 </a:solidFill>
@@ -4216,7 +4216,7 @@
           </a:p>
           <a:p>
             <a:pPr algn="ctr">
-              <a:defRPr sz="3600">
+              <a:defRPr sz="4200">
                 <a:solidFill>
                   <a:srgbClr val="000000"/>
                 </a:solidFill>
@@ -4228,7 +4228,7 @@
           </a:p>
           <a:p>
             <a:pPr algn="ctr">
-              <a:defRPr sz="3600">
+              <a:defRPr sz="4200">
                 <a:solidFill>
                   <a:srgbClr val="000000"/>
                 </a:solidFill>
@@ -4240,7 +4240,7 @@
           </a:p>
           <a:p>
             <a:pPr algn="ctr">
-              <a:defRPr sz="3600">
+              <a:defRPr sz="4200">
                 <a:solidFill>
                   <a:srgbClr val="000000"/>
                 </a:solidFill>
@@ -4286,7 +4286,7 @@
           <a:lstStyle/>
           <a:p>
             <a:pPr>
-              <a:defRPr b="1"/>
+              <a:defRPr b="1" sz="4200"/>
             </a:pPr>
             <a:r>
               <a:t>6 - Salmo</a:t>
@@ -4310,7 +4310,7 @@
           <a:lstStyle/>
           <a:p>
             <a:pPr algn="ctr">
-              <a:defRPr sz="3600">
+              <a:defRPr sz="4200">
                 <a:solidFill>
                   <a:srgbClr val="000000"/>
                 </a:solidFill>
@@ -4322,7 +4322,7 @@
           </a:p>
           <a:p>
             <a:pPr algn="ctr">
-              <a:defRPr sz="3600">
+              <a:defRPr sz="4200">
                 <a:solidFill>
                   <a:srgbClr val="000000"/>
                 </a:solidFill>
@@ -4334,7 +4334,7 @@
           </a:p>
           <a:p>
             <a:pPr algn="ctr">
-              <a:defRPr sz="3600">
+              <a:defRPr sz="4200">
                 <a:solidFill>
                   <a:srgbClr val="000000"/>
                 </a:solidFill>
@@ -4346,7 +4346,7 @@
           </a:p>
           <a:p>
             <a:pPr algn="ctr">
-              <a:defRPr sz="3600">
+              <a:defRPr sz="4200">
                 <a:solidFill>
                   <a:srgbClr val="000000"/>
                 </a:solidFill>
@@ -4392,7 +4392,7 @@
           <a:lstStyle/>
           <a:p>
             <a:pPr>
-              <a:defRPr b="1"/>
+              <a:defRPr b="1" sz="4200"/>
             </a:pPr>
             <a:r>
               <a:t>6 - Salmo</a:t>
@@ -4416,7 +4416,7 @@
           <a:lstStyle/>
           <a:p>
             <a:pPr algn="ctr">
-              <a:defRPr sz="3600">
+              <a:defRPr sz="4200">
                 <a:solidFill>
                   <a:srgbClr val="000000"/>
                 </a:solidFill>
@@ -4428,7 +4428,7 @@
           </a:p>
           <a:p>
             <a:pPr algn="ctr">
-              <a:defRPr sz="3600">
+              <a:defRPr sz="4200">
                 <a:solidFill>
                   <a:srgbClr val="000000"/>
                 </a:solidFill>
@@ -4474,7 +4474,7 @@
           <a:lstStyle/>
           <a:p>
             <a:pPr>
-              <a:defRPr b="1"/>
+              <a:defRPr b="1" sz="4200"/>
             </a:pPr>
             <a:r>
               <a:t>6 - Salmo</a:t>
@@ -4498,7 +4498,7 @@
           <a:lstStyle/>
           <a:p>
             <a:pPr algn="ctr">
-              <a:defRPr sz="3600">
+              <a:defRPr sz="4200">
                 <a:solidFill>
                   <a:srgbClr val="000000"/>
                 </a:solidFill>
@@ -4510,7 +4510,7 @@
           </a:p>
           <a:p>
             <a:pPr algn="ctr">
-              <a:defRPr sz="3600">
+              <a:defRPr sz="4200">
                 <a:solidFill>
                   <a:srgbClr val="000000"/>
                 </a:solidFill>
@@ -4522,7 +4522,7 @@
           </a:p>
           <a:p>
             <a:pPr algn="ctr">
-              <a:defRPr sz="3600">
+              <a:defRPr sz="4200">
                 <a:solidFill>
                   <a:srgbClr val="000000"/>
                 </a:solidFill>
@@ -4534,7 +4534,7 @@
           </a:p>
           <a:p>
             <a:pPr algn="ctr">
-              <a:defRPr sz="3600">
+              <a:defRPr sz="4200">
                 <a:solidFill>
                   <a:srgbClr val="000000"/>
                 </a:solidFill>
@@ -4580,7 +4580,7 @@
           <a:lstStyle/>
           <a:p>
             <a:pPr>
-              <a:defRPr b="1"/>
+              <a:defRPr b="1" sz="4200"/>
             </a:pPr>
             <a:r>
               <a:t>6 - Salmo</a:t>
@@ -4604,7 +4604,7 @@
           <a:lstStyle/>
           <a:p>
             <a:pPr algn="ctr">
-              <a:defRPr sz="3600">
+              <a:defRPr sz="4200">
                 <a:solidFill>
                   <a:srgbClr val="000000"/>
                 </a:solidFill>
@@ -4616,7 +4616,7 @@
           </a:p>
           <a:p>
             <a:pPr algn="ctr">
-              <a:defRPr sz="3600">
+              <a:defRPr sz="4200">
                 <a:solidFill>
                   <a:srgbClr val="000000"/>
                 </a:solidFill>
@@ -4662,7 +4662,7 @@
           <a:lstStyle/>
           <a:p>
             <a:pPr>
-              <a:defRPr b="1"/>
+              <a:defRPr b="1" sz="4200"/>
             </a:pPr>
             <a:r>
               <a:t>6 - Salmo</a:t>
@@ -4686,7 +4686,7 @@
           <a:lstStyle/>
           <a:p>
             <a:pPr algn="ctr">
-              <a:defRPr sz="3600">
+              <a:defRPr sz="4200">
                 <a:solidFill>
                   <a:srgbClr val="000000"/>
                 </a:solidFill>
@@ -4698,7 +4698,7 @@
           </a:p>
           <a:p>
             <a:pPr algn="ctr">
-              <a:defRPr sz="3600">
+              <a:defRPr sz="4200">
                 <a:solidFill>
                   <a:srgbClr val="000000"/>
                 </a:solidFill>
@@ -4710,7 +4710,7 @@
           </a:p>
           <a:p>
             <a:pPr algn="ctr">
-              <a:defRPr sz="3600">
+              <a:defRPr sz="4200">
                 <a:solidFill>
                   <a:srgbClr val="000000"/>
                 </a:solidFill>
@@ -4722,7 +4722,7 @@
           </a:p>
           <a:p>
             <a:pPr algn="ctr">
-              <a:defRPr sz="3600">
+              <a:defRPr sz="4200">
                 <a:solidFill>
                   <a:srgbClr val="000000"/>
                 </a:solidFill>
@@ -4768,7 +4768,7 @@
           <a:lstStyle/>
           <a:p>
             <a:pPr>
-              <a:defRPr b="1"/>
+              <a:defRPr b="1" sz="4200"/>
             </a:pPr>
             <a:r>
               <a:t>6 - Salmo</a:t>
@@ -4792,7 +4792,7 @@
           <a:lstStyle/>
           <a:p>
             <a:pPr algn="ctr">
-              <a:defRPr sz="3600">
+              <a:defRPr sz="4200">
                 <a:solidFill>
                   <a:srgbClr val="000000"/>
                 </a:solidFill>
@@ -4804,7 +4804,7 @@
           </a:p>
           <a:p>
             <a:pPr algn="ctr">
-              <a:defRPr sz="3600">
+              <a:defRPr sz="4200">
                 <a:solidFill>
                   <a:srgbClr val="000000"/>
                 </a:solidFill>
@@ -4850,7 +4850,7 @@
           <a:lstStyle/>
           <a:p>
             <a:pPr>
-              <a:defRPr b="1"/>
+              <a:defRPr b="1" sz="4200"/>
             </a:pPr>
             <a:r>
               <a:t>7 - Aclamação ao Evangelho</a:t>
@@ -4874,7 +4874,7 @@
           <a:lstStyle/>
           <a:p>
             <a:pPr algn="ctr">
-              <a:defRPr sz="3600">
+              <a:defRPr sz="4200">
                 <a:solidFill>
                   <a:srgbClr val="000000"/>
                 </a:solidFill>
@@ -4886,7 +4886,7 @@
           </a:p>
           <a:p>
             <a:pPr algn="ctr">
-              <a:defRPr sz="3600">
+              <a:defRPr sz="4200">
                 <a:solidFill>
                   <a:srgbClr val="000000"/>
                 </a:solidFill>
@@ -4898,7 +4898,7 @@
           </a:p>
           <a:p>
             <a:pPr algn="ctr">
-              <a:defRPr sz="3600">
+              <a:defRPr sz="4200">
                 <a:solidFill>
                   <a:srgbClr val="000000"/>
                 </a:solidFill>
@@ -4910,7 +4910,7 @@
           </a:p>
           <a:p>
             <a:pPr algn="ctr">
-              <a:defRPr sz="3600">
+              <a:defRPr sz="4200">
                 <a:solidFill>
                   <a:srgbClr val="000000"/>
                 </a:solidFill>
@@ -4922,7 +4922,7 @@
           </a:p>
           <a:p>
             <a:pPr algn="ctr">
-              <a:defRPr sz="3600">
+              <a:defRPr sz="4200">
                 <a:solidFill>
                   <a:srgbClr val="000000"/>
                 </a:solidFill>
@@ -4934,7 +4934,7 @@
           </a:p>
           <a:p>
             <a:pPr algn="ctr">
-              <a:defRPr sz="3600">
+              <a:defRPr sz="4200">
                 <a:solidFill>
                   <a:srgbClr val="000000"/>
                 </a:solidFill>
@@ -4980,7 +4980,7 @@
           <a:lstStyle/>
           <a:p>
             <a:pPr>
-              <a:defRPr b="1"/>
+              <a:defRPr b="1" sz="4200"/>
             </a:pPr>
             <a:r>
               <a:t>7 - Aclamação ao Evangelho</a:t>
@@ -5004,7 +5004,7 @@
           <a:lstStyle/>
           <a:p>
             <a:pPr algn="ctr">
-              <a:defRPr sz="3600">
+              <a:defRPr sz="4200">
                 <a:solidFill>
                   <a:srgbClr val="000000"/>
                 </a:solidFill>
@@ -5016,7 +5016,7 @@
           </a:p>
           <a:p>
             <a:pPr algn="ctr">
-              <a:defRPr sz="3600">
+              <a:defRPr sz="4200">
                 <a:solidFill>
                   <a:srgbClr val="000000"/>
                 </a:solidFill>
@@ -5062,7 +5062,7 @@
           <a:lstStyle/>
           <a:p>
             <a:pPr>
-              <a:defRPr b="1"/>
+              <a:defRPr b="1" sz="4200"/>
             </a:pPr>
             <a:r>
               <a:t>7 - Aclamação ao Evangelho</a:t>
@@ -5086,7 +5086,7 @@
           <a:lstStyle/>
           <a:p>
             <a:pPr algn="ctr">
-              <a:defRPr sz="3600">
+              <a:defRPr sz="4200">
                 <a:solidFill>
                   <a:srgbClr val="000000"/>
                 </a:solidFill>
@@ -5098,7 +5098,7 @@
           </a:p>
           <a:p>
             <a:pPr algn="ctr">
-              <a:defRPr sz="3600">
+              <a:defRPr sz="4200">
                 <a:solidFill>
                   <a:srgbClr val="000000"/>
                 </a:solidFill>
@@ -5110,7 +5110,7 @@
           </a:p>
           <a:p>
             <a:pPr algn="ctr">
-              <a:defRPr sz="3600">
+              <a:defRPr sz="4200">
                 <a:solidFill>
                   <a:srgbClr val="000000"/>
                 </a:solidFill>
@@ -5122,7 +5122,7 @@
           </a:p>
           <a:p>
             <a:pPr algn="ctr">
-              <a:defRPr sz="3600">
+              <a:defRPr sz="4200">
                 <a:solidFill>
                   <a:srgbClr val="000000"/>
                 </a:solidFill>
@@ -5134,7 +5134,7 @@
           </a:p>
           <a:p>
             <a:pPr algn="ctr">
-              <a:defRPr sz="3600">
+              <a:defRPr sz="4200">
                 <a:solidFill>
                   <a:srgbClr val="000000"/>
                 </a:solidFill>
@@ -5146,7 +5146,7 @@
           </a:p>
           <a:p>
             <a:pPr algn="ctr">
-              <a:defRPr sz="3600">
+              <a:defRPr sz="4200">
                 <a:solidFill>
                   <a:srgbClr val="000000"/>
                 </a:solidFill>
@@ -5192,7 +5192,7 @@
           <a:lstStyle/>
           <a:p>
             <a:pPr>
-              <a:defRPr b="1"/>
+              <a:defRPr b="1" sz="4200"/>
             </a:pPr>
             <a:r>
               <a:t>8 - Ofertório</a:t>
@@ -5216,7 +5216,7 @@
           <a:lstStyle/>
           <a:p>
             <a:pPr algn="ctr">
-              <a:defRPr sz="3600">
+              <a:defRPr sz="4200">
                 <a:solidFill>
                   <a:srgbClr val="000000"/>
                 </a:solidFill>
@@ -5228,7 +5228,7 @@
           </a:p>
           <a:p>
             <a:pPr algn="ctr">
-              <a:defRPr sz="3600">
+              <a:defRPr sz="4200">
                 <a:solidFill>
                   <a:srgbClr val="000000"/>
                 </a:solidFill>
@@ -5240,7 +5240,7 @@
           </a:p>
           <a:p>
             <a:pPr algn="ctr">
-              <a:defRPr sz="3600">
+              <a:defRPr sz="4200">
                 <a:solidFill>
                   <a:srgbClr val="000000"/>
                 </a:solidFill>
@@ -5252,7 +5252,7 @@
           </a:p>
           <a:p>
             <a:pPr algn="ctr">
-              <a:defRPr sz="3600">
+              <a:defRPr sz="4200">
                 <a:solidFill>
                   <a:srgbClr val="000000"/>
                 </a:solidFill>
@@ -5264,7 +5264,7 @@
           </a:p>
           <a:p>
             <a:pPr algn="ctr">
-              <a:defRPr sz="3600">
+              <a:defRPr sz="4200">
                 <a:solidFill>
                   <a:srgbClr val="000000"/>
                 </a:solidFill>
@@ -5310,7 +5310,7 @@
           <a:lstStyle/>
           <a:p>
             <a:pPr>
-              <a:defRPr b="1"/>
+              <a:defRPr b="1" sz="4200"/>
             </a:pPr>
             <a:r>
               <a:t>2 - Canto de Abertura</a:t>
@@ -5334,7 +5334,7 @@
           <a:lstStyle/>
           <a:p>
             <a:pPr algn="ctr">
-              <a:defRPr sz="3600">
+              <a:defRPr sz="4200">
                 <a:solidFill>
                   <a:srgbClr val="000000"/>
                 </a:solidFill>
@@ -5346,7 +5346,7 @@
           </a:p>
           <a:p>
             <a:pPr algn="ctr">
-              <a:defRPr sz="3600">
+              <a:defRPr sz="4200">
                 <a:solidFill>
                   <a:srgbClr val="000000"/>
                 </a:solidFill>
@@ -5358,7 +5358,7 @@
           </a:p>
           <a:p>
             <a:pPr algn="ctr">
-              <a:defRPr sz="3600">
+              <a:defRPr sz="4200">
                 <a:solidFill>
                   <a:srgbClr val="000000"/>
                 </a:solidFill>
@@ -5370,7 +5370,7 @@
           </a:p>
           <a:p>
             <a:pPr algn="ctr">
-              <a:defRPr sz="3600">
+              <a:defRPr sz="4200">
                 <a:solidFill>
                   <a:srgbClr val="000000"/>
                 </a:solidFill>
@@ -5382,7 +5382,7 @@
           </a:p>
           <a:p>
             <a:pPr algn="ctr">
-              <a:defRPr sz="3600">
+              <a:defRPr sz="4200">
                 <a:solidFill>
                   <a:srgbClr val="000000"/>
                 </a:solidFill>
@@ -5394,7 +5394,7 @@
           </a:p>
           <a:p>
             <a:pPr algn="ctr">
-              <a:defRPr sz="3600">
+              <a:defRPr sz="4200">
                 <a:solidFill>
                   <a:srgbClr val="000000"/>
                 </a:solidFill>
@@ -5406,7 +5406,7 @@
           </a:p>
           <a:p>
             <a:pPr algn="ctr">
-              <a:defRPr sz="3600">
+              <a:defRPr sz="4200">
                 <a:solidFill>
                   <a:srgbClr val="000000"/>
                 </a:solidFill>
@@ -5452,7 +5452,7 @@
           <a:lstStyle/>
           <a:p>
             <a:pPr>
-              <a:defRPr b="1"/>
+              <a:defRPr b="1" sz="4200"/>
             </a:pPr>
             <a:r>
               <a:t>8 - Ofertório</a:t>
@@ -5476,7 +5476,7 @@
           <a:lstStyle/>
           <a:p>
             <a:pPr algn="ctr">
-              <a:defRPr sz="3600">
+              <a:defRPr sz="4200">
                 <a:solidFill>
                   <a:srgbClr val="000000"/>
                 </a:solidFill>
@@ -5488,7 +5488,7 @@
           </a:p>
           <a:p>
             <a:pPr algn="ctr">
-              <a:defRPr sz="3600">
+              <a:defRPr sz="4200">
                 <a:solidFill>
                   <a:srgbClr val="000000"/>
                 </a:solidFill>
@@ -5500,7 +5500,7 @@
           </a:p>
           <a:p>
             <a:pPr algn="ctr">
-              <a:defRPr sz="3600">
+              <a:defRPr sz="4200">
                 <a:solidFill>
                   <a:srgbClr val="000000"/>
                 </a:solidFill>
@@ -5512,7 +5512,7 @@
           </a:p>
           <a:p>
             <a:pPr algn="ctr">
-              <a:defRPr sz="3600">
+              <a:defRPr sz="4200">
                 <a:solidFill>
                   <a:srgbClr val="000000"/>
                 </a:solidFill>
@@ -5558,7 +5558,7 @@
           <a:lstStyle/>
           <a:p>
             <a:pPr>
-              <a:defRPr b="1"/>
+              <a:defRPr b="1" sz="4200"/>
             </a:pPr>
             <a:r>
               <a:t>8 - Ofertório</a:t>
@@ -5582,7 +5582,7 @@
           <a:lstStyle/>
           <a:p>
             <a:pPr algn="ctr">
-              <a:defRPr sz="3600">
+              <a:defRPr sz="4200">
                 <a:solidFill>
                   <a:srgbClr val="000000"/>
                 </a:solidFill>
@@ -5594,7 +5594,7 @@
           </a:p>
           <a:p>
             <a:pPr algn="ctr">
-              <a:defRPr sz="3600">
+              <a:defRPr sz="4200">
                 <a:solidFill>
                   <a:srgbClr val="000000"/>
                 </a:solidFill>
@@ -5606,7 +5606,7 @@
           </a:p>
           <a:p>
             <a:pPr algn="ctr">
-              <a:defRPr sz="3600">
+              <a:defRPr sz="4200">
                 <a:solidFill>
                   <a:srgbClr val="000000"/>
                 </a:solidFill>
@@ -5618,7 +5618,7 @@
           </a:p>
           <a:p>
             <a:pPr algn="ctr">
-              <a:defRPr sz="3600">
+              <a:defRPr sz="4200">
                 <a:solidFill>
                   <a:srgbClr val="000000"/>
                 </a:solidFill>
@@ -5630,7 +5630,7 @@
           </a:p>
           <a:p>
             <a:pPr algn="ctr">
-              <a:defRPr sz="3600">
+              <a:defRPr sz="4200">
                 <a:solidFill>
                   <a:srgbClr val="000000"/>
                 </a:solidFill>
@@ -5676,7 +5676,7 @@
           <a:lstStyle/>
           <a:p>
             <a:pPr>
-              <a:defRPr b="1"/>
+              <a:defRPr b="1" sz="4200"/>
             </a:pPr>
             <a:r>
               <a:t>8 - Ofertório</a:t>
@@ -5700,7 +5700,7 @@
           <a:lstStyle/>
           <a:p>
             <a:pPr algn="ctr">
-              <a:defRPr sz="3600">
+              <a:defRPr sz="4200">
                 <a:solidFill>
                   <a:srgbClr val="000000"/>
                 </a:solidFill>
@@ -5712,7 +5712,7 @@
           </a:p>
           <a:p>
             <a:pPr algn="ctr">
-              <a:defRPr sz="3600">
+              <a:defRPr sz="4200">
                 <a:solidFill>
                   <a:srgbClr val="000000"/>
                 </a:solidFill>
@@ -5724,7 +5724,7 @@
           </a:p>
           <a:p>
             <a:pPr algn="ctr">
-              <a:defRPr sz="3600">
+              <a:defRPr sz="4200">
                 <a:solidFill>
                   <a:srgbClr val="000000"/>
                 </a:solidFill>
@@ -5736,7 +5736,7 @@
           </a:p>
           <a:p>
             <a:pPr algn="ctr">
-              <a:defRPr sz="3600">
+              <a:defRPr sz="4200">
                 <a:solidFill>
                   <a:srgbClr val="000000"/>
                 </a:solidFill>
@@ -5748,7 +5748,7 @@
           </a:p>
           <a:p>
             <a:pPr algn="ctr">
-              <a:defRPr sz="3600">
+              <a:defRPr sz="4200">
                 <a:solidFill>
                   <a:srgbClr val="000000"/>
                 </a:solidFill>
@@ -5794,7 +5794,7 @@
           <a:lstStyle/>
           <a:p>
             <a:pPr>
-              <a:defRPr b="1"/>
+              <a:defRPr b="1" sz="4200"/>
             </a:pPr>
             <a:r>
               <a:t>9 - Santo</a:t>
@@ -5818,7 +5818,7 @@
           <a:lstStyle/>
           <a:p>
             <a:pPr algn="ctr">
-              <a:defRPr sz="3600">
+              <a:defRPr sz="4200">
                 <a:solidFill>
                   <a:srgbClr val="000000"/>
                 </a:solidFill>
@@ -5864,7 +5864,7 @@
           <a:lstStyle/>
           <a:p>
             <a:pPr>
-              <a:defRPr b="1"/>
+              <a:defRPr b="1" sz="4200"/>
             </a:pPr>
             <a:r>
               <a:t>9 - Santo</a:t>
@@ -5888,7 +5888,7 @@
           <a:lstStyle/>
           <a:p>
             <a:pPr algn="ctr">
-              <a:defRPr sz="3600">
+              <a:defRPr sz="4200">
                 <a:solidFill>
                   <a:srgbClr val="000000"/>
                 </a:solidFill>
@@ -5900,7 +5900,7 @@
           </a:p>
           <a:p>
             <a:pPr algn="ctr">
-              <a:defRPr sz="3600">
+              <a:defRPr sz="4200">
                 <a:solidFill>
                   <a:srgbClr val="000000"/>
                 </a:solidFill>
@@ -5946,7 +5946,7 @@
           <a:lstStyle/>
           <a:p>
             <a:pPr>
-              <a:defRPr b="1"/>
+              <a:defRPr b="1" sz="4200"/>
             </a:pPr>
             <a:r>
               <a:t>9 - Santo</a:t>
@@ -5970,7 +5970,7 @@
           <a:lstStyle/>
           <a:p>
             <a:pPr algn="ctr">
-              <a:defRPr sz="3600">
+              <a:defRPr sz="4200">
                 <a:solidFill>
                   <a:srgbClr val="000000"/>
                 </a:solidFill>
@@ -6016,7 +6016,7 @@
           <a:lstStyle/>
           <a:p>
             <a:pPr>
-              <a:defRPr b="1"/>
+              <a:defRPr b="1" sz="4200"/>
             </a:pPr>
             <a:r>
               <a:t>10 - Cordeiro de Deus</a:t>
@@ -6040,7 +6040,7 @@
           <a:lstStyle/>
           <a:p>
             <a:pPr algn="ctr">
-              <a:defRPr sz="3600">
+              <a:defRPr sz="4200">
                 <a:solidFill>
                   <a:srgbClr val="000000"/>
                 </a:solidFill>
@@ -6052,7 +6052,7 @@
           </a:p>
           <a:p>
             <a:pPr algn="ctr">
-              <a:defRPr sz="3600">
+              <a:defRPr sz="4200">
                 <a:solidFill>
                   <a:srgbClr val="000000"/>
                 </a:solidFill>
@@ -6098,7 +6098,7 @@
           <a:lstStyle/>
           <a:p>
             <a:pPr>
-              <a:defRPr b="1"/>
+              <a:defRPr b="1" sz="4200"/>
             </a:pPr>
             <a:r>
               <a:t>11 - Comunhão</a:t>
@@ -6122,7 +6122,7 @@
           <a:lstStyle/>
           <a:p>
             <a:pPr algn="ctr">
-              <a:defRPr sz="3600">
+              <a:defRPr sz="4200">
                 <a:solidFill>
                   <a:srgbClr val="000000"/>
                 </a:solidFill>
@@ -6134,7 +6134,7 @@
           </a:p>
           <a:p>
             <a:pPr algn="ctr">
-              <a:defRPr sz="3600">
+              <a:defRPr sz="4200">
                 <a:solidFill>
                   <a:srgbClr val="000000"/>
                 </a:solidFill>
@@ -6146,7 +6146,7 @@
           </a:p>
           <a:p>
             <a:pPr algn="ctr">
-              <a:defRPr sz="3600">
+              <a:defRPr sz="4200">
                 <a:solidFill>
                   <a:srgbClr val="000000"/>
                 </a:solidFill>
@@ -6158,7 +6158,7 @@
           </a:p>
           <a:p>
             <a:pPr algn="ctr">
-              <a:defRPr sz="3600">
+              <a:defRPr sz="4200">
                 <a:solidFill>
                   <a:srgbClr val="000000"/>
                 </a:solidFill>
@@ -6204,7 +6204,7 @@
           <a:lstStyle/>
           <a:p>
             <a:pPr>
-              <a:defRPr b="1"/>
+              <a:defRPr b="1" sz="4200"/>
             </a:pPr>
             <a:r>
               <a:t>11 - Comunhão</a:t>
@@ -6228,7 +6228,7 @@
           <a:lstStyle/>
           <a:p>
             <a:pPr algn="ctr">
-              <a:defRPr sz="3600">
+              <a:defRPr sz="4200">
                 <a:solidFill>
                   <a:srgbClr val="000000"/>
                 </a:solidFill>
@@ -6240,7 +6240,7 @@
           </a:p>
           <a:p>
             <a:pPr algn="ctr">
-              <a:defRPr sz="3600">
+              <a:defRPr sz="4200">
                 <a:solidFill>
                   <a:srgbClr val="000000"/>
                 </a:solidFill>
@@ -6252,7 +6252,7 @@
           </a:p>
           <a:p>
             <a:pPr algn="ctr">
-              <a:defRPr sz="3600">
+              <a:defRPr sz="4200">
                 <a:solidFill>
                   <a:srgbClr val="000000"/>
                 </a:solidFill>
@@ -6298,7 +6298,7 @@
           <a:lstStyle/>
           <a:p>
             <a:pPr>
-              <a:defRPr b="1"/>
+              <a:defRPr b="1" sz="4200"/>
             </a:pPr>
             <a:r>
               <a:t>11 - Comunhão</a:t>
@@ -6322,7 +6322,7 @@
           <a:lstStyle/>
           <a:p>
             <a:pPr algn="ctr">
-              <a:defRPr sz="3600">
+              <a:defRPr sz="4200">
                 <a:solidFill>
                   <a:srgbClr val="000000"/>
                 </a:solidFill>
@@ -6334,7 +6334,7 @@
           </a:p>
           <a:p>
             <a:pPr algn="ctr">
-              <a:defRPr sz="3600">
+              <a:defRPr sz="4200">
                 <a:solidFill>
                   <a:srgbClr val="000000"/>
                 </a:solidFill>
@@ -6346,7 +6346,7 @@
           </a:p>
           <a:p>
             <a:pPr algn="ctr">
-              <a:defRPr sz="3600">
+              <a:defRPr sz="4200">
                 <a:solidFill>
                   <a:srgbClr val="000000"/>
                 </a:solidFill>
@@ -6358,7 +6358,7 @@
           </a:p>
           <a:p>
             <a:pPr algn="ctr">
-              <a:defRPr sz="3600">
+              <a:defRPr sz="4200">
                 <a:solidFill>
                   <a:srgbClr val="000000"/>
                 </a:solidFill>
@@ -6404,7 +6404,7 @@
           <a:lstStyle/>
           <a:p>
             <a:pPr>
-              <a:defRPr b="1"/>
+              <a:defRPr b="1" sz="4200"/>
             </a:pPr>
             <a:r>
               <a:t>2 - Canto de Abertura</a:t>
@@ -6428,7 +6428,7 @@
           <a:lstStyle/>
           <a:p>
             <a:pPr algn="ctr">
-              <a:defRPr sz="3600">
+              <a:defRPr sz="4200">
                 <a:solidFill>
                   <a:srgbClr val="000000"/>
                 </a:solidFill>
@@ -6440,7 +6440,7 @@
           </a:p>
           <a:p>
             <a:pPr algn="ctr">
-              <a:defRPr sz="3600">
+              <a:defRPr sz="4200">
                 <a:solidFill>
                   <a:srgbClr val="000000"/>
                 </a:solidFill>
@@ -6452,7 +6452,7 @@
           </a:p>
           <a:p>
             <a:pPr algn="ctr">
-              <a:defRPr sz="3600">
+              <a:defRPr sz="4200">
                 <a:solidFill>
                   <a:srgbClr val="000000"/>
                 </a:solidFill>
@@ -6464,7 +6464,7 @@
           </a:p>
           <a:p>
             <a:pPr algn="ctr">
-              <a:defRPr sz="3600">
+              <a:defRPr sz="4200">
                 <a:solidFill>
                   <a:srgbClr val="000000"/>
                 </a:solidFill>
@@ -6510,7 +6510,7 @@
           <a:lstStyle/>
           <a:p>
             <a:pPr>
-              <a:defRPr b="1"/>
+              <a:defRPr b="1" sz="4200"/>
             </a:pPr>
             <a:r>
               <a:t>11 - Comunhão</a:t>
@@ -6534,7 +6534,7 @@
           <a:lstStyle/>
           <a:p>
             <a:pPr algn="ctr">
-              <a:defRPr sz="3600">
+              <a:defRPr sz="4200">
                 <a:solidFill>
                   <a:srgbClr val="000000"/>
                 </a:solidFill>
@@ -6546,7 +6546,7 @@
           </a:p>
           <a:p>
             <a:pPr algn="ctr">
-              <a:defRPr sz="3600">
+              <a:defRPr sz="4200">
                 <a:solidFill>
                   <a:srgbClr val="000000"/>
                 </a:solidFill>
@@ -6558,7 +6558,7 @@
           </a:p>
           <a:p>
             <a:pPr algn="ctr">
-              <a:defRPr sz="3600">
+              <a:defRPr sz="4200">
                 <a:solidFill>
                   <a:srgbClr val="000000"/>
                 </a:solidFill>
@@ -6604,7 +6604,7 @@
           <a:lstStyle/>
           <a:p>
             <a:pPr>
-              <a:defRPr b="1"/>
+              <a:defRPr b="1" sz="4200"/>
             </a:pPr>
             <a:r>
               <a:t>12 - Final</a:t>
@@ -6628,7 +6628,7 @@
           <a:lstStyle/>
           <a:p>
             <a:pPr algn="ctr">
-              <a:defRPr sz="3600">
+              <a:defRPr sz="4200">
                 <a:solidFill>
                   <a:srgbClr val="000000"/>
                 </a:solidFill>
@@ -6640,7 +6640,7 @@
           </a:p>
           <a:p>
             <a:pPr algn="ctr">
-              <a:defRPr sz="3600">
+              <a:defRPr sz="4200">
                 <a:solidFill>
                   <a:srgbClr val="000000"/>
                 </a:solidFill>
@@ -6686,7 +6686,7 @@
           <a:lstStyle/>
           <a:p>
             <a:pPr>
-              <a:defRPr b="1"/>
+              <a:defRPr b="1" sz="4200"/>
             </a:pPr>
             <a:r>
               <a:t>12 - Final</a:t>
@@ -6710,7 +6710,7 @@
           <a:lstStyle/>
           <a:p>
             <a:pPr algn="ctr">
-              <a:defRPr sz="3600">
+              <a:defRPr sz="4200">
                 <a:solidFill>
                   <a:srgbClr val="000000"/>
                 </a:solidFill>
@@ -6722,7 +6722,7 @@
           </a:p>
           <a:p>
             <a:pPr algn="ctr">
-              <a:defRPr sz="3600">
+              <a:defRPr sz="4200">
                 <a:solidFill>
                   <a:srgbClr val="000000"/>
                 </a:solidFill>
@@ -6768,7 +6768,7 @@
           <a:lstStyle/>
           <a:p>
             <a:pPr>
-              <a:defRPr b="1"/>
+              <a:defRPr b="1" sz="4200"/>
             </a:pPr>
             <a:r>
               <a:t>12 - Final</a:t>
@@ -6792,7 +6792,7 @@
           <a:lstStyle/>
           <a:p>
             <a:pPr algn="ctr">
-              <a:defRPr sz="3600">
+              <a:defRPr sz="4200">
                 <a:solidFill>
                   <a:srgbClr val="000000"/>
                 </a:solidFill>
@@ -6804,7 +6804,7 @@
           </a:p>
           <a:p>
             <a:pPr algn="ctr">
-              <a:defRPr sz="3600">
+              <a:defRPr sz="4200">
                 <a:solidFill>
                   <a:srgbClr val="000000"/>
                 </a:solidFill>
@@ -6850,7 +6850,7 @@
           <a:lstStyle/>
           <a:p>
             <a:pPr>
-              <a:defRPr b="1"/>
+              <a:defRPr b="1" sz="4200"/>
             </a:pPr>
             <a:r>
               <a:t>2 - Canto de Abertura</a:t>
@@ -6874,7 +6874,7 @@
           <a:lstStyle/>
           <a:p>
             <a:pPr algn="ctr">
-              <a:defRPr sz="3600">
+              <a:defRPr sz="4200">
                 <a:solidFill>
                   <a:srgbClr val="000000"/>
                 </a:solidFill>
@@ -6886,7 +6886,7 @@
           </a:p>
           <a:p>
             <a:pPr algn="ctr">
-              <a:defRPr sz="3600">
+              <a:defRPr sz="4200">
                 <a:solidFill>
                   <a:srgbClr val="000000"/>
                 </a:solidFill>
@@ -6898,7 +6898,7 @@
           </a:p>
           <a:p>
             <a:pPr algn="ctr">
-              <a:defRPr sz="3600">
+              <a:defRPr sz="4200">
                 <a:solidFill>
                   <a:srgbClr val="000000"/>
                 </a:solidFill>
@@ -6910,7 +6910,7 @@
           </a:p>
           <a:p>
             <a:pPr algn="ctr">
-              <a:defRPr sz="3600">
+              <a:defRPr sz="4200">
                 <a:solidFill>
                   <a:srgbClr val="000000"/>
                 </a:solidFill>
@@ -6922,7 +6922,7 @@
           </a:p>
           <a:p>
             <a:pPr algn="ctr">
-              <a:defRPr sz="3600">
+              <a:defRPr sz="4200">
                 <a:solidFill>
                   <a:srgbClr val="000000"/>
                 </a:solidFill>
@@ -6934,7 +6934,7 @@
           </a:p>
           <a:p>
             <a:pPr algn="ctr">
-              <a:defRPr sz="3600">
+              <a:defRPr sz="4200">
                 <a:solidFill>
                   <a:srgbClr val="000000"/>
                 </a:solidFill>
@@ -6946,7 +6946,7 @@
           </a:p>
           <a:p>
             <a:pPr algn="ctr">
-              <a:defRPr sz="3600">
+              <a:defRPr sz="4200">
                 <a:solidFill>
                   <a:srgbClr val="000000"/>
                 </a:solidFill>
@@ -6992,7 +6992,7 @@
           <a:lstStyle/>
           <a:p>
             <a:pPr>
-              <a:defRPr b="1"/>
+              <a:defRPr b="1" sz="4200"/>
             </a:pPr>
             <a:r>
               <a:t>2 - Canto de Abertura</a:t>
@@ -7016,7 +7016,7 @@
           <a:lstStyle/>
           <a:p>
             <a:pPr algn="ctr">
-              <a:defRPr sz="3600">
+              <a:defRPr sz="4200">
                 <a:solidFill>
                   <a:srgbClr val="000000"/>
                 </a:solidFill>
@@ -7028,7 +7028,7 @@
           </a:p>
           <a:p>
             <a:pPr algn="ctr">
-              <a:defRPr sz="3600">
+              <a:defRPr sz="4200">
                 <a:solidFill>
                   <a:srgbClr val="000000"/>
                 </a:solidFill>
@@ -7040,7 +7040,7 @@
           </a:p>
           <a:p>
             <a:pPr algn="ctr">
-              <a:defRPr sz="3600">
+              <a:defRPr sz="4200">
                 <a:solidFill>
                   <a:srgbClr val="000000"/>
                 </a:solidFill>
@@ -7052,7 +7052,7 @@
           </a:p>
           <a:p>
             <a:pPr algn="ctr">
-              <a:defRPr sz="3600">
+              <a:defRPr sz="4200">
                 <a:solidFill>
                   <a:srgbClr val="000000"/>
                 </a:solidFill>
@@ -7098,7 +7098,7 @@
           <a:lstStyle/>
           <a:p>
             <a:pPr>
-              <a:defRPr b="1"/>
+              <a:defRPr b="1" sz="4200"/>
             </a:pPr>
             <a:r>
               <a:t>2 - Canto de Abertura</a:t>
@@ -7122,7 +7122,7 @@
           <a:lstStyle/>
           <a:p>
             <a:pPr algn="ctr">
-              <a:defRPr sz="3600">
+              <a:defRPr sz="4200">
                 <a:solidFill>
                   <a:srgbClr val="000000"/>
                 </a:solidFill>
@@ -7134,7 +7134,7 @@
           </a:p>
           <a:p>
             <a:pPr algn="ctr">
-              <a:defRPr sz="3600">
+              <a:defRPr sz="4200">
                 <a:solidFill>
                   <a:srgbClr val="000000"/>
                 </a:solidFill>
@@ -7146,7 +7146,7 @@
           </a:p>
           <a:p>
             <a:pPr algn="ctr">
-              <a:defRPr sz="3600">
+              <a:defRPr sz="4200">
                 <a:solidFill>
                   <a:srgbClr val="000000"/>
                 </a:solidFill>
@@ -7158,7 +7158,7 @@
           </a:p>
           <a:p>
             <a:pPr algn="ctr">
-              <a:defRPr sz="3600">
+              <a:defRPr sz="4200">
                 <a:solidFill>
                   <a:srgbClr val="000000"/>
                 </a:solidFill>
@@ -7204,7 +7204,7 @@
           <a:lstStyle/>
           <a:p>
             <a:pPr>
-              <a:defRPr b="1"/>
+              <a:defRPr b="1" sz="4200"/>
             </a:pPr>
             <a:r>
               <a:t>2 - Canto de Abertura</a:t>
@@ -7228,7 +7228,7 @@
           <a:lstStyle/>
           <a:p>
             <a:pPr algn="ctr">
-              <a:defRPr sz="3600">
+              <a:defRPr sz="4200">
                 <a:solidFill>
                   <a:srgbClr val="000000"/>
                 </a:solidFill>
@@ -7240,7 +7240,7 @@
           </a:p>
           <a:p>
             <a:pPr algn="ctr">
-              <a:defRPr sz="3600">
+              <a:defRPr sz="4200">
                 <a:solidFill>
                   <a:srgbClr val="000000"/>
                 </a:solidFill>
@@ -7252,7 +7252,7 @@
           </a:p>
           <a:p>
             <a:pPr algn="ctr">
-              <a:defRPr sz="3600">
+              <a:defRPr sz="4200">
                 <a:solidFill>
                   <a:srgbClr val="000000"/>
                 </a:solidFill>
@@ -7264,7 +7264,7 @@
           </a:p>
           <a:p>
             <a:pPr algn="ctr">
-              <a:defRPr sz="3600">
+              <a:defRPr sz="4200">
                 <a:solidFill>
                   <a:srgbClr val="000000"/>
                 </a:solidFill>
@@ -7276,7 +7276,7 @@
           </a:p>
           <a:p>
             <a:pPr algn="ctr">
-              <a:defRPr sz="3600">
+              <a:defRPr sz="4200">
                 <a:solidFill>
                   <a:srgbClr val="000000"/>
                 </a:solidFill>
@@ -7288,7 +7288,7 @@
           </a:p>
           <a:p>
             <a:pPr algn="ctr">
-              <a:defRPr sz="3600">
+              <a:defRPr sz="4200">
                 <a:solidFill>
                   <a:srgbClr val="000000"/>
                 </a:solidFill>
@@ -7300,7 +7300,7 @@
           </a:p>
           <a:p>
             <a:pPr algn="ctr">
-              <a:defRPr sz="3600">
+              <a:defRPr sz="4200">
                 <a:solidFill>
                   <a:srgbClr val="000000"/>
                 </a:solidFill>
@@ -7346,7 +7346,7 @@
           <a:lstStyle/>
           <a:p>
             <a:pPr>
-              <a:defRPr b="1"/>
+              <a:defRPr b="1" sz="4200"/>
             </a:pPr>
             <a:r>
               <a:t>2 - Canto de Abertura</a:t>
@@ -7370,7 +7370,7 @@
           <a:lstStyle/>
           <a:p>
             <a:pPr algn="ctr">
-              <a:defRPr sz="3600">
+              <a:defRPr sz="4200">
                 <a:solidFill>
                   <a:srgbClr val="000000"/>
                 </a:solidFill>
@@ -7382,7 +7382,7 @@
           </a:p>
           <a:p>
             <a:pPr algn="ctr">
-              <a:defRPr sz="3600">
+              <a:defRPr sz="4200">
                 <a:solidFill>
                   <a:srgbClr val="000000"/>
                 </a:solidFill>
@@ -7394,7 +7394,7 @@
           </a:p>
           <a:p>
             <a:pPr algn="ctr">
-              <a:defRPr sz="3600">
+              <a:defRPr sz="4200">
                 <a:solidFill>
                   <a:srgbClr val="000000"/>
                 </a:solidFill>
@@ -7406,7 +7406,7 @@
           </a:p>
           <a:p>
             <a:pPr algn="ctr">
-              <a:defRPr sz="3600">
+              <a:defRPr sz="4200">
                 <a:solidFill>
                   <a:srgbClr val="000000"/>
                 </a:solidFill>

--- a/slides.pptx
+++ b/slides.pptx
@@ -48,6 +48,17 @@
     <p:sldId id="296" r:id="rId47"/>
     <p:sldId id="297" r:id="rId48"/>
     <p:sldId id="298" r:id="rId49"/>
+    <p:sldId id="299" r:id="rId50"/>
+    <p:sldId id="300" r:id="rId51"/>
+    <p:sldId id="301" r:id="rId52"/>
+    <p:sldId id="302" r:id="rId53"/>
+    <p:sldId id="303" r:id="rId54"/>
+    <p:sldId id="304" r:id="rId55"/>
+    <p:sldId id="305" r:id="rId56"/>
+    <p:sldId id="306" r:id="rId57"/>
+    <p:sldId id="307" r:id="rId58"/>
+    <p:sldId id="308" r:id="rId59"/>
+    <p:sldId id="309" r:id="rId60"/>
   </p:sldIdLst>
   <p:sldSz cx="9144000" cy="6858000" type="screen4x3"/>
   <p:notesSz cx="6858000" cy="9144000"/>
@@ -3149,7 +3160,7 @@
               <a:defRPr b="1" sz="4200"/>
             </a:pPr>
             <a:r>
-              <a:t>1 - Refrão Orante</a:t>
+              <a:t>1 - Que Entre o Rei (part. Dunga) - Ministério</a:t>
             </a:r>
           </a:p>
         </p:txBody>
@@ -3170,26 +3181,50 @@
           <a:lstStyle/>
           <a:p>
             <a:pPr algn="ctr">
-              <a:defRPr sz="4200">
-                <a:solidFill>
-                  <a:srgbClr val="000000"/>
-                </a:solidFill>
-              </a:defRPr>
-            </a:pPr>
-            <a:r>
-              <a:t>Jesus, tu és a luz dos olhos meus</a:t>
-            </a:r>
-          </a:p>
-          <a:p>
-            <a:pPr algn="ctr">
-              <a:defRPr sz="4200">
-                <a:solidFill>
-                  <a:srgbClr val="000000"/>
-                </a:solidFill>
-              </a:defRPr>
-            </a:pPr>
-            <a:r>
-              <a:t>Jesus, brilhe esta luz nos passos meus seguindo os teus</a:t>
+              <a:defRPr sz="5900">
+                <a:solidFill>
+                  <a:srgbClr val="000000"/>
+                </a:solidFill>
+              </a:defRPr>
+            </a:pPr>
+            <a:r>
+              <a:t>Que entre o Rei</a:t>
+            </a:r>
+          </a:p>
+          <a:p>
+            <a:pPr algn="ctr">
+              <a:defRPr sz="5900">
+                <a:solidFill>
+                  <a:srgbClr val="000000"/>
+                </a:solidFill>
+              </a:defRPr>
+            </a:pPr>
+            <a:r>
+              <a:t>E a nós venha o seu Reino</a:t>
+            </a:r>
+          </a:p>
+          <a:p>
+            <a:pPr algn="ctr">
+              <a:defRPr sz="5900">
+                <a:solidFill>
+                  <a:srgbClr val="000000"/>
+                </a:solidFill>
+              </a:defRPr>
+            </a:pPr>
+            <a:r>
+              <a:t>Que entre o Rei</a:t>
+            </a:r>
+          </a:p>
+          <a:p>
+            <a:pPr algn="ctr">
+              <a:defRPr sz="5900">
+                <a:solidFill>
+                  <a:srgbClr val="000000"/>
+                </a:solidFill>
+              </a:defRPr>
+            </a:pPr>
+            <a:r>
+              <a:t>Poderoso</a:t>
             </a:r>
           </a:p>
         </p:txBody>
@@ -3219,73 +3254,31 @@
             <a:spLocks noGrp="1"/>
           </p:cNvSpPr>
           <p:nvPr>
-            <p:ph type="title"/>
-          </p:nvPr>
-        </p:nvSpPr>
-        <p:spPr/>
-        <p:txBody>
-          <a:bodyPr/>
-          <a:lstStyle/>
-          <a:p>
-            <a:pPr>
-              <a:defRPr b="1" sz="4200"/>
-            </a:pPr>
-            <a:r>
-              <a:t>3 - Ato Penitencial</a:t>
-            </a:r>
-          </a:p>
-        </p:txBody>
-      </p:sp>
-      <p:sp>
-        <p:nvSpPr>
-          <p:cNvPr id="3" name="Content Placeholder 2"/>
-          <p:cNvSpPr>
-            <a:spLocks noGrp="1"/>
-          </p:cNvSpPr>
-          <p:nvPr>
-            <p:ph idx="1"/>
-          </p:nvPr>
-        </p:nvSpPr>
-        <p:spPr/>
-        <p:txBody>
-          <a:bodyPr/>
-          <a:lstStyle/>
-          <a:p>
-            <a:pPr algn="ctr">
-              <a:defRPr sz="4200">
-                <a:solidFill>
-                  <a:srgbClr val="000000"/>
-                </a:solidFill>
-              </a:defRPr>
-            </a:pPr>
-            <a:r>
-              <a:t>Senhor que vieste salvar</a:t>
-            </a:r>
-          </a:p>
-          <a:p>
-            <a:pPr algn="ctr">
-              <a:defRPr sz="4200">
-                <a:solidFill>
-                  <a:srgbClr val="000000"/>
-                </a:solidFill>
-              </a:defRPr>
-            </a:pPr>
-            <a:r>
-              <a:t>Os corações arrependidos</a:t>
-            </a:r>
-          </a:p>
-          <a:p>
-            <a:pPr algn="ctr">
-              <a:defRPr sz="4200">
-                <a:solidFill>
-                  <a:srgbClr val="000000"/>
-                </a:solidFill>
-              </a:defRPr>
-            </a:pPr>
-            <a:r>
-              <a:t>Kyrie Eleison, Eleison, Eleison (2x)</a:t>
-            </a:r>
-          </a:p>
+            <p:ph type="ctrTitle"/>
+          </p:nvPr>
+        </p:nvSpPr>
+        <p:spPr/>
+        <p:txBody>
+          <a:bodyPr/>
+          <a:lstStyle/>
+          <a:p/>
+        </p:txBody>
+      </p:sp>
+      <p:sp>
+        <p:nvSpPr>
+          <p:cNvPr id="3" name="Subtitle 2"/>
+          <p:cNvSpPr>
+            <a:spLocks noGrp="1"/>
+          </p:cNvSpPr>
+          <p:nvPr>
+            <p:ph type="subTitle" idx="1"/>
+          </p:nvPr>
+        </p:nvSpPr>
+        <p:spPr/>
+        <p:txBody>
+          <a:bodyPr/>
+          <a:lstStyle/>
+          <a:p/>
         </p:txBody>
       </p:sp>
     </p:spTree>
@@ -3325,7 +3318,7 @@
               <a:defRPr b="1" sz="4200"/>
             </a:pPr>
             <a:r>
-              <a:t>3 - Ato Penitencial</a:t>
+              <a:t>3 - Glória - Banda Capella</a:t>
             </a:r>
           </a:p>
         </p:txBody>
@@ -3346,38 +3339,14 @@
           <a:lstStyle/>
           <a:p>
             <a:pPr algn="ctr">
-              <a:defRPr sz="4200">
-                <a:solidFill>
-                  <a:srgbClr val="000000"/>
-                </a:solidFill>
-              </a:defRPr>
-            </a:pPr>
-            <a:r>
-              <a:t>O Cristo que vieste chamar</a:t>
-            </a:r>
-          </a:p>
-          <a:p>
-            <a:pPr algn="ctr">
-              <a:defRPr sz="4200">
-                <a:solidFill>
-                  <a:srgbClr val="000000"/>
-                </a:solidFill>
-              </a:defRPr>
-            </a:pPr>
-            <a:r>
-              <a:t>Os pecadores humilhados</a:t>
-            </a:r>
-          </a:p>
-          <a:p>
-            <a:pPr algn="ctr">
-              <a:defRPr sz="4200">
-                <a:solidFill>
-                  <a:srgbClr val="000000"/>
-                </a:solidFill>
-              </a:defRPr>
-            </a:pPr>
-            <a:r>
-              <a:t>Christe Eleison, Eleison, Eleison (2x)</a:t>
+              <a:defRPr sz="9100">
+                <a:solidFill>
+                  <a:srgbClr val="000000"/>
+                </a:solidFill>
+              </a:defRPr>
+            </a:pPr>
+            <a:r>
+              <a:t>Glória, glória, glória, glória</a:t>
             </a:r>
           </a:p>
         </p:txBody>
@@ -3419,7 +3388,7 @@
               <a:defRPr b="1" sz="4200"/>
             </a:pPr>
             <a:r>
-              <a:t>3 - Ato Penitencial</a:t>
+              <a:t>3 - Glória - Banda Capella</a:t>
             </a:r>
           </a:p>
         </p:txBody>
@@ -3440,38 +3409,50 @@
           <a:lstStyle/>
           <a:p>
             <a:pPr algn="ctr">
-              <a:defRPr sz="4200">
-                <a:solidFill>
-                  <a:srgbClr val="000000"/>
-                </a:solidFill>
-              </a:defRPr>
-            </a:pPr>
-            <a:r>
-              <a:t>Senhor que intercedeis por nós</a:t>
-            </a:r>
-          </a:p>
-          <a:p>
-            <a:pPr algn="ctr">
-              <a:defRPr sz="4200">
-                <a:solidFill>
-                  <a:srgbClr val="000000"/>
-                </a:solidFill>
-              </a:defRPr>
-            </a:pPr>
-            <a:r>
-              <a:t>Juntos a Deus Pai que nos perdoa</a:t>
-            </a:r>
-          </a:p>
-          <a:p>
-            <a:pPr algn="ctr">
-              <a:defRPr sz="4200">
-                <a:solidFill>
-                  <a:srgbClr val="000000"/>
-                </a:solidFill>
-              </a:defRPr>
-            </a:pPr>
-            <a:r>
-              <a:t>Kyrie Eleison, Eleison, Eleison (2x)</a:t>
+              <a:defRPr sz="4600">
+                <a:solidFill>
+                  <a:srgbClr val="000000"/>
+                </a:solidFill>
+              </a:defRPr>
+            </a:pPr>
+            <a:r>
+              <a:t>Glória a Deus lá nas alturas</a:t>
+            </a:r>
+          </a:p>
+          <a:p>
+            <a:pPr algn="ctr">
+              <a:defRPr sz="4600">
+                <a:solidFill>
+                  <a:srgbClr val="000000"/>
+                </a:solidFill>
+              </a:defRPr>
+            </a:pPr>
+            <a:r>
+              <a:t>Paz na terra aos seus amados</a:t>
+            </a:r>
+          </a:p>
+          <a:p>
+            <a:pPr algn="ctr">
+              <a:defRPr sz="4600">
+                <a:solidFill>
+                  <a:srgbClr val="000000"/>
+                </a:solidFill>
+              </a:defRPr>
+            </a:pPr>
+            <a:r>
+              <a:t>A vos louvam Rei celeste</a:t>
+            </a:r>
+          </a:p>
+          <a:p>
+            <a:pPr algn="ctr">
+              <a:defRPr sz="4600">
+                <a:solidFill>
+                  <a:srgbClr val="000000"/>
+                </a:solidFill>
+              </a:defRPr>
+            </a:pPr>
+            <a:r>
+              <a:t>Os que foram libertados</a:t>
             </a:r>
           </a:p>
         </p:txBody>
@@ -3513,7 +3494,7 @@
               <a:defRPr b="1" sz="4200"/>
             </a:pPr>
             <a:r>
-              <a:t>4 - Hino de Louvor</a:t>
+              <a:t>3 - Glória - Banda Capella</a:t>
             </a:r>
           </a:p>
         </p:txBody>
@@ -3534,38 +3515,50 @@
           <a:lstStyle/>
           <a:p>
             <a:pPr algn="ctr">
-              <a:defRPr sz="4200">
-                <a:solidFill>
-                  <a:srgbClr val="000000"/>
-                </a:solidFill>
-              </a:defRPr>
-            </a:pPr>
-            <a:r>
-              <a:t>Glória A Deus Nas Alturas</a:t>
-            </a:r>
-          </a:p>
-          <a:p>
-            <a:pPr algn="ctr">
-              <a:defRPr sz="4200">
-                <a:solidFill>
-                  <a:srgbClr val="000000"/>
-                </a:solidFill>
-              </a:defRPr>
-            </a:pPr>
-            <a:r>
-              <a:t>E Paz Na Terra Aos Homens Por Ele Amados.</a:t>
-            </a:r>
-          </a:p>
-          <a:p>
-            <a:pPr algn="ctr">
-              <a:defRPr sz="4200">
-                <a:solidFill>
-                  <a:srgbClr val="000000"/>
-                </a:solidFill>
-              </a:defRPr>
-            </a:pPr>
-            <a:r>
-              <a:t>Senhor Deus, Rei Dos Céus, Deus Pai Todo Poderoso:</a:t>
+              <a:defRPr sz="4800">
+                <a:solidFill>
+                  <a:srgbClr val="000000"/>
+                </a:solidFill>
+              </a:defRPr>
+            </a:pPr>
+            <a:r>
+              <a:t>Deus e Pai nós Vos louvamos</a:t>
+            </a:r>
+          </a:p>
+          <a:p>
+            <a:pPr algn="ctr">
+              <a:defRPr sz="4800">
+                <a:solidFill>
+                  <a:srgbClr val="000000"/>
+                </a:solidFill>
+              </a:defRPr>
+            </a:pPr>
+            <a:r>
+              <a:t>Adoramos, bendizemos</a:t>
+            </a:r>
+          </a:p>
+          <a:p>
+            <a:pPr algn="ctr">
+              <a:defRPr sz="4800">
+                <a:solidFill>
+                  <a:srgbClr val="000000"/>
+                </a:solidFill>
+              </a:defRPr>
+            </a:pPr>
+            <a:r>
+              <a:t>Damos glória ao Vosso nome</a:t>
+            </a:r>
+          </a:p>
+          <a:p>
+            <a:pPr algn="ctr">
+              <a:defRPr sz="4800">
+                <a:solidFill>
+                  <a:srgbClr val="000000"/>
+                </a:solidFill>
+              </a:defRPr>
+            </a:pPr>
+            <a:r>
+              <a:t>Vossos dons agradecemos</a:t>
             </a:r>
           </a:p>
         </p:txBody>
@@ -3607,7 +3600,7 @@
               <a:defRPr b="1" sz="4200"/>
             </a:pPr>
             <a:r>
-              <a:t>4 - Hino de Louvor</a:t>
+              <a:t>3 - Glória - Banda Capella</a:t>
             </a:r>
           </a:p>
         </p:txBody>
@@ -3628,62 +3621,50 @@
           <a:lstStyle/>
           <a:p>
             <a:pPr algn="ctr">
-              <a:defRPr sz="4200">
-                <a:solidFill>
-                  <a:srgbClr val="000000"/>
-                </a:solidFill>
-              </a:defRPr>
-            </a:pPr>
-            <a:r>
-              <a:t>Nós Vos Louvamos,</a:t>
-            </a:r>
-          </a:p>
-          <a:p>
-            <a:pPr algn="ctr">
-              <a:defRPr sz="4200">
-                <a:solidFill>
-                  <a:srgbClr val="000000"/>
-                </a:solidFill>
-              </a:defRPr>
-            </a:pPr>
-            <a:r>
-              <a:t>Nós Vos Bendizemos,</a:t>
-            </a:r>
-          </a:p>
-          <a:p>
-            <a:pPr algn="ctr">
-              <a:defRPr sz="4200">
-                <a:solidFill>
-                  <a:srgbClr val="000000"/>
-                </a:solidFill>
-              </a:defRPr>
-            </a:pPr>
-            <a:r>
-              <a:t>Nós Vos Adoramos,</a:t>
-            </a:r>
-          </a:p>
-          <a:p>
-            <a:pPr algn="ctr">
-              <a:defRPr sz="4200">
-                <a:solidFill>
-                  <a:srgbClr val="000000"/>
-                </a:solidFill>
-              </a:defRPr>
-            </a:pPr>
-            <a:r>
-              <a:t>Nós Vos Glorificamos,</a:t>
-            </a:r>
-          </a:p>
-          <a:p>
-            <a:pPr algn="ctr">
-              <a:defRPr sz="4200">
-                <a:solidFill>
-                  <a:srgbClr val="000000"/>
-                </a:solidFill>
-              </a:defRPr>
-            </a:pPr>
-            <a:r>
-              <a:t>Nós Vos Damos Graças, Por Vossa Imensa Glória.</a:t>
+              <a:defRPr sz="4900">
+                <a:solidFill>
+                  <a:srgbClr val="000000"/>
+                </a:solidFill>
+              </a:defRPr>
+            </a:pPr>
+            <a:r>
+              <a:t>Senhor, nosso Jesus Cristo</a:t>
+            </a:r>
+          </a:p>
+          <a:p>
+            <a:pPr algn="ctr">
+              <a:defRPr sz="4900">
+                <a:solidFill>
+                  <a:srgbClr val="000000"/>
+                </a:solidFill>
+              </a:defRPr>
+            </a:pPr>
+            <a:r>
+              <a:t>Unigênito do Pai</a:t>
+            </a:r>
+          </a:p>
+          <a:p>
+            <a:pPr algn="ctr">
+              <a:defRPr sz="4900">
+                <a:solidFill>
+                  <a:srgbClr val="000000"/>
+                </a:solidFill>
+              </a:defRPr>
+            </a:pPr>
+            <a:r>
+              <a:t>Voz de Deus, Cordeiro Santo</a:t>
+            </a:r>
+          </a:p>
+          <a:p>
+            <a:pPr algn="ctr">
+              <a:defRPr sz="4900">
+                <a:solidFill>
+                  <a:srgbClr val="000000"/>
+                </a:solidFill>
+              </a:defRPr>
+            </a:pPr>
+            <a:r>
+              <a:t>Nossas culpas, perdoai</a:t>
             </a:r>
           </a:p>
         </p:txBody>
@@ -3725,7 +3706,7 @@
               <a:defRPr b="1" sz="4200"/>
             </a:pPr>
             <a:r>
-              <a:t>4 - Hino de Louvor</a:t>
+              <a:t>3 - Glória - Banda Capella</a:t>
             </a:r>
           </a:p>
         </p:txBody>
@@ -3746,26 +3727,50 @@
           <a:lstStyle/>
           <a:p>
             <a:pPr algn="ctr">
-              <a:defRPr sz="4200">
-                <a:solidFill>
-                  <a:srgbClr val="000000"/>
-                </a:solidFill>
-              </a:defRPr>
-            </a:pPr>
-            <a:r>
-              <a:t>Senhor Jesus Cristo, Filho Unigênito,</a:t>
-            </a:r>
-          </a:p>
-          <a:p>
-            <a:pPr algn="ctr">
-              <a:defRPr sz="4200">
-                <a:solidFill>
-                  <a:srgbClr val="000000"/>
-                </a:solidFill>
-              </a:defRPr>
-            </a:pPr>
-            <a:r>
-              <a:t>Senhor Deus, Cordeiro De Deus, Filho De Deus Pai:</a:t>
+              <a:defRPr sz="4900">
+                <a:solidFill>
+                  <a:srgbClr val="000000"/>
+                </a:solidFill>
+              </a:defRPr>
+            </a:pPr>
+            <a:r>
+              <a:t>Vós que estais junto do Pai</a:t>
+            </a:r>
+          </a:p>
+          <a:p>
+            <a:pPr algn="ctr">
+              <a:defRPr sz="4900">
+                <a:solidFill>
+                  <a:srgbClr val="000000"/>
+                </a:solidFill>
+              </a:defRPr>
+            </a:pPr>
+            <a:r>
+              <a:t>Como nosso intercessor</a:t>
+            </a:r>
+          </a:p>
+          <a:p>
+            <a:pPr algn="ctr">
+              <a:defRPr sz="4900">
+                <a:solidFill>
+                  <a:srgbClr val="000000"/>
+                </a:solidFill>
+              </a:defRPr>
+            </a:pPr>
+            <a:r>
+              <a:t>Acolhei nossos pedidos</a:t>
+            </a:r>
+          </a:p>
+          <a:p>
+            <a:pPr algn="ctr">
+              <a:defRPr sz="4900">
+                <a:solidFill>
+                  <a:srgbClr val="000000"/>
+                </a:solidFill>
+              </a:defRPr>
+            </a:pPr>
+            <a:r>
+              <a:t>Atendei nosso clamor</a:t>
             </a:r>
           </a:p>
         </p:txBody>
@@ -3807,7 +3812,7 @@
               <a:defRPr b="1" sz="4200"/>
             </a:pPr>
             <a:r>
-              <a:t>4 - Hino de Louvor</a:t>
+              <a:t>3 - Glória - Banda Capella</a:t>
             </a:r>
           </a:p>
         </p:txBody>
@@ -3828,38 +3833,50 @@
           <a:lstStyle/>
           <a:p>
             <a:pPr algn="ctr">
-              <a:defRPr sz="4200">
-                <a:solidFill>
-                  <a:srgbClr val="000000"/>
-                </a:solidFill>
-              </a:defRPr>
-            </a:pPr>
-            <a:r>
-              <a:t>Vós Que Tirais O Pecado Do Mundo, Tende Piedade De Nós;</a:t>
-            </a:r>
-          </a:p>
-          <a:p>
-            <a:pPr algn="ctr">
-              <a:defRPr sz="4200">
-                <a:solidFill>
-                  <a:srgbClr val="000000"/>
-                </a:solidFill>
-              </a:defRPr>
-            </a:pPr>
-            <a:r>
-              <a:t>Vós Que Tirais O Pecado Do Mundo, Acolhei A Nossa Súplica;</a:t>
-            </a:r>
-          </a:p>
-          <a:p>
-            <a:pPr algn="ctr">
-              <a:defRPr sz="4200">
-                <a:solidFill>
-                  <a:srgbClr val="000000"/>
-                </a:solidFill>
-              </a:defRPr>
-            </a:pPr>
-            <a:r>
-              <a:t>Vós Que Estais À Direita Do Pai, Tende Piedade De Nós.</a:t>
+              <a:defRPr sz="4900">
+                <a:solidFill>
+                  <a:srgbClr val="000000"/>
+                </a:solidFill>
+              </a:defRPr>
+            </a:pPr>
+            <a:r>
+              <a:t>Vós somente sois o Santo</a:t>
+            </a:r>
+          </a:p>
+          <a:p>
+            <a:pPr algn="ctr">
+              <a:defRPr sz="4900">
+                <a:solidFill>
+                  <a:srgbClr val="000000"/>
+                </a:solidFill>
+              </a:defRPr>
+            </a:pPr>
+            <a:r>
+              <a:t>O Altíssimo, o Senhor</a:t>
+            </a:r>
+          </a:p>
+          <a:p>
+            <a:pPr algn="ctr">
+              <a:defRPr sz="4900">
+                <a:solidFill>
+                  <a:srgbClr val="000000"/>
+                </a:solidFill>
+              </a:defRPr>
+            </a:pPr>
+            <a:r>
+              <a:t>Com o Espírito Divino</a:t>
+            </a:r>
+          </a:p>
+          <a:p>
+            <a:pPr algn="ctr">
+              <a:defRPr sz="4900">
+                <a:solidFill>
+                  <a:srgbClr val="000000"/>
+                </a:solidFill>
+              </a:defRPr>
+            </a:pPr>
+            <a:r>
+              <a:t>De Deus Pai no esplendor</a:t>
             </a:r>
           </a:p>
         </p:txBody>
@@ -3901,7 +3918,7 @@
               <a:defRPr b="1" sz="4200"/>
             </a:pPr>
             <a:r>
-              <a:t>4 - Hino de Louvor</a:t>
+              <a:t>3 - Glória - Banda Capella</a:t>
             </a:r>
           </a:p>
         </p:txBody>
@@ -3922,50 +3939,26 @@
           <a:lstStyle/>
           <a:p>
             <a:pPr algn="ctr">
-              <a:defRPr sz="4200">
-                <a:solidFill>
-                  <a:srgbClr val="000000"/>
-                </a:solidFill>
-              </a:defRPr>
-            </a:pPr>
-            <a:r>
-              <a:t>Só Vós Sois O Santo; Só Vós, O Senhor;</a:t>
-            </a:r>
-          </a:p>
-          <a:p>
-            <a:pPr algn="ctr">
-              <a:defRPr sz="4200">
-                <a:solidFill>
-                  <a:srgbClr val="000000"/>
-                </a:solidFill>
-              </a:defRPr>
-            </a:pPr>
-            <a:r>
-              <a:t>Só Vós, O Altíssimo, Jesus Cristo;</a:t>
-            </a:r>
-          </a:p>
-          <a:p>
-            <a:pPr algn="ctr">
-              <a:defRPr sz="4200">
-                <a:solidFill>
-                  <a:srgbClr val="000000"/>
-                </a:solidFill>
-              </a:defRPr>
-            </a:pPr>
-            <a:r>
-              <a:t>Com O Espírito Santo,</a:t>
-            </a:r>
-          </a:p>
-          <a:p>
-            <a:pPr algn="ctr">
-              <a:defRPr sz="4200">
-                <a:solidFill>
-                  <a:srgbClr val="000000"/>
-                </a:solidFill>
-              </a:defRPr>
-            </a:pPr>
-            <a:r>
-              <a:t>Na Glória De Deus Pai. Amém! (2x)</a:t>
+              <a:defRPr sz="9600">
+                <a:solidFill>
+                  <a:srgbClr val="000000"/>
+                </a:solidFill>
+              </a:defRPr>
+            </a:pPr>
+            <a:r>
+              <a:t>Amém, Amém, Amém, Amém</a:t>
+            </a:r>
+          </a:p>
+          <a:p>
+            <a:pPr algn="ctr">
+              <a:defRPr sz="9600">
+                <a:solidFill>
+                  <a:srgbClr val="000000"/>
+                </a:solidFill>
+              </a:defRPr>
+            </a:pPr>
+            <a:r>
+              <a:t>Amém</a:t>
             </a:r>
           </a:p>
         </p:txBody>
@@ -3995,73 +3988,31 @@
             <a:spLocks noGrp="1"/>
           </p:cNvSpPr>
           <p:nvPr>
-            <p:ph type="title"/>
-          </p:nvPr>
-        </p:nvSpPr>
-        <p:spPr/>
-        <p:txBody>
-          <a:bodyPr/>
-          <a:lstStyle/>
-          <a:p>
-            <a:pPr>
-              <a:defRPr b="1" sz="4200"/>
-            </a:pPr>
-            <a:r>
-              <a:t>5 - Primeira Leitura</a:t>
-            </a:r>
-          </a:p>
-        </p:txBody>
-      </p:sp>
-      <p:sp>
-        <p:nvSpPr>
-          <p:cNvPr id="3" name="Content Placeholder 2"/>
-          <p:cNvSpPr>
-            <a:spLocks noGrp="1"/>
-          </p:cNvSpPr>
-          <p:nvPr>
-            <p:ph idx="1"/>
-          </p:nvPr>
-        </p:nvSpPr>
-        <p:spPr/>
-        <p:txBody>
-          <a:bodyPr/>
-          <a:lstStyle/>
-          <a:p>
-            <a:pPr algn="ctr">
-              <a:defRPr sz="4200">
-                <a:solidFill>
-                  <a:srgbClr val="000000"/>
-                </a:solidFill>
-              </a:defRPr>
-            </a:pPr>
-            <a:r>
-              <a:t>A PALAVRA DE DEUS É LUZ,</a:t>
-            </a:r>
-          </a:p>
-          <a:p>
-            <a:pPr algn="ctr">
-              <a:defRPr sz="4200">
-                <a:solidFill>
-                  <a:srgbClr val="000000"/>
-                </a:solidFill>
-              </a:defRPr>
-            </a:pPr>
-            <a:r>
-              <a:t>QUE NOS GUIA NA ESCURIDÃO.</a:t>
-            </a:r>
-          </a:p>
-          <a:p>
-            <a:pPr algn="ctr">
-              <a:defRPr sz="4200">
-                <a:solidFill>
-                  <a:srgbClr val="000000"/>
-                </a:solidFill>
-              </a:defRPr>
-            </a:pPr>
-            <a:r>
-              <a:t>É SEMENTE DE PAZ, DE JUSTIÇA E PERDÃO!</a:t>
-            </a:r>
-          </a:p>
+            <p:ph type="ctrTitle"/>
+          </p:nvPr>
+        </p:nvSpPr>
+        <p:spPr/>
+        <p:txBody>
+          <a:bodyPr/>
+          <a:lstStyle/>
+          <a:p/>
+        </p:txBody>
+      </p:sp>
+      <p:sp>
+        <p:nvSpPr>
+          <p:cNvPr id="3" name="Subtitle 2"/>
+          <p:cNvSpPr>
+            <a:spLocks noGrp="1"/>
+          </p:cNvSpPr>
+          <p:nvPr>
+            <p:ph type="subTitle" idx="1"/>
+          </p:nvPr>
+        </p:nvSpPr>
+        <p:spPr/>
+        <p:txBody>
+          <a:bodyPr/>
+          <a:lstStyle/>
+          <a:p/>
         </p:txBody>
       </p:sp>
     </p:spTree>
@@ -4101,7 +4052,7 @@
               <a:defRPr b="1" sz="4200"/>
             </a:pPr>
             <a:r>
-              <a:t>6 - Salmo</a:t>
+              <a:t>4 - Senhor, que a tua Palavra - Irmã Míria T. Kolling</a:t>
             </a:r>
           </a:p>
         </p:txBody>
@@ -4122,26 +4073,26 @@
           <a:lstStyle/>
           <a:p>
             <a:pPr algn="ctr">
-              <a:defRPr sz="4200">
-                <a:solidFill>
-                  <a:srgbClr val="000000"/>
-                </a:solidFill>
-              </a:defRPr>
-            </a:pPr>
-            <a:r>
-              <a:t>O SENHOR FEZ CONHECER A SALVAÇÃO</a:t>
-            </a:r>
-          </a:p>
-          <a:p>
-            <a:pPr algn="ctr">
-              <a:defRPr sz="4200">
-                <a:solidFill>
-                  <a:srgbClr val="000000"/>
-                </a:solidFill>
-              </a:defRPr>
-            </a:pPr>
-            <a:r>
-              <a:t>E REVELOU SUA JUSTIÇA ÀS NAÇÕES.</a:t>
+              <a:defRPr sz="5000">
+                <a:solidFill>
+                  <a:srgbClr val="000000"/>
+                </a:solidFill>
+              </a:defRPr>
+            </a:pPr>
+            <a:r>
+              <a:t>Senhor, que a Tua Palavra transforme a nossa vida</a:t>
+            </a:r>
+          </a:p>
+          <a:p>
+            <a:pPr algn="ctr">
+              <a:defRPr sz="5000">
+                <a:solidFill>
+                  <a:srgbClr val="000000"/>
+                </a:solidFill>
+              </a:defRPr>
+            </a:pPr>
+            <a:r>
+              <a:t>queremos caminhar com retidão na Tua luz</a:t>
             </a:r>
           </a:p>
         </p:txBody>
@@ -4183,7 +4134,7 @@
               <a:defRPr b="1" sz="4200"/>
             </a:pPr>
             <a:r>
-              <a:t>2 - Canto de Abertura</a:t>
+              <a:t>1 - Que Entre o Rei (part. Dunga) - Ministério</a:t>
             </a:r>
           </a:p>
         </p:txBody>
@@ -4204,50 +4155,50 @@
           <a:lstStyle/>
           <a:p>
             <a:pPr algn="ctr">
-              <a:defRPr sz="4200">
-                <a:solidFill>
-                  <a:srgbClr val="000000"/>
-                </a:solidFill>
-              </a:defRPr>
-            </a:pPr>
-            <a:r>
-              <a:t>Todos reunidos na casa de Deus</a:t>
-            </a:r>
-          </a:p>
-          <a:p>
-            <a:pPr algn="ctr">
-              <a:defRPr sz="4200">
-                <a:solidFill>
-                  <a:srgbClr val="000000"/>
-                </a:solidFill>
-              </a:defRPr>
-            </a:pPr>
-            <a:r>
-              <a:t>Com cantos de alegria e grande louvor</a:t>
-            </a:r>
-          </a:p>
-          <a:p>
-            <a:pPr algn="ctr">
-              <a:defRPr sz="4200">
-                <a:solidFill>
-                  <a:srgbClr val="000000"/>
-                </a:solidFill>
-              </a:defRPr>
-            </a:pPr>
-            <a:r>
-              <a:t>Vamos celebrar os feitos do Senhor</a:t>
-            </a:r>
-          </a:p>
-          <a:p>
-            <a:pPr algn="ctr">
-              <a:defRPr sz="4200">
-                <a:solidFill>
-                  <a:srgbClr val="000000"/>
-                </a:solidFill>
-              </a:defRPr>
-            </a:pPr>
-            <a:r>
-              <a:t>E Sua bondade, que nunca tem fim (2x)</a:t>
+              <a:defRPr sz="5900">
+                <a:solidFill>
+                  <a:srgbClr val="000000"/>
+                </a:solidFill>
+              </a:defRPr>
+            </a:pPr>
+            <a:r>
+              <a:t>Que entre o Rei</a:t>
+            </a:r>
+          </a:p>
+          <a:p>
+            <a:pPr algn="ctr">
+              <a:defRPr sz="5900">
+                <a:solidFill>
+                  <a:srgbClr val="000000"/>
+                </a:solidFill>
+              </a:defRPr>
+            </a:pPr>
+            <a:r>
+              <a:t>Seu amor, sua justiça</a:t>
+            </a:r>
+          </a:p>
+          <a:p>
+            <a:pPr algn="ctr">
+              <a:defRPr sz="5900">
+                <a:solidFill>
+                  <a:srgbClr val="000000"/>
+                </a:solidFill>
+              </a:defRPr>
+            </a:pPr>
+            <a:r>
+              <a:t>Que entre o Rei</a:t>
+            </a:r>
+          </a:p>
+          <a:p>
+            <a:pPr algn="ctr">
+              <a:defRPr sz="5900">
+                <a:solidFill>
+                  <a:srgbClr val="000000"/>
+                </a:solidFill>
+              </a:defRPr>
+            </a:pPr>
+            <a:r>
+              <a:t>Rei da Glória</a:t>
             </a:r>
           </a:p>
         </p:txBody>
@@ -4277,85 +4228,31 @@
             <a:spLocks noGrp="1"/>
           </p:cNvSpPr>
           <p:nvPr>
-            <p:ph type="title"/>
-          </p:nvPr>
-        </p:nvSpPr>
-        <p:spPr/>
-        <p:txBody>
-          <a:bodyPr/>
-          <a:lstStyle/>
-          <a:p>
-            <a:pPr>
-              <a:defRPr b="1" sz="4200"/>
-            </a:pPr>
-            <a:r>
-              <a:t>6 - Salmo</a:t>
-            </a:r>
-          </a:p>
-        </p:txBody>
-      </p:sp>
-      <p:sp>
-        <p:nvSpPr>
-          <p:cNvPr id="3" name="Content Placeholder 2"/>
-          <p:cNvSpPr>
-            <a:spLocks noGrp="1"/>
-          </p:cNvSpPr>
-          <p:nvPr>
-            <p:ph idx="1"/>
-          </p:nvPr>
-        </p:nvSpPr>
-        <p:spPr/>
-        <p:txBody>
-          <a:bodyPr/>
-          <a:lstStyle/>
-          <a:p>
-            <a:pPr algn="ctr">
-              <a:defRPr sz="4200">
-                <a:solidFill>
-                  <a:srgbClr val="000000"/>
-                </a:solidFill>
-              </a:defRPr>
-            </a:pPr>
-            <a:r>
-              <a:t>1. Cantai ao Senhor Deus um canto novo,</a:t>
-            </a:r>
-          </a:p>
-          <a:p>
-            <a:pPr algn="ctr">
-              <a:defRPr sz="4200">
-                <a:solidFill>
-                  <a:srgbClr val="000000"/>
-                </a:solidFill>
-              </a:defRPr>
-            </a:pPr>
-            <a:r>
-              <a:t>porque ele fez prodígios!</a:t>
-            </a:r>
-          </a:p>
-          <a:p>
-            <a:pPr algn="ctr">
-              <a:defRPr sz="4200">
-                <a:solidFill>
-                  <a:srgbClr val="000000"/>
-                </a:solidFill>
-              </a:defRPr>
-            </a:pPr>
-            <a:r>
-              <a:t>Sua mão e o seu braço forte e santo</a:t>
-            </a:r>
-          </a:p>
-          <a:p>
-            <a:pPr algn="ctr">
-              <a:defRPr sz="4200">
-                <a:solidFill>
-                  <a:srgbClr val="000000"/>
-                </a:solidFill>
-              </a:defRPr>
-            </a:pPr>
-            <a:r>
-              <a:t>alcançaram-lhe a vitória!</a:t>
-            </a:r>
-          </a:p>
+            <p:ph type="ctrTitle"/>
+          </p:nvPr>
+        </p:nvSpPr>
+        <p:spPr/>
+        <p:txBody>
+          <a:bodyPr/>
+          <a:lstStyle/>
+          <a:p/>
+        </p:txBody>
+      </p:sp>
+      <p:sp>
+        <p:nvSpPr>
+          <p:cNvPr id="3" name="Subtitle 2"/>
+          <p:cNvSpPr>
+            <a:spLocks noGrp="1"/>
+          </p:cNvSpPr>
+          <p:nvPr>
+            <p:ph type="subTitle" idx="1"/>
+          </p:nvPr>
+        </p:nvSpPr>
+        <p:spPr/>
+        <p:txBody>
+          <a:bodyPr/>
+          <a:lstStyle/>
+          <a:p/>
         </p:txBody>
       </p:sp>
     </p:spTree>
@@ -4395,7 +4292,7 @@
               <a:defRPr b="1" sz="4200"/>
             </a:pPr>
             <a:r>
-              <a:t>6 - Salmo</a:t>
+              <a:t>5 - Salmo</a:t>
             </a:r>
           </a:p>
         </p:txBody>
@@ -4416,26 +4313,14 @@
           <a:lstStyle/>
           <a:p>
             <a:pPr algn="ctr">
-              <a:defRPr sz="4200">
-                <a:solidFill>
-                  <a:srgbClr val="000000"/>
-                </a:solidFill>
-              </a:defRPr>
-            </a:pPr>
-            <a:r>
-              <a:t>O SENHOR FEZ CONHECER A SALVAÇÃO</a:t>
-            </a:r>
-          </a:p>
-          <a:p>
-            <a:pPr algn="ctr">
-              <a:defRPr sz="4200">
-                <a:solidFill>
-                  <a:srgbClr val="000000"/>
-                </a:solidFill>
-              </a:defRPr>
-            </a:pPr>
-            <a:r>
-              <a:t>E REVELOU SUA JUSTIÇA ÀS NAÇÕES.</a:t>
+              <a:defRPr sz="6600">
+                <a:solidFill>
+                  <a:srgbClr val="000000"/>
+                </a:solidFill>
+              </a:defRPr>
+            </a:pPr>
+            <a:r>
+              <a:t>Deus é Rei e se vestiu de majestade, glória ao Senhor!</a:t>
             </a:r>
           </a:p>
         </p:txBody>
@@ -4465,85 +4350,31 @@
             <a:spLocks noGrp="1"/>
           </p:cNvSpPr>
           <p:nvPr>
-            <p:ph type="title"/>
-          </p:nvPr>
-        </p:nvSpPr>
-        <p:spPr/>
-        <p:txBody>
-          <a:bodyPr/>
-          <a:lstStyle/>
-          <a:p>
-            <a:pPr>
-              <a:defRPr b="1" sz="4200"/>
-            </a:pPr>
-            <a:r>
-              <a:t>6 - Salmo</a:t>
-            </a:r>
-          </a:p>
-        </p:txBody>
-      </p:sp>
-      <p:sp>
-        <p:nvSpPr>
-          <p:cNvPr id="3" name="Content Placeholder 2"/>
-          <p:cNvSpPr>
-            <a:spLocks noGrp="1"/>
-          </p:cNvSpPr>
-          <p:nvPr>
-            <p:ph idx="1"/>
-          </p:nvPr>
-        </p:nvSpPr>
-        <p:spPr/>
-        <p:txBody>
-          <a:bodyPr/>
-          <a:lstStyle/>
-          <a:p>
-            <a:pPr algn="ctr">
-              <a:defRPr sz="4200">
-                <a:solidFill>
-                  <a:srgbClr val="000000"/>
-                </a:solidFill>
-              </a:defRPr>
-            </a:pPr>
-            <a:r>
-              <a:t>2. O Senhor fez conhecer a salvação</a:t>
-            </a:r>
-          </a:p>
-          <a:p>
-            <a:pPr algn="ctr">
-              <a:defRPr sz="4200">
-                <a:solidFill>
-                  <a:srgbClr val="000000"/>
-                </a:solidFill>
-              </a:defRPr>
-            </a:pPr>
-            <a:r>
-              <a:t>e às nações, sua justiça;</a:t>
-            </a:r>
-          </a:p>
-          <a:p>
-            <a:pPr algn="ctr">
-              <a:defRPr sz="4200">
-                <a:solidFill>
-                  <a:srgbClr val="000000"/>
-                </a:solidFill>
-              </a:defRPr>
-            </a:pPr>
-            <a:r>
-              <a:t>recordou o seu amor sempre fiel,</a:t>
-            </a:r>
-          </a:p>
-          <a:p>
-            <a:pPr algn="ctr">
-              <a:defRPr sz="4200">
-                <a:solidFill>
-                  <a:srgbClr val="000000"/>
-                </a:solidFill>
-              </a:defRPr>
-            </a:pPr>
-            <a:r>
-              <a:t>pela casa de Israel.</a:t>
-            </a:r>
-          </a:p>
+            <p:ph type="ctrTitle"/>
+          </p:nvPr>
+        </p:nvSpPr>
+        <p:spPr/>
+        <p:txBody>
+          <a:bodyPr/>
+          <a:lstStyle/>
+          <a:p/>
+        </p:txBody>
+      </p:sp>
+      <p:sp>
+        <p:nvSpPr>
+          <p:cNvPr id="3" name="Subtitle 2"/>
+          <p:cNvSpPr>
+            <a:spLocks noGrp="1"/>
+          </p:cNvSpPr>
+          <p:nvPr>
+            <p:ph type="subTitle" idx="1"/>
+          </p:nvPr>
+        </p:nvSpPr>
+        <p:spPr/>
+        <p:txBody>
+          <a:bodyPr/>
+          <a:lstStyle/>
+          <a:p/>
         </p:txBody>
       </p:sp>
     </p:spTree>
@@ -4583,7 +4414,7 @@
               <a:defRPr b="1" sz="4200"/>
             </a:pPr>
             <a:r>
-              <a:t>6 - Salmo</a:t>
+              <a:t>6 - Aleluia! o Nosso Cordeiro - Banda Capella</a:t>
             </a:r>
           </a:p>
         </p:txBody>
@@ -4604,26 +4435,26 @@
           <a:lstStyle/>
           <a:p>
             <a:pPr algn="ctr">
-              <a:defRPr sz="4200">
-                <a:solidFill>
-                  <a:srgbClr val="000000"/>
-                </a:solidFill>
-              </a:defRPr>
-            </a:pPr>
-            <a:r>
-              <a:t>O SENHOR FEZ CONHECER A SALVAÇÃO</a:t>
-            </a:r>
-          </a:p>
-          <a:p>
-            <a:pPr algn="ctr">
-              <a:defRPr sz="4200">
-                <a:solidFill>
-                  <a:srgbClr val="000000"/>
-                </a:solidFill>
-              </a:defRPr>
-            </a:pPr>
-            <a:r>
-              <a:t>E REVELOU SUA JUSTIÇA ÀS NAÇÕES.</a:t>
+              <a:defRPr sz="5800">
+                <a:solidFill>
+                  <a:srgbClr val="000000"/>
+                </a:solidFill>
+              </a:defRPr>
+            </a:pPr>
+            <a:r>
+              <a:t>Aleluia, aleluia, aleluia, aleluia</a:t>
+            </a:r>
+          </a:p>
+          <a:p>
+            <a:pPr algn="ctr">
+              <a:defRPr sz="5800">
+                <a:solidFill>
+                  <a:srgbClr val="000000"/>
+                </a:solidFill>
+              </a:defRPr>
+            </a:pPr>
+            <a:r>
+              <a:t>Aleluia, aleluia, aleluia, aleluia</a:t>
             </a:r>
           </a:p>
         </p:txBody>
@@ -4665,7 +4496,7 @@
               <a:defRPr b="1" sz="4200"/>
             </a:pPr>
             <a:r>
-              <a:t>6 - Salmo</a:t>
+              <a:t>6 - Aleluia! o Nosso Cordeiro - Banda Capella</a:t>
             </a:r>
           </a:p>
         </p:txBody>
@@ -4686,50 +4517,50 @@
           <a:lstStyle/>
           <a:p>
             <a:pPr algn="ctr">
-              <a:defRPr sz="4200">
-                <a:solidFill>
-                  <a:srgbClr val="000000"/>
-                </a:solidFill>
-              </a:defRPr>
-            </a:pPr>
-            <a:r>
-              <a:t>3. Os confins do universo contemplaram</a:t>
-            </a:r>
-          </a:p>
-          <a:p>
-            <a:pPr algn="ctr">
-              <a:defRPr sz="4200">
-                <a:solidFill>
-                  <a:srgbClr val="000000"/>
-                </a:solidFill>
-              </a:defRPr>
-            </a:pPr>
-            <a:r>
-              <a:t>a salvação do nosso Deus.</a:t>
-            </a:r>
-          </a:p>
-          <a:p>
-            <a:pPr algn="ctr">
-              <a:defRPr sz="4200">
-                <a:solidFill>
-                  <a:srgbClr val="000000"/>
-                </a:solidFill>
-              </a:defRPr>
-            </a:pPr>
-            <a:r>
-              <a:t>Aclamai o Senhor Deus, ó terra inteira,</a:t>
-            </a:r>
-          </a:p>
-          <a:p>
-            <a:pPr algn="ctr">
-              <a:defRPr sz="4200">
-                <a:solidFill>
-                  <a:srgbClr val="000000"/>
-                </a:solidFill>
-              </a:defRPr>
-            </a:pPr>
-            <a:r>
-              <a:t>alegrai-vos e exultai!</a:t>
+              <a:defRPr sz="4100">
+                <a:solidFill>
+                  <a:srgbClr val="000000"/>
+                </a:solidFill>
+              </a:defRPr>
+            </a:pPr>
+            <a:r>
+              <a:t>É bendito aquele que vem vindo</a:t>
+            </a:r>
+          </a:p>
+          <a:p>
+            <a:pPr algn="ctr">
+              <a:defRPr sz="4100">
+                <a:solidFill>
+                  <a:srgbClr val="000000"/>
+                </a:solidFill>
+              </a:defRPr>
+            </a:pPr>
+            <a:r>
+              <a:t>que vem vindo em nome do Senhor</a:t>
+            </a:r>
+          </a:p>
+          <a:p>
+            <a:pPr algn="ctr">
+              <a:defRPr sz="4100">
+                <a:solidFill>
+                  <a:srgbClr val="000000"/>
+                </a:solidFill>
+              </a:defRPr>
+            </a:pPr>
+            <a:r>
+              <a:t>É o reino que vem seja bendito</a:t>
+            </a:r>
+          </a:p>
+          <a:p>
+            <a:pPr algn="ctr">
+              <a:defRPr sz="4100">
+                <a:solidFill>
+                  <a:srgbClr val="000000"/>
+                </a:solidFill>
+              </a:defRPr>
+            </a:pPr>
+            <a:r>
+              <a:t>ao que vem e ao seu reino, o louvor</a:t>
             </a:r>
           </a:p>
         </p:txBody>
@@ -4759,61 +4590,31 @@
             <a:spLocks noGrp="1"/>
           </p:cNvSpPr>
           <p:nvPr>
-            <p:ph type="title"/>
-          </p:nvPr>
-        </p:nvSpPr>
-        <p:spPr/>
-        <p:txBody>
-          <a:bodyPr/>
-          <a:lstStyle/>
-          <a:p>
-            <a:pPr>
-              <a:defRPr b="1" sz="4200"/>
-            </a:pPr>
-            <a:r>
-              <a:t>6 - Salmo</a:t>
-            </a:r>
-          </a:p>
-        </p:txBody>
-      </p:sp>
-      <p:sp>
-        <p:nvSpPr>
-          <p:cNvPr id="3" name="Content Placeholder 2"/>
-          <p:cNvSpPr>
-            <a:spLocks noGrp="1"/>
-          </p:cNvSpPr>
-          <p:nvPr>
-            <p:ph idx="1"/>
-          </p:nvPr>
-        </p:nvSpPr>
-        <p:spPr/>
-        <p:txBody>
-          <a:bodyPr/>
-          <a:lstStyle/>
-          <a:p>
-            <a:pPr algn="ctr">
-              <a:defRPr sz="4200">
-                <a:solidFill>
-                  <a:srgbClr val="000000"/>
-                </a:solidFill>
-              </a:defRPr>
-            </a:pPr>
-            <a:r>
-              <a:t>O SENHOR FEZ CONHECER A SALVAÇÃO</a:t>
-            </a:r>
-          </a:p>
-          <a:p>
-            <a:pPr algn="ctr">
-              <a:defRPr sz="4200">
-                <a:solidFill>
-                  <a:srgbClr val="000000"/>
-                </a:solidFill>
-              </a:defRPr>
-            </a:pPr>
-            <a:r>
-              <a:t>E REVELOU SUA JUSTIÇA ÀS NAÇÕES.</a:t>
-            </a:r>
-          </a:p>
+            <p:ph type="ctrTitle"/>
+          </p:nvPr>
+        </p:nvSpPr>
+        <p:spPr/>
+        <p:txBody>
+          <a:bodyPr/>
+          <a:lstStyle/>
+          <a:p/>
+        </p:txBody>
+      </p:sp>
+      <p:sp>
+        <p:nvSpPr>
+          <p:cNvPr id="3" name="Subtitle 2"/>
+          <p:cNvSpPr>
+            <a:spLocks noGrp="1"/>
+          </p:cNvSpPr>
+          <p:nvPr>
+            <p:ph type="subTitle" idx="1"/>
+          </p:nvPr>
+        </p:nvSpPr>
+        <p:spPr/>
+        <p:txBody>
+          <a:bodyPr/>
+          <a:lstStyle/>
+          <a:p/>
         </p:txBody>
       </p:sp>
     </p:spTree>
@@ -4853,7 +4654,7 @@
               <a:defRPr b="1" sz="4200"/>
             </a:pPr>
             <a:r>
-              <a:t>7 - Aclamação ao Evangelho</a:t>
+              <a:t>6.1 - Preces</a:t>
             </a:r>
           </a:p>
         </p:txBody>
@@ -4874,74 +4675,14 @@
           <a:lstStyle/>
           <a:p>
             <a:pPr algn="ctr">
-              <a:defRPr sz="4200">
-                <a:solidFill>
-                  <a:srgbClr val="000000"/>
-                </a:solidFill>
-              </a:defRPr>
-            </a:pPr>
-            <a:r>
-              <a:t>ALELUUIA   ALELUUIA </a:t>
-            </a:r>
-          </a:p>
-          <a:p>
-            <a:pPr algn="ctr">
-              <a:defRPr sz="4200">
-                <a:solidFill>
-                  <a:srgbClr val="000000"/>
-                </a:solidFill>
-              </a:defRPr>
-            </a:pPr>
-            <a:r>
-              <a:t> AALELUIA </a:t>
-            </a:r>
-          </a:p>
-          <a:p>
-            <a:pPr algn="ctr">
-              <a:defRPr sz="4200">
-                <a:solidFill>
-                  <a:srgbClr val="000000"/>
-                </a:solidFill>
-              </a:defRPr>
-            </a:pPr>
-            <a:r>
-              <a:t>ALELUIA   AAAA</a:t>
-            </a:r>
-          </a:p>
-          <a:p>
-            <a:pPr algn="ctr">
-              <a:defRPr sz="4200">
-                <a:solidFill>
-                  <a:srgbClr val="000000"/>
-                </a:solidFill>
-              </a:defRPr>
-            </a:pPr>
-            <a:r>
-              <a:t>ALELUUIA   ALELUUIA   </a:t>
-            </a:r>
-          </a:p>
-          <a:p>
-            <a:pPr algn="ctr">
-              <a:defRPr sz="4200">
-                <a:solidFill>
-                  <a:srgbClr val="000000"/>
-                </a:solidFill>
-              </a:defRPr>
-            </a:pPr>
-            <a:r>
-              <a:t>AALELUIA </a:t>
-            </a:r>
-          </a:p>
-          <a:p>
-            <a:pPr algn="ctr">
-              <a:defRPr sz="4200">
-                <a:solidFill>
-                  <a:srgbClr val="000000"/>
-                </a:solidFill>
-              </a:defRPr>
-            </a:pPr>
-            <a:r>
-              <a:t>ALELUIA    AAAA</a:t>
+              <a:defRPr sz="21500">
+                <a:solidFill>
+                  <a:srgbClr val="000000"/>
+                </a:solidFill>
+              </a:defRPr>
+            </a:pPr>
+            <a:r>
+              <a:t>preces</a:t>
             </a:r>
           </a:p>
         </p:txBody>
@@ -4971,61 +4712,31 @@
             <a:spLocks noGrp="1"/>
           </p:cNvSpPr>
           <p:nvPr>
-            <p:ph type="title"/>
-          </p:nvPr>
-        </p:nvSpPr>
-        <p:spPr/>
-        <p:txBody>
-          <a:bodyPr/>
-          <a:lstStyle/>
-          <a:p>
-            <a:pPr>
-              <a:defRPr b="1" sz="4200"/>
-            </a:pPr>
-            <a:r>
-              <a:t>7 - Aclamação ao Evangelho</a:t>
-            </a:r>
-          </a:p>
-        </p:txBody>
-      </p:sp>
-      <p:sp>
-        <p:nvSpPr>
-          <p:cNvPr id="3" name="Content Placeholder 2"/>
-          <p:cNvSpPr>
-            <a:spLocks noGrp="1"/>
-          </p:cNvSpPr>
-          <p:nvPr>
-            <p:ph idx="1"/>
-          </p:nvPr>
-        </p:nvSpPr>
-        <p:spPr/>
-        <p:txBody>
-          <a:bodyPr/>
-          <a:lstStyle/>
-          <a:p>
-            <a:pPr algn="ctr">
-              <a:defRPr sz="4200">
-                <a:solidFill>
-                  <a:srgbClr val="000000"/>
-                </a:solidFill>
-              </a:defRPr>
-            </a:pPr>
-            <a:r>
-              <a:t>Quem me ama realmente guardará minha palavra,</a:t>
-            </a:r>
-          </a:p>
-          <a:p>
-            <a:pPr algn="ctr">
-              <a:defRPr sz="4200">
-                <a:solidFill>
-                  <a:srgbClr val="000000"/>
-                </a:solidFill>
-              </a:defRPr>
-            </a:pPr>
-            <a:r>
-              <a:t> e meu Pai o amará, e a ele nós viremos. (Jo 14,23)</a:t>
-            </a:r>
-          </a:p>
+            <p:ph type="ctrTitle"/>
+          </p:nvPr>
+        </p:nvSpPr>
+        <p:spPr/>
+        <p:txBody>
+          <a:bodyPr/>
+          <a:lstStyle/>
+          <a:p/>
+        </p:txBody>
+      </p:sp>
+      <p:sp>
+        <p:nvSpPr>
+          <p:cNvPr id="3" name="Subtitle 2"/>
+          <p:cNvSpPr>
+            <a:spLocks noGrp="1"/>
+          </p:cNvSpPr>
+          <p:nvPr>
+            <p:ph type="subTitle" idx="1"/>
+          </p:nvPr>
+        </p:nvSpPr>
+        <p:spPr/>
+        <p:txBody>
+          <a:bodyPr/>
+          <a:lstStyle/>
+          <a:p/>
         </p:txBody>
       </p:sp>
     </p:spTree>
@@ -5065,7 +4776,7 @@
               <a:defRPr b="1" sz="4200"/>
             </a:pPr>
             <a:r>
-              <a:t>7 - Aclamação ao Evangelho</a:t>
+              <a:t>7 - Estar Em Tuas Mãos - Comunidade</a:t>
             </a:r>
           </a:p>
         </p:txBody>
@@ -5086,74 +4797,62 @@
           <a:lstStyle/>
           <a:p>
             <a:pPr algn="ctr">
-              <a:defRPr sz="4200">
-                <a:solidFill>
-                  <a:srgbClr val="000000"/>
-                </a:solidFill>
-              </a:defRPr>
-            </a:pPr>
-            <a:r>
-              <a:t> ALELUUIA   ALELUUIA </a:t>
-            </a:r>
-          </a:p>
-          <a:p>
-            <a:pPr algn="ctr">
-              <a:defRPr sz="4200">
-                <a:solidFill>
-                  <a:srgbClr val="000000"/>
-                </a:solidFill>
-              </a:defRPr>
-            </a:pPr>
-            <a:r>
-              <a:t> AALELUIA </a:t>
-            </a:r>
-          </a:p>
-          <a:p>
-            <a:pPr algn="ctr">
-              <a:defRPr sz="4200">
-                <a:solidFill>
-                  <a:srgbClr val="000000"/>
-                </a:solidFill>
-              </a:defRPr>
-            </a:pPr>
-            <a:r>
-              <a:t>ALELUIA   AAAA</a:t>
-            </a:r>
-          </a:p>
-          <a:p>
-            <a:pPr algn="ctr">
-              <a:defRPr sz="4200">
-                <a:solidFill>
-                  <a:srgbClr val="000000"/>
-                </a:solidFill>
-              </a:defRPr>
-            </a:pPr>
-            <a:r>
-              <a:t>ALELUUIA   ALELUUIA   </a:t>
-            </a:r>
-          </a:p>
-          <a:p>
-            <a:pPr algn="ctr">
-              <a:defRPr sz="4200">
-                <a:solidFill>
-                  <a:srgbClr val="000000"/>
-                </a:solidFill>
-              </a:defRPr>
-            </a:pPr>
-            <a:r>
-              <a:t>AALELUIA </a:t>
-            </a:r>
-          </a:p>
-          <a:p>
-            <a:pPr algn="ctr">
-              <a:defRPr sz="4200">
-                <a:solidFill>
-                  <a:srgbClr val="000000"/>
-                </a:solidFill>
-              </a:defRPr>
-            </a:pPr>
-            <a:r>
-              <a:t>ALELUIA    AAAA</a:t>
+              <a:defRPr sz="3300">
+                <a:solidFill>
+                  <a:srgbClr val="000000"/>
+                </a:solidFill>
+              </a:defRPr>
+            </a:pPr>
+            <a:r>
+              <a:t>Mão na Terra e o coração além deste céu</a:t>
+            </a:r>
+          </a:p>
+          <a:p>
+            <a:pPr algn="ctr">
+              <a:defRPr sz="3300">
+                <a:solidFill>
+                  <a:srgbClr val="000000"/>
+                </a:solidFill>
+              </a:defRPr>
+            </a:pPr>
+            <a:r>
+              <a:t>E a semente que brota é um germe de eternidade</a:t>
+            </a:r>
+          </a:p>
+          <a:p>
+            <a:pPr algn="ctr">
+              <a:defRPr sz="3300">
+                <a:solidFill>
+                  <a:srgbClr val="000000"/>
+                </a:solidFill>
+              </a:defRPr>
+            </a:pPr>
+            <a:r>
+              <a:t>Vai brotando, crescendo, esperando</a:t>
+            </a:r>
+          </a:p>
+          <a:p>
+            <a:pPr algn="ctr">
+              <a:defRPr sz="3300">
+                <a:solidFill>
+                  <a:srgbClr val="000000"/>
+                </a:solidFill>
+              </a:defRPr>
+            </a:pPr>
+            <a:r>
+              <a:t>É a vida que vem despontar</a:t>
+            </a:r>
+          </a:p>
+          <a:p>
+            <a:pPr algn="ctr">
+              <a:defRPr sz="3300">
+                <a:solidFill>
+                  <a:srgbClr val="000000"/>
+                </a:solidFill>
+              </a:defRPr>
+            </a:pPr>
+            <a:r>
+              <a:t>E este trigo maduro, a colheita o recolherá</a:t>
             </a:r>
           </a:p>
         </p:txBody>
@@ -5195,7 +4894,7 @@
               <a:defRPr b="1" sz="4200"/>
             </a:pPr>
             <a:r>
-              <a:t>8 - Ofertório</a:t>
+              <a:t>7 - Estar Em Tuas Mãos - Comunidade</a:t>
             </a:r>
           </a:p>
         </p:txBody>
@@ -5216,62 +4915,50 @@
           <a:lstStyle/>
           <a:p>
             <a:pPr algn="ctr">
-              <a:defRPr sz="4200">
-                <a:solidFill>
-                  <a:srgbClr val="000000"/>
-                </a:solidFill>
-              </a:defRPr>
-            </a:pPr>
-            <a:r>
-              <a:t>Mão na terra e o coração além deste céu</a:t>
-            </a:r>
-          </a:p>
-          <a:p>
-            <a:pPr algn="ctr">
-              <a:defRPr sz="4200">
-                <a:solidFill>
-                  <a:srgbClr val="000000"/>
-                </a:solidFill>
-              </a:defRPr>
-            </a:pPr>
-            <a:r>
-              <a:t>E a semente que brota é um germe de eternidade</a:t>
-            </a:r>
-          </a:p>
-          <a:p>
-            <a:pPr algn="ctr">
-              <a:defRPr sz="4200">
-                <a:solidFill>
-                  <a:srgbClr val="000000"/>
-                </a:solidFill>
-              </a:defRPr>
-            </a:pPr>
-            <a:r>
-              <a:t>Vai brotando, crescendo, esperando</a:t>
-            </a:r>
-          </a:p>
-          <a:p>
-            <a:pPr algn="ctr">
-              <a:defRPr sz="4200">
-                <a:solidFill>
-                  <a:srgbClr val="000000"/>
-                </a:solidFill>
-              </a:defRPr>
-            </a:pPr>
-            <a:r>
-              <a:t>É a vida que vem despontar</a:t>
-            </a:r>
-          </a:p>
-          <a:p>
-            <a:pPr algn="ctr">
-              <a:defRPr sz="4200">
-                <a:solidFill>
-                  <a:srgbClr val="000000"/>
-                </a:solidFill>
-              </a:defRPr>
-            </a:pPr>
-            <a:r>
-              <a:t>E este trigo maduro, a colheita o recolherá</a:t>
+              <a:defRPr sz="5200">
+                <a:solidFill>
+                  <a:srgbClr val="000000"/>
+                </a:solidFill>
+              </a:defRPr>
+            </a:pPr>
+            <a:r>
+              <a:t>Estar em Tuas mãos, ó Pai</a:t>
+            </a:r>
+          </a:p>
+          <a:p>
+            <a:pPr algn="ctr">
+              <a:defRPr sz="5200">
+                <a:solidFill>
+                  <a:srgbClr val="000000"/>
+                </a:solidFill>
+              </a:defRPr>
+            </a:pPr>
+            <a:r>
+              <a:t>E a vida ofertar</a:t>
+            </a:r>
+          </a:p>
+          <a:p>
+            <a:pPr algn="ctr">
+              <a:defRPr sz="5200">
+                <a:solidFill>
+                  <a:srgbClr val="000000"/>
+                </a:solidFill>
+              </a:defRPr>
+            </a:pPr>
+            <a:r>
+              <a:t>No pão e no vinho a Ti</a:t>
+            </a:r>
+          </a:p>
+          <a:p>
+            <a:pPr algn="ctr">
+              <a:defRPr sz="5200">
+                <a:solidFill>
+                  <a:srgbClr val="000000"/>
+                </a:solidFill>
+              </a:defRPr>
+            </a:pPr>
+            <a:r>
+              <a:t>E o céu se abrirá</a:t>
             </a:r>
           </a:p>
         </p:txBody>
@@ -5301,121 +4988,31 @@
             <a:spLocks noGrp="1"/>
           </p:cNvSpPr>
           <p:nvPr>
-            <p:ph type="title"/>
-          </p:nvPr>
-        </p:nvSpPr>
-        <p:spPr/>
-        <p:txBody>
-          <a:bodyPr/>
-          <a:lstStyle/>
-          <a:p>
-            <a:pPr>
-              <a:defRPr b="1" sz="4200"/>
-            </a:pPr>
-            <a:r>
-              <a:t>2 - Canto de Abertura</a:t>
-            </a:r>
-          </a:p>
-        </p:txBody>
-      </p:sp>
-      <p:sp>
-        <p:nvSpPr>
-          <p:cNvPr id="3" name="Content Placeholder 2"/>
-          <p:cNvSpPr>
-            <a:spLocks noGrp="1"/>
-          </p:cNvSpPr>
-          <p:nvPr>
-            <p:ph idx="1"/>
-          </p:nvPr>
-        </p:nvSpPr>
-        <p:spPr/>
-        <p:txBody>
-          <a:bodyPr/>
-          <a:lstStyle/>
-          <a:p>
-            <a:pPr algn="ctr">
-              <a:defRPr sz="4200">
-                <a:solidFill>
-                  <a:srgbClr val="000000"/>
-                </a:solidFill>
-              </a:defRPr>
-            </a:pPr>
-            <a:r>
-              <a:t>Vamos celebrar, Deus está aqui</a:t>
-            </a:r>
-          </a:p>
-          <a:p>
-            <a:pPr algn="ctr">
-              <a:defRPr sz="4200">
-                <a:solidFill>
-                  <a:srgbClr val="000000"/>
-                </a:solidFill>
-              </a:defRPr>
-            </a:pPr>
-            <a:r>
-              <a:t>Vamos celebrar, Deus está aqui</a:t>
-            </a:r>
-          </a:p>
-          <a:p>
-            <a:pPr algn="ctr">
-              <a:defRPr sz="4200">
-                <a:solidFill>
-                  <a:srgbClr val="000000"/>
-                </a:solidFill>
-              </a:defRPr>
-            </a:pPr>
-            <a:r>
-              <a:t>No meio de nós</a:t>
-            </a:r>
-          </a:p>
-          <a:p>
-            <a:pPr algn="ctr">
-              <a:defRPr sz="4200">
-                <a:solidFill>
-                  <a:srgbClr val="000000"/>
-                </a:solidFill>
-              </a:defRPr>
-            </a:pPr>
-            <a:r>
-              <a:t>Vamos celebrar Deus está aqui</a:t>
-            </a:r>
-          </a:p>
-          <a:p>
-            <a:pPr algn="ctr">
-              <a:defRPr sz="4200">
-                <a:solidFill>
-                  <a:srgbClr val="000000"/>
-                </a:solidFill>
-              </a:defRPr>
-            </a:pPr>
-            <a:r>
-              <a:t>Vamos celebrar Deus está aqui</a:t>
-            </a:r>
-          </a:p>
-          <a:p>
-            <a:pPr algn="ctr">
-              <a:defRPr sz="4200">
-                <a:solidFill>
-                  <a:srgbClr val="000000"/>
-                </a:solidFill>
-              </a:defRPr>
-            </a:pPr>
-            <a:r>
-              <a:t>No meio de nós</a:t>
-            </a:r>
-          </a:p>
-          <a:p>
-            <a:pPr algn="ctr">
-              <a:defRPr sz="4200">
-                <a:solidFill>
-                  <a:srgbClr val="000000"/>
-                </a:solidFill>
-              </a:defRPr>
-            </a:pPr>
-            <a:r>
-              <a:t>Ele está presente aqui</a:t>
-            </a:r>
-          </a:p>
+            <p:ph type="ctrTitle"/>
+          </p:nvPr>
+        </p:nvSpPr>
+        <p:spPr/>
+        <p:txBody>
+          <a:bodyPr/>
+          <a:lstStyle/>
+          <a:p/>
+        </p:txBody>
+      </p:sp>
+      <p:sp>
+        <p:nvSpPr>
+          <p:cNvPr id="3" name="Subtitle 2"/>
+          <p:cNvSpPr>
+            <a:spLocks noGrp="1"/>
+          </p:cNvSpPr>
+          <p:nvPr>
+            <p:ph type="subTitle" idx="1"/>
+          </p:nvPr>
+        </p:nvSpPr>
+        <p:spPr/>
+        <p:txBody>
+          <a:bodyPr/>
+          <a:lstStyle/>
+          <a:p/>
         </p:txBody>
       </p:sp>
     </p:spTree>
@@ -5455,7 +5052,7 @@
               <a:defRPr b="1" sz="4200"/>
             </a:pPr>
             <a:r>
-              <a:t>8 - Ofertório</a:t>
+              <a:t>7 - Estar Em Tuas Mãos - Comunidade</a:t>
             </a:r>
           </a:p>
         </p:txBody>
@@ -5476,50 +5073,62 @@
           <a:lstStyle/>
           <a:p>
             <a:pPr algn="ctr">
-              <a:defRPr sz="4200">
-                <a:solidFill>
-                  <a:srgbClr val="000000"/>
-                </a:solidFill>
-              </a:defRPr>
-            </a:pPr>
-            <a:r>
-              <a:t>Estar em tuas mãos, ó Pai</a:t>
-            </a:r>
-          </a:p>
-          <a:p>
-            <a:pPr algn="ctr">
-              <a:defRPr sz="4200">
-                <a:solidFill>
-                  <a:srgbClr val="000000"/>
-                </a:solidFill>
-              </a:defRPr>
-            </a:pPr>
-            <a:r>
-              <a:t>E a vida ofertar</a:t>
-            </a:r>
-          </a:p>
-          <a:p>
-            <a:pPr algn="ctr">
-              <a:defRPr sz="4200">
-                <a:solidFill>
-                  <a:srgbClr val="000000"/>
-                </a:solidFill>
-              </a:defRPr>
-            </a:pPr>
-            <a:r>
-              <a:t>No pão e no vinho a Ti</a:t>
-            </a:r>
-          </a:p>
-          <a:p>
-            <a:pPr algn="ctr">
-              <a:defRPr sz="4200">
-                <a:solidFill>
-                  <a:srgbClr val="000000"/>
-                </a:solidFill>
-              </a:defRPr>
-            </a:pPr>
-            <a:r>
-              <a:t>E o céu se abrirá</a:t>
+              <a:defRPr sz="4100">
+                <a:solidFill>
+                  <a:srgbClr val="000000"/>
+                </a:solidFill>
+              </a:defRPr>
+            </a:pPr>
+            <a:r>
+              <a:t>Estar em Tuas mãos, Senhor</a:t>
+            </a:r>
+          </a:p>
+          <a:p>
+            <a:pPr algn="ctr">
+              <a:defRPr sz="4100">
+                <a:solidFill>
+                  <a:srgbClr val="000000"/>
+                </a:solidFill>
+              </a:defRPr>
+            </a:pPr>
+            <a:r>
+              <a:t>E a vida entregar</a:t>
+            </a:r>
+          </a:p>
+          <a:p>
+            <a:pPr algn="ctr">
+              <a:defRPr sz="4100">
+                <a:solidFill>
+                  <a:srgbClr val="000000"/>
+                </a:solidFill>
+              </a:defRPr>
+            </a:pPr>
+            <a:r>
+              <a:t>A minha oblação em Ti</a:t>
+            </a:r>
+          </a:p>
+          <a:p>
+            <a:pPr algn="ctr">
+              <a:defRPr sz="4100">
+                <a:solidFill>
+                  <a:srgbClr val="000000"/>
+                </a:solidFill>
+              </a:defRPr>
+            </a:pPr>
+            <a:r>
+              <a:t>Se perderá, frutificará</a:t>
+            </a:r>
+          </a:p>
+          <a:p>
+            <a:pPr algn="ctr">
+              <a:defRPr sz="4100">
+                <a:solidFill>
+                  <a:srgbClr val="000000"/>
+                </a:solidFill>
+              </a:defRPr>
+            </a:pPr>
+            <a:r>
+              <a:t>Frutificará, frutificará, frutificará!</a:t>
             </a:r>
           </a:p>
         </p:txBody>
@@ -5561,7 +5170,7 @@
               <a:defRPr b="1" sz="4200"/>
             </a:pPr>
             <a:r>
-              <a:t>8 - Ofertório</a:t>
+              <a:t>7 - Estar Em Tuas Mãos - Comunidade</a:t>
             </a:r>
           </a:p>
         </p:txBody>
@@ -5582,62 +5191,62 @@
           <a:lstStyle/>
           <a:p>
             <a:pPr algn="ctr">
-              <a:defRPr sz="4200">
-                <a:solidFill>
-                  <a:srgbClr val="000000"/>
-                </a:solidFill>
-              </a:defRPr>
-            </a:pPr>
-            <a:r>
-              <a:t>Estar em tuas mãos, Senhor</a:t>
-            </a:r>
-          </a:p>
-          <a:p>
-            <a:pPr algn="ctr">
-              <a:defRPr sz="4200">
-                <a:solidFill>
-                  <a:srgbClr val="000000"/>
-                </a:solidFill>
-              </a:defRPr>
-            </a:pPr>
-            <a:r>
-              <a:t>E a vida entregar</a:t>
-            </a:r>
-          </a:p>
-          <a:p>
-            <a:pPr algn="ctr">
-              <a:defRPr sz="4200">
-                <a:solidFill>
-                  <a:srgbClr val="000000"/>
-                </a:solidFill>
-              </a:defRPr>
-            </a:pPr>
-            <a:r>
-              <a:t>A minha oblação em Ti</a:t>
-            </a:r>
-          </a:p>
-          <a:p>
-            <a:pPr algn="ctr">
-              <a:defRPr sz="4200">
-                <a:solidFill>
-                  <a:srgbClr val="000000"/>
-                </a:solidFill>
-              </a:defRPr>
-            </a:pPr>
-            <a:r>
-              <a:t>Se perderá, frutificará</a:t>
-            </a:r>
-          </a:p>
-          <a:p>
-            <a:pPr algn="ctr">
-              <a:defRPr sz="4200">
-                <a:solidFill>
-                  <a:srgbClr val="000000"/>
-                </a:solidFill>
-              </a:defRPr>
-            </a:pPr>
-            <a:r>
-              <a:t>Frutificará, frutificará, frutificará!</a:t>
+              <a:defRPr sz="3400">
+                <a:solidFill>
+                  <a:srgbClr val="000000"/>
+                </a:solidFill>
+              </a:defRPr>
+            </a:pPr>
+            <a:r>
+              <a:t>Da videira a flor não restará, passará</a:t>
+            </a:r>
+          </a:p>
+          <a:p>
+            <a:pPr algn="ctr">
+              <a:defRPr sz="3400">
+                <a:solidFill>
+                  <a:srgbClr val="000000"/>
+                </a:solidFill>
+              </a:defRPr>
+            </a:pPr>
+            <a:r>
+              <a:t>E o fruto da terra surgirá, brotará</a:t>
+            </a:r>
+          </a:p>
+          <a:p>
+            <a:pPr algn="ctr">
+              <a:defRPr sz="3400">
+                <a:solidFill>
+                  <a:srgbClr val="000000"/>
+                </a:solidFill>
+              </a:defRPr>
+            </a:pPr>
+            <a:r>
+              <a:t>Pela força do vento, da chuva</a:t>
+            </a:r>
+          </a:p>
+          <a:p>
+            <a:pPr algn="ctr">
+              <a:defRPr sz="3400">
+                <a:solidFill>
+                  <a:srgbClr val="000000"/>
+                </a:solidFill>
+              </a:defRPr>
+            </a:pPr>
+            <a:r>
+              <a:t>E do Sol que traz vida e calor</a:t>
+            </a:r>
+          </a:p>
+          <a:p>
+            <a:pPr algn="ctr">
+              <a:defRPr sz="3400">
+                <a:solidFill>
+                  <a:srgbClr val="000000"/>
+                </a:solidFill>
+              </a:defRPr>
+            </a:pPr>
+            <a:r>
+              <a:t>Cada dia, crescendo e aprendendo a recomeçar</a:t>
             </a:r>
           </a:p>
         </p:txBody>
@@ -5679,7 +5288,7 @@
               <a:defRPr b="1" sz="4200"/>
             </a:pPr>
             <a:r>
-              <a:t>8 - Ofertório</a:t>
+              <a:t>7 - Estar Em Tuas Mãos - Comunidade</a:t>
             </a:r>
           </a:p>
         </p:txBody>
@@ -5700,62 +5309,50 @@
           <a:lstStyle/>
           <a:p>
             <a:pPr algn="ctr">
-              <a:defRPr sz="4200">
-                <a:solidFill>
-                  <a:srgbClr val="000000"/>
-                </a:solidFill>
-              </a:defRPr>
-            </a:pPr>
-            <a:r>
-              <a:t>Da videira a flor não restará, passará</a:t>
-            </a:r>
-          </a:p>
-          <a:p>
-            <a:pPr algn="ctr">
-              <a:defRPr sz="4200">
-                <a:solidFill>
-                  <a:srgbClr val="000000"/>
-                </a:solidFill>
-              </a:defRPr>
-            </a:pPr>
-            <a:r>
-              <a:t>E o fruto da terra surgirá, brotará</a:t>
-            </a:r>
-          </a:p>
-          <a:p>
-            <a:pPr algn="ctr">
-              <a:defRPr sz="4200">
-                <a:solidFill>
-                  <a:srgbClr val="000000"/>
-                </a:solidFill>
-              </a:defRPr>
-            </a:pPr>
-            <a:r>
-              <a:t>Pela força do vento, da chuva</a:t>
-            </a:r>
-          </a:p>
-          <a:p>
-            <a:pPr algn="ctr">
-              <a:defRPr sz="4200">
-                <a:solidFill>
-                  <a:srgbClr val="000000"/>
-                </a:solidFill>
-              </a:defRPr>
-            </a:pPr>
-            <a:r>
-              <a:t>E do sol que traz vida e calor</a:t>
-            </a:r>
-          </a:p>
-          <a:p>
-            <a:pPr algn="ctr">
-              <a:defRPr sz="4200">
-                <a:solidFill>
-                  <a:srgbClr val="000000"/>
-                </a:solidFill>
-              </a:defRPr>
-            </a:pPr>
-            <a:r>
-              <a:t>Cada dia, crescendo e aprendendo a recomeçar</a:t>
+              <a:defRPr sz="5200">
+                <a:solidFill>
+                  <a:srgbClr val="000000"/>
+                </a:solidFill>
+              </a:defRPr>
+            </a:pPr>
+            <a:r>
+              <a:t>Estar em Tuas mãos, ó Pai</a:t>
+            </a:r>
+          </a:p>
+          <a:p>
+            <a:pPr algn="ctr">
+              <a:defRPr sz="5200">
+                <a:solidFill>
+                  <a:srgbClr val="000000"/>
+                </a:solidFill>
+              </a:defRPr>
+            </a:pPr>
+            <a:r>
+              <a:t>E a vida ofertar</a:t>
+            </a:r>
+          </a:p>
+          <a:p>
+            <a:pPr algn="ctr">
+              <a:defRPr sz="5200">
+                <a:solidFill>
+                  <a:srgbClr val="000000"/>
+                </a:solidFill>
+              </a:defRPr>
+            </a:pPr>
+            <a:r>
+              <a:t>No pão e no vinho a Ti</a:t>
+            </a:r>
+          </a:p>
+          <a:p>
+            <a:pPr algn="ctr">
+              <a:defRPr sz="5200">
+                <a:solidFill>
+                  <a:srgbClr val="000000"/>
+                </a:solidFill>
+              </a:defRPr>
+            </a:pPr>
+            <a:r>
+              <a:t>E o céu se abrirá</a:t>
             </a:r>
           </a:p>
         </p:txBody>
@@ -5797,7 +5394,7 @@
               <a:defRPr b="1" sz="4200"/>
             </a:pPr>
             <a:r>
-              <a:t>9 - Santo</a:t>
+              <a:t>7 - Estar Em Tuas Mãos - Comunidade</a:t>
             </a:r>
           </a:p>
         </p:txBody>
@@ -5818,14 +5415,50 @@
           <a:lstStyle/>
           <a:p>
             <a:pPr algn="ctr">
-              <a:defRPr sz="4200">
-                <a:solidFill>
-                  <a:srgbClr val="000000"/>
-                </a:solidFill>
-              </a:defRPr>
-            </a:pPr>
-            <a:r>
-              <a:t>Santo, Santo, San...to, Senhor Deus do Universo. (2x)</a:t>
+              <a:defRPr sz="5500">
+                <a:solidFill>
+                  <a:srgbClr val="000000"/>
+                </a:solidFill>
+              </a:defRPr>
+            </a:pPr>
+            <a:r>
+              <a:t>Estar em Tuas mãos, Senhor</a:t>
+            </a:r>
+          </a:p>
+          <a:p>
+            <a:pPr algn="ctr">
+              <a:defRPr sz="5500">
+                <a:solidFill>
+                  <a:srgbClr val="000000"/>
+                </a:solidFill>
+              </a:defRPr>
+            </a:pPr>
+            <a:r>
+              <a:t>E a vida entregar</a:t>
+            </a:r>
+          </a:p>
+          <a:p>
+            <a:pPr algn="ctr">
+              <a:defRPr sz="5500">
+                <a:solidFill>
+                  <a:srgbClr val="000000"/>
+                </a:solidFill>
+              </a:defRPr>
+            </a:pPr>
+            <a:r>
+              <a:t>A minha oblação em Ti</a:t>
+            </a:r>
+          </a:p>
+          <a:p>
+            <a:pPr algn="ctr">
+              <a:defRPr sz="5500">
+                <a:solidFill>
+                  <a:srgbClr val="000000"/>
+                </a:solidFill>
+              </a:defRPr>
+            </a:pPr>
+            <a:r>
+              <a:t>Se perderá</a:t>
             </a:r>
           </a:p>
         </p:txBody>
@@ -5867,7 +5500,7 @@
               <a:defRPr b="1" sz="4200"/>
             </a:pPr>
             <a:r>
-              <a:t>9 - Santo</a:t>
+              <a:t>7 - Estar Em Tuas Mãos - Comunidade</a:t>
             </a:r>
           </a:p>
         </p:txBody>
@@ -5888,26 +5521,50 @@
           <a:lstStyle/>
           <a:p>
             <a:pPr algn="ctr">
-              <a:defRPr sz="4200">
-                <a:solidFill>
-                  <a:srgbClr val="000000"/>
-                </a:solidFill>
-              </a:defRPr>
-            </a:pPr>
-            <a:r>
-              <a:t>Céus e terra proclamam a vossa glória. Hosana nas Alturas!</a:t>
-            </a:r>
-          </a:p>
-          <a:p>
-            <a:pPr algn="ctr">
-              <a:defRPr sz="4200">
-                <a:solidFill>
-                  <a:srgbClr val="000000"/>
-                </a:solidFill>
-              </a:defRPr>
-            </a:pPr>
-            <a:r>
-              <a:t>Bendito o que vem em nome do Senhor. Hosana nas Alturas!</a:t>
+              <a:defRPr sz="4700">
+                <a:solidFill>
+                  <a:srgbClr val="000000"/>
+                </a:solidFill>
+              </a:defRPr>
+            </a:pPr>
+            <a:r>
+              <a:t>Estar em Tuas mãos, ó Pai</a:t>
+            </a:r>
+          </a:p>
+          <a:p>
+            <a:pPr algn="ctr">
+              <a:defRPr sz="4700">
+                <a:solidFill>
+                  <a:srgbClr val="000000"/>
+                </a:solidFill>
+              </a:defRPr>
+            </a:pPr>
+            <a:r>
+              <a:t>E a vida ofertar (e a vida ofertar)</a:t>
+            </a:r>
+          </a:p>
+          <a:p>
+            <a:pPr algn="ctr">
+              <a:defRPr sz="4700">
+                <a:solidFill>
+                  <a:srgbClr val="000000"/>
+                </a:solidFill>
+              </a:defRPr>
+            </a:pPr>
+            <a:r>
+              <a:t>No pão e no vinho a Ti</a:t>
+            </a:r>
+          </a:p>
+          <a:p>
+            <a:pPr algn="ctr">
+              <a:defRPr sz="4700">
+                <a:solidFill>
+                  <a:srgbClr val="000000"/>
+                </a:solidFill>
+              </a:defRPr>
+            </a:pPr>
+            <a:r>
+              <a:t>E o céu se abrirá</a:t>
             </a:r>
           </a:p>
         </p:txBody>
@@ -5949,7 +5606,7 @@
               <a:defRPr b="1" sz="4200"/>
             </a:pPr>
             <a:r>
-              <a:t>9 - Santo</a:t>
+              <a:t>7 - Estar Em Tuas Mãos - Comunidade</a:t>
             </a:r>
           </a:p>
         </p:txBody>
@@ -5970,14 +5627,62 @@
           <a:lstStyle/>
           <a:p>
             <a:pPr algn="ctr">
-              <a:defRPr sz="4200">
-                <a:solidFill>
-                  <a:srgbClr val="000000"/>
-                </a:solidFill>
-              </a:defRPr>
-            </a:pPr>
-            <a:r>
-              <a:t>Santo, Santo, San..to, Senhor Deus do Universo. (2x)</a:t>
+              <a:defRPr sz="3800">
+                <a:solidFill>
+                  <a:srgbClr val="000000"/>
+                </a:solidFill>
+              </a:defRPr>
+            </a:pPr>
+            <a:r>
+              <a:t>Estar em Tuas mãos, Senhor</a:t>
+            </a:r>
+          </a:p>
+          <a:p>
+            <a:pPr algn="ctr">
+              <a:defRPr sz="3800">
+                <a:solidFill>
+                  <a:srgbClr val="000000"/>
+                </a:solidFill>
+              </a:defRPr>
+            </a:pPr>
+            <a:r>
+              <a:t>E a vida entregar</a:t>
+            </a:r>
+          </a:p>
+          <a:p>
+            <a:pPr algn="ctr">
+              <a:defRPr sz="3800">
+                <a:solidFill>
+                  <a:srgbClr val="000000"/>
+                </a:solidFill>
+              </a:defRPr>
+            </a:pPr>
+            <a:r>
+              <a:t>A minha oblação em Ti (a minha oblação em Ti)</a:t>
+            </a:r>
+          </a:p>
+          <a:p>
+            <a:pPr algn="ctr">
+              <a:defRPr sz="3800">
+                <a:solidFill>
+                  <a:srgbClr val="000000"/>
+                </a:solidFill>
+              </a:defRPr>
+            </a:pPr>
+            <a:r>
+              <a:t>Se perderá, frutificará</a:t>
+            </a:r>
+          </a:p>
+          <a:p>
+            <a:pPr algn="ctr">
+              <a:defRPr sz="3800">
+                <a:solidFill>
+                  <a:srgbClr val="000000"/>
+                </a:solidFill>
+              </a:defRPr>
+            </a:pPr>
+            <a:r>
+              <a:t>Frutificará, frutificará, frutificará!</a:t>
             </a:r>
           </a:p>
         </p:txBody>
@@ -6007,61 +5712,31 @@
             <a:spLocks noGrp="1"/>
           </p:cNvSpPr>
           <p:nvPr>
-            <p:ph type="title"/>
-          </p:nvPr>
-        </p:nvSpPr>
-        <p:spPr/>
-        <p:txBody>
-          <a:bodyPr/>
-          <a:lstStyle/>
-          <a:p>
-            <a:pPr>
-              <a:defRPr b="1" sz="4200"/>
-            </a:pPr>
-            <a:r>
-              <a:t>10 - Cordeiro de Deus</a:t>
-            </a:r>
-          </a:p>
-        </p:txBody>
-      </p:sp>
-      <p:sp>
-        <p:nvSpPr>
-          <p:cNvPr id="3" name="Content Placeholder 2"/>
-          <p:cNvSpPr>
-            <a:spLocks noGrp="1"/>
-          </p:cNvSpPr>
-          <p:nvPr>
-            <p:ph idx="1"/>
-          </p:nvPr>
-        </p:nvSpPr>
-        <p:spPr/>
-        <p:txBody>
-          <a:bodyPr/>
-          <a:lstStyle/>
-          <a:p>
-            <a:pPr algn="ctr">
-              <a:defRPr sz="4200">
-                <a:solidFill>
-                  <a:srgbClr val="000000"/>
-                </a:solidFill>
-              </a:defRPr>
-            </a:pPr>
-            <a:r>
-              <a:t>Cordeiro de Deus que tirais o pecado do mundo, tende piedade, piedade de nós. (2x)</a:t>
-            </a:r>
-          </a:p>
-          <a:p>
-            <a:pPr algn="ctr">
-              <a:defRPr sz="4200">
-                <a:solidFill>
-                  <a:srgbClr val="000000"/>
-                </a:solidFill>
-              </a:defRPr>
-            </a:pPr>
-            <a:r>
-              <a:t>Cordeiro de Deus que tirais o pecado do mundo, dai-nos a paz, a vossa paz.</a:t>
-            </a:r>
-          </a:p>
+            <p:ph type="ctrTitle"/>
+          </p:nvPr>
+        </p:nvSpPr>
+        <p:spPr/>
+        <p:txBody>
+          <a:bodyPr/>
+          <a:lstStyle/>
+          <a:p/>
+        </p:txBody>
+      </p:sp>
+      <p:sp>
+        <p:nvSpPr>
+          <p:cNvPr id="3" name="Subtitle 2"/>
+          <p:cNvSpPr>
+            <a:spLocks noGrp="1"/>
+          </p:cNvSpPr>
+          <p:nvPr>
+            <p:ph type="subTitle" idx="1"/>
+          </p:nvPr>
+        </p:nvSpPr>
+        <p:spPr/>
+        <p:txBody>
+          <a:bodyPr/>
+          <a:lstStyle/>
+          <a:p/>
         </p:txBody>
       </p:sp>
     </p:spTree>
@@ -6101,7 +5776,7 @@
               <a:defRPr b="1" sz="4200"/>
             </a:pPr>
             <a:r>
-              <a:t>11 - Comunhão</a:t>
+              <a:t>8 - Santo - Frei Gilson</a:t>
             </a:r>
           </a:p>
         </p:txBody>
@@ -6122,50 +5797,38 @@
           <a:lstStyle/>
           <a:p>
             <a:pPr algn="ctr">
-              <a:defRPr sz="4200">
-                <a:solidFill>
-                  <a:srgbClr val="000000"/>
-                </a:solidFill>
-              </a:defRPr>
-            </a:pPr>
-            <a:r>
-              <a:t>Na comunhão Jesus se dá no pão</a:t>
-            </a:r>
-          </a:p>
-          <a:p>
-            <a:pPr algn="ctr">
-              <a:defRPr sz="4200">
-                <a:solidFill>
-                  <a:srgbClr val="000000"/>
-                </a:solidFill>
-              </a:defRPr>
-            </a:pPr>
-            <a:r>
-              <a:t>O cordeiro imolado é refeição</a:t>
-            </a:r>
-          </a:p>
-          <a:p>
-            <a:pPr algn="ctr">
-              <a:defRPr sz="4200">
-                <a:solidFill>
-                  <a:srgbClr val="000000"/>
-                </a:solidFill>
-              </a:defRPr>
-            </a:pPr>
-            <a:r>
-              <a:t>Nosso alimento de amor e salvação</a:t>
-            </a:r>
-          </a:p>
-          <a:p>
-            <a:pPr algn="ctr">
-              <a:defRPr sz="4200">
-                <a:solidFill>
-                  <a:srgbClr val="000000"/>
-                </a:solidFill>
-              </a:defRPr>
-            </a:pPr>
-            <a:r>
-              <a:t>Em torno desse altar somos irmãos</a:t>
+              <a:defRPr sz="5700">
+                <a:solidFill>
+                  <a:srgbClr val="000000"/>
+                </a:solidFill>
+              </a:defRPr>
+            </a:pPr>
+            <a:r>
+              <a:t>Santo, santo, santo</a:t>
+            </a:r>
+          </a:p>
+          <a:p>
+            <a:pPr algn="ctr">
+              <a:defRPr sz="5700">
+                <a:solidFill>
+                  <a:srgbClr val="000000"/>
+                </a:solidFill>
+              </a:defRPr>
+            </a:pPr>
+            <a:r>
+              <a:t>Senhor Deus do universo</a:t>
+            </a:r>
+          </a:p>
+          <a:p>
+            <a:pPr algn="ctr">
+              <a:defRPr sz="5700">
+                <a:solidFill>
+                  <a:srgbClr val="000000"/>
+                </a:solidFill>
+              </a:defRPr>
+            </a:pPr>
+            <a:r>
+              <a:t>Senhor Deus do universo (x2)</a:t>
             </a:r>
           </a:p>
         </p:txBody>
@@ -6207,7 +5870,7 @@
               <a:defRPr b="1" sz="4200"/>
             </a:pPr>
             <a:r>
-              <a:t>11 - Comunhão</a:t>
+              <a:t>8 - Santo - Frei Gilson</a:t>
             </a:r>
           </a:p>
         </p:txBody>
@@ -6228,38 +5891,50 @@
           <a:lstStyle/>
           <a:p>
             <a:pPr algn="ctr">
-              <a:defRPr sz="4200">
-                <a:solidFill>
-                  <a:srgbClr val="000000"/>
-                </a:solidFill>
-              </a:defRPr>
-            </a:pPr>
-            <a:r>
-              <a:t>O Pão da Vida és tu, Jesus</a:t>
-            </a:r>
-          </a:p>
-          <a:p>
-            <a:pPr algn="ctr">
-              <a:defRPr sz="4200">
-                <a:solidFill>
-                  <a:srgbClr val="000000"/>
-                </a:solidFill>
-              </a:defRPr>
-            </a:pPr>
-            <a:r>
-              <a:t>O Pão do Céu, o Caminho, a Verdade</a:t>
-            </a:r>
-          </a:p>
-          <a:p>
-            <a:pPr algn="ctr">
-              <a:defRPr sz="4200">
-                <a:solidFill>
-                  <a:srgbClr val="000000"/>
-                </a:solidFill>
-              </a:defRPr>
-            </a:pPr>
-            <a:r>
-              <a:t>Via de Amor, Dom de Deus, nosso Redentor</a:t>
+              <a:defRPr sz="4500">
+                <a:solidFill>
+                  <a:srgbClr val="000000"/>
+                </a:solidFill>
+              </a:defRPr>
+            </a:pPr>
+            <a:r>
+              <a:t>O céu e a terra proclamam vossa glória</a:t>
+            </a:r>
+          </a:p>
+          <a:p>
+            <a:pPr algn="ctr">
+              <a:defRPr sz="4500">
+                <a:solidFill>
+                  <a:srgbClr val="000000"/>
+                </a:solidFill>
+              </a:defRPr>
+            </a:pPr>
+            <a:r>
+              <a:t>Hosana nas alturas</a:t>
+            </a:r>
+          </a:p>
+          <a:p>
+            <a:pPr algn="ctr">
+              <a:defRPr sz="4500">
+                <a:solidFill>
+                  <a:srgbClr val="000000"/>
+                </a:solidFill>
+              </a:defRPr>
+            </a:pPr>
+            <a:r>
+              <a:t>Bendito o que vem em nome do Senhor</a:t>
+            </a:r>
+          </a:p>
+          <a:p>
+            <a:pPr algn="ctr">
+              <a:defRPr sz="4500">
+                <a:solidFill>
+                  <a:srgbClr val="000000"/>
+                </a:solidFill>
+              </a:defRPr>
+            </a:pPr>
+            <a:r>
+              <a:t>Hosana nas alturas</a:t>
             </a:r>
           </a:p>
         </p:txBody>
@@ -6301,7 +5976,7 @@
               <a:defRPr b="1" sz="4200"/>
             </a:pPr>
             <a:r>
-              <a:t>11 - Comunhão</a:t>
+              <a:t>8 - Santo - Frei Gilson</a:t>
             </a:r>
           </a:p>
         </p:txBody>
@@ -6322,50 +5997,50 @@
           <a:lstStyle/>
           <a:p>
             <a:pPr algn="ctr">
-              <a:defRPr sz="4200">
-                <a:solidFill>
-                  <a:srgbClr val="000000"/>
-                </a:solidFill>
-              </a:defRPr>
-            </a:pPr>
-            <a:r>
-              <a:t>Toma e come, isto é o meu corpo</a:t>
-            </a:r>
-          </a:p>
-          <a:p>
-            <a:pPr algn="ctr">
-              <a:defRPr sz="4200">
-                <a:solidFill>
-                  <a:srgbClr val="000000"/>
-                </a:solidFill>
-              </a:defRPr>
-            </a:pPr>
-            <a:r>
-              <a:t>Que do trigo se faz pão, é refeição</a:t>
-            </a:r>
-          </a:p>
-          <a:p>
-            <a:pPr algn="ctr">
-              <a:defRPr sz="4200">
-                <a:solidFill>
-                  <a:srgbClr val="000000"/>
-                </a:solidFill>
-              </a:defRPr>
-            </a:pPr>
-            <a:r>
-              <a:t>Na eucaristia o vinho se torna sangue</a:t>
-            </a:r>
-          </a:p>
-          <a:p>
-            <a:pPr algn="ctr">
-              <a:defRPr sz="4200">
-                <a:solidFill>
-                  <a:srgbClr val="000000"/>
-                </a:solidFill>
-              </a:defRPr>
-            </a:pPr>
-            <a:r>
-              <a:t>Verdadeira bebida, nossa alegria</a:t>
+              <a:defRPr sz="5400">
+                <a:solidFill>
+                  <a:srgbClr val="000000"/>
+                </a:solidFill>
+              </a:defRPr>
+            </a:pPr>
+            <a:r>
+              <a:t>Santo, santo, santo</a:t>
+            </a:r>
+          </a:p>
+          <a:p>
+            <a:pPr algn="ctr">
+              <a:defRPr sz="5400">
+                <a:solidFill>
+                  <a:srgbClr val="000000"/>
+                </a:solidFill>
+              </a:defRPr>
+            </a:pPr>
+            <a:r>
+              <a:t>Senhor Deus do universo</a:t>
+            </a:r>
+          </a:p>
+          <a:p>
+            <a:pPr algn="ctr">
+              <a:defRPr sz="5400">
+                <a:solidFill>
+                  <a:srgbClr val="000000"/>
+                </a:solidFill>
+              </a:defRPr>
+            </a:pPr>
+            <a:r>
+              <a:t>Senhor Deus do universo (x2)</a:t>
+            </a:r>
+          </a:p>
+          <a:p>
+            <a:pPr algn="ctr">
+              <a:defRPr sz="5400">
+                <a:solidFill>
+                  <a:srgbClr val="000000"/>
+                </a:solidFill>
+              </a:defRPr>
+            </a:pPr>
+            <a:r>
+              <a:t>Santo</a:t>
             </a:r>
           </a:p>
         </p:txBody>
@@ -6407,7 +6082,7 @@
               <a:defRPr b="1" sz="4200"/>
             </a:pPr>
             <a:r>
-              <a:t>2 - Canto de Abertura</a:t>
+              <a:t>2 - Kyrie Eleison - JMJ RIO 2013</a:t>
             </a:r>
           </a:p>
         </p:txBody>
@@ -6428,50 +6103,26 @@
           <a:lstStyle/>
           <a:p>
             <a:pPr algn="ctr">
-              <a:defRPr sz="4200">
-                <a:solidFill>
-                  <a:srgbClr val="000000"/>
-                </a:solidFill>
-              </a:defRPr>
-            </a:pPr>
-            <a:r>
-              <a:t>Quando estamos juntos, unidos a Ti</a:t>
-            </a:r>
-          </a:p>
-          <a:p>
-            <a:pPr algn="ctr">
-              <a:defRPr sz="4200">
-                <a:solidFill>
-                  <a:srgbClr val="000000"/>
-                </a:solidFill>
-              </a:defRPr>
-            </a:pPr>
-            <a:r>
-              <a:t>Para elevar a nossa oração</a:t>
-            </a:r>
-          </a:p>
-          <a:p>
-            <a:pPr algn="ctr">
-              <a:defRPr sz="4200">
-                <a:solidFill>
-                  <a:srgbClr val="000000"/>
-                </a:solidFill>
-              </a:defRPr>
-            </a:pPr>
-            <a:r>
-              <a:t>Um canto de alegria surge entre nós</a:t>
-            </a:r>
-          </a:p>
-          <a:p>
-            <a:pPr algn="ctr">
-              <a:defRPr sz="4200">
-                <a:solidFill>
-                  <a:srgbClr val="000000"/>
-                </a:solidFill>
-              </a:defRPr>
-            </a:pPr>
-            <a:r>
-              <a:t>Em adoração ao Seu eterno amor (2x)</a:t>
+              <a:defRPr sz="6800">
+                <a:solidFill>
+                  <a:srgbClr val="000000"/>
+                </a:solidFill>
+              </a:defRPr>
+            </a:pPr>
+            <a:r>
+              <a:t>Senhor, que viestes salvar</a:t>
+            </a:r>
+          </a:p>
+          <a:p>
+            <a:pPr algn="ctr">
+              <a:defRPr sz="6800">
+                <a:solidFill>
+                  <a:srgbClr val="000000"/>
+                </a:solidFill>
+              </a:defRPr>
+            </a:pPr>
+            <a:r>
+              <a:t>Os corações arrependidos</a:t>
             </a:r>
           </a:p>
         </p:txBody>
@@ -6501,73 +6152,31 @@
             <a:spLocks noGrp="1"/>
           </p:cNvSpPr>
           <p:nvPr>
-            <p:ph type="title"/>
-          </p:nvPr>
-        </p:nvSpPr>
-        <p:spPr/>
-        <p:txBody>
-          <a:bodyPr/>
-          <a:lstStyle/>
-          <a:p>
-            <a:pPr>
-              <a:defRPr b="1" sz="4200"/>
-            </a:pPr>
-            <a:r>
-              <a:t>11 - Comunhão</a:t>
-            </a:r>
-          </a:p>
-        </p:txBody>
-      </p:sp>
-      <p:sp>
-        <p:nvSpPr>
-          <p:cNvPr id="3" name="Content Placeholder 2"/>
-          <p:cNvSpPr>
-            <a:spLocks noGrp="1"/>
-          </p:cNvSpPr>
-          <p:nvPr>
-            <p:ph idx="1"/>
-          </p:nvPr>
-        </p:nvSpPr>
-        <p:spPr/>
-        <p:txBody>
-          <a:bodyPr/>
-          <a:lstStyle/>
-          <a:p>
-            <a:pPr algn="ctr">
-              <a:defRPr sz="4200">
-                <a:solidFill>
-                  <a:srgbClr val="000000"/>
-                </a:solidFill>
-              </a:defRPr>
-            </a:pPr>
-            <a:r>
-              <a:t>O Pão da Vida és tu, Jesus</a:t>
-            </a:r>
-          </a:p>
-          <a:p>
-            <a:pPr algn="ctr">
-              <a:defRPr sz="4200">
-                <a:solidFill>
-                  <a:srgbClr val="000000"/>
-                </a:solidFill>
-              </a:defRPr>
-            </a:pPr>
-            <a:r>
-              <a:t>O Pão do Céu, o Caminho, a Verdade</a:t>
-            </a:r>
-          </a:p>
-          <a:p>
-            <a:pPr algn="ctr">
-              <a:defRPr sz="4200">
-                <a:solidFill>
-                  <a:srgbClr val="000000"/>
-                </a:solidFill>
-              </a:defRPr>
-            </a:pPr>
-            <a:r>
-              <a:t>Via de Amor, Dom de Deus, nosso Redentor</a:t>
-            </a:r>
-          </a:p>
+            <p:ph type="ctrTitle"/>
+          </p:nvPr>
+        </p:nvSpPr>
+        <p:spPr/>
+        <p:txBody>
+          <a:bodyPr/>
+          <a:lstStyle/>
+          <a:p/>
+        </p:txBody>
+      </p:sp>
+      <p:sp>
+        <p:nvSpPr>
+          <p:cNvPr id="3" name="Subtitle 2"/>
+          <p:cNvSpPr>
+            <a:spLocks noGrp="1"/>
+          </p:cNvSpPr>
+          <p:nvPr>
+            <p:ph type="subTitle" idx="1"/>
+          </p:nvPr>
+        </p:nvSpPr>
+        <p:spPr/>
+        <p:txBody>
+          <a:bodyPr/>
+          <a:lstStyle/>
+          <a:p/>
         </p:txBody>
       </p:sp>
     </p:spTree>
@@ -6607,7 +6216,7 @@
               <a:defRPr b="1" sz="4200"/>
             </a:pPr>
             <a:r>
-              <a:t>12 - Final</a:t>
+              <a:t>9 - Cordeiro De Deus - Frei Gilson</a:t>
             </a:r>
           </a:p>
         </p:txBody>
@@ -6628,26 +6237,50 @@
           <a:lstStyle/>
           <a:p>
             <a:pPr algn="ctr">
-              <a:defRPr sz="4200">
-                <a:solidFill>
-                  <a:srgbClr val="000000"/>
-                </a:solidFill>
-              </a:defRPr>
-            </a:pPr>
-            <a:r>
-              <a:t>Celebrai a Cristo, celebrai</a:t>
-            </a:r>
-          </a:p>
-          <a:p>
-            <a:pPr algn="ctr">
-              <a:defRPr sz="4200">
-                <a:solidFill>
-                  <a:srgbClr val="000000"/>
-                </a:solidFill>
-              </a:defRPr>
-            </a:pPr>
-            <a:r>
-              <a:t>Celebrai a Cristo, celebrai (2x)</a:t>
+              <a:defRPr sz="5300">
+                <a:solidFill>
+                  <a:srgbClr val="000000"/>
+                </a:solidFill>
+              </a:defRPr>
+            </a:pPr>
+            <a:r>
+              <a:t>Cordeiro de Deus</a:t>
+            </a:r>
+          </a:p>
+          <a:p>
+            <a:pPr algn="ctr">
+              <a:defRPr sz="5300">
+                <a:solidFill>
+                  <a:srgbClr val="000000"/>
+                </a:solidFill>
+              </a:defRPr>
+            </a:pPr>
+            <a:r>
+              <a:t>Que tirais o pecado do mundo</a:t>
+            </a:r>
+          </a:p>
+          <a:p>
+            <a:pPr algn="ctr">
+              <a:defRPr sz="5300">
+                <a:solidFill>
+                  <a:srgbClr val="000000"/>
+                </a:solidFill>
+              </a:defRPr>
+            </a:pPr>
+            <a:r>
+              <a:t>Tende piedade de nós</a:t>
+            </a:r>
+          </a:p>
+          <a:p>
+            <a:pPr algn="ctr">
+              <a:defRPr sz="5300">
+                <a:solidFill>
+                  <a:srgbClr val="000000"/>
+                </a:solidFill>
+              </a:defRPr>
+            </a:pPr>
+            <a:r>
+              <a:t>Tende piedade</a:t>
             </a:r>
           </a:p>
         </p:txBody>
@@ -6689,7 +6322,7 @@
               <a:defRPr b="1" sz="4200"/>
             </a:pPr>
             <a:r>
-              <a:t>12 - Final</a:t>
+              <a:t>9 - Cordeiro De Deus - Frei Gilson</a:t>
             </a:r>
           </a:p>
         </p:txBody>
@@ -6710,26 +6343,50 @@
           <a:lstStyle/>
           <a:p>
             <a:pPr algn="ctr">
-              <a:defRPr sz="4200">
-                <a:solidFill>
-                  <a:srgbClr val="000000"/>
-                </a:solidFill>
-              </a:defRPr>
-            </a:pPr>
-            <a:r>
-              <a:t>Ressuscitou, ressuscitou, Ele vive para sempre</a:t>
-            </a:r>
-          </a:p>
-          <a:p>
-            <a:pPr algn="ctr">
-              <a:defRPr sz="4200">
-                <a:solidFill>
-                  <a:srgbClr val="000000"/>
-                </a:solidFill>
-              </a:defRPr>
-            </a:pPr>
-            <a:r>
-              <a:t>Ressuscitou, ressuscitou, Ele vive para sempre</a:t>
+              <a:defRPr sz="5300">
+                <a:solidFill>
+                  <a:srgbClr val="000000"/>
+                </a:solidFill>
+              </a:defRPr>
+            </a:pPr>
+            <a:r>
+              <a:t>Cordeiro de Deus</a:t>
+            </a:r>
+          </a:p>
+          <a:p>
+            <a:pPr algn="ctr">
+              <a:defRPr sz="5300">
+                <a:solidFill>
+                  <a:srgbClr val="000000"/>
+                </a:solidFill>
+              </a:defRPr>
+            </a:pPr>
+            <a:r>
+              <a:t>Que tirais o pecado do mundo</a:t>
+            </a:r>
+          </a:p>
+          <a:p>
+            <a:pPr algn="ctr">
+              <a:defRPr sz="5300">
+                <a:solidFill>
+                  <a:srgbClr val="000000"/>
+                </a:solidFill>
+              </a:defRPr>
+            </a:pPr>
+            <a:r>
+              <a:t>Tende piedade de nós</a:t>
+            </a:r>
+          </a:p>
+          <a:p>
+            <a:pPr algn="ctr">
+              <a:defRPr sz="5300">
+                <a:solidFill>
+                  <a:srgbClr val="000000"/>
+                </a:solidFill>
+              </a:defRPr>
+            </a:pPr>
+            <a:r>
+              <a:t>Tende piedade</a:t>
             </a:r>
           </a:p>
         </p:txBody>
@@ -6771,7 +6428,7 @@
               <a:defRPr b="1" sz="4200"/>
             </a:pPr>
             <a:r>
-              <a:t>12 - Final</a:t>
+              <a:t>9 - Cordeiro De Deus - Frei Gilson</a:t>
             </a:r>
           </a:p>
         </p:txBody>
@@ -6792,26 +6449,656 @@
           <a:lstStyle/>
           <a:p>
             <a:pPr algn="ctr">
-              <a:defRPr sz="4200">
-                <a:solidFill>
-                  <a:srgbClr val="000000"/>
-                </a:solidFill>
-              </a:defRPr>
-            </a:pPr>
-            <a:r>
-              <a:t>E vamos celebrar, vamos celebrar, vamos celebrar</a:t>
-            </a:r>
-          </a:p>
-          <a:p>
-            <a:pPr algn="ctr">
-              <a:defRPr sz="4200">
-                <a:solidFill>
-                  <a:srgbClr val="000000"/>
-                </a:solidFill>
-              </a:defRPr>
-            </a:pPr>
-            <a:r>
-              <a:t>Ressuscitou  meu Senhor</a:t>
+              <a:defRPr sz="4900">
+                <a:solidFill>
+                  <a:srgbClr val="000000"/>
+                </a:solidFill>
+              </a:defRPr>
+            </a:pPr>
+            <a:r>
+              <a:t>Cordeiro de Deus</a:t>
+            </a:r>
+          </a:p>
+          <a:p>
+            <a:pPr algn="ctr">
+              <a:defRPr sz="4900">
+                <a:solidFill>
+                  <a:srgbClr val="000000"/>
+                </a:solidFill>
+              </a:defRPr>
+            </a:pPr>
+            <a:r>
+              <a:t>Que tirais o pecado do mundo</a:t>
+            </a:r>
+          </a:p>
+          <a:p>
+            <a:pPr algn="ctr">
+              <a:defRPr sz="4900">
+                <a:solidFill>
+                  <a:srgbClr val="000000"/>
+                </a:solidFill>
+              </a:defRPr>
+            </a:pPr>
+            <a:r>
+              <a:t>Dai-nos vossa paz Senhor</a:t>
+            </a:r>
+          </a:p>
+          <a:p>
+            <a:pPr algn="ctr">
+              <a:defRPr sz="4900">
+                <a:solidFill>
+                  <a:srgbClr val="000000"/>
+                </a:solidFill>
+              </a:defRPr>
+            </a:pPr>
+            <a:r>
+              <a:t>Dai-nos vossa paz Senhor</a:t>
+            </a:r>
+          </a:p>
+        </p:txBody>
+      </p:sp>
+    </p:spTree>
+  </p:cSld>
+  <p:clrMapOvr>
+    <a:masterClrMapping/>
+  </p:clrMapOvr>
+</p:sld>
+</file>
+
+<file path=ppt/slides/slide44.xml><?xml version="1.0" encoding="utf-8"?>
+<p:sld xmlns:a="http://schemas.openxmlformats.org/drawingml/2006/main" xmlns:p="http://schemas.openxmlformats.org/presentationml/2006/main" xmlns:r="http://schemas.openxmlformats.org/officeDocument/2006/relationships">
+  <p:cSld>
+    <p:spTree>
+      <p:nvGrpSpPr>
+        <p:cNvPr id="1" name=""/>
+        <p:cNvGrpSpPr/>
+        <p:nvPr/>
+      </p:nvGrpSpPr>
+      <p:grpSpPr/>
+      <p:sp>
+        <p:nvSpPr>
+          <p:cNvPr id="2" name="Title 1"/>
+          <p:cNvSpPr>
+            <a:spLocks noGrp="1"/>
+          </p:cNvSpPr>
+          <p:nvPr>
+            <p:ph type="ctrTitle"/>
+          </p:nvPr>
+        </p:nvSpPr>
+        <p:spPr/>
+        <p:txBody>
+          <a:bodyPr/>
+          <a:lstStyle/>
+          <a:p/>
+        </p:txBody>
+      </p:sp>
+      <p:sp>
+        <p:nvSpPr>
+          <p:cNvPr id="3" name="Subtitle 2"/>
+          <p:cNvSpPr>
+            <a:spLocks noGrp="1"/>
+          </p:cNvSpPr>
+          <p:nvPr>
+            <p:ph type="subTitle" idx="1"/>
+          </p:nvPr>
+        </p:nvSpPr>
+        <p:spPr/>
+        <p:txBody>
+          <a:bodyPr/>
+          <a:lstStyle/>
+          <a:p/>
+        </p:txBody>
+      </p:sp>
+    </p:spTree>
+  </p:cSld>
+  <p:clrMapOvr>
+    <a:masterClrMapping/>
+  </p:clrMapOvr>
+</p:sld>
+</file>
+
+<file path=ppt/slides/slide45.xml><?xml version="1.0" encoding="utf-8"?>
+<p:sld xmlns:a="http://schemas.openxmlformats.org/drawingml/2006/main" xmlns:p="http://schemas.openxmlformats.org/presentationml/2006/main" xmlns:r="http://schemas.openxmlformats.org/officeDocument/2006/relationships">
+  <p:cSld>
+    <p:spTree>
+      <p:nvGrpSpPr>
+        <p:cNvPr id="1" name=""/>
+        <p:cNvGrpSpPr/>
+        <p:nvPr/>
+      </p:nvGrpSpPr>
+      <p:grpSpPr/>
+      <p:sp>
+        <p:nvSpPr>
+          <p:cNvPr id="2" name="Title 1"/>
+          <p:cNvSpPr>
+            <a:spLocks noGrp="1"/>
+          </p:cNvSpPr>
+          <p:nvPr>
+            <p:ph type="title"/>
+          </p:nvPr>
+        </p:nvSpPr>
+        <p:spPr/>
+        <p:txBody>
+          <a:bodyPr/>
+          <a:lstStyle/>
+          <a:p>
+            <a:pPr>
+              <a:defRPr b="1" sz="4200"/>
+            </a:pPr>
+            <a:r>
+              <a:t>10 - Tu Nos Atraíste - Comunidade Católica Shalom</a:t>
+            </a:r>
+          </a:p>
+        </p:txBody>
+      </p:sp>
+      <p:sp>
+        <p:nvSpPr>
+          <p:cNvPr id="3" name="Content Placeholder 2"/>
+          <p:cNvSpPr>
+            <a:spLocks noGrp="1"/>
+          </p:cNvSpPr>
+          <p:nvPr>
+            <p:ph idx="1"/>
+          </p:nvPr>
+        </p:nvSpPr>
+        <p:spPr/>
+        <p:txBody>
+          <a:bodyPr/>
+          <a:lstStyle/>
+          <a:p>
+            <a:pPr algn="ctr">
+              <a:defRPr sz="3700">
+                <a:solidFill>
+                  <a:srgbClr val="000000"/>
+                </a:solidFill>
+              </a:defRPr>
+            </a:pPr>
+            <a:r>
+              <a:t>Cada vez que comemos deste pão</a:t>
+            </a:r>
+          </a:p>
+          <a:p>
+            <a:pPr algn="ctr">
+              <a:defRPr sz="3700">
+                <a:solidFill>
+                  <a:srgbClr val="000000"/>
+                </a:solidFill>
+              </a:defRPr>
+            </a:pPr>
+            <a:r>
+              <a:t>O teu corpo nos renova nesta comunhão!</a:t>
+            </a:r>
+          </a:p>
+          <a:p>
+            <a:pPr algn="ctr">
+              <a:defRPr sz="3700">
+                <a:solidFill>
+                  <a:srgbClr val="000000"/>
+                </a:solidFill>
+              </a:defRPr>
+            </a:pPr>
+            <a:r>
+              <a:t>Cada vez que bebemos deste vinho</a:t>
+            </a:r>
+          </a:p>
+          <a:p>
+            <a:pPr algn="ctr">
+              <a:defRPr sz="3700">
+                <a:solidFill>
+                  <a:srgbClr val="000000"/>
+                </a:solidFill>
+              </a:defRPr>
+            </a:pPr>
+            <a:r>
+              <a:t>O teu sangue nos transforma nesta comunhão de amor!</a:t>
+            </a:r>
+          </a:p>
+        </p:txBody>
+      </p:sp>
+    </p:spTree>
+  </p:cSld>
+  <p:clrMapOvr>
+    <a:masterClrMapping/>
+  </p:clrMapOvr>
+</p:sld>
+</file>
+
+<file path=ppt/slides/slide46.xml><?xml version="1.0" encoding="utf-8"?>
+<p:sld xmlns:a="http://schemas.openxmlformats.org/drawingml/2006/main" xmlns:p="http://schemas.openxmlformats.org/presentationml/2006/main" xmlns:r="http://schemas.openxmlformats.org/officeDocument/2006/relationships">
+  <p:cSld>
+    <p:spTree>
+      <p:nvGrpSpPr>
+        <p:cNvPr id="1" name=""/>
+        <p:cNvGrpSpPr/>
+        <p:nvPr/>
+      </p:nvGrpSpPr>
+      <p:grpSpPr/>
+      <p:sp>
+        <p:nvSpPr>
+          <p:cNvPr id="2" name="Title 1"/>
+          <p:cNvSpPr>
+            <a:spLocks noGrp="1"/>
+          </p:cNvSpPr>
+          <p:nvPr>
+            <p:ph type="title"/>
+          </p:nvPr>
+        </p:nvSpPr>
+        <p:spPr/>
+        <p:txBody>
+          <a:bodyPr/>
+          <a:lstStyle/>
+          <a:p>
+            <a:pPr>
+              <a:defRPr b="1" sz="4200"/>
+            </a:pPr>
+            <a:r>
+              <a:t>10 - Tu Nos Atraíste - Comunidade Católica Shalom</a:t>
+            </a:r>
+          </a:p>
+        </p:txBody>
+      </p:sp>
+      <p:sp>
+        <p:nvSpPr>
+          <p:cNvPr id="3" name="Content Placeholder 2"/>
+          <p:cNvSpPr>
+            <a:spLocks noGrp="1"/>
+          </p:cNvSpPr>
+          <p:nvPr>
+            <p:ph idx="1"/>
+          </p:nvPr>
+        </p:nvSpPr>
+        <p:spPr/>
+        <p:txBody>
+          <a:bodyPr/>
+          <a:lstStyle/>
+          <a:p>
+            <a:pPr algn="ctr">
+              <a:defRPr sz="3800">
+                <a:solidFill>
+                  <a:srgbClr val="000000"/>
+                </a:solidFill>
+              </a:defRPr>
+            </a:pPr>
+            <a:r>
+              <a:t>Quem come deste pão</a:t>
+            </a:r>
+          </a:p>
+          <a:p>
+            <a:pPr algn="ctr">
+              <a:defRPr sz="3800">
+                <a:solidFill>
+                  <a:srgbClr val="000000"/>
+                </a:solidFill>
+              </a:defRPr>
+            </a:pPr>
+            <a:r>
+              <a:t>Viverá para sempre!</a:t>
+            </a:r>
+          </a:p>
+          <a:p>
+            <a:pPr algn="ctr">
+              <a:defRPr sz="3800">
+                <a:solidFill>
+                  <a:srgbClr val="000000"/>
+                </a:solidFill>
+              </a:defRPr>
+            </a:pPr>
+            <a:r>
+              <a:t>Só Tu tens palavras de vida, vida eterna!</a:t>
+            </a:r>
+          </a:p>
+          <a:p>
+            <a:pPr algn="ctr">
+              <a:defRPr sz="3800">
+                <a:solidFill>
+                  <a:srgbClr val="000000"/>
+                </a:solidFill>
+              </a:defRPr>
+            </a:pPr>
+            <a:r>
+              <a:t>Para onde ir, longe de Ti?</a:t>
+            </a:r>
+          </a:p>
+          <a:p>
+            <a:pPr algn="ctr">
+              <a:defRPr sz="3800">
+                <a:solidFill>
+                  <a:srgbClr val="000000"/>
+                </a:solidFill>
+              </a:defRPr>
+            </a:pPr>
+            <a:r>
+              <a:t>Tu nos atraíste, oh Senhor! Eis nos aqui!</a:t>
+            </a:r>
+          </a:p>
+        </p:txBody>
+      </p:sp>
+    </p:spTree>
+  </p:cSld>
+  <p:clrMapOvr>
+    <a:masterClrMapping/>
+  </p:clrMapOvr>
+</p:sld>
+</file>
+
+<file path=ppt/slides/slide47.xml><?xml version="1.0" encoding="utf-8"?>
+<p:sld xmlns:a="http://schemas.openxmlformats.org/drawingml/2006/main" xmlns:p="http://schemas.openxmlformats.org/presentationml/2006/main" xmlns:r="http://schemas.openxmlformats.org/officeDocument/2006/relationships">
+  <p:cSld>
+    <p:spTree>
+      <p:nvGrpSpPr>
+        <p:cNvPr id="1" name=""/>
+        <p:cNvGrpSpPr/>
+        <p:nvPr/>
+      </p:nvGrpSpPr>
+      <p:grpSpPr/>
+      <p:sp>
+        <p:nvSpPr>
+          <p:cNvPr id="2" name="Title 1"/>
+          <p:cNvSpPr>
+            <a:spLocks noGrp="1"/>
+          </p:cNvSpPr>
+          <p:nvPr>
+            <p:ph type="title"/>
+          </p:nvPr>
+        </p:nvSpPr>
+        <p:spPr/>
+        <p:txBody>
+          <a:bodyPr/>
+          <a:lstStyle/>
+          <a:p>
+            <a:pPr>
+              <a:defRPr b="1" sz="4200"/>
+            </a:pPr>
+            <a:r>
+              <a:t>10 - Tu Nos Atraíste - Comunidade Católica Shalom</a:t>
+            </a:r>
+          </a:p>
+        </p:txBody>
+      </p:sp>
+      <p:sp>
+        <p:nvSpPr>
+          <p:cNvPr id="3" name="Content Placeholder 2"/>
+          <p:cNvSpPr>
+            <a:spLocks noGrp="1"/>
+          </p:cNvSpPr>
+          <p:nvPr>
+            <p:ph idx="1"/>
+          </p:nvPr>
+        </p:nvSpPr>
+        <p:spPr/>
+        <p:txBody>
+          <a:bodyPr/>
+          <a:lstStyle/>
+          <a:p>
+            <a:pPr algn="ctr">
+              <a:defRPr sz="3700">
+                <a:solidFill>
+                  <a:srgbClr val="000000"/>
+                </a:solidFill>
+              </a:defRPr>
+            </a:pPr>
+            <a:r>
+              <a:t>Cada vez que comemos deste pão</a:t>
+            </a:r>
+          </a:p>
+          <a:p>
+            <a:pPr algn="ctr">
+              <a:defRPr sz="3700">
+                <a:solidFill>
+                  <a:srgbClr val="000000"/>
+                </a:solidFill>
+              </a:defRPr>
+            </a:pPr>
+            <a:r>
+              <a:t>O teu corpo nos renova nesta comunhão!</a:t>
+            </a:r>
+          </a:p>
+          <a:p>
+            <a:pPr algn="ctr">
+              <a:defRPr sz="3700">
+                <a:solidFill>
+                  <a:srgbClr val="000000"/>
+                </a:solidFill>
+              </a:defRPr>
+            </a:pPr>
+            <a:r>
+              <a:t>Cada vez que bebemos deste vinho</a:t>
+            </a:r>
+          </a:p>
+          <a:p>
+            <a:pPr algn="ctr">
+              <a:defRPr sz="3700">
+                <a:solidFill>
+                  <a:srgbClr val="000000"/>
+                </a:solidFill>
+              </a:defRPr>
+            </a:pPr>
+            <a:r>
+              <a:t>O teu sangue nos transforma nesta comunhão de amor!</a:t>
+            </a:r>
+          </a:p>
+        </p:txBody>
+      </p:sp>
+    </p:spTree>
+  </p:cSld>
+  <p:clrMapOvr>
+    <a:masterClrMapping/>
+  </p:clrMapOvr>
+</p:sld>
+</file>
+
+<file path=ppt/slides/slide48.xml><?xml version="1.0" encoding="utf-8"?>
+<p:sld xmlns:a="http://schemas.openxmlformats.org/drawingml/2006/main" xmlns:p="http://schemas.openxmlformats.org/presentationml/2006/main" xmlns:r="http://schemas.openxmlformats.org/officeDocument/2006/relationships">
+  <p:cSld>
+    <p:spTree>
+      <p:nvGrpSpPr>
+        <p:cNvPr id="1" name=""/>
+        <p:cNvGrpSpPr/>
+        <p:nvPr/>
+      </p:nvGrpSpPr>
+      <p:grpSpPr/>
+      <p:sp>
+        <p:nvSpPr>
+          <p:cNvPr id="2" name="Title 1"/>
+          <p:cNvSpPr>
+            <a:spLocks noGrp="1"/>
+          </p:cNvSpPr>
+          <p:nvPr>
+            <p:ph type="title"/>
+          </p:nvPr>
+        </p:nvSpPr>
+        <p:spPr/>
+        <p:txBody>
+          <a:bodyPr/>
+          <a:lstStyle/>
+          <a:p>
+            <a:pPr>
+              <a:defRPr b="1" sz="4200"/>
+            </a:pPr>
+            <a:r>
+              <a:t>10 - Tu Nos Atraíste - Comunidade Católica Shalom</a:t>
+            </a:r>
+          </a:p>
+        </p:txBody>
+      </p:sp>
+      <p:sp>
+        <p:nvSpPr>
+          <p:cNvPr id="3" name="Content Placeholder 2"/>
+          <p:cNvSpPr>
+            <a:spLocks noGrp="1"/>
+          </p:cNvSpPr>
+          <p:nvPr>
+            <p:ph idx="1"/>
+          </p:nvPr>
+        </p:nvSpPr>
+        <p:spPr/>
+        <p:txBody>
+          <a:bodyPr/>
+          <a:lstStyle/>
+          <a:p>
+            <a:pPr algn="ctr">
+              <a:defRPr sz="3800">
+                <a:solidFill>
+                  <a:srgbClr val="000000"/>
+                </a:solidFill>
+              </a:defRPr>
+            </a:pPr>
+            <a:r>
+              <a:t>Deus entre nós, holocausto de amor</a:t>
+            </a:r>
+          </a:p>
+          <a:p>
+            <a:pPr algn="ctr">
+              <a:defRPr sz="3800">
+                <a:solidFill>
+                  <a:srgbClr val="000000"/>
+                </a:solidFill>
+              </a:defRPr>
+            </a:pPr>
+            <a:r>
+              <a:t>Eterna e nova aliança</a:t>
+            </a:r>
+          </a:p>
+          <a:p>
+            <a:pPr algn="ctr">
+              <a:defRPr sz="3800">
+                <a:solidFill>
+                  <a:srgbClr val="000000"/>
+                </a:solidFill>
+              </a:defRPr>
+            </a:pPr>
+            <a:r>
+              <a:t>Em Teu Sangue elevado na cruz</a:t>
+            </a:r>
+          </a:p>
+          <a:p>
+            <a:pPr algn="ctr">
+              <a:defRPr sz="3800">
+                <a:solidFill>
+                  <a:srgbClr val="000000"/>
+                </a:solidFill>
+              </a:defRPr>
+            </a:pPr>
+            <a:r>
+              <a:t>Cordeiro de Deus</a:t>
+            </a:r>
+          </a:p>
+          <a:p>
+            <a:pPr algn="ctr">
+              <a:defRPr sz="3800">
+                <a:solidFill>
+                  <a:srgbClr val="000000"/>
+                </a:solidFill>
+              </a:defRPr>
+            </a:pPr>
+            <a:r>
+              <a:t>Tu nos atraíste, oh Senhor! Nós somos teus!</a:t>
+            </a:r>
+          </a:p>
+        </p:txBody>
+      </p:sp>
+    </p:spTree>
+  </p:cSld>
+  <p:clrMapOvr>
+    <a:masterClrMapping/>
+  </p:clrMapOvr>
+</p:sld>
+</file>
+
+<file path=ppt/slides/slide49.xml><?xml version="1.0" encoding="utf-8"?>
+<p:sld xmlns:a="http://schemas.openxmlformats.org/drawingml/2006/main" xmlns:p="http://schemas.openxmlformats.org/presentationml/2006/main" xmlns:r="http://schemas.openxmlformats.org/officeDocument/2006/relationships">
+  <p:cSld>
+    <p:spTree>
+      <p:nvGrpSpPr>
+        <p:cNvPr id="1" name=""/>
+        <p:cNvGrpSpPr/>
+        <p:nvPr/>
+      </p:nvGrpSpPr>
+      <p:grpSpPr/>
+      <p:sp>
+        <p:nvSpPr>
+          <p:cNvPr id="2" name="Title 1"/>
+          <p:cNvSpPr>
+            <a:spLocks noGrp="1"/>
+          </p:cNvSpPr>
+          <p:nvPr>
+            <p:ph type="title"/>
+          </p:nvPr>
+        </p:nvSpPr>
+        <p:spPr/>
+        <p:txBody>
+          <a:bodyPr/>
+          <a:lstStyle/>
+          <a:p>
+            <a:pPr>
+              <a:defRPr b="1" sz="4200"/>
+            </a:pPr>
+            <a:r>
+              <a:t>10 - Tu Nos Atraíste - Comunidade Católica Shalom</a:t>
+            </a:r>
+          </a:p>
+        </p:txBody>
+      </p:sp>
+      <p:sp>
+        <p:nvSpPr>
+          <p:cNvPr id="3" name="Content Placeholder 2"/>
+          <p:cNvSpPr>
+            <a:spLocks noGrp="1"/>
+          </p:cNvSpPr>
+          <p:nvPr>
+            <p:ph idx="1"/>
+          </p:nvPr>
+        </p:nvSpPr>
+        <p:spPr/>
+        <p:txBody>
+          <a:bodyPr/>
+          <a:lstStyle/>
+          <a:p>
+            <a:pPr algn="ctr">
+              <a:defRPr sz="3700">
+                <a:solidFill>
+                  <a:srgbClr val="000000"/>
+                </a:solidFill>
+              </a:defRPr>
+            </a:pPr>
+            <a:r>
+              <a:t>Cada vez que comemos deste pão</a:t>
+            </a:r>
+          </a:p>
+          <a:p>
+            <a:pPr algn="ctr">
+              <a:defRPr sz="3700">
+                <a:solidFill>
+                  <a:srgbClr val="000000"/>
+                </a:solidFill>
+              </a:defRPr>
+            </a:pPr>
+            <a:r>
+              <a:t>O teu corpo nos renova nesta comunhão!</a:t>
+            </a:r>
+          </a:p>
+          <a:p>
+            <a:pPr algn="ctr">
+              <a:defRPr sz="3700">
+                <a:solidFill>
+                  <a:srgbClr val="000000"/>
+                </a:solidFill>
+              </a:defRPr>
+            </a:pPr>
+            <a:r>
+              <a:t>Cada vez que bebemos deste vinho</a:t>
+            </a:r>
+          </a:p>
+          <a:p>
+            <a:pPr algn="ctr">
+              <a:defRPr sz="3700">
+                <a:solidFill>
+                  <a:srgbClr val="000000"/>
+                </a:solidFill>
+              </a:defRPr>
+            </a:pPr>
+            <a:r>
+              <a:t>O teu sangue nos transforma nesta comunhão de amor!</a:t>
             </a:r>
           </a:p>
         </p:txBody>
@@ -6853,7 +7140,7 @@
               <a:defRPr b="1" sz="4200"/>
             </a:pPr>
             <a:r>
-              <a:t>2 - Canto de Abertura</a:t>
+              <a:t>2 - Kyrie Eleison - JMJ RIO 2013</a:t>
             </a:r>
           </a:p>
         </p:txBody>
@@ -6874,88 +7161,504 @@
           <a:lstStyle/>
           <a:p>
             <a:pPr algn="ctr">
-              <a:defRPr sz="4200">
-                <a:solidFill>
-                  <a:srgbClr val="000000"/>
-                </a:solidFill>
-              </a:defRPr>
-            </a:pPr>
-            <a:r>
-              <a:t>Vamos celebrar, Deus está aqui</a:t>
-            </a:r>
-          </a:p>
-          <a:p>
-            <a:pPr algn="ctr">
-              <a:defRPr sz="4200">
-                <a:solidFill>
-                  <a:srgbClr val="000000"/>
-                </a:solidFill>
-              </a:defRPr>
-            </a:pPr>
-            <a:r>
-              <a:t>Vamos celebrar, Deus está aqui</a:t>
-            </a:r>
-          </a:p>
-          <a:p>
-            <a:pPr algn="ctr">
-              <a:defRPr sz="4200">
-                <a:solidFill>
-                  <a:srgbClr val="000000"/>
-                </a:solidFill>
-              </a:defRPr>
-            </a:pPr>
-            <a:r>
-              <a:t>No meio de nós</a:t>
-            </a:r>
-          </a:p>
-          <a:p>
-            <a:pPr algn="ctr">
-              <a:defRPr sz="4200">
-                <a:solidFill>
-                  <a:srgbClr val="000000"/>
-                </a:solidFill>
-              </a:defRPr>
-            </a:pPr>
-            <a:r>
-              <a:t>Vamos celebrar, Deus está aqui</a:t>
-            </a:r>
-          </a:p>
-          <a:p>
-            <a:pPr algn="ctr">
-              <a:defRPr sz="4200">
-                <a:solidFill>
-                  <a:srgbClr val="000000"/>
-                </a:solidFill>
-              </a:defRPr>
-            </a:pPr>
-            <a:r>
-              <a:t>Vamos celebrar, Deus está aqui</a:t>
-            </a:r>
-          </a:p>
-          <a:p>
-            <a:pPr algn="ctr">
-              <a:defRPr sz="4200">
-                <a:solidFill>
-                  <a:srgbClr val="000000"/>
-                </a:solidFill>
-              </a:defRPr>
-            </a:pPr>
-            <a:r>
-              <a:t>No meio de nós</a:t>
-            </a:r>
-          </a:p>
-          <a:p>
-            <a:pPr algn="ctr">
-              <a:defRPr sz="4200">
-                <a:solidFill>
-                  <a:srgbClr val="000000"/>
-                </a:solidFill>
-              </a:defRPr>
-            </a:pPr>
-            <a:r>
-              <a:t>Ele está presente aqui</a:t>
-            </a:r>
-          </a:p>
+              <a:defRPr sz="6100">
+                <a:solidFill>
+                  <a:srgbClr val="000000"/>
+                </a:solidFill>
+              </a:defRPr>
+            </a:pPr>
+            <a:r>
+              <a:t>Kyrie eleison, eleison, eleison</a:t>
+            </a:r>
+          </a:p>
+          <a:p>
+            <a:pPr algn="ctr">
+              <a:defRPr sz="6100">
+                <a:solidFill>
+                  <a:srgbClr val="000000"/>
+                </a:solidFill>
+              </a:defRPr>
+            </a:pPr>
+            <a:r>
+              <a:t>Kyrie eleison, eleison, eleison</a:t>
+            </a:r>
+          </a:p>
+        </p:txBody>
+      </p:sp>
+    </p:spTree>
+  </p:cSld>
+  <p:clrMapOvr>
+    <a:masterClrMapping/>
+  </p:clrMapOvr>
+</p:sld>
+</file>
+
+<file path=ppt/slides/slide50.xml><?xml version="1.0" encoding="utf-8"?>
+<p:sld xmlns:a="http://schemas.openxmlformats.org/drawingml/2006/main" xmlns:p="http://schemas.openxmlformats.org/presentationml/2006/main" xmlns:r="http://schemas.openxmlformats.org/officeDocument/2006/relationships">
+  <p:cSld>
+    <p:spTree>
+      <p:nvGrpSpPr>
+        <p:cNvPr id="1" name=""/>
+        <p:cNvGrpSpPr/>
+        <p:nvPr/>
+      </p:nvGrpSpPr>
+      <p:grpSpPr/>
+      <p:sp>
+        <p:nvSpPr>
+          <p:cNvPr id="2" name="Title 1"/>
+          <p:cNvSpPr>
+            <a:spLocks noGrp="1"/>
+          </p:cNvSpPr>
+          <p:nvPr>
+            <p:ph type="title"/>
+          </p:nvPr>
+        </p:nvSpPr>
+        <p:spPr/>
+        <p:txBody>
+          <a:bodyPr/>
+          <a:lstStyle/>
+          <a:p>
+            <a:pPr>
+              <a:defRPr b="1" sz="4200"/>
+            </a:pPr>
+            <a:r>
+              <a:t>10 - Tu Nos Atraíste - Comunidade Católica Shalom</a:t>
+            </a:r>
+          </a:p>
+        </p:txBody>
+      </p:sp>
+      <p:sp>
+        <p:nvSpPr>
+          <p:cNvPr id="3" name="Content Placeholder 2"/>
+          <p:cNvSpPr>
+            <a:spLocks noGrp="1"/>
+          </p:cNvSpPr>
+          <p:nvPr>
+            <p:ph idx="1"/>
+          </p:nvPr>
+        </p:nvSpPr>
+        <p:spPr/>
+        <p:txBody>
+          <a:bodyPr/>
+          <a:lstStyle/>
+          <a:p>
+            <a:pPr algn="ctr">
+              <a:defRPr sz="3800">
+                <a:solidFill>
+                  <a:srgbClr val="000000"/>
+                </a:solidFill>
+              </a:defRPr>
+            </a:pPr>
+            <a:r>
+              <a:t>Vimos-te, Senhor, tua glória refulgir</a:t>
+            </a:r>
+          </a:p>
+          <a:p>
+            <a:pPr algn="ctr">
+              <a:defRPr sz="3800">
+                <a:solidFill>
+                  <a:srgbClr val="000000"/>
+                </a:solidFill>
+              </a:defRPr>
+            </a:pPr>
+            <a:r>
+              <a:t>Em Teu lado aberto encontramos plena paz</a:t>
+            </a:r>
+          </a:p>
+          <a:p>
+            <a:pPr algn="ctr">
+              <a:defRPr sz="3800">
+                <a:solidFill>
+                  <a:srgbClr val="000000"/>
+                </a:solidFill>
+              </a:defRPr>
+            </a:pPr>
+            <a:r>
+              <a:t>Em Teu Corpo santo somos recriados</a:t>
+            </a:r>
+          </a:p>
+          <a:p>
+            <a:pPr algn="ctr">
+              <a:defRPr sz="3800">
+                <a:solidFill>
+                  <a:srgbClr val="000000"/>
+                </a:solidFill>
+              </a:defRPr>
+            </a:pPr>
+            <a:r>
+              <a:t>Tu nos atraíste, oh Senhor! Vivo estás!</a:t>
+            </a:r>
+          </a:p>
+        </p:txBody>
+      </p:sp>
+    </p:spTree>
+  </p:cSld>
+  <p:clrMapOvr>
+    <a:masterClrMapping/>
+  </p:clrMapOvr>
+</p:sld>
+</file>
+
+<file path=ppt/slides/slide51.xml><?xml version="1.0" encoding="utf-8"?>
+<p:sld xmlns:a="http://schemas.openxmlformats.org/drawingml/2006/main" xmlns:p="http://schemas.openxmlformats.org/presentationml/2006/main" xmlns:r="http://schemas.openxmlformats.org/officeDocument/2006/relationships">
+  <p:cSld>
+    <p:spTree>
+      <p:nvGrpSpPr>
+        <p:cNvPr id="1" name=""/>
+        <p:cNvGrpSpPr/>
+        <p:nvPr/>
+      </p:nvGrpSpPr>
+      <p:grpSpPr/>
+      <p:sp>
+        <p:nvSpPr>
+          <p:cNvPr id="2" name="Title 1"/>
+          <p:cNvSpPr>
+            <a:spLocks noGrp="1"/>
+          </p:cNvSpPr>
+          <p:nvPr>
+            <p:ph type="title"/>
+          </p:nvPr>
+        </p:nvSpPr>
+        <p:spPr/>
+        <p:txBody>
+          <a:bodyPr/>
+          <a:lstStyle/>
+          <a:p>
+            <a:pPr>
+              <a:defRPr b="1" sz="4200"/>
+            </a:pPr>
+            <a:r>
+              <a:t>10 - Tu Nos Atraíste - Comunidade Católica Shalom</a:t>
+            </a:r>
+          </a:p>
+        </p:txBody>
+      </p:sp>
+      <p:sp>
+        <p:nvSpPr>
+          <p:cNvPr id="3" name="Content Placeholder 2"/>
+          <p:cNvSpPr>
+            <a:spLocks noGrp="1"/>
+          </p:cNvSpPr>
+          <p:nvPr>
+            <p:ph idx="1"/>
+          </p:nvPr>
+        </p:nvSpPr>
+        <p:spPr/>
+        <p:txBody>
+          <a:bodyPr/>
+          <a:lstStyle/>
+          <a:p>
+            <a:pPr algn="ctr">
+              <a:defRPr sz="3700">
+                <a:solidFill>
+                  <a:srgbClr val="000000"/>
+                </a:solidFill>
+              </a:defRPr>
+            </a:pPr>
+            <a:r>
+              <a:t>Cada vez que comemos deste pão</a:t>
+            </a:r>
+          </a:p>
+          <a:p>
+            <a:pPr algn="ctr">
+              <a:defRPr sz="3700">
+                <a:solidFill>
+                  <a:srgbClr val="000000"/>
+                </a:solidFill>
+              </a:defRPr>
+            </a:pPr>
+            <a:r>
+              <a:t>O teu corpo nos renova nesta comunhão!</a:t>
+            </a:r>
+          </a:p>
+          <a:p>
+            <a:pPr algn="ctr">
+              <a:defRPr sz="3700">
+                <a:solidFill>
+                  <a:srgbClr val="000000"/>
+                </a:solidFill>
+              </a:defRPr>
+            </a:pPr>
+            <a:r>
+              <a:t>Cada vez que bebemos deste vinho</a:t>
+            </a:r>
+          </a:p>
+          <a:p>
+            <a:pPr algn="ctr">
+              <a:defRPr sz="3700">
+                <a:solidFill>
+                  <a:srgbClr val="000000"/>
+                </a:solidFill>
+              </a:defRPr>
+            </a:pPr>
+            <a:r>
+              <a:t>O teu sangue nos transforma nesta comunhão de amor!</a:t>
+            </a:r>
+          </a:p>
+        </p:txBody>
+      </p:sp>
+    </p:spTree>
+  </p:cSld>
+  <p:clrMapOvr>
+    <a:masterClrMapping/>
+  </p:clrMapOvr>
+</p:sld>
+</file>
+
+<file path=ppt/slides/slide52.xml><?xml version="1.0" encoding="utf-8"?>
+<p:sld xmlns:a="http://schemas.openxmlformats.org/drawingml/2006/main" xmlns:p="http://schemas.openxmlformats.org/presentationml/2006/main" xmlns:r="http://schemas.openxmlformats.org/officeDocument/2006/relationships">
+  <p:cSld>
+    <p:spTree>
+      <p:nvGrpSpPr>
+        <p:cNvPr id="1" name=""/>
+        <p:cNvGrpSpPr/>
+        <p:nvPr/>
+      </p:nvGrpSpPr>
+      <p:grpSpPr/>
+      <p:sp>
+        <p:nvSpPr>
+          <p:cNvPr id="2" name="Title 1"/>
+          <p:cNvSpPr>
+            <a:spLocks noGrp="1"/>
+          </p:cNvSpPr>
+          <p:nvPr>
+            <p:ph type="title"/>
+          </p:nvPr>
+        </p:nvSpPr>
+        <p:spPr/>
+        <p:txBody>
+          <a:bodyPr/>
+          <a:lstStyle/>
+          <a:p>
+            <a:pPr>
+              <a:defRPr b="1" sz="4200"/>
+            </a:pPr>
+            <a:r>
+              <a:t>10 - Tu Nos Atraíste - Comunidade Católica Shalom</a:t>
+            </a:r>
+          </a:p>
+        </p:txBody>
+      </p:sp>
+      <p:sp>
+        <p:nvSpPr>
+          <p:cNvPr id="3" name="Content Placeholder 2"/>
+          <p:cNvSpPr>
+            <a:spLocks noGrp="1"/>
+          </p:cNvSpPr>
+          <p:nvPr>
+            <p:ph idx="1"/>
+          </p:nvPr>
+        </p:nvSpPr>
+        <p:spPr/>
+        <p:txBody>
+          <a:bodyPr/>
+          <a:lstStyle/>
+          <a:p>
+            <a:pPr algn="ctr">
+              <a:defRPr sz="3800">
+                <a:solidFill>
+                  <a:srgbClr val="000000"/>
+                </a:solidFill>
+              </a:defRPr>
+            </a:pPr>
+            <a:r>
+              <a:t>A Igreja, tua esposa, te espera com ardor</a:t>
+            </a:r>
+          </a:p>
+          <a:p>
+            <a:pPr algn="ctr">
+              <a:defRPr sz="3800">
+                <a:solidFill>
+                  <a:srgbClr val="000000"/>
+                </a:solidFill>
+              </a:defRPr>
+            </a:pPr>
+            <a:r>
+              <a:t>Alimento de eternidade o Teu Corpo</a:t>
+            </a:r>
+          </a:p>
+          <a:p>
+            <a:pPr algn="ctr">
+              <a:defRPr sz="3800">
+                <a:solidFill>
+                  <a:srgbClr val="000000"/>
+                </a:solidFill>
+              </a:defRPr>
+            </a:pPr>
+            <a:r>
+              <a:t>Nesta comunhão, banquete do céu</a:t>
+            </a:r>
+          </a:p>
+          <a:p>
+            <a:pPr algn="ctr">
+              <a:defRPr sz="3800">
+                <a:solidFill>
+                  <a:srgbClr val="000000"/>
+                </a:solidFill>
+              </a:defRPr>
+            </a:pPr>
+            <a:r>
+              <a:t>Tu nos atraíste, oh Senhor! Eterno bem!</a:t>
+            </a:r>
+          </a:p>
+        </p:txBody>
+      </p:sp>
+    </p:spTree>
+  </p:cSld>
+  <p:clrMapOvr>
+    <a:masterClrMapping/>
+  </p:clrMapOvr>
+</p:sld>
+</file>
+
+<file path=ppt/slides/slide53.xml><?xml version="1.0" encoding="utf-8"?>
+<p:sld xmlns:a="http://schemas.openxmlformats.org/drawingml/2006/main" xmlns:p="http://schemas.openxmlformats.org/presentationml/2006/main" xmlns:r="http://schemas.openxmlformats.org/officeDocument/2006/relationships">
+  <p:cSld>
+    <p:spTree>
+      <p:nvGrpSpPr>
+        <p:cNvPr id="1" name=""/>
+        <p:cNvGrpSpPr/>
+        <p:nvPr/>
+      </p:nvGrpSpPr>
+      <p:grpSpPr/>
+      <p:sp>
+        <p:nvSpPr>
+          <p:cNvPr id="2" name="Title 1"/>
+          <p:cNvSpPr>
+            <a:spLocks noGrp="1"/>
+          </p:cNvSpPr>
+          <p:nvPr>
+            <p:ph type="title"/>
+          </p:nvPr>
+        </p:nvSpPr>
+        <p:spPr/>
+        <p:txBody>
+          <a:bodyPr/>
+          <a:lstStyle/>
+          <a:p>
+            <a:pPr>
+              <a:defRPr b="1" sz="4200"/>
+            </a:pPr>
+            <a:r>
+              <a:t>10 - Tu Nos Atraíste - Comunidade Católica Shalom</a:t>
+            </a:r>
+          </a:p>
+        </p:txBody>
+      </p:sp>
+      <p:sp>
+        <p:nvSpPr>
+          <p:cNvPr id="3" name="Content Placeholder 2"/>
+          <p:cNvSpPr>
+            <a:spLocks noGrp="1"/>
+          </p:cNvSpPr>
+          <p:nvPr>
+            <p:ph idx="1"/>
+          </p:nvPr>
+        </p:nvSpPr>
+        <p:spPr/>
+        <p:txBody>
+          <a:bodyPr/>
+          <a:lstStyle/>
+          <a:p>
+            <a:pPr algn="ctr">
+              <a:defRPr sz="3700">
+                <a:solidFill>
+                  <a:srgbClr val="000000"/>
+                </a:solidFill>
+              </a:defRPr>
+            </a:pPr>
+            <a:r>
+              <a:t>Cada vez que comemos deste pão</a:t>
+            </a:r>
+          </a:p>
+          <a:p>
+            <a:pPr algn="ctr">
+              <a:defRPr sz="3700">
+                <a:solidFill>
+                  <a:srgbClr val="000000"/>
+                </a:solidFill>
+              </a:defRPr>
+            </a:pPr>
+            <a:r>
+              <a:t>O teu corpo nos renova nesta comunhão!</a:t>
+            </a:r>
+          </a:p>
+          <a:p>
+            <a:pPr algn="ctr">
+              <a:defRPr sz="3700">
+                <a:solidFill>
+                  <a:srgbClr val="000000"/>
+                </a:solidFill>
+              </a:defRPr>
+            </a:pPr>
+            <a:r>
+              <a:t>Cada vez que bebemos deste vinho</a:t>
+            </a:r>
+          </a:p>
+          <a:p>
+            <a:pPr algn="ctr">
+              <a:defRPr sz="3700">
+                <a:solidFill>
+                  <a:srgbClr val="000000"/>
+                </a:solidFill>
+              </a:defRPr>
+            </a:pPr>
+            <a:r>
+              <a:t>O teu sangue nos transforma nesta comunhão de amor!</a:t>
+            </a:r>
+          </a:p>
+        </p:txBody>
+      </p:sp>
+    </p:spTree>
+  </p:cSld>
+  <p:clrMapOvr>
+    <a:masterClrMapping/>
+  </p:clrMapOvr>
+</p:sld>
+</file>
+
+<file path=ppt/slides/slide54.xml><?xml version="1.0" encoding="utf-8"?>
+<p:sld xmlns:a="http://schemas.openxmlformats.org/drawingml/2006/main" xmlns:p="http://schemas.openxmlformats.org/presentationml/2006/main" xmlns:r="http://schemas.openxmlformats.org/officeDocument/2006/relationships">
+  <p:cSld>
+    <p:spTree>
+      <p:nvGrpSpPr>
+        <p:cNvPr id="1" name=""/>
+        <p:cNvGrpSpPr/>
+        <p:nvPr/>
+      </p:nvGrpSpPr>
+      <p:grpSpPr/>
+      <p:sp>
+        <p:nvSpPr>
+          <p:cNvPr id="2" name="Title 1"/>
+          <p:cNvSpPr>
+            <a:spLocks noGrp="1"/>
+          </p:cNvSpPr>
+          <p:nvPr>
+            <p:ph type="ctrTitle"/>
+          </p:nvPr>
+        </p:nvSpPr>
+        <p:spPr/>
+        <p:txBody>
+          <a:bodyPr/>
+          <a:lstStyle/>
+          <a:p/>
+        </p:txBody>
+      </p:sp>
+      <p:sp>
+        <p:nvSpPr>
+          <p:cNvPr id="3" name="Subtitle 2"/>
+          <p:cNvSpPr>
+            <a:spLocks noGrp="1"/>
+          </p:cNvSpPr>
+          <p:nvPr>
+            <p:ph type="subTitle" idx="1"/>
+          </p:nvPr>
+        </p:nvSpPr>
+        <p:spPr/>
+        <p:txBody>
+          <a:bodyPr/>
+          <a:lstStyle/>
+          <a:p/>
         </p:txBody>
       </p:sp>
     </p:spTree>
@@ -6995,7 +7698,7 @@
               <a:defRPr b="1" sz="4200"/>
             </a:pPr>
             <a:r>
-              <a:t>2 - Canto de Abertura</a:t>
+              <a:t>2 - Kyrie Eleison - JMJ RIO 2013</a:t>
             </a:r>
           </a:p>
         </p:txBody>
@@ -7016,50 +7719,26 @@
           <a:lstStyle/>
           <a:p>
             <a:pPr algn="ctr">
-              <a:defRPr sz="4200">
-                <a:solidFill>
-                  <a:srgbClr val="000000"/>
-                </a:solidFill>
-              </a:defRPr>
-            </a:pPr>
-            <a:r>
-              <a:t>Todos reunidos na casa de Deus</a:t>
-            </a:r>
-          </a:p>
-          <a:p>
-            <a:pPr algn="ctr">
-              <a:defRPr sz="4200">
-                <a:solidFill>
-                  <a:srgbClr val="000000"/>
-                </a:solidFill>
-              </a:defRPr>
-            </a:pPr>
-            <a:r>
-              <a:t>Com cantos de alegria e grande louvor</a:t>
-            </a:r>
-          </a:p>
-          <a:p>
-            <a:pPr algn="ctr">
-              <a:defRPr sz="4200">
-                <a:solidFill>
-                  <a:srgbClr val="000000"/>
-                </a:solidFill>
-              </a:defRPr>
-            </a:pPr>
-            <a:r>
-              <a:t>Vamos celebrar os feitos do Senhor</a:t>
-            </a:r>
-          </a:p>
-          <a:p>
-            <a:pPr algn="ctr">
-              <a:defRPr sz="4200">
-                <a:solidFill>
-                  <a:srgbClr val="000000"/>
-                </a:solidFill>
-              </a:defRPr>
-            </a:pPr>
-            <a:r>
-              <a:t>E Sua bondade, que nunca tem fim</a:t>
+              <a:defRPr sz="6700">
+                <a:solidFill>
+                  <a:srgbClr val="000000"/>
+                </a:solidFill>
+              </a:defRPr>
+            </a:pPr>
+            <a:r>
+              <a:t>Ó, Cristo, que viestes chamar</a:t>
+            </a:r>
+          </a:p>
+          <a:p>
+            <a:pPr algn="ctr">
+              <a:defRPr sz="6700">
+                <a:solidFill>
+                  <a:srgbClr val="000000"/>
+                </a:solidFill>
+              </a:defRPr>
+            </a:pPr>
+            <a:r>
+              <a:t>Os pecadores humilhados</a:t>
             </a:r>
           </a:p>
         </p:txBody>
@@ -7101,7 +7780,7 @@
               <a:defRPr b="1" sz="4200"/>
             </a:pPr>
             <a:r>
-              <a:t>2 - Canto de Abertura</a:t>
+              <a:t>2 - Kyrie Eleison - JMJ RIO 2013</a:t>
             </a:r>
           </a:p>
         </p:txBody>
@@ -7122,50 +7801,26 @@
           <a:lstStyle/>
           <a:p>
             <a:pPr algn="ctr">
-              <a:defRPr sz="4200">
-                <a:solidFill>
-                  <a:srgbClr val="000000"/>
-                </a:solidFill>
-              </a:defRPr>
-            </a:pPr>
-            <a:r>
-              <a:t>Quando estamos juntos, unidos a Ti</a:t>
-            </a:r>
-          </a:p>
-          <a:p>
-            <a:pPr algn="ctr">
-              <a:defRPr sz="4200">
-                <a:solidFill>
-                  <a:srgbClr val="000000"/>
-                </a:solidFill>
-              </a:defRPr>
-            </a:pPr>
-            <a:r>
-              <a:t>Para elevar a nossa oração</a:t>
-            </a:r>
-          </a:p>
-          <a:p>
-            <a:pPr algn="ctr">
-              <a:defRPr sz="4200">
-                <a:solidFill>
-                  <a:srgbClr val="000000"/>
-                </a:solidFill>
-              </a:defRPr>
-            </a:pPr>
-            <a:r>
-              <a:t>Um canto de alegria surge entre nós</a:t>
-            </a:r>
-          </a:p>
-          <a:p>
-            <a:pPr algn="ctr">
-              <a:defRPr sz="4200">
-                <a:solidFill>
-                  <a:srgbClr val="000000"/>
-                </a:solidFill>
-              </a:defRPr>
-            </a:pPr>
-            <a:r>
-              <a:t>Em adoração ao Teu eterno amor</a:t>
+              <a:defRPr sz="5900">
+                <a:solidFill>
+                  <a:srgbClr val="000000"/>
+                </a:solidFill>
+              </a:defRPr>
+            </a:pPr>
+            <a:r>
+              <a:t>Christe eleison, eleison, eleison</a:t>
+            </a:r>
+          </a:p>
+          <a:p>
+            <a:pPr algn="ctr">
+              <a:defRPr sz="5900">
+                <a:solidFill>
+                  <a:srgbClr val="000000"/>
+                </a:solidFill>
+              </a:defRPr>
+            </a:pPr>
+            <a:r>
+              <a:t>Christe eleison, eleison, eleison</a:t>
             </a:r>
           </a:p>
         </p:txBody>
@@ -7207,7 +7862,7 @@
               <a:defRPr b="1" sz="4200"/>
             </a:pPr>
             <a:r>
-              <a:t>2 - Canto de Abertura</a:t>
+              <a:t>2 - Kyrie Eleison - JMJ RIO 2013</a:t>
             </a:r>
           </a:p>
         </p:txBody>
@@ -7228,86 +7883,26 @@
           <a:lstStyle/>
           <a:p>
             <a:pPr algn="ctr">
-              <a:defRPr sz="4200">
-                <a:solidFill>
-                  <a:srgbClr val="000000"/>
-                </a:solidFill>
-              </a:defRPr>
-            </a:pPr>
-            <a:r>
-              <a:t>Vamos celebrar, Deus está aqui</a:t>
-            </a:r>
-          </a:p>
-          <a:p>
-            <a:pPr algn="ctr">
-              <a:defRPr sz="4200">
-                <a:solidFill>
-                  <a:srgbClr val="000000"/>
-                </a:solidFill>
-              </a:defRPr>
-            </a:pPr>
-            <a:r>
-              <a:t>Vamos celebrar, Deus está aqui</a:t>
-            </a:r>
-          </a:p>
-          <a:p>
-            <a:pPr algn="ctr">
-              <a:defRPr sz="4200">
-                <a:solidFill>
-                  <a:srgbClr val="000000"/>
-                </a:solidFill>
-              </a:defRPr>
-            </a:pPr>
-            <a:r>
-              <a:t>No meio de nós</a:t>
-            </a:r>
-          </a:p>
-          <a:p>
-            <a:pPr algn="ctr">
-              <a:defRPr sz="4200">
-                <a:solidFill>
-                  <a:srgbClr val="000000"/>
-                </a:solidFill>
-              </a:defRPr>
-            </a:pPr>
-            <a:r>
-              <a:t>Vamos celebrar, Deus está aqui</a:t>
-            </a:r>
-          </a:p>
-          <a:p>
-            <a:pPr algn="ctr">
-              <a:defRPr sz="4200">
-                <a:solidFill>
-                  <a:srgbClr val="000000"/>
-                </a:solidFill>
-              </a:defRPr>
-            </a:pPr>
-            <a:r>
-              <a:t>Vamos celebrar, Deus está aqui</a:t>
-            </a:r>
-          </a:p>
-          <a:p>
-            <a:pPr algn="ctr">
-              <a:defRPr sz="4200">
-                <a:solidFill>
-                  <a:srgbClr val="000000"/>
-                </a:solidFill>
-              </a:defRPr>
-            </a:pPr>
-            <a:r>
-              <a:t>No meio de nós</a:t>
-            </a:r>
-          </a:p>
-          <a:p>
-            <a:pPr algn="ctr">
-              <a:defRPr sz="4200">
-                <a:solidFill>
-                  <a:srgbClr val="000000"/>
-                </a:solidFill>
-              </a:defRPr>
-            </a:pPr>
-            <a:r>
-              <a:t>Ele está presente aqui</a:t>
+              <a:defRPr sz="6100">
+                <a:solidFill>
+                  <a:srgbClr val="000000"/>
+                </a:solidFill>
+              </a:defRPr>
+            </a:pPr>
+            <a:r>
+              <a:t>Senhor, que intercedeis por nós</a:t>
+            </a:r>
+          </a:p>
+          <a:p>
+            <a:pPr algn="ctr">
+              <a:defRPr sz="6100">
+                <a:solidFill>
+                  <a:srgbClr val="000000"/>
+                </a:solidFill>
+              </a:defRPr>
+            </a:pPr>
+            <a:r>
+              <a:t>Junto a Deus Pai que nos perdoa</a:t>
             </a:r>
           </a:p>
         </p:txBody>
@@ -7349,7 +7944,7 @@
               <a:defRPr b="1" sz="4200"/>
             </a:pPr>
             <a:r>
-              <a:t>2 - Canto de Abertura</a:t>
+              <a:t>2 - Kyrie Eleison - JMJ RIO 2013</a:t>
             </a:r>
           </a:p>
         </p:txBody>
@@ -7370,50 +7965,26 @@
           <a:lstStyle/>
           <a:p>
             <a:pPr algn="ctr">
-              <a:defRPr sz="4200">
-                <a:solidFill>
-                  <a:srgbClr val="000000"/>
-                </a:solidFill>
-              </a:defRPr>
-            </a:pPr>
-            <a:r>
-              <a:t>Ele está presente aqui</a:t>
-            </a:r>
-          </a:p>
-          <a:p>
-            <a:pPr algn="ctr">
-              <a:defRPr sz="4200">
-                <a:solidFill>
-                  <a:srgbClr val="000000"/>
-                </a:solidFill>
-              </a:defRPr>
-            </a:pPr>
-            <a:r>
-              <a:t>Ele está presente aqui</a:t>
-            </a:r>
-          </a:p>
-          <a:p>
-            <a:pPr algn="ctr">
-              <a:defRPr sz="4200">
-                <a:solidFill>
-                  <a:srgbClr val="000000"/>
-                </a:solidFill>
-              </a:defRPr>
-            </a:pPr>
-            <a:r>
-              <a:t>Ele está presente aqui</a:t>
-            </a:r>
-          </a:p>
-          <a:p>
-            <a:pPr algn="ctr">
-              <a:defRPr sz="4200">
-                <a:solidFill>
-                  <a:srgbClr val="000000"/>
-                </a:solidFill>
-              </a:defRPr>
-            </a:pPr>
-            <a:r>
-              <a:t>Ele está presente aqui</a:t>
+              <a:defRPr sz="4800">
+                <a:solidFill>
+                  <a:srgbClr val="000000"/>
+                </a:solidFill>
+              </a:defRPr>
+            </a:pPr>
+            <a:r>
+              <a:t>Kyrie eleison (eleison), eleison, eleison (eleison)</a:t>
+            </a:r>
+          </a:p>
+          <a:p>
+            <a:pPr algn="ctr">
+              <a:defRPr sz="4800">
+                <a:solidFill>
+                  <a:srgbClr val="000000"/>
+                </a:solidFill>
+              </a:defRPr>
+            </a:pPr>
+            <a:r>
+              <a:t>Kyrie eleison, eleison, eleison (eleison), ooh</a:t>
             </a:r>
           </a:p>
         </p:txBody>

--- a/slides.pptx
+++ b/slides.pptx
@@ -31,34 +31,6 @@
     <p:sldId id="279" r:id="rId30"/>
     <p:sldId id="280" r:id="rId31"/>
     <p:sldId id="281" r:id="rId32"/>
-    <p:sldId id="282" r:id="rId33"/>
-    <p:sldId id="283" r:id="rId34"/>
-    <p:sldId id="284" r:id="rId35"/>
-    <p:sldId id="285" r:id="rId36"/>
-    <p:sldId id="286" r:id="rId37"/>
-    <p:sldId id="287" r:id="rId38"/>
-    <p:sldId id="288" r:id="rId39"/>
-    <p:sldId id="289" r:id="rId40"/>
-    <p:sldId id="290" r:id="rId41"/>
-    <p:sldId id="291" r:id="rId42"/>
-    <p:sldId id="292" r:id="rId43"/>
-    <p:sldId id="293" r:id="rId44"/>
-    <p:sldId id="294" r:id="rId45"/>
-    <p:sldId id="295" r:id="rId46"/>
-    <p:sldId id="296" r:id="rId47"/>
-    <p:sldId id="297" r:id="rId48"/>
-    <p:sldId id="298" r:id="rId49"/>
-    <p:sldId id="299" r:id="rId50"/>
-    <p:sldId id="300" r:id="rId51"/>
-    <p:sldId id="301" r:id="rId52"/>
-    <p:sldId id="302" r:id="rId53"/>
-    <p:sldId id="303" r:id="rId54"/>
-    <p:sldId id="304" r:id="rId55"/>
-    <p:sldId id="305" r:id="rId56"/>
-    <p:sldId id="306" r:id="rId57"/>
-    <p:sldId id="307" r:id="rId58"/>
-    <p:sldId id="308" r:id="rId59"/>
-    <p:sldId id="309" r:id="rId60"/>
   </p:sldIdLst>
   <p:sldSz cx="9144000" cy="6858000" type="screen4x3"/>
   <p:notesSz cx="6858000" cy="9144000"/>
@@ -3160,7 +3132,7 @@
               <a:defRPr b="1" sz="4200"/>
             </a:pPr>
             <a:r>
-              <a:t>1 - Que Entre o Rei (part. Dunga) - Ministério</a:t>
+              <a:t>1 - Sweet Child O' Mine - Guns N' Roses</a:t>
             </a:r>
           </a:p>
         </p:txBody>
@@ -3181,50 +3153,50 @@
           <a:lstStyle/>
           <a:p>
             <a:pPr algn="ctr">
-              <a:defRPr sz="5900">
-                <a:solidFill>
-                  <a:srgbClr val="000000"/>
-                </a:solidFill>
-              </a:defRPr>
-            </a:pPr>
-            <a:r>
-              <a:t>Que entre o Rei</a:t>
-            </a:r>
-          </a:p>
-          <a:p>
-            <a:pPr algn="ctr">
-              <a:defRPr sz="5900">
-                <a:solidFill>
-                  <a:srgbClr val="000000"/>
-                </a:solidFill>
-              </a:defRPr>
-            </a:pPr>
-            <a:r>
-              <a:t>E a nós venha o seu Reino</a:t>
-            </a:r>
-          </a:p>
-          <a:p>
-            <a:pPr algn="ctr">
-              <a:defRPr sz="5900">
-                <a:solidFill>
-                  <a:srgbClr val="000000"/>
-                </a:solidFill>
-              </a:defRPr>
-            </a:pPr>
-            <a:r>
-              <a:t>Que entre o Rei</a:t>
-            </a:r>
-          </a:p>
-          <a:p>
-            <a:pPr algn="ctr">
-              <a:defRPr sz="5900">
-                <a:solidFill>
-                  <a:srgbClr val="000000"/>
-                </a:solidFill>
-              </a:defRPr>
-            </a:pPr>
-            <a:r>
-              <a:t>Poderoso</a:t>
+              <a:defRPr sz="4200">
+                <a:solidFill>
+                  <a:srgbClr val="000000"/>
+                </a:solidFill>
+              </a:defRPr>
+            </a:pPr>
+            <a:r>
+              <a:t>She's got a smile that it seems to me</a:t>
+            </a:r>
+          </a:p>
+          <a:p>
+            <a:pPr algn="ctr">
+              <a:defRPr sz="4200">
+                <a:solidFill>
+                  <a:srgbClr val="000000"/>
+                </a:solidFill>
+              </a:defRPr>
+            </a:pPr>
+            <a:r>
+              <a:t>Reminds me of childhood memories</a:t>
+            </a:r>
+          </a:p>
+          <a:p>
+            <a:pPr algn="ctr">
+              <a:defRPr sz="4200">
+                <a:solidFill>
+                  <a:srgbClr val="000000"/>
+                </a:solidFill>
+              </a:defRPr>
+            </a:pPr>
+            <a:r>
+              <a:t>Where everything was as fresh</a:t>
+            </a:r>
+          </a:p>
+          <a:p>
+            <a:pPr algn="ctr">
+              <a:defRPr sz="4200">
+                <a:solidFill>
+                  <a:srgbClr val="000000"/>
+                </a:solidFill>
+              </a:defRPr>
+            </a:pPr>
+            <a:r>
+              <a:t>As the bright blue sky</a:t>
             </a:r>
           </a:p>
         </p:txBody>
@@ -3254,31 +3226,85 @@
             <a:spLocks noGrp="1"/>
           </p:cNvSpPr>
           <p:nvPr>
-            <p:ph type="ctrTitle"/>
-          </p:nvPr>
-        </p:nvSpPr>
-        <p:spPr/>
-        <p:txBody>
-          <a:bodyPr/>
-          <a:lstStyle/>
-          <a:p/>
-        </p:txBody>
-      </p:sp>
-      <p:sp>
-        <p:nvSpPr>
-          <p:cNvPr id="3" name="Subtitle 2"/>
-          <p:cNvSpPr>
-            <a:spLocks noGrp="1"/>
-          </p:cNvSpPr>
-          <p:nvPr>
-            <p:ph type="subTitle" idx="1"/>
-          </p:nvPr>
-        </p:nvSpPr>
-        <p:spPr/>
-        <p:txBody>
-          <a:bodyPr/>
-          <a:lstStyle/>
-          <a:p/>
+            <p:ph type="title"/>
+          </p:nvPr>
+        </p:nvSpPr>
+        <p:spPr/>
+        <p:txBody>
+          <a:bodyPr/>
+          <a:lstStyle/>
+          <a:p>
+            <a:pPr>
+              <a:defRPr b="1" sz="4200"/>
+            </a:pPr>
+            <a:r>
+              <a:t>1 - Sweet Child O' Mine - Guns N' Roses</a:t>
+            </a:r>
+          </a:p>
+        </p:txBody>
+      </p:sp>
+      <p:sp>
+        <p:nvSpPr>
+          <p:cNvPr id="3" name="Content Placeholder 2"/>
+          <p:cNvSpPr>
+            <a:spLocks noGrp="1"/>
+          </p:cNvSpPr>
+          <p:nvPr>
+            <p:ph idx="1"/>
+          </p:nvPr>
+        </p:nvSpPr>
+        <p:spPr/>
+        <p:txBody>
+          <a:bodyPr/>
+          <a:lstStyle/>
+          <a:p>
+            <a:pPr algn="ctr">
+              <a:defRPr sz="5700">
+                <a:solidFill>
+                  <a:srgbClr val="000000"/>
+                </a:solidFill>
+              </a:defRPr>
+            </a:pPr>
+            <a:r>
+              <a:t>Where do we go now?</a:t>
+            </a:r>
+          </a:p>
+          <a:p>
+            <a:pPr algn="ctr">
+              <a:defRPr sz="5700">
+                <a:solidFill>
+                  <a:srgbClr val="000000"/>
+                </a:solidFill>
+              </a:defRPr>
+            </a:pPr>
+            <a:r>
+              <a:t>Where do we go?</a:t>
+            </a:r>
+          </a:p>
+          <a:p>
+            <a:pPr algn="ctr">
+              <a:defRPr sz="5700">
+                <a:solidFill>
+                  <a:srgbClr val="000000"/>
+                </a:solidFill>
+              </a:defRPr>
+            </a:pPr>
+            <a:r>
+              <a:t>Where do we go now?</a:t>
+            </a:r>
+          </a:p>
+          <a:p>
+            <a:pPr algn="ctr">
+              <a:defRPr sz="5700">
+                <a:solidFill>
+                  <a:srgbClr val="000000"/>
+                </a:solidFill>
+              </a:defRPr>
+            </a:pPr>
+            <a:r>
+              <a:t>Where do we go?</a:t>
+            </a:r>
+          </a:p>
         </p:txBody>
       </p:sp>
     </p:spTree>
@@ -3318,7 +3344,7 @@
               <a:defRPr b="1" sz="4200"/>
             </a:pPr>
             <a:r>
-              <a:t>3 - Glória - Banda Capella</a:t>
+              <a:t>1 - Sweet Child O' Mine - Guns N' Roses</a:t>
             </a:r>
           </a:p>
         </p:txBody>
@@ -3339,14 +3365,62 @@
           <a:lstStyle/>
           <a:p>
             <a:pPr algn="ctr">
-              <a:defRPr sz="9100">
-                <a:solidFill>
-                  <a:srgbClr val="000000"/>
-                </a:solidFill>
-              </a:defRPr>
-            </a:pPr>
-            <a:r>
-              <a:t>Glória, glória, glória, glória</a:t>
+              <a:defRPr sz="5000">
+                <a:solidFill>
+                  <a:srgbClr val="000000"/>
+                </a:solidFill>
+              </a:defRPr>
+            </a:pPr>
+            <a:r>
+              <a:t>Where do we go now?</a:t>
+            </a:r>
+          </a:p>
+          <a:p>
+            <a:pPr algn="ctr">
+              <a:defRPr sz="5000">
+                <a:solidFill>
+                  <a:srgbClr val="000000"/>
+                </a:solidFill>
+              </a:defRPr>
+            </a:pPr>
+            <a:r>
+              <a:t>Where do we go?</a:t>
+            </a:r>
+          </a:p>
+          <a:p>
+            <a:pPr algn="ctr">
+              <a:defRPr sz="5000">
+                <a:solidFill>
+                  <a:srgbClr val="000000"/>
+                </a:solidFill>
+              </a:defRPr>
+            </a:pPr>
+            <a:r>
+              <a:t>Where do we go now?</a:t>
+            </a:r>
+          </a:p>
+          <a:p>
+            <a:pPr algn="ctr">
+              <a:defRPr sz="5000">
+                <a:solidFill>
+                  <a:srgbClr val="000000"/>
+                </a:solidFill>
+              </a:defRPr>
+            </a:pPr>
+            <a:r>
+              <a:t>Now, now, now</a:t>
+            </a:r>
+          </a:p>
+          <a:p>
+            <a:pPr algn="ctr">
+              <a:defRPr sz="5000">
+                <a:solidFill>
+                  <a:srgbClr val="000000"/>
+                </a:solidFill>
+              </a:defRPr>
+            </a:pPr>
+            <a:r>
+              <a:t>Now, now, now, now?</a:t>
             </a:r>
           </a:p>
         </p:txBody>
@@ -3388,7 +3462,7 @@
               <a:defRPr b="1" sz="4200"/>
             </a:pPr>
             <a:r>
-              <a:t>3 - Glória - Banda Capella</a:t>
+              <a:t>1 - Sweet Child O' Mine - Guns N' Roses</a:t>
             </a:r>
           </a:p>
         </p:txBody>
@@ -3409,50 +3483,26 @@
           <a:lstStyle/>
           <a:p>
             <a:pPr algn="ctr">
-              <a:defRPr sz="4600">
-                <a:solidFill>
-                  <a:srgbClr val="000000"/>
-                </a:solidFill>
-              </a:defRPr>
-            </a:pPr>
-            <a:r>
-              <a:t>Glória a Deus lá nas alturas</a:t>
-            </a:r>
-          </a:p>
-          <a:p>
-            <a:pPr algn="ctr">
-              <a:defRPr sz="4600">
-                <a:solidFill>
-                  <a:srgbClr val="000000"/>
-                </a:solidFill>
-              </a:defRPr>
-            </a:pPr>
-            <a:r>
-              <a:t>Paz na terra aos seus amados</a:t>
-            </a:r>
-          </a:p>
-          <a:p>
-            <a:pPr algn="ctr">
-              <a:defRPr sz="4600">
-                <a:solidFill>
-                  <a:srgbClr val="000000"/>
-                </a:solidFill>
-              </a:defRPr>
-            </a:pPr>
-            <a:r>
-              <a:t>A vos louvam Rei celeste</a:t>
-            </a:r>
-          </a:p>
-          <a:p>
-            <a:pPr algn="ctr">
-              <a:defRPr sz="4600">
-                <a:solidFill>
-                  <a:srgbClr val="000000"/>
-                </a:solidFill>
-              </a:defRPr>
-            </a:pPr>
-            <a:r>
-              <a:t>Os que foram libertados</a:t>
+              <a:defRPr sz="8900">
+                <a:solidFill>
+                  <a:srgbClr val="000000"/>
+                </a:solidFill>
+              </a:defRPr>
+            </a:pPr>
+            <a:r>
+              <a:t>Sweet child</a:t>
+            </a:r>
+          </a:p>
+          <a:p>
+            <a:pPr algn="ctr">
+              <a:defRPr sz="8900">
+                <a:solidFill>
+                  <a:srgbClr val="000000"/>
+                </a:solidFill>
+              </a:defRPr>
+            </a:pPr>
+            <a:r>
+              <a:t>Sweet child of mine</a:t>
             </a:r>
           </a:p>
         </p:txBody>
@@ -3482,85 +3532,31 @@
             <a:spLocks noGrp="1"/>
           </p:cNvSpPr>
           <p:nvPr>
-            <p:ph type="title"/>
-          </p:nvPr>
-        </p:nvSpPr>
-        <p:spPr/>
-        <p:txBody>
-          <a:bodyPr/>
-          <a:lstStyle/>
-          <a:p>
-            <a:pPr>
-              <a:defRPr b="1" sz="4200"/>
-            </a:pPr>
-            <a:r>
-              <a:t>3 - Glória - Banda Capella</a:t>
-            </a:r>
-          </a:p>
-        </p:txBody>
-      </p:sp>
-      <p:sp>
-        <p:nvSpPr>
-          <p:cNvPr id="3" name="Content Placeholder 2"/>
-          <p:cNvSpPr>
-            <a:spLocks noGrp="1"/>
-          </p:cNvSpPr>
-          <p:nvPr>
-            <p:ph idx="1"/>
-          </p:nvPr>
-        </p:nvSpPr>
-        <p:spPr/>
-        <p:txBody>
-          <a:bodyPr/>
-          <a:lstStyle/>
-          <a:p>
-            <a:pPr algn="ctr">
-              <a:defRPr sz="4800">
-                <a:solidFill>
-                  <a:srgbClr val="000000"/>
-                </a:solidFill>
-              </a:defRPr>
-            </a:pPr>
-            <a:r>
-              <a:t>Deus e Pai nós Vos louvamos</a:t>
-            </a:r>
-          </a:p>
-          <a:p>
-            <a:pPr algn="ctr">
-              <a:defRPr sz="4800">
-                <a:solidFill>
-                  <a:srgbClr val="000000"/>
-                </a:solidFill>
-              </a:defRPr>
-            </a:pPr>
-            <a:r>
-              <a:t>Adoramos, bendizemos</a:t>
-            </a:r>
-          </a:p>
-          <a:p>
-            <a:pPr algn="ctr">
-              <a:defRPr sz="4800">
-                <a:solidFill>
-                  <a:srgbClr val="000000"/>
-                </a:solidFill>
-              </a:defRPr>
-            </a:pPr>
-            <a:r>
-              <a:t>Damos glória ao Vosso nome</a:t>
-            </a:r>
-          </a:p>
-          <a:p>
-            <a:pPr algn="ctr">
-              <a:defRPr sz="4800">
-                <a:solidFill>
-                  <a:srgbClr val="000000"/>
-                </a:solidFill>
-              </a:defRPr>
-            </a:pPr>
-            <a:r>
-              <a:t>Vossos dons agradecemos</a:t>
-            </a:r>
-          </a:p>
+            <p:ph type="ctrTitle"/>
+          </p:nvPr>
+        </p:nvSpPr>
+        <p:spPr/>
+        <p:txBody>
+          <a:bodyPr/>
+          <a:lstStyle/>
+          <a:p/>
+        </p:txBody>
+      </p:sp>
+      <p:sp>
+        <p:nvSpPr>
+          <p:cNvPr id="3" name="Subtitle 2"/>
+          <p:cNvSpPr>
+            <a:spLocks noGrp="1"/>
+          </p:cNvSpPr>
+          <p:nvPr>
+            <p:ph type="subTitle" idx="1"/>
+          </p:nvPr>
+        </p:nvSpPr>
+        <p:spPr/>
+        <p:txBody>
+          <a:bodyPr/>
+          <a:lstStyle/>
+          <a:p/>
         </p:txBody>
       </p:sp>
     </p:spTree>
@@ -3600,7 +3596,7 @@
               <a:defRPr b="1" sz="4200"/>
             </a:pPr>
             <a:r>
-              <a:t>3 - Glória - Banda Capella</a:t>
+              <a:t>2 - Otherside - Red Hot Chili Peppers</a:t>
             </a:r>
           </a:p>
         </p:txBody>
@@ -3621,50 +3617,50 @@
           <a:lstStyle/>
           <a:p>
             <a:pPr algn="ctr">
-              <a:defRPr sz="4900">
-                <a:solidFill>
-                  <a:srgbClr val="000000"/>
-                </a:solidFill>
-              </a:defRPr>
-            </a:pPr>
-            <a:r>
-              <a:t>Senhor, nosso Jesus Cristo</a:t>
-            </a:r>
-          </a:p>
-          <a:p>
-            <a:pPr algn="ctr">
-              <a:defRPr sz="4900">
-                <a:solidFill>
-                  <a:srgbClr val="000000"/>
-                </a:solidFill>
-              </a:defRPr>
-            </a:pPr>
-            <a:r>
-              <a:t>Unigênito do Pai</a:t>
-            </a:r>
-          </a:p>
-          <a:p>
-            <a:pPr algn="ctr">
-              <a:defRPr sz="4900">
-                <a:solidFill>
-                  <a:srgbClr val="000000"/>
-                </a:solidFill>
-              </a:defRPr>
-            </a:pPr>
-            <a:r>
-              <a:t>Voz de Deus, Cordeiro Santo</a:t>
-            </a:r>
-          </a:p>
-          <a:p>
-            <a:pPr algn="ctr">
-              <a:defRPr sz="4900">
-                <a:solidFill>
-                  <a:srgbClr val="000000"/>
-                </a:solidFill>
-              </a:defRPr>
-            </a:pPr>
-            <a:r>
-              <a:t>Nossas culpas, perdoai</a:t>
+              <a:defRPr sz="4300">
+                <a:solidFill>
+                  <a:srgbClr val="000000"/>
+                </a:solidFill>
+              </a:defRPr>
+            </a:pPr>
+            <a:r>
+              <a:t>How long, how long will I slide?</a:t>
+            </a:r>
+          </a:p>
+          <a:p>
+            <a:pPr algn="ctr">
+              <a:defRPr sz="4300">
+                <a:solidFill>
+                  <a:srgbClr val="000000"/>
+                </a:solidFill>
+              </a:defRPr>
+            </a:pPr>
+            <a:r>
+              <a:t>Separate my side, I don’t</a:t>
+            </a:r>
+          </a:p>
+          <a:p>
+            <a:pPr algn="ctr">
+              <a:defRPr sz="4300">
+                <a:solidFill>
+                  <a:srgbClr val="000000"/>
+                </a:solidFill>
+              </a:defRPr>
+            </a:pPr>
+            <a:r>
+              <a:t>I don’t believe it’s bad</a:t>
+            </a:r>
+          </a:p>
+          <a:p>
+            <a:pPr algn="ctr">
+              <a:defRPr sz="4300">
+                <a:solidFill>
+                  <a:srgbClr val="000000"/>
+                </a:solidFill>
+              </a:defRPr>
+            </a:pPr>
+            <a:r>
+              <a:t>A slit in my throat, it’s all I ever</a:t>
             </a:r>
           </a:p>
         </p:txBody>
@@ -3706,7 +3702,7 @@
               <a:defRPr b="1" sz="4200"/>
             </a:pPr>
             <a:r>
-              <a:t>3 - Glória - Banda Capella</a:t>
+              <a:t>2 - Otherside - Red Hot Chili Peppers</a:t>
             </a:r>
           </a:p>
         </p:txBody>
@@ -3727,50 +3723,50 @@
           <a:lstStyle/>
           <a:p>
             <a:pPr algn="ctr">
-              <a:defRPr sz="4900">
-                <a:solidFill>
-                  <a:srgbClr val="000000"/>
-                </a:solidFill>
-              </a:defRPr>
-            </a:pPr>
-            <a:r>
-              <a:t>Vós que estais junto do Pai</a:t>
-            </a:r>
-          </a:p>
-          <a:p>
-            <a:pPr algn="ctr">
-              <a:defRPr sz="4900">
-                <a:solidFill>
-                  <a:srgbClr val="000000"/>
-                </a:solidFill>
-              </a:defRPr>
-            </a:pPr>
-            <a:r>
-              <a:t>Como nosso intercessor</a:t>
-            </a:r>
-          </a:p>
-          <a:p>
-            <a:pPr algn="ctr">
-              <a:defRPr sz="4900">
-                <a:solidFill>
-                  <a:srgbClr val="000000"/>
-                </a:solidFill>
-              </a:defRPr>
-            </a:pPr>
-            <a:r>
-              <a:t>Acolhei nossos pedidos</a:t>
-            </a:r>
-          </a:p>
-          <a:p>
-            <a:pPr algn="ctr">
-              <a:defRPr sz="4900">
-                <a:solidFill>
-                  <a:srgbClr val="000000"/>
-                </a:solidFill>
-              </a:defRPr>
-            </a:pPr>
-            <a:r>
-              <a:t>Atendei nosso clamor</a:t>
+              <a:defRPr sz="3800">
+                <a:solidFill>
+                  <a:srgbClr val="000000"/>
+                </a:solidFill>
+              </a:defRPr>
+            </a:pPr>
+            <a:r>
+              <a:t>I heard your voice through a photograph</a:t>
+            </a:r>
+          </a:p>
+          <a:p>
+            <a:pPr algn="ctr">
+              <a:defRPr sz="3800">
+                <a:solidFill>
+                  <a:srgbClr val="000000"/>
+                </a:solidFill>
+              </a:defRPr>
+            </a:pPr>
+            <a:r>
+              <a:t>I thought it up and brought up the past</a:t>
+            </a:r>
+          </a:p>
+          <a:p>
+            <a:pPr algn="ctr">
+              <a:defRPr sz="3800">
+                <a:solidFill>
+                  <a:srgbClr val="000000"/>
+                </a:solidFill>
+              </a:defRPr>
+            </a:pPr>
+            <a:r>
+              <a:t>Once you know, you can never go back</a:t>
+            </a:r>
+          </a:p>
+          <a:p>
+            <a:pPr algn="ctr">
+              <a:defRPr sz="3800">
+                <a:solidFill>
+                  <a:srgbClr val="000000"/>
+                </a:solidFill>
+              </a:defRPr>
+            </a:pPr>
+            <a:r>
+              <a:t>I’ve got to take it on the otherside</a:t>
             </a:r>
           </a:p>
         </p:txBody>
@@ -3812,7 +3808,7 @@
               <a:defRPr b="1" sz="4200"/>
             </a:pPr>
             <a:r>
-              <a:t>3 - Glória - Banda Capella</a:t>
+              <a:t>2 - Otherside - Red Hot Chili Peppers</a:t>
             </a:r>
           </a:p>
         </p:txBody>
@@ -3833,50 +3829,50 @@
           <a:lstStyle/>
           <a:p>
             <a:pPr algn="ctr">
-              <a:defRPr sz="4900">
-                <a:solidFill>
-                  <a:srgbClr val="000000"/>
-                </a:solidFill>
-              </a:defRPr>
-            </a:pPr>
-            <a:r>
-              <a:t>Vós somente sois o Santo</a:t>
-            </a:r>
-          </a:p>
-          <a:p>
-            <a:pPr algn="ctr">
-              <a:defRPr sz="4900">
-                <a:solidFill>
-                  <a:srgbClr val="000000"/>
-                </a:solidFill>
-              </a:defRPr>
-            </a:pPr>
-            <a:r>
-              <a:t>O Altíssimo, o Senhor</a:t>
-            </a:r>
-          </a:p>
-          <a:p>
-            <a:pPr algn="ctr">
-              <a:defRPr sz="4900">
-                <a:solidFill>
-                  <a:srgbClr val="000000"/>
-                </a:solidFill>
-              </a:defRPr>
-            </a:pPr>
-            <a:r>
-              <a:t>Com o Espírito Divino</a:t>
-            </a:r>
-          </a:p>
-          <a:p>
-            <a:pPr algn="ctr">
-              <a:defRPr sz="4900">
-                <a:solidFill>
-                  <a:srgbClr val="000000"/>
-                </a:solidFill>
-              </a:defRPr>
-            </a:pPr>
-            <a:r>
-              <a:t>De Deus Pai no esplendor</a:t>
+              <a:defRPr sz="3900">
+                <a:solidFill>
+                  <a:srgbClr val="000000"/>
+                </a:solidFill>
+              </a:defRPr>
+            </a:pPr>
+            <a:r>
+              <a:t>Centuries are what it meant to me</a:t>
+            </a:r>
+          </a:p>
+          <a:p>
+            <a:pPr algn="ctr">
+              <a:defRPr sz="3900">
+                <a:solidFill>
+                  <a:srgbClr val="000000"/>
+                </a:solidFill>
+              </a:defRPr>
+            </a:pPr>
+            <a:r>
+              <a:t>A cemetery where I marry the sea</a:t>
+            </a:r>
+          </a:p>
+          <a:p>
+            <a:pPr algn="ctr">
+              <a:defRPr sz="3900">
+                <a:solidFill>
+                  <a:srgbClr val="000000"/>
+                </a:solidFill>
+              </a:defRPr>
+            </a:pPr>
+            <a:r>
+              <a:t>Stranger things could never change my mind</a:t>
+            </a:r>
+          </a:p>
+          <a:p>
+            <a:pPr algn="ctr">
+              <a:defRPr sz="3900">
+                <a:solidFill>
+                  <a:srgbClr val="000000"/>
+                </a:solidFill>
+              </a:defRPr>
+            </a:pPr>
+            <a:r>
+              <a:t>I’ve got to take it on the otherside</a:t>
             </a:r>
           </a:p>
         </p:txBody>
@@ -3918,7 +3914,7 @@
               <a:defRPr b="1" sz="4200"/>
             </a:pPr>
             <a:r>
-              <a:t>3 - Glória - Banda Capella</a:t>
+              <a:t>2 - Otherside - Red Hot Chili Peppers</a:t>
             </a:r>
           </a:p>
         </p:txBody>
@@ -3939,26 +3935,38 @@
           <a:lstStyle/>
           <a:p>
             <a:pPr algn="ctr">
-              <a:defRPr sz="9600">
-                <a:solidFill>
-                  <a:srgbClr val="000000"/>
-                </a:solidFill>
-              </a:defRPr>
-            </a:pPr>
-            <a:r>
-              <a:t>Amém, Amém, Amém, Amém</a:t>
-            </a:r>
-          </a:p>
-          <a:p>
-            <a:pPr algn="ctr">
-              <a:defRPr sz="9600">
-                <a:solidFill>
-                  <a:srgbClr val="000000"/>
-                </a:solidFill>
-              </a:defRPr>
-            </a:pPr>
-            <a:r>
-              <a:t>Amém</a:t>
+              <a:defRPr sz="7200">
+                <a:solidFill>
+                  <a:srgbClr val="000000"/>
+                </a:solidFill>
+              </a:defRPr>
+            </a:pPr>
+            <a:r>
+              <a:t>Take it on the otherside</a:t>
+            </a:r>
+          </a:p>
+          <a:p>
+            <a:pPr algn="ctr">
+              <a:defRPr sz="7200">
+                <a:solidFill>
+                  <a:srgbClr val="000000"/>
+                </a:solidFill>
+              </a:defRPr>
+            </a:pPr>
+            <a:r>
+              <a:t>Take it on</a:t>
+            </a:r>
+          </a:p>
+          <a:p>
+            <a:pPr algn="ctr">
+              <a:defRPr sz="7200">
+                <a:solidFill>
+                  <a:srgbClr val="000000"/>
+                </a:solidFill>
+              </a:defRPr>
+            </a:pPr>
+            <a:r>
+              <a:t>Take it on</a:t>
             </a:r>
           </a:p>
         </p:txBody>
@@ -3988,31 +3996,85 @@
             <a:spLocks noGrp="1"/>
           </p:cNvSpPr>
           <p:nvPr>
-            <p:ph type="ctrTitle"/>
-          </p:nvPr>
-        </p:nvSpPr>
-        <p:spPr/>
-        <p:txBody>
-          <a:bodyPr/>
-          <a:lstStyle/>
-          <a:p/>
-        </p:txBody>
-      </p:sp>
-      <p:sp>
-        <p:nvSpPr>
-          <p:cNvPr id="3" name="Subtitle 2"/>
-          <p:cNvSpPr>
-            <a:spLocks noGrp="1"/>
-          </p:cNvSpPr>
-          <p:nvPr>
-            <p:ph type="subTitle" idx="1"/>
-          </p:nvPr>
-        </p:nvSpPr>
-        <p:spPr/>
-        <p:txBody>
-          <a:bodyPr/>
-          <a:lstStyle/>
-          <a:p/>
+            <p:ph type="title"/>
+          </p:nvPr>
+        </p:nvSpPr>
+        <p:spPr/>
+        <p:txBody>
+          <a:bodyPr/>
+          <a:lstStyle/>
+          <a:p>
+            <a:pPr>
+              <a:defRPr b="1" sz="4200"/>
+            </a:pPr>
+            <a:r>
+              <a:t>2 - Otherside - Red Hot Chili Peppers</a:t>
+            </a:r>
+          </a:p>
+        </p:txBody>
+      </p:sp>
+      <p:sp>
+        <p:nvSpPr>
+          <p:cNvPr id="3" name="Content Placeholder 2"/>
+          <p:cNvSpPr>
+            <a:spLocks noGrp="1"/>
+          </p:cNvSpPr>
+          <p:nvPr>
+            <p:ph idx="1"/>
+          </p:nvPr>
+        </p:nvSpPr>
+        <p:spPr/>
+        <p:txBody>
+          <a:bodyPr/>
+          <a:lstStyle/>
+          <a:p>
+            <a:pPr algn="ctr">
+              <a:defRPr sz="4300">
+                <a:solidFill>
+                  <a:srgbClr val="000000"/>
+                </a:solidFill>
+              </a:defRPr>
+            </a:pPr>
+            <a:r>
+              <a:t>How long, how long will I slide?</a:t>
+            </a:r>
+          </a:p>
+          <a:p>
+            <a:pPr algn="ctr">
+              <a:defRPr sz="4300">
+                <a:solidFill>
+                  <a:srgbClr val="000000"/>
+                </a:solidFill>
+              </a:defRPr>
+            </a:pPr>
+            <a:r>
+              <a:t>Separate my side, I don’t</a:t>
+            </a:r>
+          </a:p>
+          <a:p>
+            <a:pPr algn="ctr">
+              <a:defRPr sz="4300">
+                <a:solidFill>
+                  <a:srgbClr val="000000"/>
+                </a:solidFill>
+              </a:defRPr>
+            </a:pPr>
+            <a:r>
+              <a:t>I don’t believe it’s bad</a:t>
+            </a:r>
+          </a:p>
+          <a:p>
+            <a:pPr algn="ctr">
+              <a:defRPr sz="4300">
+                <a:solidFill>
+                  <a:srgbClr val="000000"/>
+                </a:solidFill>
+              </a:defRPr>
+            </a:pPr>
+            <a:r>
+              <a:t>A slit in my throat, it’s all I ever</a:t>
+            </a:r>
+          </a:p>
         </p:txBody>
       </p:sp>
     </p:spTree>
@@ -4052,7 +4114,7 @@
               <a:defRPr b="1" sz="4200"/>
             </a:pPr>
             <a:r>
-              <a:t>4 - Senhor, que a tua Palavra - Irmã Míria T. Kolling</a:t>
+              <a:t>2 - Otherside - Red Hot Chili Peppers</a:t>
             </a:r>
           </a:p>
         </p:txBody>
@@ -4073,26 +4135,50 @@
           <a:lstStyle/>
           <a:p>
             <a:pPr algn="ctr">
-              <a:defRPr sz="5000">
-                <a:solidFill>
-                  <a:srgbClr val="000000"/>
-                </a:solidFill>
-              </a:defRPr>
-            </a:pPr>
-            <a:r>
-              <a:t>Senhor, que a Tua Palavra transforme a nossa vida</a:t>
-            </a:r>
-          </a:p>
-          <a:p>
-            <a:pPr algn="ctr">
-              <a:defRPr sz="5000">
-                <a:solidFill>
-                  <a:srgbClr val="000000"/>
-                </a:solidFill>
-              </a:defRPr>
-            </a:pPr>
-            <a:r>
-              <a:t>queremos caminhar com retidão na Tua luz</a:t>
+              <a:defRPr sz="3800">
+                <a:solidFill>
+                  <a:srgbClr val="000000"/>
+                </a:solidFill>
+              </a:defRPr>
+            </a:pPr>
+            <a:r>
+              <a:t>Pour my life into a paper cup</a:t>
+            </a:r>
+          </a:p>
+          <a:p>
+            <a:pPr algn="ctr">
+              <a:defRPr sz="3800">
+                <a:solidFill>
+                  <a:srgbClr val="000000"/>
+                </a:solidFill>
+              </a:defRPr>
+            </a:pPr>
+            <a:r>
+              <a:t>The ashtray’s full and I’m spillin’ my guts</a:t>
+            </a:r>
+          </a:p>
+          <a:p>
+            <a:pPr algn="ctr">
+              <a:defRPr sz="3800">
+                <a:solidFill>
+                  <a:srgbClr val="000000"/>
+                </a:solidFill>
+              </a:defRPr>
+            </a:pPr>
+            <a:r>
+              <a:t>She wants to know, am I still a slut?</a:t>
+            </a:r>
+          </a:p>
+          <a:p>
+            <a:pPr algn="ctr">
+              <a:defRPr sz="3800">
+                <a:solidFill>
+                  <a:srgbClr val="000000"/>
+                </a:solidFill>
+              </a:defRPr>
+            </a:pPr>
+            <a:r>
+              <a:t>I’ve got to take it on the otherside</a:t>
             </a:r>
           </a:p>
         </p:txBody>
@@ -4134,7 +4220,7 @@
               <a:defRPr b="1" sz="4200"/>
             </a:pPr>
             <a:r>
-              <a:t>1 - Que Entre o Rei (part. Dunga) - Ministério</a:t>
+              <a:t>1 - Sweet Child O' Mine - Guns N' Roses</a:t>
             </a:r>
           </a:p>
         </p:txBody>
@@ -4155,50 +4241,50 @@
           <a:lstStyle/>
           <a:p>
             <a:pPr algn="ctr">
-              <a:defRPr sz="5900">
-                <a:solidFill>
-                  <a:srgbClr val="000000"/>
-                </a:solidFill>
-              </a:defRPr>
-            </a:pPr>
-            <a:r>
-              <a:t>Que entre o Rei</a:t>
-            </a:r>
-          </a:p>
-          <a:p>
-            <a:pPr algn="ctr">
-              <a:defRPr sz="5900">
-                <a:solidFill>
-                  <a:srgbClr val="000000"/>
-                </a:solidFill>
-              </a:defRPr>
-            </a:pPr>
-            <a:r>
-              <a:t>Seu amor, sua justiça</a:t>
-            </a:r>
-          </a:p>
-          <a:p>
-            <a:pPr algn="ctr">
-              <a:defRPr sz="5900">
-                <a:solidFill>
-                  <a:srgbClr val="000000"/>
-                </a:solidFill>
-              </a:defRPr>
-            </a:pPr>
-            <a:r>
-              <a:t>Que entre o Rei</a:t>
-            </a:r>
-          </a:p>
-          <a:p>
-            <a:pPr algn="ctr">
-              <a:defRPr sz="5900">
-                <a:solidFill>
-                  <a:srgbClr val="000000"/>
-                </a:solidFill>
-              </a:defRPr>
-            </a:pPr>
-            <a:r>
-              <a:t>Rei da Glória</a:t>
+              <a:defRPr sz="4100">
+                <a:solidFill>
+                  <a:srgbClr val="000000"/>
+                </a:solidFill>
+              </a:defRPr>
+            </a:pPr>
+            <a:r>
+              <a:t>Now and then when I see her face</a:t>
+            </a:r>
+          </a:p>
+          <a:p>
+            <a:pPr algn="ctr">
+              <a:defRPr sz="4100">
+                <a:solidFill>
+                  <a:srgbClr val="000000"/>
+                </a:solidFill>
+              </a:defRPr>
+            </a:pPr>
+            <a:r>
+              <a:t>She takes me away to that special place</a:t>
+            </a:r>
+          </a:p>
+          <a:p>
+            <a:pPr algn="ctr">
+              <a:defRPr sz="4100">
+                <a:solidFill>
+                  <a:srgbClr val="000000"/>
+                </a:solidFill>
+              </a:defRPr>
+            </a:pPr>
+            <a:r>
+              <a:t>And if I stare too long</a:t>
+            </a:r>
+          </a:p>
+          <a:p>
+            <a:pPr algn="ctr">
+              <a:defRPr sz="4100">
+                <a:solidFill>
+                  <a:srgbClr val="000000"/>
+                </a:solidFill>
+              </a:defRPr>
+            </a:pPr>
+            <a:r>
+              <a:t>I'd probably break down and cry</a:t>
             </a:r>
           </a:p>
         </p:txBody>
@@ -4228,31 +4314,85 @@
             <a:spLocks noGrp="1"/>
           </p:cNvSpPr>
           <p:nvPr>
-            <p:ph type="ctrTitle"/>
-          </p:nvPr>
-        </p:nvSpPr>
-        <p:spPr/>
-        <p:txBody>
-          <a:bodyPr/>
-          <a:lstStyle/>
-          <a:p/>
-        </p:txBody>
-      </p:sp>
-      <p:sp>
-        <p:nvSpPr>
-          <p:cNvPr id="3" name="Subtitle 2"/>
-          <p:cNvSpPr>
-            <a:spLocks noGrp="1"/>
-          </p:cNvSpPr>
-          <p:nvPr>
-            <p:ph type="subTitle" idx="1"/>
-          </p:nvPr>
-        </p:nvSpPr>
-        <p:spPr/>
-        <p:txBody>
-          <a:bodyPr/>
-          <a:lstStyle/>
-          <a:p/>
+            <p:ph type="title"/>
+          </p:nvPr>
+        </p:nvSpPr>
+        <p:spPr/>
+        <p:txBody>
+          <a:bodyPr/>
+          <a:lstStyle/>
+          <a:p>
+            <a:pPr>
+              <a:defRPr b="1" sz="4200"/>
+            </a:pPr>
+            <a:r>
+              <a:t>2 - Otherside - Red Hot Chili Peppers</a:t>
+            </a:r>
+          </a:p>
+        </p:txBody>
+      </p:sp>
+      <p:sp>
+        <p:nvSpPr>
+          <p:cNvPr id="3" name="Content Placeholder 2"/>
+          <p:cNvSpPr>
+            <a:spLocks noGrp="1"/>
+          </p:cNvSpPr>
+          <p:nvPr>
+            <p:ph idx="1"/>
+          </p:nvPr>
+        </p:nvSpPr>
+        <p:spPr/>
+        <p:txBody>
+          <a:bodyPr/>
+          <a:lstStyle/>
+          <a:p>
+            <a:pPr algn="ctr">
+              <a:defRPr sz="3900">
+                <a:solidFill>
+                  <a:srgbClr val="000000"/>
+                </a:solidFill>
+              </a:defRPr>
+            </a:pPr>
+            <a:r>
+              <a:t>Scarlet starlet and she’s in my bed</a:t>
+            </a:r>
+          </a:p>
+          <a:p>
+            <a:pPr algn="ctr">
+              <a:defRPr sz="3900">
+                <a:solidFill>
+                  <a:srgbClr val="000000"/>
+                </a:solidFill>
+              </a:defRPr>
+            </a:pPr>
+            <a:r>
+              <a:t>A candidate for my soul mate bled</a:t>
+            </a:r>
+          </a:p>
+          <a:p>
+            <a:pPr algn="ctr">
+              <a:defRPr sz="3900">
+                <a:solidFill>
+                  <a:srgbClr val="000000"/>
+                </a:solidFill>
+              </a:defRPr>
+            </a:pPr>
+            <a:r>
+              <a:t>Push the trigger and I pull the thread</a:t>
+            </a:r>
+          </a:p>
+          <a:p>
+            <a:pPr algn="ctr">
+              <a:defRPr sz="3900">
+                <a:solidFill>
+                  <a:srgbClr val="000000"/>
+                </a:solidFill>
+              </a:defRPr>
+            </a:pPr>
+            <a:r>
+              <a:t>I’ve got to take it on the otherside</a:t>
+            </a:r>
+          </a:p>
         </p:txBody>
       </p:sp>
     </p:spTree>
@@ -4292,7 +4432,7 @@
               <a:defRPr b="1" sz="4200"/>
             </a:pPr>
             <a:r>
-              <a:t>5 - Salmo</a:t>
+              <a:t>2 - Otherside - Red Hot Chili Peppers</a:t>
             </a:r>
           </a:p>
         </p:txBody>
@@ -4313,14 +4453,38 @@
           <a:lstStyle/>
           <a:p>
             <a:pPr algn="ctr">
-              <a:defRPr sz="6600">
-                <a:solidFill>
-                  <a:srgbClr val="000000"/>
-                </a:solidFill>
-              </a:defRPr>
-            </a:pPr>
-            <a:r>
-              <a:t>Deus é Rei e se vestiu de majestade, glória ao Senhor!</a:t>
+              <a:defRPr sz="7200">
+                <a:solidFill>
+                  <a:srgbClr val="000000"/>
+                </a:solidFill>
+              </a:defRPr>
+            </a:pPr>
+            <a:r>
+              <a:t>Take it on the otherside</a:t>
+            </a:r>
+          </a:p>
+          <a:p>
+            <a:pPr algn="ctr">
+              <a:defRPr sz="7200">
+                <a:solidFill>
+                  <a:srgbClr val="000000"/>
+                </a:solidFill>
+              </a:defRPr>
+            </a:pPr>
+            <a:r>
+              <a:t>Take it on</a:t>
+            </a:r>
+          </a:p>
+          <a:p>
+            <a:pPr algn="ctr">
+              <a:defRPr sz="7200">
+                <a:solidFill>
+                  <a:srgbClr val="000000"/>
+                </a:solidFill>
+              </a:defRPr>
+            </a:pPr>
+            <a:r>
+              <a:t>Take it on</a:t>
             </a:r>
           </a:p>
         </p:txBody>
@@ -4350,31 +4514,85 @@
             <a:spLocks noGrp="1"/>
           </p:cNvSpPr>
           <p:nvPr>
-            <p:ph type="ctrTitle"/>
-          </p:nvPr>
-        </p:nvSpPr>
-        <p:spPr/>
-        <p:txBody>
-          <a:bodyPr/>
-          <a:lstStyle/>
-          <a:p/>
-        </p:txBody>
-      </p:sp>
-      <p:sp>
-        <p:nvSpPr>
-          <p:cNvPr id="3" name="Subtitle 2"/>
-          <p:cNvSpPr>
-            <a:spLocks noGrp="1"/>
-          </p:cNvSpPr>
-          <p:nvPr>
-            <p:ph type="subTitle" idx="1"/>
-          </p:nvPr>
-        </p:nvSpPr>
-        <p:spPr/>
-        <p:txBody>
-          <a:bodyPr/>
-          <a:lstStyle/>
-          <a:p/>
+            <p:ph type="title"/>
+          </p:nvPr>
+        </p:nvSpPr>
+        <p:spPr/>
+        <p:txBody>
+          <a:bodyPr/>
+          <a:lstStyle/>
+          <a:p>
+            <a:pPr>
+              <a:defRPr b="1" sz="4200"/>
+            </a:pPr>
+            <a:r>
+              <a:t>2 - Otherside - Red Hot Chili Peppers</a:t>
+            </a:r>
+          </a:p>
+        </p:txBody>
+      </p:sp>
+      <p:sp>
+        <p:nvSpPr>
+          <p:cNvPr id="3" name="Content Placeholder 2"/>
+          <p:cNvSpPr>
+            <a:spLocks noGrp="1"/>
+          </p:cNvSpPr>
+          <p:nvPr>
+            <p:ph idx="1"/>
+          </p:nvPr>
+        </p:nvSpPr>
+        <p:spPr/>
+        <p:txBody>
+          <a:bodyPr/>
+          <a:lstStyle/>
+          <a:p>
+            <a:pPr algn="ctr">
+              <a:defRPr sz="4300">
+                <a:solidFill>
+                  <a:srgbClr val="000000"/>
+                </a:solidFill>
+              </a:defRPr>
+            </a:pPr>
+            <a:r>
+              <a:t>How long, how long will I slide?</a:t>
+            </a:r>
+          </a:p>
+          <a:p>
+            <a:pPr algn="ctr">
+              <a:defRPr sz="4300">
+                <a:solidFill>
+                  <a:srgbClr val="000000"/>
+                </a:solidFill>
+              </a:defRPr>
+            </a:pPr>
+            <a:r>
+              <a:t>Separate my side, I don’t</a:t>
+            </a:r>
+          </a:p>
+          <a:p>
+            <a:pPr algn="ctr">
+              <a:defRPr sz="4300">
+                <a:solidFill>
+                  <a:srgbClr val="000000"/>
+                </a:solidFill>
+              </a:defRPr>
+            </a:pPr>
+            <a:r>
+              <a:t>I don’t believe it’s bad</a:t>
+            </a:r>
+          </a:p>
+          <a:p>
+            <a:pPr algn="ctr">
+              <a:defRPr sz="4300">
+                <a:solidFill>
+                  <a:srgbClr val="000000"/>
+                </a:solidFill>
+              </a:defRPr>
+            </a:pPr>
+            <a:r>
+              <a:t>A slit in my throat, it’s all I ever</a:t>
+            </a:r>
+          </a:p>
         </p:txBody>
       </p:sp>
     </p:spTree>
@@ -4414,7 +4632,7 @@
               <a:defRPr b="1" sz="4200"/>
             </a:pPr>
             <a:r>
-              <a:t>6 - Aleluia! o Nosso Cordeiro - Banda Capella</a:t>
+              <a:t>2 - Otherside - Red Hot Chili Peppers</a:t>
             </a:r>
           </a:p>
         </p:txBody>
@@ -4435,26 +4653,50 @@
           <a:lstStyle/>
           <a:p>
             <a:pPr algn="ctr">
-              <a:defRPr sz="5800">
-                <a:solidFill>
-                  <a:srgbClr val="000000"/>
-                </a:solidFill>
-              </a:defRPr>
-            </a:pPr>
-            <a:r>
-              <a:t>Aleluia, aleluia, aleluia, aleluia</a:t>
-            </a:r>
-          </a:p>
-          <a:p>
-            <a:pPr algn="ctr">
-              <a:defRPr sz="5800">
-                <a:solidFill>
-                  <a:srgbClr val="000000"/>
-                </a:solidFill>
-              </a:defRPr>
-            </a:pPr>
-            <a:r>
-              <a:t>Aleluia, aleluia, aleluia, aleluia</a:t>
+              <a:defRPr sz="3500">
+                <a:solidFill>
+                  <a:srgbClr val="000000"/>
+                </a:solidFill>
+              </a:defRPr>
+            </a:pPr>
+            <a:r>
+              <a:t>Turn me on, take me for a hard ride</a:t>
+            </a:r>
+          </a:p>
+          <a:p>
+            <a:pPr algn="ctr">
+              <a:defRPr sz="3500">
+                <a:solidFill>
+                  <a:srgbClr val="000000"/>
+                </a:solidFill>
+              </a:defRPr>
+            </a:pPr>
+            <a:r>
+              <a:t>Burn me out, leave me on the otherside</a:t>
+            </a:r>
+          </a:p>
+          <a:p>
+            <a:pPr algn="ctr">
+              <a:defRPr sz="3500">
+                <a:solidFill>
+                  <a:srgbClr val="000000"/>
+                </a:solidFill>
+              </a:defRPr>
+            </a:pPr>
+            <a:r>
+              <a:t>I yell and tell it that it’s not my friend</a:t>
+            </a:r>
+          </a:p>
+          <a:p>
+            <a:pPr algn="ctr">
+              <a:defRPr sz="3500">
+                <a:solidFill>
+                  <a:srgbClr val="000000"/>
+                </a:solidFill>
+              </a:defRPr>
+            </a:pPr>
+            <a:r>
+              <a:t>I tear it down, I tear it down and then it’s born again</a:t>
             </a:r>
           </a:p>
         </p:txBody>
@@ -4496,7 +4738,7 @@
               <a:defRPr b="1" sz="4200"/>
             </a:pPr>
             <a:r>
-              <a:t>6 - Aleluia! o Nosso Cordeiro - Banda Capella</a:t>
+              <a:t>2 - Otherside - Red Hot Chili Peppers</a:t>
             </a:r>
           </a:p>
         </p:txBody>
@@ -4517,50 +4759,50 @@
           <a:lstStyle/>
           <a:p>
             <a:pPr algn="ctr">
-              <a:defRPr sz="4100">
-                <a:solidFill>
-                  <a:srgbClr val="000000"/>
-                </a:solidFill>
-              </a:defRPr>
-            </a:pPr>
-            <a:r>
-              <a:t>É bendito aquele que vem vindo</a:t>
-            </a:r>
-          </a:p>
-          <a:p>
-            <a:pPr algn="ctr">
-              <a:defRPr sz="4100">
-                <a:solidFill>
-                  <a:srgbClr val="000000"/>
-                </a:solidFill>
-              </a:defRPr>
-            </a:pPr>
-            <a:r>
-              <a:t>que vem vindo em nome do Senhor</a:t>
-            </a:r>
-          </a:p>
-          <a:p>
-            <a:pPr algn="ctr">
-              <a:defRPr sz="4100">
-                <a:solidFill>
-                  <a:srgbClr val="000000"/>
-                </a:solidFill>
-              </a:defRPr>
-            </a:pPr>
-            <a:r>
-              <a:t>É o reino que vem seja bendito</a:t>
-            </a:r>
-          </a:p>
-          <a:p>
-            <a:pPr algn="ctr">
-              <a:defRPr sz="4100">
-                <a:solidFill>
-                  <a:srgbClr val="000000"/>
-                </a:solidFill>
-              </a:defRPr>
-            </a:pPr>
-            <a:r>
-              <a:t>ao que vem e ao seu reino, o louvor</a:t>
+              <a:defRPr sz="4200">
+                <a:solidFill>
+                  <a:srgbClr val="000000"/>
+                </a:solidFill>
+              </a:defRPr>
+            </a:pPr>
+            <a:r>
+              <a:t>How long, how long will I slide?</a:t>
+            </a:r>
+          </a:p>
+          <a:p>
+            <a:pPr algn="ctr">
+              <a:defRPr sz="4200">
+                <a:solidFill>
+                  <a:srgbClr val="000000"/>
+                </a:solidFill>
+              </a:defRPr>
+            </a:pPr>
+            <a:r>
+              <a:t>Separate my side, I don’t</a:t>
+            </a:r>
+          </a:p>
+          <a:p>
+            <a:pPr algn="ctr">
+              <a:defRPr sz="4200">
+                <a:solidFill>
+                  <a:srgbClr val="000000"/>
+                </a:solidFill>
+              </a:defRPr>
+            </a:pPr>
+            <a:r>
+              <a:t>I don’t believe it’s bad</a:t>
+            </a:r>
+          </a:p>
+          <a:p>
+            <a:pPr algn="ctr">
+              <a:defRPr sz="4200">
+                <a:solidFill>
+                  <a:srgbClr val="000000"/>
+                </a:solidFill>
+              </a:defRPr>
+            </a:pPr>
+            <a:r>
+              <a:t>A slit in my throat it’s all I ever had</a:t>
             </a:r>
           </a:p>
         </p:txBody>
@@ -4590,31 +4832,73 @@
             <a:spLocks noGrp="1"/>
           </p:cNvSpPr>
           <p:nvPr>
-            <p:ph type="ctrTitle"/>
-          </p:nvPr>
-        </p:nvSpPr>
-        <p:spPr/>
-        <p:txBody>
-          <a:bodyPr/>
-          <a:lstStyle/>
-          <a:p/>
-        </p:txBody>
-      </p:sp>
-      <p:sp>
-        <p:nvSpPr>
-          <p:cNvPr id="3" name="Subtitle 2"/>
-          <p:cNvSpPr>
-            <a:spLocks noGrp="1"/>
-          </p:cNvSpPr>
-          <p:nvPr>
-            <p:ph type="subTitle" idx="1"/>
-          </p:nvPr>
-        </p:nvSpPr>
-        <p:spPr/>
-        <p:txBody>
-          <a:bodyPr/>
-          <a:lstStyle/>
-          <a:p/>
+            <p:ph type="title"/>
+          </p:nvPr>
+        </p:nvSpPr>
+        <p:spPr/>
+        <p:txBody>
+          <a:bodyPr/>
+          <a:lstStyle/>
+          <a:p>
+            <a:pPr>
+              <a:defRPr b="1" sz="4200"/>
+            </a:pPr>
+            <a:r>
+              <a:t>2 - Otherside - Red Hot Chili Peppers</a:t>
+            </a:r>
+          </a:p>
+        </p:txBody>
+      </p:sp>
+      <p:sp>
+        <p:nvSpPr>
+          <p:cNvPr id="3" name="Content Placeholder 2"/>
+          <p:cNvSpPr>
+            <a:spLocks noGrp="1"/>
+          </p:cNvSpPr>
+          <p:nvPr>
+            <p:ph idx="1"/>
+          </p:nvPr>
+        </p:nvSpPr>
+        <p:spPr/>
+        <p:txBody>
+          <a:bodyPr/>
+          <a:lstStyle/>
+          <a:p>
+            <a:pPr algn="ctr">
+              <a:defRPr sz="5300">
+                <a:solidFill>
+                  <a:srgbClr val="000000"/>
+                </a:solidFill>
+              </a:defRPr>
+            </a:pPr>
+            <a:r>
+              <a:t>(How long?)</a:t>
+            </a:r>
+          </a:p>
+          <a:p>
+            <a:pPr algn="ctr">
+              <a:defRPr sz="5300">
+                <a:solidFill>
+                  <a:srgbClr val="000000"/>
+                </a:solidFill>
+              </a:defRPr>
+            </a:pPr>
+            <a:r>
+              <a:t>I don't, I don’t believe it’s bad</a:t>
+            </a:r>
+          </a:p>
+          <a:p>
+            <a:pPr algn="ctr">
+              <a:defRPr sz="5300">
+                <a:solidFill>
+                  <a:srgbClr val="000000"/>
+                </a:solidFill>
+              </a:defRPr>
+            </a:pPr>
+            <a:r>
+              <a:t>A slit in my throat, it’s all I ever</a:t>
+            </a:r>
+          </a:p>
         </p:txBody>
       </p:sp>
     </p:spTree>
@@ -4642,76 +4926,6 @@
             <a:spLocks noGrp="1"/>
           </p:cNvSpPr>
           <p:nvPr>
-            <p:ph type="title"/>
-          </p:nvPr>
-        </p:nvSpPr>
-        <p:spPr/>
-        <p:txBody>
-          <a:bodyPr/>
-          <a:lstStyle/>
-          <a:p>
-            <a:pPr>
-              <a:defRPr b="1" sz="4200"/>
-            </a:pPr>
-            <a:r>
-              <a:t>6.1 - Preces</a:t>
-            </a:r>
-          </a:p>
-        </p:txBody>
-      </p:sp>
-      <p:sp>
-        <p:nvSpPr>
-          <p:cNvPr id="3" name="Content Placeholder 2"/>
-          <p:cNvSpPr>
-            <a:spLocks noGrp="1"/>
-          </p:cNvSpPr>
-          <p:nvPr>
-            <p:ph idx="1"/>
-          </p:nvPr>
-        </p:nvSpPr>
-        <p:spPr/>
-        <p:txBody>
-          <a:bodyPr/>
-          <a:lstStyle/>
-          <a:p>
-            <a:pPr algn="ctr">
-              <a:defRPr sz="21500">
-                <a:solidFill>
-                  <a:srgbClr val="000000"/>
-                </a:solidFill>
-              </a:defRPr>
-            </a:pPr>
-            <a:r>
-              <a:t>preces</a:t>
-            </a:r>
-          </a:p>
-        </p:txBody>
-      </p:sp>
-    </p:spTree>
-  </p:cSld>
-  <p:clrMapOvr>
-    <a:masterClrMapping/>
-  </p:clrMapOvr>
-</p:sld>
-</file>
-
-<file path=ppt/slides/slide27.xml><?xml version="1.0" encoding="utf-8"?>
-<p:sld xmlns:a="http://schemas.openxmlformats.org/drawingml/2006/main" xmlns:p="http://schemas.openxmlformats.org/presentationml/2006/main" xmlns:r="http://schemas.openxmlformats.org/officeDocument/2006/relationships">
-  <p:cSld>
-    <p:spTree>
-      <p:nvGrpSpPr>
-        <p:cNvPr id="1" name=""/>
-        <p:cNvGrpSpPr/>
-        <p:nvPr/>
-      </p:nvGrpSpPr>
-      <p:grpSpPr/>
-      <p:sp>
-        <p:nvSpPr>
-          <p:cNvPr id="2" name="Title 1"/>
-          <p:cNvSpPr>
-            <a:spLocks noGrp="1"/>
-          </p:cNvSpPr>
-          <p:nvPr>
             <p:ph type="ctrTitle"/>
           </p:nvPr>
         </p:nvSpPr>
@@ -4737,230 +4951,6 @@
           <a:bodyPr/>
           <a:lstStyle/>
           <a:p/>
-        </p:txBody>
-      </p:sp>
-    </p:spTree>
-  </p:cSld>
-  <p:clrMapOvr>
-    <a:masterClrMapping/>
-  </p:clrMapOvr>
-</p:sld>
-</file>
-
-<file path=ppt/slides/slide28.xml><?xml version="1.0" encoding="utf-8"?>
-<p:sld xmlns:a="http://schemas.openxmlformats.org/drawingml/2006/main" xmlns:p="http://schemas.openxmlformats.org/presentationml/2006/main" xmlns:r="http://schemas.openxmlformats.org/officeDocument/2006/relationships">
-  <p:cSld>
-    <p:spTree>
-      <p:nvGrpSpPr>
-        <p:cNvPr id="1" name=""/>
-        <p:cNvGrpSpPr/>
-        <p:nvPr/>
-      </p:nvGrpSpPr>
-      <p:grpSpPr/>
-      <p:sp>
-        <p:nvSpPr>
-          <p:cNvPr id="2" name="Title 1"/>
-          <p:cNvSpPr>
-            <a:spLocks noGrp="1"/>
-          </p:cNvSpPr>
-          <p:nvPr>
-            <p:ph type="title"/>
-          </p:nvPr>
-        </p:nvSpPr>
-        <p:spPr/>
-        <p:txBody>
-          <a:bodyPr/>
-          <a:lstStyle/>
-          <a:p>
-            <a:pPr>
-              <a:defRPr b="1" sz="4200"/>
-            </a:pPr>
-            <a:r>
-              <a:t>7 - Estar Em Tuas Mãos - Comunidade</a:t>
-            </a:r>
-          </a:p>
-        </p:txBody>
-      </p:sp>
-      <p:sp>
-        <p:nvSpPr>
-          <p:cNvPr id="3" name="Content Placeholder 2"/>
-          <p:cNvSpPr>
-            <a:spLocks noGrp="1"/>
-          </p:cNvSpPr>
-          <p:nvPr>
-            <p:ph idx="1"/>
-          </p:nvPr>
-        </p:nvSpPr>
-        <p:spPr/>
-        <p:txBody>
-          <a:bodyPr/>
-          <a:lstStyle/>
-          <a:p>
-            <a:pPr algn="ctr">
-              <a:defRPr sz="3300">
-                <a:solidFill>
-                  <a:srgbClr val="000000"/>
-                </a:solidFill>
-              </a:defRPr>
-            </a:pPr>
-            <a:r>
-              <a:t>Mão na Terra e o coração além deste céu</a:t>
-            </a:r>
-          </a:p>
-          <a:p>
-            <a:pPr algn="ctr">
-              <a:defRPr sz="3300">
-                <a:solidFill>
-                  <a:srgbClr val="000000"/>
-                </a:solidFill>
-              </a:defRPr>
-            </a:pPr>
-            <a:r>
-              <a:t>E a semente que brota é um germe de eternidade</a:t>
-            </a:r>
-          </a:p>
-          <a:p>
-            <a:pPr algn="ctr">
-              <a:defRPr sz="3300">
-                <a:solidFill>
-                  <a:srgbClr val="000000"/>
-                </a:solidFill>
-              </a:defRPr>
-            </a:pPr>
-            <a:r>
-              <a:t>Vai brotando, crescendo, esperando</a:t>
-            </a:r>
-          </a:p>
-          <a:p>
-            <a:pPr algn="ctr">
-              <a:defRPr sz="3300">
-                <a:solidFill>
-                  <a:srgbClr val="000000"/>
-                </a:solidFill>
-              </a:defRPr>
-            </a:pPr>
-            <a:r>
-              <a:t>É a vida que vem despontar</a:t>
-            </a:r>
-          </a:p>
-          <a:p>
-            <a:pPr algn="ctr">
-              <a:defRPr sz="3300">
-                <a:solidFill>
-                  <a:srgbClr val="000000"/>
-                </a:solidFill>
-              </a:defRPr>
-            </a:pPr>
-            <a:r>
-              <a:t>E este trigo maduro, a colheita o recolherá</a:t>
-            </a:r>
-          </a:p>
-        </p:txBody>
-      </p:sp>
-    </p:spTree>
-  </p:cSld>
-  <p:clrMapOvr>
-    <a:masterClrMapping/>
-  </p:clrMapOvr>
-</p:sld>
-</file>
-
-<file path=ppt/slides/slide29.xml><?xml version="1.0" encoding="utf-8"?>
-<p:sld xmlns:a="http://schemas.openxmlformats.org/drawingml/2006/main" xmlns:p="http://schemas.openxmlformats.org/presentationml/2006/main" xmlns:r="http://schemas.openxmlformats.org/officeDocument/2006/relationships">
-  <p:cSld>
-    <p:spTree>
-      <p:nvGrpSpPr>
-        <p:cNvPr id="1" name=""/>
-        <p:cNvGrpSpPr/>
-        <p:nvPr/>
-      </p:nvGrpSpPr>
-      <p:grpSpPr/>
-      <p:sp>
-        <p:nvSpPr>
-          <p:cNvPr id="2" name="Title 1"/>
-          <p:cNvSpPr>
-            <a:spLocks noGrp="1"/>
-          </p:cNvSpPr>
-          <p:nvPr>
-            <p:ph type="title"/>
-          </p:nvPr>
-        </p:nvSpPr>
-        <p:spPr/>
-        <p:txBody>
-          <a:bodyPr/>
-          <a:lstStyle/>
-          <a:p>
-            <a:pPr>
-              <a:defRPr b="1" sz="4200"/>
-            </a:pPr>
-            <a:r>
-              <a:t>7 - Estar Em Tuas Mãos - Comunidade</a:t>
-            </a:r>
-          </a:p>
-        </p:txBody>
-      </p:sp>
-      <p:sp>
-        <p:nvSpPr>
-          <p:cNvPr id="3" name="Content Placeholder 2"/>
-          <p:cNvSpPr>
-            <a:spLocks noGrp="1"/>
-          </p:cNvSpPr>
-          <p:nvPr>
-            <p:ph idx="1"/>
-          </p:nvPr>
-        </p:nvSpPr>
-        <p:spPr/>
-        <p:txBody>
-          <a:bodyPr/>
-          <a:lstStyle/>
-          <a:p>
-            <a:pPr algn="ctr">
-              <a:defRPr sz="5200">
-                <a:solidFill>
-                  <a:srgbClr val="000000"/>
-                </a:solidFill>
-              </a:defRPr>
-            </a:pPr>
-            <a:r>
-              <a:t>Estar em Tuas mãos, ó Pai</a:t>
-            </a:r>
-          </a:p>
-          <a:p>
-            <a:pPr algn="ctr">
-              <a:defRPr sz="5200">
-                <a:solidFill>
-                  <a:srgbClr val="000000"/>
-                </a:solidFill>
-              </a:defRPr>
-            </a:pPr>
-            <a:r>
-              <a:t>E a vida ofertar</a:t>
-            </a:r>
-          </a:p>
-          <a:p>
-            <a:pPr algn="ctr">
-              <a:defRPr sz="5200">
-                <a:solidFill>
-                  <a:srgbClr val="000000"/>
-                </a:solidFill>
-              </a:defRPr>
-            </a:pPr>
-            <a:r>
-              <a:t>No pão e no vinho a Ti</a:t>
-            </a:r>
-          </a:p>
-          <a:p>
-            <a:pPr algn="ctr">
-              <a:defRPr sz="5200">
-                <a:solidFill>
-                  <a:srgbClr val="000000"/>
-                </a:solidFill>
-              </a:defRPr>
-            </a:pPr>
-            <a:r>
-              <a:t>E o céu se abrirá</a:t>
-            </a:r>
-          </a:p>
         </p:txBody>
       </p:sp>
     </p:spTree>
@@ -4988,58 +4978,6 @@
             <a:spLocks noGrp="1"/>
           </p:cNvSpPr>
           <p:nvPr>
-            <p:ph type="ctrTitle"/>
-          </p:nvPr>
-        </p:nvSpPr>
-        <p:spPr/>
-        <p:txBody>
-          <a:bodyPr/>
-          <a:lstStyle/>
-          <a:p/>
-        </p:txBody>
-      </p:sp>
-      <p:sp>
-        <p:nvSpPr>
-          <p:cNvPr id="3" name="Subtitle 2"/>
-          <p:cNvSpPr>
-            <a:spLocks noGrp="1"/>
-          </p:cNvSpPr>
-          <p:nvPr>
-            <p:ph type="subTitle" idx="1"/>
-          </p:nvPr>
-        </p:nvSpPr>
-        <p:spPr/>
-        <p:txBody>
-          <a:bodyPr/>
-          <a:lstStyle/>
-          <a:p/>
-        </p:txBody>
-      </p:sp>
-    </p:spTree>
-  </p:cSld>
-  <p:clrMapOvr>
-    <a:masterClrMapping/>
-  </p:clrMapOvr>
-</p:sld>
-</file>
-
-<file path=ppt/slides/slide30.xml><?xml version="1.0" encoding="utf-8"?>
-<p:sld xmlns:a="http://schemas.openxmlformats.org/drawingml/2006/main" xmlns:p="http://schemas.openxmlformats.org/presentationml/2006/main" xmlns:r="http://schemas.openxmlformats.org/officeDocument/2006/relationships">
-  <p:cSld>
-    <p:spTree>
-      <p:nvGrpSpPr>
-        <p:cNvPr id="1" name=""/>
-        <p:cNvGrpSpPr/>
-        <p:nvPr/>
-      </p:nvGrpSpPr>
-      <p:grpSpPr/>
-      <p:sp>
-        <p:nvSpPr>
-          <p:cNvPr id="2" name="Title 1"/>
-          <p:cNvSpPr>
-            <a:spLocks noGrp="1"/>
-          </p:cNvSpPr>
-          <p:nvPr>
             <p:ph type="title"/>
           </p:nvPr>
         </p:nvSpPr>
@@ -5052,7 +4990,7 @@
               <a:defRPr b="1" sz="4200"/>
             </a:pPr>
             <a:r>
-              <a:t>7 - Estar Em Tuas Mãos - Comunidade</a:t>
+              <a:t>1 - Sweet Child O' Mine - Guns N' Roses</a:t>
             </a:r>
           </a:p>
         </p:txBody>
@@ -5073,974 +5011,26 @@
           <a:lstStyle/>
           <a:p>
             <a:pPr algn="ctr">
-              <a:defRPr sz="4100">
-                <a:solidFill>
-                  <a:srgbClr val="000000"/>
-                </a:solidFill>
-              </a:defRPr>
-            </a:pPr>
-            <a:r>
-              <a:t>Estar em Tuas mãos, Senhor</a:t>
-            </a:r>
-          </a:p>
-          <a:p>
-            <a:pPr algn="ctr">
-              <a:defRPr sz="4100">
-                <a:solidFill>
-                  <a:srgbClr val="000000"/>
-                </a:solidFill>
-              </a:defRPr>
-            </a:pPr>
-            <a:r>
-              <a:t>E a vida entregar</a:t>
-            </a:r>
-          </a:p>
-          <a:p>
-            <a:pPr algn="ctr">
-              <a:defRPr sz="4100">
-                <a:solidFill>
-                  <a:srgbClr val="000000"/>
-                </a:solidFill>
-              </a:defRPr>
-            </a:pPr>
-            <a:r>
-              <a:t>A minha oblação em Ti</a:t>
-            </a:r>
-          </a:p>
-          <a:p>
-            <a:pPr algn="ctr">
-              <a:defRPr sz="4100">
-                <a:solidFill>
-                  <a:srgbClr val="000000"/>
-                </a:solidFill>
-              </a:defRPr>
-            </a:pPr>
-            <a:r>
-              <a:t>Se perderá, frutificará</a:t>
-            </a:r>
-          </a:p>
-          <a:p>
-            <a:pPr algn="ctr">
-              <a:defRPr sz="4100">
-                <a:solidFill>
-                  <a:srgbClr val="000000"/>
-                </a:solidFill>
-              </a:defRPr>
-            </a:pPr>
-            <a:r>
-              <a:t>Frutificará, frutificará, frutificará!</a:t>
-            </a:r>
-          </a:p>
-        </p:txBody>
-      </p:sp>
-    </p:spTree>
-  </p:cSld>
-  <p:clrMapOvr>
-    <a:masterClrMapping/>
-  </p:clrMapOvr>
-</p:sld>
-</file>
-
-<file path=ppt/slides/slide31.xml><?xml version="1.0" encoding="utf-8"?>
-<p:sld xmlns:a="http://schemas.openxmlformats.org/drawingml/2006/main" xmlns:p="http://schemas.openxmlformats.org/presentationml/2006/main" xmlns:r="http://schemas.openxmlformats.org/officeDocument/2006/relationships">
-  <p:cSld>
-    <p:spTree>
-      <p:nvGrpSpPr>
-        <p:cNvPr id="1" name=""/>
-        <p:cNvGrpSpPr/>
-        <p:nvPr/>
-      </p:nvGrpSpPr>
-      <p:grpSpPr/>
-      <p:sp>
-        <p:nvSpPr>
-          <p:cNvPr id="2" name="Title 1"/>
-          <p:cNvSpPr>
-            <a:spLocks noGrp="1"/>
-          </p:cNvSpPr>
-          <p:nvPr>
-            <p:ph type="title"/>
-          </p:nvPr>
-        </p:nvSpPr>
-        <p:spPr/>
-        <p:txBody>
-          <a:bodyPr/>
-          <a:lstStyle/>
-          <a:p>
-            <a:pPr>
-              <a:defRPr b="1" sz="4200"/>
-            </a:pPr>
-            <a:r>
-              <a:t>7 - Estar Em Tuas Mãos - Comunidade</a:t>
-            </a:r>
-          </a:p>
-        </p:txBody>
-      </p:sp>
-      <p:sp>
-        <p:nvSpPr>
-          <p:cNvPr id="3" name="Content Placeholder 2"/>
-          <p:cNvSpPr>
-            <a:spLocks noGrp="1"/>
-          </p:cNvSpPr>
-          <p:nvPr>
-            <p:ph idx="1"/>
-          </p:nvPr>
-        </p:nvSpPr>
-        <p:spPr/>
-        <p:txBody>
-          <a:bodyPr/>
-          <a:lstStyle/>
-          <a:p>
-            <a:pPr algn="ctr">
-              <a:defRPr sz="3400">
-                <a:solidFill>
-                  <a:srgbClr val="000000"/>
-                </a:solidFill>
-              </a:defRPr>
-            </a:pPr>
-            <a:r>
-              <a:t>Da videira a flor não restará, passará</a:t>
-            </a:r>
-          </a:p>
-          <a:p>
-            <a:pPr algn="ctr">
-              <a:defRPr sz="3400">
-                <a:solidFill>
-                  <a:srgbClr val="000000"/>
-                </a:solidFill>
-              </a:defRPr>
-            </a:pPr>
-            <a:r>
-              <a:t>E o fruto da terra surgirá, brotará</a:t>
-            </a:r>
-          </a:p>
-          <a:p>
-            <a:pPr algn="ctr">
-              <a:defRPr sz="3400">
-                <a:solidFill>
-                  <a:srgbClr val="000000"/>
-                </a:solidFill>
-              </a:defRPr>
-            </a:pPr>
-            <a:r>
-              <a:t>Pela força do vento, da chuva</a:t>
-            </a:r>
-          </a:p>
-          <a:p>
-            <a:pPr algn="ctr">
-              <a:defRPr sz="3400">
-                <a:solidFill>
-                  <a:srgbClr val="000000"/>
-                </a:solidFill>
-              </a:defRPr>
-            </a:pPr>
-            <a:r>
-              <a:t>E do Sol que traz vida e calor</a:t>
-            </a:r>
-          </a:p>
-          <a:p>
-            <a:pPr algn="ctr">
-              <a:defRPr sz="3400">
-                <a:solidFill>
-                  <a:srgbClr val="000000"/>
-                </a:solidFill>
-              </a:defRPr>
-            </a:pPr>
-            <a:r>
-              <a:t>Cada dia, crescendo e aprendendo a recomeçar</a:t>
-            </a:r>
-          </a:p>
-        </p:txBody>
-      </p:sp>
-    </p:spTree>
-  </p:cSld>
-  <p:clrMapOvr>
-    <a:masterClrMapping/>
-  </p:clrMapOvr>
-</p:sld>
-</file>
-
-<file path=ppt/slides/slide32.xml><?xml version="1.0" encoding="utf-8"?>
-<p:sld xmlns:a="http://schemas.openxmlformats.org/drawingml/2006/main" xmlns:p="http://schemas.openxmlformats.org/presentationml/2006/main" xmlns:r="http://schemas.openxmlformats.org/officeDocument/2006/relationships">
-  <p:cSld>
-    <p:spTree>
-      <p:nvGrpSpPr>
-        <p:cNvPr id="1" name=""/>
-        <p:cNvGrpSpPr/>
-        <p:nvPr/>
-      </p:nvGrpSpPr>
-      <p:grpSpPr/>
-      <p:sp>
-        <p:nvSpPr>
-          <p:cNvPr id="2" name="Title 1"/>
-          <p:cNvSpPr>
-            <a:spLocks noGrp="1"/>
-          </p:cNvSpPr>
-          <p:nvPr>
-            <p:ph type="title"/>
-          </p:nvPr>
-        </p:nvSpPr>
-        <p:spPr/>
-        <p:txBody>
-          <a:bodyPr/>
-          <a:lstStyle/>
-          <a:p>
-            <a:pPr>
-              <a:defRPr b="1" sz="4200"/>
-            </a:pPr>
-            <a:r>
-              <a:t>7 - Estar Em Tuas Mãos - Comunidade</a:t>
-            </a:r>
-          </a:p>
-        </p:txBody>
-      </p:sp>
-      <p:sp>
-        <p:nvSpPr>
-          <p:cNvPr id="3" name="Content Placeholder 2"/>
-          <p:cNvSpPr>
-            <a:spLocks noGrp="1"/>
-          </p:cNvSpPr>
-          <p:nvPr>
-            <p:ph idx="1"/>
-          </p:nvPr>
-        </p:nvSpPr>
-        <p:spPr/>
-        <p:txBody>
-          <a:bodyPr/>
-          <a:lstStyle/>
-          <a:p>
-            <a:pPr algn="ctr">
-              <a:defRPr sz="5200">
-                <a:solidFill>
-                  <a:srgbClr val="000000"/>
-                </a:solidFill>
-              </a:defRPr>
-            </a:pPr>
-            <a:r>
-              <a:t>Estar em Tuas mãos, ó Pai</a:t>
-            </a:r>
-          </a:p>
-          <a:p>
-            <a:pPr algn="ctr">
-              <a:defRPr sz="5200">
-                <a:solidFill>
-                  <a:srgbClr val="000000"/>
-                </a:solidFill>
-              </a:defRPr>
-            </a:pPr>
-            <a:r>
-              <a:t>E a vida ofertar</a:t>
-            </a:r>
-          </a:p>
-          <a:p>
-            <a:pPr algn="ctr">
-              <a:defRPr sz="5200">
-                <a:solidFill>
-                  <a:srgbClr val="000000"/>
-                </a:solidFill>
-              </a:defRPr>
-            </a:pPr>
-            <a:r>
-              <a:t>No pão e no vinho a Ti</a:t>
-            </a:r>
-          </a:p>
-          <a:p>
-            <a:pPr algn="ctr">
-              <a:defRPr sz="5200">
-                <a:solidFill>
-                  <a:srgbClr val="000000"/>
-                </a:solidFill>
-              </a:defRPr>
-            </a:pPr>
-            <a:r>
-              <a:t>E o céu se abrirá</a:t>
-            </a:r>
-          </a:p>
-        </p:txBody>
-      </p:sp>
-    </p:spTree>
-  </p:cSld>
-  <p:clrMapOvr>
-    <a:masterClrMapping/>
-  </p:clrMapOvr>
-</p:sld>
-</file>
-
-<file path=ppt/slides/slide33.xml><?xml version="1.0" encoding="utf-8"?>
-<p:sld xmlns:a="http://schemas.openxmlformats.org/drawingml/2006/main" xmlns:p="http://schemas.openxmlformats.org/presentationml/2006/main" xmlns:r="http://schemas.openxmlformats.org/officeDocument/2006/relationships">
-  <p:cSld>
-    <p:spTree>
-      <p:nvGrpSpPr>
-        <p:cNvPr id="1" name=""/>
-        <p:cNvGrpSpPr/>
-        <p:nvPr/>
-      </p:nvGrpSpPr>
-      <p:grpSpPr/>
-      <p:sp>
-        <p:nvSpPr>
-          <p:cNvPr id="2" name="Title 1"/>
-          <p:cNvSpPr>
-            <a:spLocks noGrp="1"/>
-          </p:cNvSpPr>
-          <p:nvPr>
-            <p:ph type="title"/>
-          </p:nvPr>
-        </p:nvSpPr>
-        <p:spPr/>
-        <p:txBody>
-          <a:bodyPr/>
-          <a:lstStyle/>
-          <a:p>
-            <a:pPr>
-              <a:defRPr b="1" sz="4200"/>
-            </a:pPr>
-            <a:r>
-              <a:t>7 - Estar Em Tuas Mãos - Comunidade</a:t>
-            </a:r>
-          </a:p>
-        </p:txBody>
-      </p:sp>
-      <p:sp>
-        <p:nvSpPr>
-          <p:cNvPr id="3" name="Content Placeholder 2"/>
-          <p:cNvSpPr>
-            <a:spLocks noGrp="1"/>
-          </p:cNvSpPr>
-          <p:nvPr>
-            <p:ph idx="1"/>
-          </p:nvPr>
-        </p:nvSpPr>
-        <p:spPr/>
-        <p:txBody>
-          <a:bodyPr/>
-          <a:lstStyle/>
-          <a:p>
-            <a:pPr algn="ctr">
-              <a:defRPr sz="5500">
-                <a:solidFill>
-                  <a:srgbClr val="000000"/>
-                </a:solidFill>
-              </a:defRPr>
-            </a:pPr>
-            <a:r>
-              <a:t>Estar em Tuas mãos, Senhor</a:t>
-            </a:r>
-          </a:p>
-          <a:p>
-            <a:pPr algn="ctr">
-              <a:defRPr sz="5500">
-                <a:solidFill>
-                  <a:srgbClr val="000000"/>
-                </a:solidFill>
-              </a:defRPr>
-            </a:pPr>
-            <a:r>
-              <a:t>E a vida entregar</a:t>
-            </a:r>
-          </a:p>
-          <a:p>
-            <a:pPr algn="ctr">
-              <a:defRPr sz="5500">
-                <a:solidFill>
-                  <a:srgbClr val="000000"/>
-                </a:solidFill>
-              </a:defRPr>
-            </a:pPr>
-            <a:r>
-              <a:t>A minha oblação em Ti</a:t>
-            </a:r>
-          </a:p>
-          <a:p>
-            <a:pPr algn="ctr">
-              <a:defRPr sz="5500">
-                <a:solidFill>
-                  <a:srgbClr val="000000"/>
-                </a:solidFill>
-              </a:defRPr>
-            </a:pPr>
-            <a:r>
-              <a:t>Se perderá</a:t>
-            </a:r>
-          </a:p>
-        </p:txBody>
-      </p:sp>
-    </p:spTree>
-  </p:cSld>
-  <p:clrMapOvr>
-    <a:masterClrMapping/>
-  </p:clrMapOvr>
-</p:sld>
-</file>
-
-<file path=ppt/slides/slide34.xml><?xml version="1.0" encoding="utf-8"?>
-<p:sld xmlns:a="http://schemas.openxmlformats.org/drawingml/2006/main" xmlns:p="http://schemas.openxmlformats.org/presentationml/2006/main" xmlns:r="http://schemas.openxmlformats.org/officeDocument/2006/relationships">
-  <p:cSld>
-    <p:spTree>
-      <p:nvGrpSpPr>
-        <p:cNvPr id="1" name=""/>
-        <p:cNvGrpSpPr/>
-        <p:nvPr/>
-      </p:nvGrpSpPr>
-      <p:grpSpPr/>
-      <p:sp>
-        <p:nvSpPr>
-          <p:cNvPr id="2" name="Title 1"/>
-          <p:cNvSpPr>
-            <a:spLocks noGrp="1"/>
-          </p:cNvSpPr>
-          <p:nvPr>
-            <p:ph type="title"/>
-          </p:nvPr>
-        </p:nvSpPr>
-        <p:spPr/>
-        <p:txBody>
-          <a:bodyPr/>
-          <a:lstStyle/>
-          <a:p>
-            <a:pPr>
-              <a:defRPr b="1" sz="4200"/>
-            </a:pPr>
-            <a:r>
-              <a:t>7 - Estar Em Tuas Mãos - Comunidade</a:t>
-            </a:r>
-          </a:p>
-        </p:txBody>
-      </p:sp>
-      <p:sp>
-        <p:nvSpPr>
-          <p:cNvPr id="3" name="Content Placeholder 2"/>
-          <p:cNvSpPr>
-            <a:spLocks noGrp="1"/>
-          </p:cNvSpPr>
-          <p:nvPr>
-            <p:ph idx="1"/>
-          </p:nvPr>
-        </p:nvSpPr>
-        <p:spPr/>
-        <p:txBody>
-          <a:bodyPr/>
-          <a:lstStyle/>
-          <a:p>
-            <a:pPr algn="ctr">
-              <a:defRPr sz="4700">
-                <a:solidFill>
-                  <a:srgbClr val="000000"/>
-                </a:solidFill>
-              </a:defRPr>
-            </a:pPr>
-            <a:r>
-              <a:t>Estar em Tuas mãos, ó Pai</a:t>
-            </a:r>
-          </a:p>
-          <a:p>
-            <a:pPr algn="ctr">
-              <a:defRPr sz="4700">
-                <a:solidFill>
-                  <a:srgbClr val="000000"/>
-                </a:solidFill>
-              </a:defRPr>
-            </a:pPr>
-            <a:r>
-              <a:t>E a vida ofertar (e a vida ofertar)</a:t>
-            </a:r>
-          </a:p>
-          <a:p>
-            <a:pPr algn="ctr">
-              <a:defRPr sz="4700">
-                <a:solidFill>
-                  <a:srgbClr val="000000"/>
-                </a:solidFill>
-              </a:defRPr>
-            </a:pPr>
-            <a:r>
-              <a:t>No pão e no vinho a Ti</a:t>
-            </a:r>
-          </a:p>
-          <a:p>
-            <a:pPr algn="ctr">
-              <a:defRPr sz="4700">
-                <a:solidFill>
-                  <a:srgbClr val="000000"/>
-                </a:solidFill>
-              </a:defRPr>
-            </a:pPr>
-            <a:r>
-              <a:t>E o céu se abrirá</a:t>
-            </a:r>
-          </a:p>
-        </p:txBody>
-      </p:sp>
-    </p:spTree>
-  </p:cSld>
-  <p:clrMapOvr>
-    <a:masterClrMapping/>
-  </p:clrMapOvr>
-</p:sld>
-</file>
-
-<file path=ppt/slides/slide35.xml><?xml version="1.0" encoding="utf-8"?>
-<p:sld xmlns:a="http://schemas.openxmlformats.org/drawingml/2006/main" xmlns:p="http://schemas.openxmlformats.org/presentationml/2006/main" xmlns:r="http://schemas.openxmlformats.org/officeDocument/2006/relationships">
-  <p:cSld>
-    <p:spTree>
-      <p:nvGrpSpPr>
-        <p:cNvPr id="1" name=""/>
-        <p:cNvGrpSpPr/>
-        <p:nvPr/>
-      </p:nvGrpSpPr>
-      <p:grpSpPr/>
-      <p:sp>
-        <p:nvSpPr>
-          <p:cNvPr id="2" name="Title 1"/>
-          <p:cNvSpPr>
-            <a:spLocks noGrp="1"/>
-          </p:cNvSpPr>
-          <p:nvPr>
-            <p:ph type="title"/>
-          </p:nvPr>
-        </p:nvSpPr>
-        <p:spPr/>
-        <p:txBody>
-          <a:bodyPr/>
-          <a:lstStyle/>
-          <a:p>
-            <a:pPr>
-              <a:defRPr b="1" sz="4200"/>
-            </a:pPr>
-            <a:r>
-              <a:t>7 - Estar Em Tuas Mãos - Comunidade</a:t>
-            </a:r>
-          </a:p>
-        </p:txBody>
-      </p:sp>
-      <p:sp>
-        <p:nvSpPr>
-          <p:cNvPr id="3" name="Content Placeholder 2"/>
-          <p:cNvSpPr>
-            <a:spLocks noGrp="1"/>
-          </p:cNvSpPr>
-          <p:nvPr>
-            <p:ph idx="1"/>
-          </p:nvPr>
-        </p:nvSpPr>
-        <p:spPr/>
-        <p:txBody>
-          <a:bodyPr/>
-          <a:lstStyle/>
-          <a:p>
-            <a:pPr algn="ctr">
-              <a:defRPr sz="3800">
-                <a:solidFill>
-                  <a:srgbClr val="000000"/>
-                </a:solidFill>
-              </a:defRPr>
-            </a:pPr>
-            <a:r>
-              <a:t>Estar em Tuas mãos, Senhor</a:t>
-            </a:r>
-          </a:p>
-          <a:p>
-            <a:pPr algn="ctr">
-              <a:defRPr sz="3800">
-                <a:solidFill>
-                  <a:srgbClr val="000000"/>
-                </a:solidFill>
-              </a:defRPr>
-            </a:pPr>
-            <a:r>
-              <a:t>E a vida entregar</a:t>
-            </a:r>
-          </a:p>
-          <a:p>
-            <a:pPr algn="ctr">
-              <a:defRPr sz="3800">
-                <a:solidFill>
-                  <a:srgbClr val="000000"/>
-                </a:solidFill>
-              </a:defRPr>
-            </a:pPr>
-            <a:r>
-              <a:t>A minha oblação em Ti (a minha oblação em Ti)</a:t>
-            </a:r>
-          </a:p>
-          <a:p>
-            <a:pPr algn="ctr">
-              <a:defRPr sz="3800">
-                <a:solidFill>
-                  <a:srgbClr val="000000"/>
-                </a:solidFill>
-              </a:defRPr>
-            </a:pPr>
-            <a:r>
-              <a:t>Se perderá, frutificará</a:t>
-            </a:r>
-          </a:p>
-          <a:p>
-            <a:pPr algn="ctr">
-              <a:defRPr sz="3800">
-                <a:solidFill>
-                  <a:srgbClr val="000000"/>
-                </a:solidFill>
-              </a:defRPr>
-            </a:pPr>
-            <a:r>
-              <a:t>Frutificará, frutificará, frutificará!</a:t>
-            </a:r>
-          </a:p>
-        </p:txBody>
-      </p:sp>
-    </p:spTree>
-  </p:cSld>
-  <p:clrMapOvr>
-    <a:masterClrMapping/>
-  </p:clrMapOvr>
-</p:sld>
-</file>
-
-<file path=ppt/slides/slide36.xml><?xml version="1.0" encoding="utf-8"?>
-<p:sld xmlns:a="http://schemas.openxmlformats.org/drawingml/2006/main" xmlns:p="http://schemas.openxmlformats.org/presentationml/2006/main" xmlns:r="http://schemas.openxmlformats.org/officeDocument/2006/relationships">
-  <p:cSld>
-    <p:spTree>
-      <p:nvGrpSpPr>
-        <p:cNvPr id="1" name=""/>
-        <p:cNvGrpSpPr/>
-        <p:nvPr/>
-      </p:nvGrpSpPr>
-      <p:grpSpPr/>
-      <p:sp>
-        <p:nvSpPr>
-          <p:cNvPr id="2" name="Title 1"/>
-          <p:cNvSpPr>
-            <a:spLocks noGrp="1"/>
-          </p:cNvSpPr>
-          <p:nvPr>
-            <p:ph type="ctrTitle"/>
-          </p:nvPr>
-        </p:nvSpPr>
-        <p:spPr/>
-        <p:txBody>
-          <a:bodyPr/>
-          <a:lstStyle/>
-          <a:p/>
-        </p:txBody>
-      </p:sp>
-      <p:sp>
-        <p:nvSpPr>
-          <p:cNvPr id="3" name="Subtitle 2"/>
-          <p:cNvSpPr>
-            <a:spLocks noGrp="1"/>
-          </p:cNvSpPr>
-          <p:nvPr>
-            <p:ph type="subTitle" idx="1"/>
-          </p:nvPr>
-        </p:nvSpPr>
-        <p:spPr/>
-        <p:txBody>
-          <a:bodyPr/>
-          <a:lstStyle/>
-          <a:p/>
-        </p:txBody>
-      </p:sp>
-    </p:spTree>
-  </p:cSld>
-  <p:clrMapOvr>
-    <a:masterClrMapping/>
-  </p:clrMapOvr>
-</p:sld>
-</file>
-
-<file path=ppt/slides/slide37.xml><?xml version="1.0" encoding="utf-8"?>
-<p:sld xmlns:a="http://schemas.openxmlformats.org/drawingml/2006/main" xmlns:p="http://schemas.openxmlformats.org/presentationml/2006/main" xmlns:r="http://schemas.openxmlformats.org/officeDocument/2006/relationships">
-  <p:cSld>
-    <p:spTree>
-      <p:nvGrpSpPr>
-        <p:cNvPr id="1" name=""/>
-        <p:cNvGrpSpPr/>
-        <p:nvPr/>
-      </p:nvGrpSpPr>
-      <p:grpSpPr/>
-      <p:sp>
-        <p:nvSpPr>
-          <p:cNvPr id="2" name="Title 1"/>
-          <p:cNvSpPr>
-            <a:spLocks noGrp="1"/>
-          </p:cNvSpPr>
-          <p:nvPr>
-            <p:ph type="title"/>
-          </p:nvPr>
-        </p:nvSpPr>
-        <p:spPr/>
-        <p:txBody>
-          <a:bodyPr/>
-          <a:lstStyle/>
-          <a:p>
-            <a:pPr>
-              <a:defRPr b="1" sz="4200"/>
-            </a:pPr>
-            <a:r>
-              <a:t>8 - Santo - Frei Gilson</a:t>
-            </a:r>
-          </a:p>
-        </p:txBody>
-      </p:sp>
-      <p:sp>
-        <p:nvSpPr>
-          <p:cNvPr id="3" name="Content Placeholder 2"/>
-          <p:cNvSpPr>
-            <a:spLocks noGrp="1"/>
-          </p:cNvSpPr>
-          <p:nvPr>
-            <p:ph idx="1"/>
-          </p:nvPr>
-        </p:nvSpPr>
-        <p:spPr/>
-        <p:txBody>
-          <a:bodyPr/>
-          <a:lstStyle/>
-          <a:p>
-            <a:pPr algn="ctr">
-              <a:defRPr sz="5700">
-                <a:solidFill>
-                  <a:srgbClr val="000000"/>
-                </a:solidFill>
-              </a:defRPr>
-            </a:pPr>
-            <a:r>
-              <a:t>Santo, santo, santo</a:t>
-            </a:r>
-          </a:p>
-          <a:p>
-            <a:pPr algn="ctr">
-              <a:defRPr sz="5700">
-                <a:solidFill>
-                  <a:srgbClr val="000000"/>
-                </a:solidFill>
-              </a:defRPr>
-            </a:pPr>
-            <a:r>
-              <a:t>Senhor Deus do universo</a:t>
-            </a:r>
-          </a:p>
-          <a:p>
-            <a:pPr algn="ctr">
-              <a:defRPr sz="5700">
-                <a:solidFill>
-                  <a:srgbClr val="000000"/>
-                </a:solidFill>
-              </a:defRPr>
-            </a:pPr>
-            <a:r>
-              <a:t>Senhor Deus do universo (x2)</a:t>
-            </a:r>
-          </a:p>
-        </p:txBody>
-      </p:sp>
-    </p:spTree>
-  </p:cSld>
-  <p:clrMapOvr>
-    <a:masterClrMapping/>
-  </p:clrMapOvr>
-</p:sld>
-</file>
-
-<file path=ppt/slides/slide38.xml><?xml version="1.0" encoding="utf-8"?>
-<p:sld xmlns:a="http://schemas.openxmlformats.org/drawingml/2006/main" xmlns:p="http://schemas.openxmlformats.org/presentationml/2006/main" xmlns:r="http://schemas.openxmlformats.org/officeDocument/2006/relationships">
-  <p:cSld>
-    <p:spTree>
-      <p:nvGrpSpPr>
-        <p:cNvPr id="1" name=""/>
-        <p:cNvGrpSpPr/>
-        <p:nvPr/>
-      </p:nvGrpSpPr>
-      <p:grpSpPr/>
-      <p:sp>
-        <p:nvSpPr>
-          <p:cNvPr id="2" name="Title 1"/>
-          <p:cNvSpPr>
-            <a:spLocks noGrp="1"/>
-          </p:cNvSpPr>
-          <p:nvPr>
-            <p:ph type="title"/>
-          </p:nvPr>
-        </p:nvSpPr>
-        <p:spPr/>
-        <p:txBody>
-          <a:bodyPr/>
-          <a:lstStyle/>
-          <a:p>
-            <a:pPr>
-              <a:defRPr b="1" sz="4200"/>
-            </a:pPr>
-            <a:r>
-              <a:t>8 - Santo - Frei Gilson</a:t>
-            </a:r>
-          </a:p>
-        </p:txBody>
-      </p:sp>
-      <p:sp>
-        <p:nvSpPr>
-          <p:cNvPr id="3" name="Content Placeholder 2"/>
-          <p:cNvSpPr>
-            <a:spLocks noGrp="1"/>
-          </p:cNvSpPr>
-          <p:nvPr>
-            <p:ph idx="1"/>
-          </p:nvPr>
-        </p:nvSpPr>
-        <p:spPr/>
-        <p:txBody>
-          <a:bodyPr/>
-          <a:lstStyle/>
-          <a:p>
-            <a:pPr algn="ctr">
-              <a:defRPr sz="4500">
-                <a:solidFill>
-                  <a:srgbClr val="000000"/>
-                </a:solidFill>
-              </a:defRPr>
-            </a:pPr>
-            <a:r>
-              <a:t>O céu e a terra proclamam vossa glória</a:t>
-            </a:r>
-          </a:p>
-          <a:p>
-            <a:pPr algn="ctr">
-              <a:defRPr sz="4500">
-                <a:solidFill>
-                  <a:srgbClr val="000000"/>
-                </a:solidFill>
-              </a:defRPr>
-            </a:pPr>
-            <a:r>
-              <a:t>Hosana nas alturas</a:t>
-            </a:r>
-          </a:p>
-          <a:p>
-            <a:pPr algn="ctr">
-              <a:defRPr sz="4500">
-                <a:solidFill>
-                  <a:srgbClr val="000000"/>
-                </a:solidFill>
-              </a:defRPr>
-            </a:pPr>
-            <a:r>
-              <a:t>Bendito o que vem em nome do Senhor</a:t>
-            </a:r>
-          </a:p>
-          <a:p>
-            <a:pPr algn="ctr">
-              <a:defRPr sz="4500">
-                <a:solidFill>
-                  <a:srgbClr val="000000"/>
-                </a:solidFill>
-              </a:defRPr>
-            </a:pPr>
-            <a:r>
-              <a:t>Hosana nas alturas</a:t>
-            </a:r>
-          </a:p>
-        </p:txBody>
-      </p:sp>
-    </p:spTree>
-  </p:cSld>
-  <p:clrMapOvr>
-    <a:masterClrMapping/>
-  </p:clrMapOvr>
-</p:sld>
-</file>
-
-<file path=ppt/slides/slide39.xml><?xml version="1.0" encoding="utf-8"?>
-<p:sld xmlns:a="http://schemas.openxmlformats.org/drawingml/2006/main" xmlns:p="http://schemas.openxmlformats.org/presentationml/2006/main" xmlns:r="http://schemas.openxmlformats.org/officeDocument/2006/relationships">
-  <p:cSld>
-    <p:spTree>
-      <p:nvGrpSpPr>
-        <p:cNvPr id="1" name=""/>
-        <p:cNvGrpSpPr/>
-        <p:nvPr/>
-      </p:nvGrpSpPr>
-      <p:grpSpPr/>
-      <p:sp>
-        <p:nvSpPr>
-          <p:cNvPr id="2" name="Title 1"/>
-          <p:cNvSpPr>
-            <a:spLocks noGrp="1"/>
-          </p:cNvSpPr>
-          <p:nvPr>
-            <p:ph type="title"/>
-          </p:nvPr>
-        </p:nvSpPr>
-        <p:spPr/>
-        <p:txBody>
-          <a:bodyPr/>
-          <a:lstStyle/>
-          <a:p>
-            <a:pPr>
-              <a:defRPr b="1" sz="4200"/>
-            </a:pPr>
-            <a:r>
-              <a:t>8 - Santo - Frei Gilson</a:t>
-            </a:r>
-          </a:p>
-        </p:txBody>
-      </p:sp>
-      <p:sp>
-        <p:nvSpPr>
-          <p:cNvPr id="3" name="Content Placeholder 2"/>
-          <p:cNvSpPr>
-            <a:spLocks noGrp="1"/>
-          </p:cNvSpPr>
-          <p:nvPr>
-            <p:ph idx="1"/>
-          </p:nvPr>
-        </p:nvSpPr>
-        <p:spPr/>
-        <p:txBody>
-          <a:bodyPr/>
-          <a:lstStyle/>
-          <a:p>
-            <a:pPr algn="ctr">
-              <a:defRPr sz="5400">
-                <a:solidFill>
-                  <a:srgbClr val="000000"/>
-                </a:solidFill>
-              </a:defRPr>
-            </a:pPr>
-            <a:r>
-              <a:t>Santo, santo, santo</a:t>
-            </a:r>
-          </a:p>
-          <a:p>
-            <a:pPr algn="ctr">
-              <a:defRPr sz="5400">
-                <a:solidFill>
-                  <a:srgbClr val="000000"/>
-                </a:solidFill>
-              </a:defRPr>
-            </a:pPr>
-            <a:r>
-              <a:t>Senhor Deus do universo</a:t>
-            </a:r>
-          </a:p>
-          <a:p>
-            <a:pPr algn="ctr">
-              <a:defRPr sz="5400">
-                <a:solidFill>
-                  <a:srgbClr val="000000"/>
-                </a:solidFill>
-              </a:defRPr>
-            </a:pPr>
-            <a:r>
-              <a:t>Senhor Deus do universo (x2)</a:t>
-            </a:r>
-          </a:p>
-          <a:p>
-            <a:pPr algn="ctr">
-              <a:defRPr sz="5400">
-                <a:solidFill>
-                  <a:srgbClr val="000000"/>
-                </a:solidFill>
-              </a:defRPr>
-            </a:pPr>
-            <a:r>
-              <a:t>Santo</a:t>
+              <a:defRPr sz="5900">
+                <a:solidFill>
+                  <a:srgbClr val="000000"/>
+                </a:solidFill>
+              </a:defRPr>
+            </a:pPr>
+            <a:r>
+              <a:t>Oh, oh, oh, sweet child of mine</a:t>
+            </a:r>
+          </a:p>
+          <a:p>
+            <a:pPr algn="ctr">
+              <a:defRPr sz="5900">
+                <a:solidFill>
+                  <a:srgbClr val="000000"/>
+                </a:solidFill>
+              </a:defRPr>
+            </a:pPr>
+            <a:r>
+              <a:t>Oh, oh, oh, oh, sweet love of mine</a:t>
             </a:r>
           </a:p>
         </p:txBody>
@@ -6082,7 +5072,7 @@
               <a:defRPr b="1" sz="4200"/>
             </a:pPr>
             <a:r>
-              <a:t>2 - Kyrie Eleison - JMJ RIO 2013</a:t>
+              <a:t>1 - Sweet Child O' Mine - Guns N' Roses</a:t>
             </a:r>
           </a:p>
         </p:txBody>
@@ -6103,1002 +5093,50 @@
           <a:lstStyle/>
           <a:p>
             <a:pPr algn="ctr">
-              <a:defRPr sz="6800">
-                <a:solidFill>
-                  <a:srgbClr val="000000"/>
-                </a:solidFill>
-              </a:defRPr>
-            </a:pPr>
-            <a:r>
-              <a:t>Senhor, que viestes salvar</a:t>
-            </a:r>
-          </a:p>
-          <a:p>
-            <a:pPr algn="ctr">
-              <a:defRPr sz="6800">
-                <a:solidFill>
-                  <a:srgbClr val="000000"/>
-                </a:solidFill>
-              </a:defRPr>
-            </a:pPr>
-            <a:r>
-              <a:t>Os corações arrependidos</a:t>
-            </a:r>
-          </a:p>
-        </p:txBody>
-      </p:sp>
-    </p:spTree>
-  </p:cSld>
-  <p:clrMapOvr>
-    <a:masterClrMapping/>
-  </p:clrMapOvr>
-</p:sld>
-</file>
-
-<file path=ppt/slides/slide40.xml><?xml version="1.0" encoding="utf-8"?>
-<p:sld xmlns:a="http://schemas.openxmlformats.org/drawingml/2006/main" xmlns:p="http://schemas.openxmlformats.org/presentationml/2006/main" xmlns:r="http://schemas.openxmlformats.org/officeDocument/2006/relationships">
-  <p:cSld>
-    <p:spTree>
-      <p:nvGrpSpPr>
-        <p:cNvPr id="1" name=""/>
-        <p:cNvGrpSpPr/>
-        <p:nvPr/>
-      </p:nvGrpSpPr>
-      <p:grpSpPr/>
-      <p:sp>
-        <p:nvSpPr>
-          <p:cNvPr id="2" name="Title 1"/>
-          <p:cNvSpPr>
-            <a:spLocks noGrp="1"/>
-          </p:cNvSpPr>
-          <p:nvPr>
-            <p:ph type="ctrTitle"/>
-          </p:nvPr>
-        </p:nvSpPr>
-        <p:spPr/>
-        <p:txBody>
-          <a:bodyPr/>
-          <a:lstStyle/>
-          <a:p/>
-        </p:txBody>
-      </p:sp>
-      <p:sp>
-        <p:nvSpPr>
-          <p:cNvPr id="3" name="Subtitle 2"/>
-          <p:cNvSpPr>
-            <a:spLocks noGrp="1"/>
-          </p:cNvSpPr>
-          <p:nvPr>
-            <p:ph type="subTitle" idx="1"/>
-          </p:nvPr>
-        </p:nvSpPr>
-        <p:spPr/>
-        <p:txBody>
-          <a:bodyPr/>
-          <a:lstStyle/>
-          <a:p/>
-        </p:txBody>
-      </p:sp>
-    </p:spTree>
-  </p:cSld>
-  <p:clrMapOvr>
-    <a:masterClrMapping/>
-  </p:clrMapOvr>
-</p:sld>
-</file>
-
-<file path=ppt/slides/slide41.xml><?xml version="1.0" encoding="utf-8"?>
-<p:sld xmlns:a="http://schemas.openxmlformats.org/drawingml/2006/main" xmlns:p="http://schemas.openxmlformats.org/presentationml/2006/main" xmlns:r="http://schemas.openxmlformats.org/officeDocument/2006/relationships">
-  <p:cSld>
-    <p:spTree>
-      <p:nvGrpSpPr>
-        <p:cNvPr id="1" name=""/>
-        <p:cNvGrpSpPr/>
-        <p:nvPr/>
-      </p:nvGrpSpPr>
-      <p:grpSpPr/>
-      <p:sp>
-        <p:nvSpPr>
-          <p:cNvPr id="2" name="Title 1"/>
-          <p:cNvSpPr>
-            <a:spLocks noGrp="1"/>
-          </p:cNvSpPr>
-          <p:nvPr>
-            <p:ph type="title"/>
-          </p:nvPr>
-        </p:nvSpPr>
-        <p:spPr/>
-        <p:txBody>
-          <a:bodyPr/>
-          <a:lstStyle/>
-          <a:p>
-            <a:pPr>
-              <a:defRPr b="1" sz="4200"/>
-            </a:pPr>
-            <a:r>
-              <a:t>9 - Cordeiro De Deus - Frei Gilson</a:t>
-            </a:r>
-          </a:p>
-        </p:txBody>
-      </p:sp>
-      <p:sp>
-        <p:nvSpPr>
-          <p:cNvPr id="3" name="Content Placeholder 2"/>
-          <p:cNvSpPr>
-            <a:spLocks noGrp="1"/>
-          </p:cNvSpPr>
-          <p:nvPr>
-            <p:ph idx="1"/>
-          </p:nvPr>
-        </p:nvSpPr>
-        <p:spPr/>
-        <p:txBody>
-          <a:bodyPr/>
-          <a:lstStyle/>
-          <a:p>
-            <a:pPr algn="ctr">
-              <a:defRPr sz="5300">
-                <a:solidFill>
-                  <a:srgbClr val="000000"/>
-                </a:solidFill>
-              </a:defRPr>
-            </a:pPr>
-            <a:r>
-              <a:t>Cordeiro de Deus</a:t>
-            </a:r>
-          </a:p>
-          <a:p>
-            <a:pPr algn="ctr">
-              <a:defRPr sz="5300">
-                <a:solidFill>
-                  <a:srgbClr val="000000"/>
-                </a:solidFill>
-              </a:defRPr>
-            </a:pPr>
-            <a:r>
-              <a:t>Que tirais o pecado do mundo</a:t>
-            </a:r>
-          </a:p>
-          <a:p>
-            <a:pPr algn="ctr">
-              <a:defRPr sz="5300">
-                <a:solidFill>
-                  <a:srgbClr val="000000"/>
-                </a:solidFill>
-              </a:defRPr>
-            </a:pPr>
-            <a:r>
-              <a:t>Tende piedade de nós</a:t>
-            </a:r>
-          </a:p>
-          <a:p>
-            <a:pPr algn="ctr">
-              <a:defRPr sz="5300">
-                <a:solidFill>
-                  <a:srgbClr val="000000"/>
-                </a:solidFill>
-              </a:defRPr>
-            </a:pPr>
-            <a:r>
-              <a:t>Tende piedade</a:t>
-            </a:r>
-          </a:p>
-        </p:txBody>
-      </p:sp>
-    </p:spTree>
-  </p:cSld>
-  <p:clrMapOvr>
-    <a:masterClrMapping/>
-  </p:clrMapOvr>
-</p:sld>
-</file>
-
-<file path=ppt/slides/slide42.xml><?xml version="1.0" encoding="utf-8"?>
-<p:sld xmlns:a="http://schemas.openxmlformats.org/drawingml/2006/main" xmlns:p="http://schemas.openxmlformats.org/presentationml/2006/main" xmlns:r="http://schemas.openxmlformats.org/officeDocument/2006/relationships">
-  <p:cSld>
-    <p:spTree>
-      <p:nvGrpSpPr>
-        <p:cNvPr id="1" name=""/>
-        <p:cNvGrpSpPr/>
-        <p:nvPr/>
-      </p:nvGrpSpPr>
-      <p:grpSpPr/>
-      <p:sp>
-        <p:nvSpPr>
-          <p:cNvPr id="2" name="Title 1"/>
-          <p:cNvSpPr>
-            <a:spLocks noGrp="1"/>
-          </p:cNvSpPr>
-          <p:nvPr>
-            <p:ph type="title"/>
-          </p:nvPr>
-        </p:nvSpPr>
-        <p:spPr/>
-        <p:txBody>
-          <a:bodyPr/>
-          <a:lstStyle/>
-          <a:p>
-            <a:pPr>
-              <a:defRPr b="1" sz="4200"/>
-            </a:pPr>
-            <a:r>
-              <a:t>9 - Cordeiro De Deus - Frei Gilson</a:t>
-            </a:r>
-          </a:p>
-        </p:txBody>
-      </p:sp>
-      <p:sp>
-        <p:nvSpPr>
-          <p:cNvPr id="3" name="Content Placeholder 2"/>
-          <p:cNvSpPr>
-            <a:spLocks noGrp="1"/>
-          </p:cNvSpPr>
-          <p:nvPr>
-            <p:ph idx="1"/>
-          </p:nvPr>
-        </p:nvSpPr>
-        <p:spPr/>
-        <p:txBody>
-          <a:bodyPr/>
-          <a:lstStyle/>
-          <a:p>
-            <a:pPr algn="ctr">
-              <a:defRPr sz="5300">
-                <a:solidFill>
-                  <a:srgbClr val="000000"/>
-                </a:solidFill>
-              </a:defRPr>
-            </a:pPr>
-            <a:r>
-              <a:t>Cordeiro de Deus</a:t>
-            </a:r>
-          </a:p>
-          <a:p>
-            <a:pPr algn="ctr">
-              <a:defRPr sz="5300">
-                <a:solidFill>
-                  <a:srgbClr val="000000"/>
-                </a:solidFill>
-              </a:defRPr>
-            </a:pPr>
-            <a:r>
-              <a:t>Que tirais o pecado do mundo</a:t>
-            </a:r>
-          </a:p>
-          <a:p>
-            <a:pPr algn="ctr">
-              <a:defRPr sz="5300">
-                <a:solidFill>
-                  <a:srgbClr val="000000"/>
-                </a:solidFill>
-              </a:defRPr>
-            </a:pPr>
-            <a:r>
-              <a:t>Tende piedade de nós</a:t>
-            </a:r>
-          </a:p>
-          <a:p>
-            <a:pPr algn="ctr">
-              <a:defRPr sz="5300">
-                <a:solidFill>
-                  <a:srgbClr val="000000"/>
-                </a:solidFill>
-              </a:defRPr>
-            </a:pPr>
-            <a:r>
-              <a:t>Tende piedade</a:t>
-            </a:r>
-          </a:p>
-        </p:txBody>
-      </p:sp>
-    </p:spTree>
-  </p:cSld>
-  <p:clrMapOvr>
-    <a:masterClrMapping/>
-  </p:clrMapOvr>
-</p:sld>
-</file>
-
-<file path=ppt/slides/slide43.xml><?xml version="1.0" encoding="utf-8"?>
-<p:sld xmlns:a="http://schemas.openxmlformats.org/drawingml/2006/main" xmlns:p="http://schemas.openxmlformats.org/presentationml/2006/main" xmlns:r="http://schemas.openxmlformats.org/officeDocument/2006/relationships">
-  <p:cSld>
-    <p:spTree>
-      <p:nvGrpSpPr>
-        <p:cNvPr id="1" name=""/>
-        <p:cNvGrpSpPr/>
-        <p:nvPr/>
-      </p:nvGrpSpPr>
-      <p:grpSpPr/>
-      <p:sp>
-        <p:nvSpPr>
-          <p:cNvPr id="2" name="Title 1"/>
-          <p:cNvSpPr>
-            <a:spLocks noGrp="1"/>
-          </p:cNvSpPr>
-          <p:nvPr>
-            <p:ph type="title"/>
-          </p:nvPr>
-        </p:nvSpPr>
-        <p:spPr/>
-        <p:txBody>
-          <a:bodyPr/>
-          <a:lstStyle/>
-          <a:p>
-            <a:pPr>
-              <a:defRPr b="1" sz="4200"/>
-            </a:pPr>
-            <a:r>
-              <a:t>9 - Cordeiro De Deus - Frei Gilson</a:t>
-            </a:r>
-          </a:p>
-        </p:txBody>
-      </p:sp>
-      <p:sp>
-        <p:nvSpPr>
-          <p:cNvPr id="3" name="Content Placeholder 2"/>
-          <p:cNvSpPr>
-            <a:spLocks noGrp="1"/>
-          </p:cNvSpPr>
-          <p:nvPr>
-            <p:ph idx="1"/>
-          </p:nvPr>
-        </p:nvSpPr>
-        <p:spPr/>
-        <p:txBody>
-          <a:bodyPr/>
-          <a:lstStyle/>
-          <a:p>
-            <a:pPr algn="ctr">
-              <a:defRPr sz="4900">
-                <a:solidFill>
-                  <a:srgbClr val="000000"/>
-                </a:solidFill>
-              </a:defRPr>
-            </a:pPr>
-            <a:r>
-              <a:t>Cordeiro de Deus</a:t>
-            </a:r>
-          </a:p>
-          <a:p>
-            <a:pPr algn="ctr">
-              <a:defRPr sz="4900">
-                <a:solidFill>
-                  <a:srgbClr val="000000"/>
-                </a:solidFill>
-              </a:defRPr>
-            </a:pPr>
-            <a:r>
-              <a:t>Que tirais o pecado do mundo</a:t>
-            </a:r>
-          </a:p>
-          <a:p>
-            <a:pPr algn="ctr">
-              <a:defRPr sz="4900">
-                <a:solidFill>
-                  <a:srgbClr val="000000"/>
-                </a:solidFill>
-              </a:defRPr>
-            </a:pPr>
-            <a:r>
-              <a:t>Dai-nos vossa paz Senhor</a:t>
-            </a:r>
-          </a:p>
-          <a:p>
-            <a:pPr algn="ctr">
-              <a:defRPr sz="4900">
-                <a:solidFill>
-                  <a:srgbClr val="000000"/>
-                </a:solidFill>
-              </a:defRPr>
-            </a:pPr>
-            <a:r>
-              <a:t>Dai-nos vossa paz Senhor</a:t>
-            </a:r>
-          </a:p>
-        </p:txBody>
-      </p:sp>
-    </p:spTree>
-  </p:cSld>
-  <p:clrMapOvr>
-    <a:masterClrMapping/>
-  </p:clrMapOvr>
-</p:sld>
-</file>
-
-<file path=ppt/slides/slide44.xml><?xml version="1.0" encoding="utf-8"?>
-<p:sld xmlns:a="http://schemas.openxmlformats.org/drawingml/2006/main" xmlns:p="http://schemas.openxmlformats.org/presentationml/2006/main" xmlns:r="http://schemas.openxmlformats.org/officeDocument/2006/relationships">
-  <p:cSld>
-    <p:spTree>
-      <p:nvGrpSpPr>
-        <p:cNvPr id="1" name=""/>
-        <p:cNvGrpSpPr/>
-        <p:nvPr/>
-      </p:nvGrpSpPr>
-      <p:grpSpPr/>
-      <p:sp>
-        <p:nvSpPr>
-          <p:cNvPr id="2" name="Title 1"/>
-          <p:cNvSpPr>
-            <a:spLocks noGrp="1"/>
-          </p:cNvSpPr>
-          <p:nvPr>
-            <p:ph type="ctrTitle"/>
-          </p:nvPr>
-        </p:nvSpPr>
-        <p:spPr/>
-        <p:txBody>
-          <a:bodyPr/>
-          <a:lstStyle/>
-          <a:p/>
-        </p:txBody>
-      </p:sp>
-      <p:sp>
-        <p:nvSpPr>
-          <p:cNvPr id="3" name="Subtitle 2"/>
-          <p:cNvSpPr>
-            <a:spLocks noGrp="1"/>
-          </p:cNvSpPr>
-          <p:nvPr>
-            <p:ph type="subTitle" idx="1"/>
-          </p:nvPr>
-        </p:nvSpPr>
-        <p:spPr/>
-        <p:txBody>
-          <a:bodyPr/>
-          <a:lstStyle/>
-          <a:p/>
-        </p:txBody>
-      </p:sp>
-    </p:spTree>
-  </p:cSld>
-  <p:clrMapOvr>
-    <a:masterClrMapping/>
-  </p:clrMapOvr>
-</p:sld>
-</file>
-
-<file path=ppt/slides/slide45.xml><?xml version="1.0" encoding="utf-8"?>
-<p:sld xmlns:a="http://schemas.openxmlformats.org/drawingml/2006/main" xmlns:p="http://schemas.openxmlformats.org/presentationml/2006/main" xmlns:r="http://schemas.openxmlformats.org/officeDocument/2006/relationships">
-  <p:cSld>
-    <p:spTree>
-      <p:nvGrpSpPr>
-        <p:cNvPr id="1" name=""/>
-        <p:cNvGrpSpPr/>
-        <p:nvPr/>
-      </p:nvGrpSpPr>
-      <p:grpSpPr/>
-      <p:sp>
-        <p:nvSpPr>
-          <p:cNvPr id="2" name="Title 1"/>
-          <p:cNvSpPr>
-            <a:spLocks noGrp="1"/>
-          </p:cNvSpPr>
-          <p:nvPr>
-            <p:ph type="title"/>
-          </p:nvPr>
-        </p:nvSpPr>
-        <p:spPr/>
-        <p:txBody>
-          <a:bodyPr/>
-          <a:lstStyle/>
-          <a:p>
-            <a:pPr>
-              <a:defRPr b="1" sz="4200"/>
-            </a:pPr>
-            <a:r>
-              <a:t>10 - Tu Nos Atraíste - Comunidade Católica Shalom</a:t>
-            </a:r>
-          </a:p>
-        </p:txBody>
-      </p:sp>
-      <p:sp>
-        <p:nvSpPr>
-          <p:cNvPr id="3" name="Content Placeholder 2"/>
-          <p:cNvSpPr>
-            <a:spLocks noGrp="1"/>
-          </p:cNvSpPr>
-          <p:nvPr>
-            <p:ph idx="1"/>
-          </p:nvPr>
-        </p:nvSpPr>
-        <p:spPr/>
-        <p:txBody>
-          <a:bodyPr/>
-          <a:lstStyle/>
-          <a:p>
-            <a:pPr algn="ctr">
-              <a:defRPr sz="3700">
-                <a:solidFill>
-                  <a:srgbClr val="000000"/>
-                </a:solidFill>
-              </a:defRPr>
-            </a:pPr>
-            <a:r>
-              <a:t>Cada vez que comemos deste pão</a:t>
-            </a:r>
-          </a:p>
-          <a:p>
-            <a:pPr algn="ctr">
-              <a:defRPr sz="3700">
-                <a:solidFill>
-                  <a:srgbClr val="000000"/>
-                </a:solidFill>
-              </a:defRPr>
-            </a:pPr>
-            <a:r>
-              <a:t>O teu corpo nos renova nesta comunhão!</a:t>
-            </a:r>
-          </a:p>
-          <a:p>
-            <a:pPr algn="ctr">
-              <a:defRPr sz="3700">
-                <a:solidFill>
-                  <a:srgbClr val="000000"/>
-                </a:solidFill>
-              </a:defRPr>
-            </a:pPr>
-            <a:r>
-              <a:t>Cada vez que bebemos deste vinho</a:t>
-            </a:r>
-          </a:p>
-          <a:p>
-            <a:pPr algn="ctr">
-              <a:defRPr sz="3700">
-                <a:solidFill>
-                  <a:srgbClr val="000000"/>
-                </a:solidFill>
-              </a:defRPr>
-            </a:pPr>
-            <a:r>
-              <a:t>O teu sangue nos transforma nesta comunhão de amor!</a:t>
-            </a:r>
-          </a:p>
-        </p:txBody>
-      </p:sp>
-    </p:spTree>
-  </p:cSld>
-  <p:clrMapOvr>
-    <a:masterClrMapping/>
-  </p:clrMapOvr>
-</p:sld>
-</file>
-
-<file path=ppt/slides/slide46.xml><?xml version="1.0" encoding="utf-8"?>
-<p:sld xmlns:a="http://schemas.openxmlformats.org/drawingml/2006/main" xmlns:p="http://schemas.openxmlformats.org/presentationml/2006/main" xmlns:r="http://schemas.openxmlformats.org/officeDocument/2006/relationships">
-  <p:cSld>
-    <p:spTree>
-      <p:nvGrpSpPr>
-        <p:cNvPr id="1" name=""/>
-        <p:cNvGrpSpPr/>
-        <p:nvPr/>
-      </p:nvGrpSpPr>
-      <p:grpSpPr/>
-      <p:sp>
-        <p:nvSpPr>
-          <p:cNvPr id="2" name="Title 1"/>
-          <p:cNvSpPr>
-            <a:spLocks noGrp="1"/>
-          </p:cNvSpPr>
-          <p:nvPr>
-            <p:ph type="title"/>
-          </p:nvPr>
-        </p:nvSpPr>
-        <p:spPr/>
-        <p:txBody>
-          <a:bodyPr/>
-          <a:lstStyle/>
-          <a:p>
-            <a:pPr>
-              <a:defRPr b="1" sz="4200"/>
-            </a:pPr>
-            <a:r>
-              <a:t>10 - Tu Nos Atraíste - Comunidade Católica Shalom</a:t>
-            </a:r>
-          </a:p>
-        </p:txBody>
-      </p:sp>
-      <p:sp>
-        <p:nvSpPr>
-          <p:cNvPr id="3" name="Content Placeholder 2"/>
-          <p:cNvSpPr>
-            <a:spLocks noGrp="1"/>
-          </p:cNvSpPr>
-          <p:nvPr>
-            <p:ph idx="1"/>
-          </p:nvPr>
-        </p:nvSpPr>
-        <p:spPr/>
-        <p:txBody>
-          <a:bodyPr/>
-          <a:lstStyle/>
-          <a:p>
-            <a:pPr algn="ctr">
-              <a:defRPr sz="3800">
-                <a:solidFill>
-                  <a:srgbClr val="000000"/>
-                </a:solidFill>
-              </a:defRPr>
-            </a:pPr>
-            <a:r>
-              <a:t>Quem come deste pão</a:t>
-            </a:r>
-          </a:p>
-          <a:p>
-            <a:pPr algn="ctr">
-              <a:defRPr sz="3800">
-                <a:solidFill>
-                  <a:srgbClr val="000000"/>
-                </a:solidFill>
-              </a:defRPr>
-            </a:pPr>
-            <a:r>
-              <a:t>Viverá para sempre!</a:t>
-            </a:r>
-          </a:p>
-          <a:p>
-            <a:pPr algn="ctr">
-              <a:defRPr sz="3800">
-                <a:solidFill>
-                  <a:srgbClr val="000000"/>
-                </a:solidFill>
-              </a:defRPr>
-            </a:pPr>
-            <a:r>
-              <a:t>Só Tu tens palavras de vida, vida eterna!</a:t>
-            </a:r>
-          </a:p>
-          <a:p>
-            <a:pPr algn="ctr">
-              <a:defRPr sz="3800">
-                <a:solidFill>
-                  <a:srgbClr val="000000"/>
-                </a:solidFill>
-              </a:defRPr>
-            </a:pPr>
-            <a:r>
-              <a:t>Para onde ir, longe de Ti?</a:t>
-            </a:r>
-          </a:p>
-          <a:p>
-            <a:pPr algn="ctr">
-              <a:defRPr sz="3800">
-                <a:solidFill>
-                  <a:srgbClr val="000000"/>
-                </a:solidFill>
-              </a:defRPr>
-            </a:pPr>
-            <a:r>
-              <a:t>Tu nos atraíste, oh Senhor! Eis nos aqui!</a:t>
-            </a:r>
-          </a:p>
-        </p:txBody>
-      </p:sp>
-    </p:spTree>
-  </p:cSld>
-  <p:clrMapOvr>
-    <a:masterClrMapping/>
-  </p:clrMapOvr>
-</p:sld>
-</file>
-
-<file path=ppt/slides/slide47.xml><?xml version="1.0" encoding="utf-8"?>
-<p:sld xmlns:a="http://schemas.openxmlformats.org/drawingml/2006/main" xmlns:p="http://schemas.openxmlformats.org/presentationml/2006/main" xmlns:r="http://schemas.openxmlformats.org/officeDocument/2006/relationships">
-  <p:cSld>
-    <p:spTree>
-      <p:nvGrpSpPr>
-        <p:cNvPr id="1" name=""/>
-        <p:cNvGrpSpPr/>
-        <p:nvPr/>
-      </p:nvGrpSpPr>
-      <p:grpSpPr/>
-      <p:sp>
-        <p:nvSpPr>
-          <p:cNvPr id="2" name="Title 1"/>
-          <p:cNvSpPr>
-            <a:spLocks noGrp="1"/>
-          </p:cNvSpPr>
-          <p:nvPr>
-            <p:ph type="title"/>
-          </p:nvPr>
-        </p:nvSpPr>
-        <p:spPr/>
-        <p:txBody>
-          <a:bodyPr/>
-          <a:lstStyle/>
-          <a:p>
-            <a:pPr>
-              <a:defRPr b="1" sz="4200"/>
-            </a:pPr>
-            <a:r>
-              <a:t>10 - Tu Nos Atraíste - Comunidade Católica Shalom</a:t>
-            </a:r>
-          </a:p>
-        </p:txBody>
-      </p:sp>
-      <p:sp>
-        <p:nvSpPr>
-          <p:cNvPr id="3" name="Content Placeholder 2"/>
-          <p:cNvSpPr>
-            <a:spLocks noGrp="1"/>
-          </p:cNvSpPr>
-          <p:nvPr>
-            <p:ph idx="1"/>
-          </p:nvPr>
-        </p:nvSpPr>
-        <p:spPr/>
-        <p:txBody>
-          <a:bodyPr/>
-          <a:lstStyle/>
-          <a:p>
-            <a:pPr algn="ctr">
-              <a:defRPr sz="3700">
-                <a:solidFill>
-                  <a:srgbClr val="000000"/>
-                </a:solidFill>
-              </a:defRPr>
-            </a:pPr>
-            <a:r>
-              <a:t>Cada vez que comemos deste pão</a:t>
-            </a:r>
-          </a:p>
-          <a:p>
-            <a:pPr algn="ctr">
-              <a:defRPr sz="3700">
-                <a:solidFill>
-                  <a:srgbClr val="000000"/>
-                </a:solidFill>
-              </a:defRPr>
-            </a:pPr>
-            <a:r>
-              <a:t>O teu corpo nos renova nesta comunhão!</a:t>
-            </a:r>
-          </a:p>
-          <a:p>
-            <a:pPr algn="ctr">
-              <a:defRPr sz="3700">
-                <a:solidFill>
-                  <a:srgbClr val="000000"/>
-                </a:solidFill>
-              </a:defRPr>
-            </a:pPr>
-            <a:r>
-              <a:t>Cada vez que bebemos deste vinho</a:t>
-            </a:r>
-          </a:p>
-          <a:p>
-            <a:pPr algn="ctr">
-              <a:defRPr sz="3700">
-                <a:solidFill>
-                  <a:srgbClr val="000000"/>
-                </a:solidFill>
-              </a:defRPr>
-            </a:pPr>
-            <a:r>
-              <a:t>O teu sangue nos transforma nesta comunhão de amor!</a:t>
-            </a:r>
-          </a:p>
-        </p:txBody>
-      </p:sp>
-    </p:spTree>
-  </p:cSld>
-  <p:clrMapOvr>
-    <a:masterClrMapping/>
-  </p:clrMapOvr>
-</p:sld>
-</file>
-
-<file path=ppt/slides/slide48.xml><?xml version="1.0" encoding="utf-8"?>
-<p:sld xmlns:a="http://schemas.openxmlformats.org/drawingml/2006/main" xmlns:p="http://schemas.openxmlformats.org/presentationml/2006/main" xmlns:r="http://schemas.openxmlformats.org/officeDocument/2006/relationships">
-  <p:cSld>
-    <p:spTree>
-      <p:nvGrpSpPr>
-        <p:cNvPr id="1" name=""/>
-        <p:cNvGrpSpPr/>
-        <p:nvPr/>
-      </p:nvGrpSpPr>
-      <p:grpSpPr/>
-      <p:sp>
-        <p:nvSpPr>
-          <p:cNvPr id="2" name="Title 1"/>
-          <p:cNvSpPr>
-            <a:spLocks noGrp="1"/>
-          </p:cNvSpPr>
-          <p:nvPr>
-            <p:ph type="title"/>
-          </p:nvPr>
-        </p:nvSpPr>
-        <p:spPr/>
-        <p:txBody>
-          <a:bodyPr/>
-          <a:lstStyle/>
-          <a:p>
-            <a:pPr>
-              <a:defRPr b="1" sz="4200"/>
-            </a:pPr>
-            <a:r>
-              <a:t>10 - Tu Nos Atraíste - Comunidade Católica Shalom</a:t>
-            </a:r>
-          </a:p>
-        </p:txBody>
-      </p:sp>
-      <p:sp>
-        <p:nvSpPr>
-          <p:cNvPr id="3" name="Content Placeholder 2"/>
-          <p:cNvSpPr>
-            <a:spLocks noGrp="1"/>
-          </p:cNvSpPr>
-          <p:nvPr>
-            <p:ph idx="1"/>
-          </p:nvPr>
-        </p:nvSpPr>
-        <p:spPr/>
-        <p:txBody>
-          <a:bodyPr/>
-          <a:lstStyle/>
-          <a:p>
-            <a:pPr algn="ctr">
-              <a:defRPr sz="3800">
-                <a:solidFill>
-                  <a:srgbClr val="000000"/>
-                </a:solidFill>
-              </a:defRPr>
-            </a:pPr>
-            <a:r>
-              <a:t>Deus entre nós, holocausto de amor</a:t>
-            </a:r>
-          </a:p>
-          <a:p>
-            <a:pPr algn="ctr">
-              <a:defRPr sz="3800">
-                <a:solidFill>
-                  <a:srgbClr val="000000"/>
-                </a:solidFill>
-              </a:defRPr>
-            </a:pPr>
-            <a:r>
-              <a:t>Eterna e nova aliança</a:t>
-            </a:r>
-          </a:p>
-          <a:p>
-            <a:pPr algn="ctr">
-              <a:defRPr sz="3800">
-                <a:solidFill>
-                  <a:srgbClr val="000000"/>
-                </a:solidFill>
-              </a:defRPr>
-            </a:pPr>
-            <a:r>
-              <a:t>Em Teu Sangue elevado na cruz</a:t>
-            </a:r>
-          </a:p>
-          <a:p>
-            <a:pPr algn="ctr">
-              <a:defRPr sz="3800">
-                <a:solidFill>
-                  <a:srgbClr val="000000"/>
-                </a:solidFill>
-              </a:defRPr>
-            </a:pPr>
-            <a:r>
-              <a:t>Cordeiro de Deus</a:t>
-            </a:r>
-          </a:p>
-          <a:p>
-            <a:pPr algn="ctr">
-              <a:defRPr sz="3800">
-                <a:solidFill>
-                  <a:srgbClr val="000000"/>
-                </a:solidFill>
-              </a:defRPr>
-            </a:pPr>
-            <a:r>
-              <a:t>Tu nos atraíste, oh Senhor! Nós somos teus!</a:t>
-            </a:r>
-          </a:p>
-        </p:txBody>
-      </p:sp>
-    </p:spTree>
-  </p:cSld>
-  <p:clrMapOvr>
-    <a:masterClrMapping/>
-  </p:clrMapOvr>
-</p:sld>
-</file>
-
-<file path=ppt/slides/slide49.xml><?xml version="1.0" encoding="utf-8"?>
-<p:sld xmlns:a="http://schemas.openxmlformats.org/drawingml/2006/main" xmlns:p="http://schemas.openxmlformats.org/presentationml/2006/main" xmlns:r="http://schemas.openxmlformats.org/officeDocument/2006/relationships">
-  <p:cSld>
-    <p:spTree>
-      <p:nvGrpSpPr>
-        <p:cNvPr id="1" name=""/>
-        <p:cNvGrpSpPr/>
-        <p:nvPr/>
-      </p:nvGrpSpPr>
-      <p:grpSpPr/>
-      <p:sp>
-        <p:nvSpPr>
-          <p:cNvPr id="2" name="Title 1"/>
-          <p:cNvSpPr>
-            <a:spLocks noGrp="1"/>
-          </p:cNvSpPr>
-          <p:nvPr>
-            <p:ph type="title"/>
-          </p:nvPr>
-        </p:nvSpPr>
-        <p:spPr/>
-        <p:txBody>
-          <a:bodyPr/>
-          <a:lstStyle/>
-          <a:p>
-            <a:pPr>
-              <a:defRPr b="1" sz="4200"/>
-            </a:pPr>
-            <a:r>
-              <a:t>10 - Tu Nos Atraíste - Comunidade Católica Shalom</a:t>
-            </a:r>
-          </a:p>
-        </p:txBody>
-      </p:sp>
-      <p:sp>
-        <p:nvSpPr>
-          <p:cNvPr id="3" name="Content Placeholder 2"/>
-          <p:cNvSpPr>
-            <a:spLocks noGrp="1"/>
-          </p:cNvSpPr>
-          <p:nvPr>
-            <p:ph idx="1"/>
-          </p:nvPr>
-        </p:nvSpPr>
-        <p:spPr/>
-        <p:txBody>
-          <a:bodyPr/>
-          <a:lstStyle/>
-          <a:p>
-            <a:pPr algn="ctr">
-              <a:defRPr sz="3700">
-                <a:solidFill>
-                  <a:srgbClr val="000000"/>
-                </a:solidFill>
-              </a:defRPr>
-            </a:pPr>
-            <a:r>
-              <a:t>Cada vez que comemos deste pão</a:t>
-            </a:r>
-          </a:p>
-          <a:p>
-            <a:pPr algn="ctr">
-              <a:defRPr sz="3700">
-                <a:solidFill>
-                  <a:srgbClr val="000000"/>
-                </a:solidFill>
-              </a:defRPr>
-            </a:pPr>
-            <a:r>
-              <a:t>O teu corpo nos renova nesta comunhão!</a:t>
-            </a:r>
-          </a:p>
-          <a:p>
-            <a:pPr algn="ctr">
-              <a:defRPr sz="3700">
-                <a:solidFill>
-                  <a:srgbClr val="000000"/>
-                </a:solidFill>
-              </a:defRPr>
-            </a:pPr>
-            <a:r>
-              <a:t>Cada vez que bebemos deste vinho</a:t>
-            </a:r>
-          </a:p>
-          <a:p>
-            <a:pPr algn="ctr">
-              <a:defRPr sz="3700">
-                <a:solidFill>
-                  <a:srgbClr val="000000"/>
-                </a:solidFill>
-              </a:defRPr>
-            </a:pPr>
-            <a:r>
-              <a:t>O teu sangue nos transforma nesta comunhão de amor!</a:t>
+              <a:defRPr sz="4300">
+                <a:solidFill>
+                  <a:srgbClr val="000000"/>
+                </a:solidFill>
+              </a:defRPr>
+            </a:pPr>
+            <a:r>
+              <a:t>She's got eyes of the bluest skies</a:t>
+            </a:r>
+          </a:p>
+          <a:p>
+            <a:pPr algn="ctr">
+              <a:defRPr sz="4300">
+                <a:solidFill>
+                  <a:srgbClr val="000000"/>
+                </a:solidFill>
+              </a:defRPr>
+            </a:pPr>
+            <a:r>
+              <a:t>As if they thought of rain</a:t>
+            </a:r>
+          </a:p>
+          <a:p>
+            <a:pPr algn="ctr">
+              <a:defRPr sz="4300">
+                <a:solidFill>
+                  <a:srgbClr val="000000"/>
+                </a:solidFill>
+              </a:defRPr>
+            </a:pPr>
+            <a:r>
+              <a:t>I hate to look into those eyes</a:t>
+            </a:r>
+          </a:p>
+          <a:p>
+            <a:pPr algn="ctr">
+              <a:defRPr sz="4300">
+                <a:solidFill>
+                  <a:srgbClr val="000000"/>
+                </a:solidFill>
+              </a:defRPr>
+            </a:pPr>
+            <a:r>
+              <a:t>And see an ounce of pain</a:t>
             </a:r>
           </a:p>
         </p:txBody>
@@ -7140,7 +5178,7 @@
               <a:defRPr b="1" sz="4200"/>
             </a:pPr>
             <a:r>
-              <a:t>2 - Kyrie Eleison - JMJ RIO 2013</a:t>
+              <a:t>1 - Sweet Child O' Mine - Guns N' Roses</a:t>
             </a:r>
           </a:p>
         </p:txBody>
@@ -7161,504 +5199,52 @@
           <a:lstStyle/>
           <a:p>
             <a:pPr algn="ctr">
-              <a:defRPr sz="6100">
-                <a:solidFill>
-                  <a:srgbClr val="000000"/>
-                </a:solidFill>
-              </a:defRPr>
-            </a:pPr>
-            <a:r>
-              <a:t>Kyrie eleison, eleison, eleison</a:t>
-            </a:r>
-          </a:p>
-          <a:p>
-            <a:pPr algn="ctr">
-              <a:defRPr sz="6100">
-                <a:solidFill>
-                  <a:srgbClr val="000000"/>
-                </a:solidFill>
-              </a:defRPr>
-            </a:pPr>
-            <a:r>
-              <a:t>Kyrie eleison, eleison, eleison</a:t>
-            </a:r>
-          </a:p>
-        </p:txBody>
-      </p:sp>
-    </p:spTree>
-  </p:cSld>
-  <p:clrMapOvr>
-    <a:masterClrMapping/>
-  </p:clrMapOvr>
-</p:sld>
-</file>
-
-<file path=ppt/slides/slide50.xml><?xml version="1.0" encoding="utf-8"?>
-<p:sld xmlns:a="http://schemas.openxmlformats.org/drawingml/2006/main" xmlns:p="http://schemas.openxmlformats.org/presentationml/2006/main" xmlns:r="http://schemas.openxmlformats.org/officeDocument/2006/relationships">
-  <p:cSld>
-    <p:spTree>
-      <p:nvGrpSpPr>
-        <p:cNvPr id="1" name=""/>
-        <p:cNvGrpSpPr/>
-        <p:nvPr/>
-      </p:nvGrpSpPr>
-      <p:grpSpPr/>
-      <p:sp>
-        <p:nvSpPr>
-          <p:cNvPr id="2" name="Title 1"/>
-          <p:cNvSpPr>
-            <a:spLocks noGrp="1"/>
-          </p:cNvSpPr>
-          <p:nvPr>
-            <p:ph type="title"/>
-          </p:nvPr>
-        </p:nvSpPr>
-        <p:spPr/>
-        <p:txBody>
-          <a:bodyPr/>
-          <a:lstStyle/>
-          <a:p>
-            <a:pPr>
-              <a:defRPr b="1" sz="4200"/>
-            </a:pPr>
-            <a:r>
-              <a:t>10 - Tu Nos Atraíste - Comunidade Católica Shalom</a:t>
-            </a:r>
-          </a:p>
-        </p:txBody>
-      </p:sp>
-      <p:sp>
-        <p:nvSpPr>
-          <p:cNvPr id="3" name="Content Placeholder 2"/>
-          <p:cNvSpPr>
-            <a:spLocks noGrp="1"/>
-          </p:cNvSpPr>
-          <p:nvPr>
-            <p:ph idx="1"/>
-          </p:nvPr>
-        </p:nvSpPr>
-        <p:spPr/>
-        <p:txBody>
-          <a:bodyPr/>
-          <a:lstStyle/>
-          <a:p>
-            <a:pPr algn="ctr">
-              <a:defRPr sz="3800">
-                <a:solidFill>
-                  <a:srgbClr val="000000"/>
-                </a:solidFill>
-              </a:defRPr>
-            </a:pPr>
-            <a:r>
-              <a:t>Vimos-te, Senhor, tua glória refulgir</a:t>
-            </a:r>
-          </a:p>
-          <a:p>
-            <a:pPr algn="ctr">
-              <a:defRPr sz="3800">
-                <a:solidFill>
-                  <a:srgbClr val="000000"/>
-                </a:solidFill>
-              </a:defRPr>
-            </a:pPr>
-            <a:r>
-              <a:t>Em Teu lado aberto encontramos plena paz</a:t>
-            </a:r>
-          </a:p>
-          <a:p>
-            <a:pPr algn="ctr">
-              <a:defRPr sz="3800">
-                <a:solidFill>
-                  <a:srgbClr val="000000"/>
-                </a:solidFill>
-              </a:defRPr>
-            </a:pPr>
-            <a:r>
-              <a:t>Em Teu Corpo santo somos recriados</a:t>
-            </a:r>
-          </a:p>
-          <a:p>
-            <a:pPr algn="ctr">
-              <a:defRPr sz="3800">
-                <a:solidFill>
-                  <a:srgbClr val="000000"/>
-                </a:solidFill>
-              </a:defRPr>
-            </a:pPr>
-            <a:r>
-              <a:t>Tu nos atraíste, oh Senhor! Vivo estás!</a:t>
-            </a:r>
-          </a:p>
-        </p:txBody>
-      </p:sp>
-    </p:spTree>
-  </p:cSld>
-  <p:clrMapOvr>
-    <a:masterClrMapping/>
-  </p:clrMapOvr>
-</p:sld>
-</file>
-
-<file path=ppt/slides/slide51.xml><?xml version="1.0" encoding="utf-8"?>
-<p:sld xmlns:a="http://schemas.openxmlformats.org/drawingml/2006/main" xmlns:p="http://schemas.openxmlformats.org/presentationml/2006/main" xmlns:r="http://schemas.openxmlformats.org/officeDocument/2006/relationships">
-  <p:cSld>
-    <p:spTree>
-      <p:nvGrpSpPr>
-        <p:cNvPr id="1" name=""/>
-        <p:cNvGrpSpPr/>
-        <p:nvPr/>
-      </p:nvGrpSpPr>
-      <p:grpSpPr/>
-      <p:sp>
-        <p:nvSpPr>
-          <p:cNvPr id="2" name="Title 1"/>
-          <p:cNvSpPr>
-            <a:spLocks noGrp="1"/>
-          </p:cNvSpPr>
-          <p:nvPr>
-            <p:ph type="title"/>
-          </p:nvPr>
-        </p:nvSpPr>
-        <p:spPr/>
-        <p:txBody>
-          <a:bodyPr/>
-          <a:lstStyle/>
-          <a:p>
-            <a:pPr>
-              <a:defRPr b="1" sz="4200"/>
-            </a:pPr>
-            <a:r>
-              <a:t>10 - Tu Nos Atraíste - Comunidade Católica Shalom</a:t>
-            </a:r>
-          </a:p>
-        </p:txBody>
-      </p:sp>
-      <p:sp>
-        <p:nvSpPr>
-          <p:cNvPr id="3" name="Content Placeholder 2"/>
-          <p:cNvSpPr>
-            <a:spLocks noGrp="1"/>
-          </p:cNvSpPr>
-          <p:nvPr>
-            <p:ph idx="1"/>
-          </p:nvPr>
-        </p:nvSpPr>
-        <p:spPr/>
-        <p:txBody>
-          <a:bodyPr/>
-          <a:lstStyle/>
-          <a:p>
-            <a:pPr algn="ctr">
-              <a:defRPr sz="3700">
-                <a:solidFill>
-                  <a:srgbClr val="000000"/>
-                </a:solidFill>
-              </a:defRPr>
-            </a:pPr>
-            <a:r>
-              <a:t>Cada vez que comemos deste pão</a:t>
-            </a:r>
-          </a:p>
-          <a:p>
-            <a:pPr algn="ctr">
-              <a:defRPr sz="3700">
-                <a:solidFill>
-                  <a:srgbClr val="000000"/>
-                </a:solidFill>
-              </a:defRPr>
-            </a:pPr>
-            <a:r>
-              <a:t>O teu corpo nos renova nesta comunhão!</a:t>
-            </a:r>
-          </a:p>
-          <a:p>
-            <a:pPr algn="ctr">
-              <a:defRPr sz="3700">
-                <a:solidFill>
-                  <a:srgbClr val="000000"/>
-                </a:solidFill>
-              </a:defRPr>
-            </a:pPr>
-            <a:r>
-              <a:t>Cada vez que bebemos deste vinho</a:t>
-            </a:r>
-          </a:p>
-          <a:p>
-            <a:pPr algn="ctr">
-              <a:defRPr sz="3700">
-                <a:solidFill>
-                  <a:srgbClr val="000000"/>
-                </a:solidFill>
-              </a:defRPr>
-            </a:pPr>
-            <a:r>
-              <a:t>O teu sangue nos transforma nesta comunhão de amor!</a:t>
-            </a:r>
-          </a:p>
-        </p:txBody>
-      </p:sp>
-    </p:spTree>
-  </p:cSld>
-  <p:clrMapOvr>
-    <a:masterClrMapping/>
-  </p:clrMapOvr>
-</p:sld>
-</file>
-
-<file path=ppt/slides/slide52.xml><?xml version="1.0" encoding="utf-8"?>
-<p:sld xmlns:a="http://schemas.openxmlformats.org/drawingml/2006/main" xmlns:p="http://schemas.openxmlformats.org/presentationml/2006/main" xmlns:r="http://schemas.openxmlformats.org/officeDocument/2006/relationships">
-  <p:cSld>
-    <p:spTree>
-      <p:nvGrpSpPr>
-        <p:cNvPr id="1" name=""/>
-        <p:cNvGrpSpPr/>
-        <p:nvPr/>
-      </p:nvGrpSpPr>
-      <p:grpSpPr/>
-      <p:sp>
-        <p:nvSpPr>
-          <p:cNvPr id="2" name="Title 1"/>
-          <p:cNvSpPr>
-            <a:spLocks noGrp="1"/>
-          </p:cNvSpPr>
-          <p:nvPr>
-            <p:ph type="title"/>
-          </p:nvPr>
-        </p:nvSpPr>
-        <p:spPr/>
-        <p:txBody>
-          <a:bodyPr/>
-          <a:lstStyle/>
-          <a:p>
-            <a:pPr>
-              <a:defRPr b="1" sz="4200"/>
-            </a:pPr>
-            <a:r>
-              <a:t>10 - Tu Nos Atraíste - Comunidade Católica Shalom</a:t>
-            </a:r>
-          </a:p>
-        </p:txBody>
-      </p:sp>
-      <p:sp>
-        <p:nvSpPr>
-          <p:cNvPr id="3" name="Content Placeholder 2"/>
-          <p:cNvSpPr>
-            <a:spLocks noGrp="1"/>
-          </p:cNvSpPr>
-          <p:nvPr>
-            <p:ph idx="1"/>
-          </p:nvPr>
-        </p:nvSpPr>
-        <p:spPr/>
-        <p:txBody>
-          <a:bodyPr/>
-          <a:lstStyle/>
-          <a:p>
-            <a:pPr algn="ctr">
-              <a:defRPr sz="3800">
-                <a:solidFill>
-                  <a:srgbClr val="000000"/>
-                </a:solidFill>
-              </a:defRPr>
-            </a:pPr>
-            <a:r>
-              <a:t>A Igreja, tua esposa, te espera com ardor</a:t>
-            </a:r>
-          </a:p>
-          <a:p>
-            <a:pPr algn="ctr">
-              <a:defRPr sz="3800">
-                <a:solidFill>
-                  <a:srgbClr val="000000"/>
-                </a:solidFill>
-              </a:defRPr>
-            </a:pPr>
-            <a:r>
-              <a:t>Alimento de eternidade o Teu Corpo</a:t>
-            </a:r>
-          </a:p>
-          <a:p>
-            <a:pPr algn="ctr">
-              <a:defRPr sz="3800">
-                <a:solidFill>
-                  <a:srgbClr val="000000"/>
-                </a:solidFill>
-              </a:defRPr>
-            </a:pPr>
-            <a:r>
-              <a:t>Nesta comunhão, banquete do céu</a:t>
-            </a:r>
-          </a:p>
-          <a:p>
-            <a:pPr algn="ctr">
-              <a:defRPr sz="3800">
-                <a:solidFill>
-                  <a:srgbClr val="000000"/>
-                </a:solidFill>
-              </a:defRPr>
-            </a:pPr>
-            <a:r>
-              <a:t>Tu nos atraíste, oh Senhor! Eterno bem!</a:t>
-            </a:r>
-          </a:p>
-        </p:txBody>
-      </p:sp>
-    </p:spTree>
-  </p:cSld>
-  <p:clrMapOvr>
-    <a:masterClrMapping/>
-  </p:clrMapOvr>
-</p:sld>
-</file>
-
-<file path=ppt/slides/slide53.xml><?xml version="1.0" encoding="utf-8"?>
-<p:sld xmlns:a="http://schemas.openxmlformats.org/drawingml/2006/main" xmlns:p="http://schemas.openxmlformats.org/presentationml/2006/main" xmlns:r="http://schemas.openxmlformats.org/officeDocument/2006/relationships">
-  <p:cSld>
-    <p:spTree>
-      <p:nvGrpSpPr>
-        <p:cNvPr id="1" name=""/>
-        <p:cNvGrpSpPr/>
-        <p:nvPr/>
-      </p:nvGrpSpPr>
-      <p:grpSpPr/>
-      <p:sp>
-        <p:nvSpPr>
-          <p:cNvPr id="2" name="Title 1"/>
-          <p:cNvSpPr>
-            <a:spLocks noGrp="1"/>
-          </p:cNvSpPr>
-          <p:nvPr>
-            <p:ph type="title"/>
-          </p:nvPr>
-        </p:nvSpPr>
-        <p:spPr/>
-        <p:txBody>
-          <a:bodyPr/>
-          <a:lstStyle/>
-          <a:p>
-            <a:pPr>
-              <a:defRPr b="1" sz="4200"/>
-            </a:pPr>
-            <a:r>
-              <a:t>10 - Tu Nos Atraíste - Comunidade Católica Shalom</a:t>
-            </a:r>
-          </a:p>
-        </p:txBody>
-      </p:sp>
-      <p:sp>
-        <p:nvSpPr>
-          <p:cNvPr id="3" name="Content Placeholder 2"/>
-          <p:cNvSpPr>
-            <a:spLocks noGrp="1"/>
-          </p:cNvSpPr>
-          <p:nvPr>
-            <p:ph idx="1"/>
-          </p:nvPr>
-        </p:nvSpPr>
-        <p:spPr/>
-        <p:txBody>
-          <a:bodyPr/>
-          <a:lstStyle/>
-          <a:p>
-            <a:pPr algn="ctr">
-              <a:defRPr sz="3700">
-                <a:solidFill>
-                  <a:srgbClr val="000000"/>
-                </a:solidFill>
-              </a:defRPr>
-            </a:pPr>
-            <a:r>
-              <a:t>Cada vez que comemos deste pão</a:t>
-            </a:r>
-          </a:p>
-          <a:p>
-            <a:pPr algn="ctr">
-              <a:defRPr sz="3700">
-                <a:solidFill>
-                  <a:srgbClr val="000000"/>
-                </a:solidFill>
-              </a:defRPr>
-            </a:pPr>
-            <a:r>
-              <a:t>O teu corpo nos renova nesta comunhão!</a:t>
-            </a:r>
-          </a:p>
-          <a:p>
-            <a:pPr algn="ctr">
-              <a:defRPr sz="3700">
-                <a:solidFill>
-                  <a:srgbClr val="000000"/>
-                </a:solidFill>
-              </a:defRPr>
-            </a:pPr>
-            <a:r>
-              <a:t>Cada vez que bebemos deste vinho</a:t>
-            </a:r>
-          </a:p>
-          <a:p>
-            <a:pPr algn="ctr">
-              <a:defRPr sz="3700">
-                <a:solidFill>
-                  <a:srgbClr val="000000"/>
-                </a:solidFill>
-              </a:defRPr>
-            </a:pPr>
-            <a:r>
-              <a:t>O teu sangue nos transforma nesta comunhão de amor!</a:t>
-            </a:r>
-          </a:p>
-        </p:txBody>
-      </p:sp>
-    </p:spTree>
-  </p:cSld>
-  <p:clrMapOvr>
-    <a:masterClrMapping/>
-  </p:clrMapOvr>
-</p:sld>
-</file>
-
-<file path=ppt/slides/slide54.xml><?xml version="1.0" encoding="utf-8"?>
-<p:sld xmlns:a="http://schemas.openxmlformats.org/drawingml/2006/main" xmlns:p="http://schemas.openxmlformats.org/presentationml/2006/main" xmlns:r="http://schemas.openxmlformats.org/officeDocument/2006/relationships">
-  <p:cSld>
-    <p:spTree>
-      <p:nvGrpSpPr>
-        <p:cNvPr id="1" name=""/>
-        <p:cNvGrpSpPr/>
-        <p:nvPr/>
-      </p:nvGrpSpPr>
-      <p:grpSpPr/>
-      <p:sp>
-        <p:nvSpPr>
-          <p:cNvPr id="2" name="Title 1"/>
-          <p:cNvSpPr>
-            <a:spLocks noGrp="1"/>
-          </p:cNvSpPr>
-          <p:nvPr>
-            <p:ph type="ctrTitle"/>
-          </p:nvPr>
-        </p:nvSpPr>
-        <p:spPr/>
-        <p:txBody>
-          <a:bodyPr/>
-          <a:lstStyle/>
-          <a:p/>
-        </p:txBody>
-      </p:sp>
-      <p:sp>
-        <p:nvSpPr>
-          <p:cNvPr id="3" name="Subtitle 2"/>
-          <p:cNvSpPr>
-            <a:spLocks noGrp="1"/>
-          </p:cNvSpPr>
-          <p:nvPr>
-            <p:ph type="subTitle" idx="1"/>
-          </p:nvPr>
-        </p:nvSpPr>
-        <p:spPr/>
-        <p:txBody>
-          <a:bodyPr/>
-          <a:lstStyle/>
-          <a:p/>
+              <a:defRPr sz="4100">
+                <a:solidFill>
+                  <a:srgbClr val="000000"/>
+                </a:solidFill>
+              </a:defRPr>
+            </a:pPr>
+            <a:r>
+              <a:t>Her hair reminds me of a warm safe place</a:t>
+            </a:r>
+          </a:p>
+          <a:p>
+            <a:pPr algn="ctr">
+              <a:defRPr sz="4100">
+                <a:solidFill>
+                  <a:srgbClr val="000000"/>
+                </a:solidFill>
+              </a:defRPr>
+            </a:pPr>
+            <a:r>
+              <a:t>Where, as a child, I'd hide</a:t>
+            </a:r>
+          </a:p>
+          <a:p>
+            <a:pPr algn="ctr">
+              <a:defRPr sz="4100">
+                <a:solidFill>
+                  <a:srgbClr val="000000"/>
+                </a:solidFill>
+              </a:defRPr>
+            </a:pPr>
+            <a:r>
+              <a:t>And pray for the thunder and the rain</a:t>
+            </a:r>
+          </a:p>
+          <a:p>
+            <a:pPr algn="ctr">
+              <a:defRPr sz="4100">
+                <a:solidFill>
+                  <a:srgbClr val="000000"/>
+                </a:solidFill>
+              </a:defRPr>
+            </a:pPr>
+            <a:r>
+              <a:t>To quietly pass me by</a:t>
+            </a:r>
+          </a:p>
         </p:txBody>
       </p:sp>
     </p:spTree>
@@ -7698,7 +5284,7 @@
               <a:defRPr b="1" sz="4200"/>
             </a:pPr>
             <a:r>
-              <a:t>2 - Kyrie Eleison - JMJ RIO 2013</a:t>
+              <a:t>1 - Sweet Child O' Mine - Guns N' Roses</a:t>
             </a:r>
           </a:p>
         </p:txBody>
@@ -7719,26 +5305,62 @@
           <a:lstStyle/>
           <a:p>
             <a:pPr algn="ctr">
-              <a:defRPr sz="6700">
-                <a:solidFill>
-                  <a:srgbClr val="000000"/>
-                </a:solidFill>
-              </a:defRPr>
-            </a:pPr>
-            <a:r>
-              <a:t>Ó, Cristo, que viestes chamar</a:t>
-            </a:r>
-          </a:p>
-          <a:p>
-            <a:pPr algn="ctr">
-              <a:defRPr sz="6700">
-                <a:solidFill>
-                  <a:srgbClr val="000000"/>
-                </a:solidFill>
-              </a:defRPr>
-            </a:pPr>
-            <a:r>
-              <a:t>Os pecadores humilhados</a:t>
+              <a:defRPr sz="3900">
+                <a:solidFill>
+                  <a:srgbClr val="000000"/>
+                </a:solidFill>
+              </a:defRPr>
+            </a:pPr>
+            <a:r>
+              <a:t>Oh, oh, oh, sweet child of mine</a:t>
+            </a:r>
+          </a:p>
+          <a:p>
+            <a:pPr algn="ctr">
+              <a:defRPr sz="3900">
+                <a:solidFill>
+                  <a:srgbClr val="000000"/>
+                </a:solidFill>
+              </a:defRPr>
+            </a:pPr>
+            <a:r>
+              <a:t>Oh, oh, oh, oh, sweet love of mine</a:t>
+            </a:r>
+          </a:p>
+          <a:p>
+            <a:pPr algn="ctr">
+              <a:defRPr sz="3900">
+                <a:solidFill>
+                  <a:srgbClr val="000000"/>
+                </a:solidFill>
+              </a:defRPr>
+            </a:pPr>
+            <a:r>
+              <a:t>Oh, oh, oh, oh, sweet child of mine</a:t>
+            </a:r>
+          </a:p>
+          <a:p>
+            <a:pPr algn="ctr">
+              <a:defRPr sz="3900">
+                <a:solidFill>
+                  <a:srgbClr val="000000"/>
+                </a:solidFill>
+              </a:defRPr>
+            </a:pPr>
+            <a:r>
+              <a:t>Ooh, yeah, yeah</a:t>
+            </a:r>
+          </a:p>
+          <a:p>
+            <a:pPr algn="ctr">
+              <a:defRPr sz="3900">
+                <a:solidFill>
+                  <a:srgbClr val="000000"/>
+                </a:solidFill>
+              </a:defRPr>
+            </a:pPr>
+            <a:r>
+              <a:t>Ooh! Sweet love of mine</a:t>
             </a:r>
           </a:p>
         </p:txBody>
@@ -7780,7 +5402,7 @@
               <a:defRPr b="1" sz="4200"/>
             </a:pPr>
             <a:r>
-              <a:t>2 - Kyrie Eleison - JMJ RIO 2013</a:t>
+              <a:t>1 - Sweet Child O' Mine - Guns N' Roses</a:t>
             </a:r>
           </a:p>
         </p:txBody>
@@ -7801,26 +5423,38 @@
           <a:lstStyle/>
           <a:p>
             <a:pPr algn="ctr">
-              <a:defRPr sz="5900">
-                <a:solidFill>
-                  <a:srgbClr val="000000"/>
-                </a:solidFill>
-              </a:defRPr>
-            </a:pPr>
-            <a:r>
-              <a:t>Christe eleison, eleison, eleison</a:t>
-            </a:r>
-          </a:p>
-          <a:p>
-            <a:pPr algn="ctr">
-              <a:defRPr sz="5900">
-                <a:solidFill>
-                  <a:srgbClr val="000000"/>
-                </a:solidFill>
-              </a:defRPr>
-            </a:pPr>
-            <a:r>
-              <a:t>Christe eleison, eleison, eleison</a:t>
+              <a:defRPr sz="6800">
+                <a:solidFill>
+                  <a:srgbClr val="000000"/>
+                </a:solidFill>
+              </a:defRPr>
+            </a:pPr>
+            <a:r>
+              <a:t>Where do we go?</a:t>
+            </a:r>
+          </a:p>
+          <a:p>
+            <a:pPr algn="ctr">
+              <a:defRPr sz="6800">
+                <a:solidFill>
+                  <a:srgbClr val="000000"/>
+                </a:solidFill>
+              </a:defRPr>
+            </a:pPr>
+            <a:r>
+              <a:t>Where do we go now?</a:t>
+            </a:r>
+          </a:p>
+          <a:p>
+            <a:pPr algn="ctr">
+              <a:defRPr sz="6800">
+                <a:solidFill>
+                  <a:srgbClr val="000000"/>
+                </a:solidFill>
+              </a:defRPr>
+            </a:pPr>
+            <a:r>
+              <a:t>Where do we go?</a:t>
             </a:r>
           </a:p>
         </p:txBody>
@@ -7862,7 +5496,7 @@
               <a:defRPr b="1" sz="4200"/>
             </a:pPr>
             <a:r>
-              <a:t>2 - Kyrie Eleison - JMJ RIO 2013</a:t>
+              <a:t>1 - Sweet Child O' Mine - Guns N' Roses</a:t>
             </a:r>
           </a:p>
         </p:txBody>
@@ -7883,26 +5517,38 @@
           <a:lstStyle/>
           <a:p>
             <a:pPr algn="ctr">
-              <a:defRPr sz="6100">
-                <a:solidFill>
-                  <a:srgbClr val="000000"/>
-                </a:solidFill>
-              </a:defRPr>
-            </a:pPr>
-            <a:r>
-              <a:t>Senhor, que intercedeis por nós</a:t>
-            </a:r>
-          </a:p>
-          <a:p>
-            <a:pPr algn="ctr">
-              <a:defRPr sz="6100">
-                <a:solidFill>
-                  <a:srgbClr val="000000"/>
-                </a:solidFill>
-              </a:defRPr>
-            </a:pPr>
-            <a:r>
-              <a:t>Junto a Deus Pai que nos perdoa</a:t>
+              <a:defRPr sz="6500">
+                <a:solidFill>
+                  <a:srgbClr val="000000"/>
+                </a:solidFill>
+              </a:defRPr>
+            </a:pPr>
+            <a:r>
+              <a:t>Where do we go?</a:t>
+            </a:r>
+          </a:p>
+          <a:p>
+            <a:pPr algn="ctr">
+              <a:defRPr sz="6500">
+                <a:solidFill>
+                  <a:srgbClr val="000000"/>
+                </a:solidFill>
+              </a:defRPr>
+            </a:pPr>
+            <a:r>
+              <a:t>Where do we go now?</a:t>
+            </a:r>
+          </a:p>
+          <a:p>
+            <a:pPr algn="ctr">
+              <a:defRPr sz="6500">
+                <a:solidFill>
+                  <a:srgbClr val="000000"/>
+                </a:solidFill>
+              </a:defRPr>
+            </a:pPr>
+            <a:r>
+              <a:t>Where do we go now?</a:t>
             </a:r>
           </a:p>
         </p:txBody>
@@ -7944,7 +5590,7 @@
               <a:defRPr b="1" sz="4200"/>
             </a:pPr>
             <a:r>
-              <a:t>2 - Kyrie Eleison - JMJ RIO 2013</a:t>
+              <a:t>1 - Sweet Child O' Mine - Guns N' Roses</a:t>
             </a:r>
           </a:p>
         </p:txBody>
@@ -7965,26 +5611,50 @@
           <a:lstStyle/>
           <a:p>
             <a:pPr algn="ctr">
-              <a:defRPr sz="4800">
-                <a:solidFill>
-                  <a:srgbClr val="000000"/>
-                </a:solidFill>
-              </a:defRPr>
-            </a:pPr>
-            <a:r>
-              <a:t>Kyrie eleison (eleison), eleison, eleison (eleison)</a:t>
-            </a:r>
-          </a:p>
-          <a:p>
-            <a:pPr algn="ctr">
-              <a:defRPr sz="4800">
-                <a:solidFill>
-                  <a:srgbClr val="000000"/>
-                </a:solidFill>
-              </a:defRPr>
-            </a:pPr>
-            <a:r>
-              <a:t>Kyrie eleison, eleison, eleison (eleison), ooh</a:t>
+              <a:defRPr sz="5900">
+                <a:solidFill>
+                  <a:srgbClr val="000000"/>
+                </a:solidFill>
+              </a:defRPr>
+            </a:pPr>
+            <a:r>
+              <a:t>Where do we go?</a:t>
+            </a:r>
+          </a:p>
+          <a:p>
+            <a:pPr algn="ctr">
+              <a:defRPr sz="5900">
+                <a:solidFill>
+                  <a:srgbClr val="000000"/>
+                </a:solidFill>
+              </a:defRPr>
+            </a:pPr>
+            <a:r>
+              <a:t>Where do we go now?</a:t>
+            </a:r>
+          </a:p>
+          <a:p>
+            <a:pPr algn="ctr">
+              <a:defRPr sz="5900">
+                <a:solidFill>
+                  <a:srgbClr val="000000"/>
+                </a:solidFill>
+              </a:defRPr>
+            </a:pPr>
+            <a:r>
+              <a:t>Where do we go?</a:t>
+            </a:r>
+          </a:p>
+          <a:p>
+            <a:pPr algn="ctr">
+              <a:defRPr sz="5900">
+                <a:solidFill>
+                  <a:srgbClr val="000000"/>
+                </a:solidFill>
+              </a:defRPr>
+            </a:pPr>
+            <a:r>
+              <a:t>Where do we go?</a:t>
             </a:r>
           </a:p>
         </p:txBody>

--- a/slides.pptx
+++ b/slides.pptx
@@ -31,6 +31,66 @@
     <p:sldId id="279" r:id="rId30"/>
     <p:sldId id="280" r:id="rId31"/>
     <p:sldId id="281" r:id="rId32"/>
+    <p:sldId id="282" r:id="rId33"/>
+    <p:sldId id="283" r:id="rId34"/>
+    <p:sldId id="284" r:id="rId35"/>
+    <p:sldId id="285" r:id="rId36"/>
+    <p:sldId id="286" r:id="rId37"/>
+    <p:sldId id="287" r:id="rId38"/>
+    <p:sldId id="288" r:id="rId39"/>
+    <p:sldId id="289" r:id="rId40"/>
+    <p:sldId id="290" r:id="rId41"/>
+    <p:sldId id="291" r:id="rId42"/>
+    <p:sldId id="292" r:id="rId43"/>
+    <p:sldId id="293" r:id="rId44"/>
+    <p:sldId id="294" r:id="rId45"/>
+    <p:sldId id="295" r:id="rId46"/>
+    <p:sldId id="296" r:id="rId47"/>
+    <p:sldId id="297" r:id="rId48"/>
+    <p:sldId id="298" r:id="rId49"/>
+    <p:sldId id="299" r:id="rId50"/>
+    <p:sldId id="300" r:id="rId51"/>
+    <p:sldId id="301" r:id="rId52"/>
+    <p:sldId id="302" r:id="rId53"/>
+    <p:sldId id="303" r:id="rId54"/>
+    <p:sldId id="304" r:id="rId55"/>
+    <p:sldId id="305" r:id="rId56"/>
+    <p:sldId id="306" r:id="rId57"/>
+    <p:sldId id="307" r:id="rId58"/>
+    <p:sldId id="308" r:id="rId59"/>
+    <p:sldId id="309" r:id="rId60"/>
+    <p:sldId id="310" r:id="rId61"/>
+    <p:sldId id="311" r:id="rId62"/>
+    <p:sldId id="312" r:id="rId63"/>
+    <p:sldId id="313" r:id="rId64"/>
+    <p:sldId id="314" r:id="rId65"/>
+    <p:sldId id="315" r:id="rId66"/>
+    <p:sldId id="316" r:id="rId67"/>
+    <p:sldId id="317" r:id="rId68"/>
+    <p:sldId id="318" r:id="rId69"/>
+    <p:sldId id="319" r:id="rId70"/>
+    <p:sldId id="320" r:id="rId71"/>
+    <p:sldId id="321" r:id="rId72"/>
+    <p:sldId id="322" r:id="rId73"/>
+    <p:sldId id="323" r:id="rId74"/>
+    <p:sldId id="324" r:id="rId75"/>
+    <p:sldId id="325" r:id="rId76"/>
+    <p:sldId id="326" r:id="rId77"/>
+    <p:sldId id="327" r:id="rId78"/>
+    <p:sldId id="328" r:id="rId79"/>
+    <p:sldId id="329" r:id="rId80"/>
+    <p:sldId id="330" r:id="rId81"/>
+    <p:sldId id="331" r:id="rId82"/>
+    <p:sldId id="332" r:id="rId83"/>
+    <p:sldId id="333" r:id="rId84"/>
+    <p:sldId id="334" r:id="rId85"/>
+    <p:sldId id="335" r:id="rId86"/>
+    <p:sldId id="336" r:id="rId87"/>
+    <p:sldId id="337" r:id="rId88"/>
+    <p:sldId id="338" r:id="rId89"/>
+    <p:sldId id="339" r:id="rId90"/>
+    <p:sldId id="340" r:id="rId91"/>
+    <p:sldId id="341" r:id="rId92"/>
   </p:sldIdLst>
   <p:sldSz cx="9144000" cy="6858000" type="screen4x3"/>
   <p:notesSz cx="6858000" cy="9144000"/>
@@ -3106,6 +3166,14 @@
 <file path=ppt/slides/slide1.xml><?xml version="1.0" encoding="utf-8"?>
 <p:sld xmlns:a="http://schemas.openxmlformats.org/drawingml/2006/main" xmlns:p="http://schemas.openxmlformats.org/presentationml/2006/main" xmlns:r="http://schemas.openxmlformats.org/officeDocument/2006/relationships">
   <p:cSld>
+    <p:bg>
+      <p:bgPr>
+        <a:solidFill>
+          <a:srgbClr val="000000"/>
+        </a:solidFill>
+        <a:effectLst/>
+      </p:bgPr>
+    </p:bg>
     <p:spTree>
       <p:nvGrpSpPr>
         <p:cNvPr id="1" name=""/>
@@ -3115,88 +3183,75 @@
       <p:grpSpPr/>
       <p:sp>
         <p:nvSpPr>
-          <p:cNvPr id="2" name="Title 1"/>
-          <p:cNvSpPr>
-            <a:spLocks noGrp="1"/>
-          </p:cNvSpPr>
-          <p:nvPr>
-            <p:ph type="title"/>
-          </p:nvPr>
-        </p:nvSpPr>
-        <p:spPr/>
-        <p:txBody>
-          <a:bodyPr/>
-          <a:lstStyle/>
-          <a:p>
-            <a:pPr>
-              <a:defRPr b="1" sz="4200"/>
-            </a:pPr>
-            <a:r>
-              <a:t>1 - Sweet Child O' Mine - Guns N' Roses</a:t>
-            </a:r>
-          </a:p>
-        </p:txBody>
-      </p:sp>
-      <p:sp>
-        <p:nvSpPr>
-          <p:cNvPr id="3" name="Content Placeholder 2"/>
-          <p:cNvSpPr>
-            <a:spLocks noGrp="1"/>
-          </p:cNvSpPr>
-          <p:nvPr>
-            <p:ph idx="1"/>
-          </p:nvPr>
-        </p:nvSpPr>
-        <p:spPr/>
-        <p:txBody>
-          <a:bodyPr/>
-          <a:lstStyle/>
-          <a:p>
-            <a:pPr algn="ctr">
-              <a:defRPr sz="4200">
-                <a:solidFill>
-                  <a:srgbClr val="000000"/>
-                </a:solidFill>
-              </a:defRPr>
-            </a:pPr>
-            <a:r>
-              <a:t>She's got a smile that it seems to me</a:t>
-            </a:r>
-          </a:p>
-          <a:p>
-            <a:pPr algn="ctr">
-              <a:defRPr sz="4200">
-                <a:solidFill>
-                  <a:srgbClr val="000000"/>
-                </a:solidFill>
-              </a:defRPr>
-            </a:pPr>
-            <a:r>
-              <a:t>Reminds me of childhood memories</a:t>
-            </a:r>
-          </a:p>
-          <a:p>
-            <a:pPr algn="ctr">
-              <a:defRPr sz="4200">
-                <a:solidFill>
-                  <a:srgbClr val="000000"/>
-                </a:solidFill>
-              </a:defRPr>
-            </a:pPr>
-            <a:r>
-              <a:t>Where everything was as fresh</a:t>
-            </a:r>
-          </a:p>
-          <a:p>
-            <a:pPr algn="ctr">
-              <a:defRPr sz="4200">
-                <a:solidFill>
-                  <a:srgbClr val="000000"/>
-                </a:solidFill>
-              </a:defRPr>
-            </a:pPr>
-            <a:r>
-              <a:t>As the bright blue sky</a:t>
+          <p:cNvPr id="2" name="TextBox 1"/>
+          <p:cNvSpPr txBox="1"/>
+          <p:nvPr/>
+        </p:nvSpPr>
+        <p:spPr>
+          <a:xfrm>
+            <a:off x="914400" y="914400"/>
+            <a:ext cx="7315200" cy="1828800"/>
+          </a:xfrm>
+          <a:prstGeom prst="rect">
+            <a:avLst/>
+          </a:prstGeom>
+          <a:noFill/>
+        </p:spPr>
+        <p:txBody>
+          <a:bodyPr wrap="square">
+            <a:spAutoFit/>
+          </a:bodyPr>
+          <a:lstStyle/>
+          <a:p>
+            <a:pPr algn="ctr">
+              <a:defRPr sz="5800">
+                <a:solidFill>
+                  <a:srgbClr val="FFFFFF"/>
+                </a:solidFill>
+                <a:latin typeface="Times New Roman"/>
+              </a:defRPr>
+            </a:pPr>
+            <a:r>
+              <a:t>Ó luz do Senhor</a:t>
+            </a:r>
+          </a:p>
+          <a:p>
+            <a:pPr algn="ctr">
+              <a:defRPr sz="5800">
+                <a:solidFill>
+                  <a:srgbClr val="FFFFFF"/>
+                </a:solidFill>
+                <a:latin typeface="Times New Roman"/>
+              </a:defRPr>
+            </a:pPr>
+            <a:r>
+              <a:t>Que vem sobre a terra</a:t>
+            </a:r>
+          </a:p>
+          <a:p>
+            <a:pPr algn="ctr">
+              <a:defRPr sz="5800">
+                <a:solidFill>
+                  <a:srgbClr val="FFFFFF"/>
+                </a:solidFill>
+                <a:latin typeface="Times New Roman"/>
+              </a:defRPr>
+            </a:pPr>
+            <a:r>
+              <a:t>Inunda meu ser</a:t>
+            </a:r>
+          </a:p>
+          <a:p>
+            <a:pPr algn="ctr">
+              <a:defRPr sz="5800">
+                <a:solidFill>
+                  <a:srgbClr val="FFFFFF"/>
+                </a:solidFill>
+                <a:latin typeface="Times New Roman"/>
+              </a:defRPr>
+            </a:pPr>
+            <a:r>
+              <a:t>Permanece em nós</a:t>
             </a:r>
           </a:p>
         </p:txBody>
@@ -3212,6 +3267,14 @@
 <file path=ppt/slides/slide10.xml><?xml version="1.0" encoding="utf-8"?>
 <p:sld xmlns:a="http://schemas.openxmlformats.org/drawingml/2006/main" xmlns:p="http://schemas.openxmlformats.org/presentationml/2006/main" xmlns:r="http://schemas.openxmlformats.org/officeDocument/2006/relationships">
   <p:cSld>
+    <p:bg>
+      <p:bgPr>
+        <a:solidFill>
+          <a:srgbClr val="000000"/>
+        </a:solidFill>
+        <a:effectLst/>
+      </p:bgPr>
+    </p:bg>
     <p:spTree>
       <p:nvGrpSpPr>
         <p:cNvPr id="1" name=""/>
@@ -3221,88 +3284,62 @@
       <p:grpSpPr/>
       <p:sp>
         <p:nvSpPr>
-          <p:cNvPr id="2" name="Title 1"/>
-          <p:cNvSpPr>
-            <a:spLocks noGrp="1"/>
-          </p:cNvSpPr>
-          <p:nvPr>
-            <p:ph type="title"/>
-          </p:nvPr>
-        </p:nvSpPr>
-        <p:spPr/>
-        <p:txBody>
-          <a:bodyPr/>
-          <a:lstStyle/>
-          <a:p>
-            <a:pPr>
-              <a:defRPr b="1" sz="4200"/>
-            </a:pPr>
-            <a:r>
-              <a:t>1 - Sweet Child O' Mine - Guns N' Roses</a:t>
-            </a:r>
-          </a:p>
-        </p:txBody>
-      </p:sp>
-      <p:sp>
-        <p:nvSpPr>
-          <p:cNvPr id="3" name="Content Placeholder 2"/>
-          <p:cNvSpPr>
-            <a:spLocks noGrp="1"/>
-          </p:cNvSpPr>
-          <p:nvPr>
-            <p:ph idx="1"/>
-          </p:nvPr>
-        </p:nvSpPr>
-        <p:spPr/>
-        <p:txBody>
-          <a:bodyPr/>
-          <a:lstStyle/>
-          <a:p>
-            <a:pPr algn="ctr">
-              <a:defRPr sz="5700">
-                <a:solidFill>
-                  <a:srgbClr val="000000"/>
-                </a:solidFill>
-              </a:defRPr>
-            </a:pPr>
-            <a:r>
-              <a:t>Where do we go now?</a:t>
-            </a:r>
-          </a:p>
-          <a:p>
-            <a:pPr algn="ctr">
-              <a:defRPr sz="5700">
-                <a:solidFill>
-                  <a:srgbClr val="000000"/>
-                </a:solidFill>
-              </a:defRPr>
-            </a:pPr>
-            <a:r>
-              <a:t>Where do we go?</a:t>
-            </a:r>
-          </a:p>
-          <a:p>
-            <a:pPr algn="ctr">
-              <a:defRPr sz="5700">
-                <a:solidFill>
-                  <a:srgbClr val="000000"/>
-                </a:solidFill>
-              </a:defRPr>
-            </a:pPr>
-            <a:r>
-              <a:t>Where do we go now?</a:t>
-            </a:r>
-          </a:p>
-          <a:p>
-            <a:pPr algn="ctr">
-              <a:defRPr sz="5700">
-                <a:solidFill>
-                  <a:srgbClr val="000000"/>
-                </a:solidFill>
-              </a:defRPr>
-            </a:pPr>
-            <a:r>
-              <a:t>Where do we go?</a:t>
+          <p:cNvPr id="2" name="TextBox 1"/>
+          <p:cNvSpPr txBox="1"/>
+          <p:nvPr/>
+        </p:nvSpPr>
+        <p:spPr>
+          <a:xfrm>
+            <a:off x="914400" y="914400"/>
+            <a:ext cx="7315200" cy="1828800"/>
+          </a:xfrm>
+          <a:prstGeom prst="rect">
+            <a:avLst/>
+          </a:prstGeom>
+          <a:noFill/>
+        </p:spPr>
+        <p:txBody>
+          <a:bodyPr wrap="square">
+            <a:spAutoFit/>
+          </a:bodyPr>
+          <a:lstStyle/>
+          <a:p>
+            <a:pPr algn="ctr">
+              <a:defRPr sz="4600">
+                <a:solidFill>
+                  <a:srgbClr val="FFFFFF"/>
+                </a:solidFill>
+                <a:latin typeface="Times New Roman"/>
+              </a:defRPr>
+            </a:pPr>
+            <a:r>
+              <a:t>Nasceu em pobreza, repousando em palhas</a:t>
+            </a:r>
+          </a:p>
+          <a:p>
+            <a:pPr algn="ctr">
+              <a:defRPr sz="4600">
+                <a:solidFill>
+                  <a:srgbClr val="FFFFFF"/>
+                </a:solidFill>
+                <a:latin typeface="Times New Roman"/>
+              </a:defRPr>
+            </a:pPr>
+            <a:r>
+              <a:t>O nosso afeto lhe vamos dar</a:t>
+            </a:r>
+          </a:p>
+          <a:p>
+            <a:pPr algn="ctr">
+              <a:defRPr sz="4600">
+                <a:solidFill>
+                  <a:srgbClr val="FFFFFF"/>
+                </a:solidFill>
+                <a:latin typeface="Times New Roman"/>
+              </a:defRPr>
+            </a:pPr>
+            <a:r>
+              <a:t>Tanto amou-nos! Quem não há de amá-lo?</a:t>
             </a:r>
           </a:p>
         </p:txBody>
@@ -3318,6 +3355,14 @@
 <file path=ppt/slides/slide11.xml><?xml version="1.0" encoding="utf-8"?>
 <p:sld xmlns:a="http://schemas.openxmlformats.org/drawingml/2006/main" xmlns:p="http://schemas.openxmlformats.org/presentationml/2006/main" xmlns:r="http://schemas.openxmlformats.org/officeDocument/2006/relationships">
   <p:cSld>
+    <p:bg>
+      <p:bgPr>
+        <a:solidFill>
+          <a:srgbClr val="000000"/>
+        </a:solidFill>
+        <a:effectLst/>
+      </p:bgPr>
+    </p:bg>
     <p:spTree>
       <p:nvGrpSpPr>
         <p:cNvPr id="1" name=""/>
@@ -3327,100 +3372,75 @@
       <p:grpSpPr/>
       <p:sp>
         <p:nvSpPr>
-          <p:cNvPr id="2" name="Title 1"/>
-          <p:cNvSpPr>
-            <a:spLocks noGrp="1"/>
-          </p:cNvSpPr>
-          <p:nvPr>
-            <p:ph type="title"/>
-          </p:nvPr>
-        </p:nvSpPr>
-        <p:spPr/>
-        <p:txBody>
-          <a:bodyPr/>
-          <a:lstStyle/>
-          <a:p>
-            <a:pPr>
-              <a:defRPr b="1" sz="4200"/>
-            </a:pPr>
-            <a:r>
-              <a:t>1 - Sweet Child O' Mine - Guns N' Roses</a:t>
-            </a:r>
-          </a:p>
-        </p:txBody>
-      </p:sp>
-      <p:sp>
-        <p:nvSpPr>
-          <p:cNvPr id="3" name="Content Placeholder 2"/>
-          <p:cNvSpPr>
-            <a:spLocks noGrp="1"/>
-          </p:cNvSpPr>
-          <p:nvPr>
-            <p:ph idx="1"/>
-          </p:nvPr>
-        </p:nvSpPr>
-        <p:spPr/>
-        <p:txBody>
-          <a:bodyPr/>
-          <a:lstStyle/>
-          <a:p>
-            <a:pPr algn="ctr">
-              <a:defRPr sz="5000">
-                <a:solidFill>
-                  <a:srgbClr val="000000"/>
-                </a:solidFill>
-              </a:defRPr>
-            </a:pPr>
-            <a:r>
-              <a:t>Where do we go now?</a:t>
-            </a:r>
-          </a:p>
-          <a:p>
-            <a:pPr algn="ctr">
-              <a:defRPr sz="5000">
-                <a:solidFill>
-                  <a:srgbClr val="000000"/>
-                </a:solidFill>
-              </a:defRPr>
-            </a:pPr>
-            <a:r>
-              <a:t>Where do we go?</a:t>
-            </a:r>
-          </a:p>
-          <a:p>
-            <a:pPr algn="ctr">
-              <a:defRPr sz="5000">
-                <a:solidFill>
-                  <a:srgbClr val="000000"/>
-                </a:solidFill>
-              </a:defRPr>
-            </a:pPr>
-            <a:r>
-              <a:t>Where do we go now?</a:t>
-            </a:r>
-          </a:p>
-          <a:p>
-            <a:pPr algn="ctr">
-              <a:defRPr sz="5000">
-                <a:solidFill>
-                  <a:srgbClr val="000000"/>
-                </a:solidFill>
-              </a:defRPr>
-            </a:pPr>
-            <a:r>
-              <a:t>Now, now, now</a:t>
-            </a:r>
-          </a:p>
-          <a:p>
-            <a:pPr algn="ctr">
-              <a:defRPr sz="5000">
-                <a:solidFill>
-                  <a:srgbClr val="000000"/>
-                </a:solidFill>
-              </a:defRPr>
-            </a:pPr>
-            <a:r>
-              <a:t>Now, now, now, now?</a:t>
+          <p:cNvPr id="2" name="TextBox 1"/>
+          <p:cNvSpPr txBox="1"/>
+          <p:nvPr/>
+        </p:nvSpPr>
+        <p:spPr>
+          <a:xfrm>
+            <a:off x="914400" y="914400"/>
+            <a:ext cx="7315200" cy="1828800"/>
+          </a:xfrm>
+          <a:prstGeom prst="rect">
+            <a:avLst/>
+          </a:prstGeom>
+          <a:noFill/>
+        </p:spPr>
+        <p:txBody>
+          <a:bodyPr wrap="square">
+            <a:spAutoFit/>
+          </a:bodyPr>
+          <a:lstStyle/>
+          <a:p>
+            <a:pPr algn="ctr">
+              <a:defRPr sz="5600">
+                <a:solidFill>
+                  <a:srgbClr val="FFFFFF"/>
+                </a:solidFill>
+                <a:latin typeface="Times New Roman"/>
+              </a:defRPr>
+            </a:pPr>
+            <a:r>
+              <a:t>Oh! Vinde, adoremos!</a:t>
+            </a:r>
+          </a:p>
+          <a:p>
+            <a:pPr algn="ctr">
+              <a:defRPr sz="5600">
+                <a:solidFill>
+                  <a:srgbClr val="FFFFFF"/>
+                </a:solidFill>
+                <a:latin typeface="Times New Roman"/>
+              </a:defRPr>
+            </a:pPr>
+            <a:r>
+              <a:t>Oh! Vinde, adoremos!</a:t>
+            </a:r>
+          </a:p>
+          <a:p>
+            <a:pPr algn="ctr">
+              <a:defRPr sz="5600">
+                <a:solidFill>
+                  <a:srgbClr val="FFFFFF"/>
+                </a:solidFill>
+                <a:latin typeface="Times New Roman"/>
+              </a:defRPr>
+            </a:pPr>
+            <a:r>
+              <a:t>Oh! Vinde, adoremos!</a:t>
+            </a:r>
+          </a:p>
+          <a:p>
+            <a:pPr algn="ctr">
+              <a:defRPr sz="5600">
+                <a:solidFill>
+                  <a:srgbClr val="FFFFFF"/>
+                </a:solidFill>
+                <a:latin typeface="Times New Roman"/>
+              </a:defRPr>
+            </a:pPr>
+            <a:r>
+              <a:t>O Salvador!</a:t>
             </a:r>
           </a:p>
         </p:txBody>
@@ -3436,6 +3456,14 @@
 <file path=ppt/slides/slide12.xml><?xml version="1.0" encoding="utf-8"?>
 <p:sld xmlns:a="http://schemas.openxmlformats.org/drawingml/2006/main" xmlns:p="http://schemas.openxmlformats.org/presentationml/2006/main" xmlns:r="http://schemas.openxmlformats.org/officeDocument/2006/relationships">
   <p:cSld>
+    <p:bg>
+      <p:bgPr>
+        <a:solidFill>
+          <a:srgbClr val="000000"/>
+        </a:solidFill>
+        <a:effectLst/>
+      </p:bgPr>
+    </p:bg>
     <p:spTree>
       <p:nvGrpSpPr>
         <p:cNvPr id="1" name=""/>
@@ -3445,64 +3473,62 @@
       <p:grpSpPr/>
       <p:sp>
         <p:nvSpPr>
-          <p:cNvPr id="2" name="Title 1"/>
-          <p:cNvSpPr>
-            <a:spLocks noGrp="1"/>
-          </p:cNvSpPr>
-          <p:nvPr>
-            <p:ph type="title"/>
-          </p:nvPr>
-        </p:nvSpPr>
-        <p:spPr/>
-        <p:txBody>
-          <a:bodyPr/>
-          <a:lstStyle/>
-          <a:p>
-            <a:pPr>
-              <a:defRPr b="1" sz="4200"/>
-            </a:pPr>
-            <a:r>
-              <a:t>1 - Sweet Child O' Mine - Guns N' Roses</a:t>
-            </a:r>
-          </a:p>
-        </p:txBody>
-      </p:sp>
-      <p:sp>
-        <p:nvSpPr>
-          <p:cNvPr id="3" name="Content Placeholder 2"/>
-          <p:cNvSpPr>
-            <a:spLocks noGrp="1"/>
-          </p:cNvSpPr>
-          <p:nvPr>
-            <p:ph idx="1"/>
-          </p:nvPr>
-        </p:nvSpPr>
-        <p:spPr/>
-        <p:txBody>
-          <a:bodyPr/>
-          <a:lstStyle/>
-          <a:p>
-            <a:pPr algn="ctr">
-              <a:defRPr sz="8900">
-                <a:solidFill>
-                  <a:srgbClr val="000000"/>
-                </a:solidFill>
-              </a:defRPr>
-            </a:pPr>
-            <a:r>
-              <a:t>Sweet child</a:t>
-            </a:r>
-          </a:p>
-          <a:p>
-            <a:pPr algn="ctr">
-              <a:defRPr sz="8900">
-                <a:solidFill>
-                  <a:srgbClr val="000000"/>
-                </a:solidFill>
-              </a:defRPr>
-            </a:pPr>
-            <a:r>
-              <a:t>Sweet child of mine</a:t>
+          <p:cNvPr id="2" name="TextBox 1"/>
+          <p:cNvSpPr txBox="1"/>
+          <p:nvPr/>
+        </p:nvSpPr>
+        <p:spPr>
+          <a:xfrm>
+            <a:off x="914400" y="914400"/>
+            <a:ext cx="7315200" cy="1828800"/>
+          </a:xfrm>
+          <a:prstGeom prst="rect">
+            <a:avLst/>
+          </a:prstGeom>
+          <a:noFill/>
+        </p:spPr>
+        <p:txBody>
+          <a:bodyPr wrap="square">
+            <a:spAutoFit/>
+          </a:bodyPr>
+          <a:lstStyle/>
+          <a:p>
+            <a:pPr algn="ctr">
+              <a:defRPr sz="4600">
+                <a:solidFill>
+                  <a:srgbClr val="FFFFFF"/>
+                </a:solidFill>
+                <a:latin typeface="Times New Roman"/>
+              </a:defRPr>
+            </a:pPr>
+            <a:r>
+              <a:t>A estrela do Oriente conduziu os Magos</a:t>
+            </a:r>
+          </a:p>
+          <a:p>
+            <a:pPr algn="ctr">
+              <a:defRPr sz="4600">
+                <a:solidFill>
+                  <a:srgbClr val="FFFFFF"/>
+                </a:solidFill>
+                <a:latin typeface="Times New Roman"/>
+              </a:defRPr>
+            </a:pPr>
+            <a:r>
+              <a:t>E a este Mistério envolve em luz</a:t>
+            </a:r>
+          </a:p>
+          <a:p>
+            <a:pPr algn="ctr">
+              <a:defRPr sz="4600">
+                <a:solidFill>
+                  <a:srgbClr val="FFFFFF"/>
+                </a:solidFill>
+                <a:latin typeface="Times New Roman"/>
+              </a:defRPr>
+            </a:pPr>
+            <a:r>
+              <a:t>Tal claridade, também, seguiremos</a:t>
             </a:r>
           </a:p>
         </p:txBody>
@@ -3518,6 +3544,14 @@
 <file path=ppt/slides/slide13.xml><?xml version="1.0" encoding="utf-8"?>
 <p:sld xmlns:a="http://schemas.openxmlformats.org/drawingml/2006/main" xmlns:p="http://schemas.openxmlformats.org/presentationml/2006/main" xmlns:r="http://schemas.openxmlformats.org/officeDocument/2006/relationships">
   <p:cSld>
+    <p:bg>
+      <p:bgPr>
+        <a:solidFill>
+          <a:srgbClr val="000000"/>
+        </a:solidFill>
+        <a:effectLst/>
+      </p:bgPr>
+    </p:bg>
     <p:spTree>
       <p:nvGrpSpPr>
         <p:cNvPr id="1" name=""/>
@@ -3527,36 +3561,77 @@
       <p:grpSpPr/>
       <p:sp>
         <p:nvSpPr>
-          <p:cNvPr id="2" name="Title 1"/>
-          <p:cNvSpPr>
-            <a:spLocks noGrp="1"/>
-          </p:cNvSpPr>
-          <p:nvPr>
-            <p:ph type="ctrTitle"/>
-          </p:nvPr>
-        </p:nvSpPr>
-        <p:spPr/>
-        <p:txBody>
-          <a:bodyPr/>
-          <a:lstStyle/>
-          <a:p/>
-        </p:txBody>
-      </p:sp>
-      <p:sp>
-        <p:nvSpPr>
-          <p:cNvPr id="3" name="Subtitle 2"/>
-          <p:cNvSpPr>
-            <a:spLocks noGrp="1"/>
-          </p:cNvSpPr>
-          <p:nvPr>
-            <p:ph type="subTitle" idx="1"/>
-          </p:nvPr>
-        </p:nvSpPr>
-        <p:spPr/>
-        <p:txBody>
-          <a:bodyPr/>
-          <a:lstStyle/>
-          <a:p/>
+          <p:cNvPr id="2" name="TextBox 1"/>
+          <p:cNvSpPr txBox="1"/>
+          <p:nvPr/>
+        </p:nvSpPr>
+        <p:spPr>
+          <a:xfrm>
+            <a:off x="914400" y="914400"/>
+            <a:ext cx="7315200" cy="1828800"/>
+          </a:xfrm>
+          <a:prstGeom prst="rect">
+            <a:avLst/>
+          </a:prstGeom>
+          <a:noFill/>
+        </p:spPr>
+        <p:txBody>
+          <a:bodyPr wrap="square">
+            <a:spAutoFit/>
+          </a:bodyPr>
+          <a:lstStyle/>
+          <a:p>
+            <a:pPr algn="ctr">
+              <a:defRPr sz="5600">
+                <a:solidFill>
+                  <a:srgbClr val="FFFFFF"/>
+                </a:solidFill>
+                <a:latin typeface="Times New Roman"/>
+              </a:defRPr>
+            </a:pPr>
+            <a:r>
+              <a:t>Oh! Vinde, adoremos!</a:t>
+            </a:r>
+          </a:p>
+          <a:p>
+            <a:pPr algn="ctr">
+              <a:defRPr sz="5600">
+                <a:solidFill>
+                  <a:srgbClr val="FFFFFF"/>
+                </a:solidFill>
+                <a:latin typeface="Times New Roman"/>
+              </a:defRPr>
+            </a:pPr>
+            <a:r>
+              <a:t>Oh! Vinde, adoremos!</a:t>
+            </a:r>
+          </a:p>
+          <a:p>
+            <a:pPr algn="ctr">
+              <a:defRPr sz="5600">
+                <a:solidFill>
+                  <a:srgbClr val="FFFFFF"/>
+                </a:solidFill>
+                <a:latin typeface="Times New Roman"/>
+              </a:defRPr>
+            </a:pPr>
+            <a:r>
+              <a:t>Oh! Vinde, adoremos!</a:t>
+            </a:r>
+          </a:p>
+          <a:p>
+            <a:pPr algn="ctr">
+              <a:defRPr sz="5600">
+                <a:solidFill>
+                  <a:srgbClr val="FFFFFF"/>
+                </a:solidFill>
+                <a:latin typeface="Times New Roman"/>
+              </a:defRPr>
+            </a:pPr>
+            <a:r>
+              <a:t>O Salvador!</a:t>
+            </a:r>
+          </a:p>
         </p:txBody>
       </p:sp>
     </p:spTree>
@@ -3570,6 +3645,14 @@
 <file path=ppt/slides/slide14.xml><?xml version="1.0" encoding="utf-8"?>
 <p:sld xmlns:a="http://schemas.openxmlformats.org/drawingml/2006/main" xmlns:p="http://schemas.openxmlformats.org/presentationml/2006/main" xmlns:r="http://schemas.openxmlformats.org/officeDocument/2006/relationships">
   <p:cSld>
+    <p:bg>
+      <p:bgPr>
+        <a:solidFill>
+          <a:srgbClr val="000000"/>
+        </a:solidFill>
+        <a:effectLst/>
+      </p:bgPr>
+    </p:bg>
     <p:spTree>
       <p:nvGrpSpPr>
         <p:cNvPr id="1" name=""/>
@@ -3579,89 +3662,34 @@
       <p:grpSpPr/>
       <p:sp>
         <p:nvSpPr>
-          <p:cNvPr id="2" name="Title 1"/>
-          <p:cNvSpPr>
-            <a:spLocks noGrp="1"/>
-          </p:cNvSpPr>
-          <p:nvPr>
-            <p:ph type="title"/>
-          </p:nvPr>
-        </p:nvSpPr>
-        <p:spPr/>
-        <p:txBody>
-          <a:bodyPr/>
-          <a:lstStyle/>
-          <a:p>
-            <a:pPr>
-              <a:defRPr b="1" sz="4200"/>
-            </a:pPr>
-            <a:r>
-              <a:t>2 - Otherside - Red Hot Chili Peppers</a:t>
-            </a:r>
-          </a:p>
-        </p:txBody>
-      </p:sp>
-      <p:sp>
-        <p:nvSpPr>
-          <p:cNvPr id="3" name="Content Placeholder 2"/>
-          <p:cNvSpPr>
-            <a:spLocks noGrp="1"/>
-          </p:cNvSpPr>
-          <p:nvPr>
-            <p:ph idx="1"/>
-          </p:nvPr>
-        </p:nvSpPr>
-        <p:spPr/>
-        <p:txBody>
-          <a:bodyPr/>
-          <a:lstStyle/>
-          <a:p>
-            <a:pPr algn="ctr">
-              <a:defRPr sz="4300">
-                <a:solidFill>
-                  <a:srgbClr val="000000"/>
-                </a:solidFill>
-              </a:defRPr>
-            </a:pPr>
-            <a:r>
-              <a:t>How long, how long will I slide?</a:t>
-            </a:r>
-          </a:p>
-          <a:p>
-            <a:pPr algn="ctr">
-              <a:defRPr sz="4300">
-                <a:solidFill>
-                  <a:srgbClr val="000000"/>
-                </a:solidFill>
-              </a:defRPr>
-            </a:pPr>
-            <a:r>
-              <a:t>Separate my side, I don’t</a:t>
-            </a:r>
-          </a:p>
-          <a:p>
-            <a:pPr algn="ctr">
-              <a:defRPr sz="4300">
-                <a:solidFill>
-                  <a:srgbClr val="000000"/>
-                </a:solidFill>
-              </a:defRPr>
-            </a:pPr>
-            <a:r>
-              <a:t>I don’t believe it’s bad</a:t>
-            </a:r>
-          </a:p>
-          <a:p>
-            <a:pPr algn="ctr">
-              <a:defRPr sz="4300">
-                <a:solidFill>
-                  <a:srgbClr val="000000"/>
-                </a:solidFill>
-              </a:defRPr>
-            </a:pPr>
-            <a:r>
-              <a:t>A slit in my throat, it’s all I ever</a:t>
-            </a:r>
+          <p:cNvPr id="2" name="TextBox 1"/>
+          <p:cNvSpPr txBox="1"/>
+          <p:nvPr/>
+        </p:nvSpPr>
+        <p:spPr>
+          <a:xfrm>
+            <a:off x="914400" y="914400"/>
+            <a:ext cx="7315200" cy="1828800"/>
+          </a:xfrm>
+          <a:prstGeom prst="rect">
+            <a:avLst/>
+          </a:prstGeom>
+          <a:noFill/>
+        </p:spPr>
+        <p:txBody>
+          <a:bodyPr wrap="square">
+            <a:spAutoFit/>
+          </a:bodyPr>
+          <a:lstStyle/>
+          <a:p>
+            <a:pPr algn="ctr">
+              <a:defRPr sz="1200">
+                <a:solidFill>
+                  <a:srgbClr val="FFFFFF"/>
+                </a:solidFill>
+                <a:latin typeface="Times New Roman"/>
+              </a:defRPr>
+            </a:pPr>
           </a:p>
         </p:txBody>
       </p:sp>
@@ -3676,6 +3704,14 @@
 <file path=ppt/slides/slide15.xml><?xml version="1.0" encoding="utf-8"?>
 <p:sld xmlns:a="http://schemas.openxmlformats.org/drawingml/2006/main" xmlns:p="http://schemas.openxmlformats.org/presentationml/2006/main" xmlns:r="http://schemas.openxmlformats.org/officeDocument/2006/relationships">
   <p:cSld>
+    <p:bg>
+      <p:bgPr>
+        <a:solidFill>
+          <a:srgbClr val="000000"/>
+        </a:solidFill>
+        <a:effectLst/>
+      </p:bgPr>
+    </p:bg>
     <p:spTree>
       <p:nvGrpSpPr>
         <p:cNvPr id="1" name=""/>
@@ -3685,88 +3721,36 @@
       <p:grpSpPr/>
       <p:sp>
         <p:nvSpPr>
-          <p:cNvPr id="2" name="Title 1"/>
-          <p:cNvSpPr>
-            <a:spLocks noGrp="1"/>
-          </p:cNvSpPr>
-          <p:nvPr>
-            <p:ph type="title"/>
-          </p:nvPr>
-        </p:nvSpPr>
-        <p:spPr/>
-        <p:txBody>
-          <a:bodyPr/>
-          <a:lstStyle/>
-          <a:p>
-            <a:pPr>
-              <a:defRPr b="1" sz="4200"/>
-            </a:pPr>
-            <a:r>
-              <a:t>2 - Otherside - Red Hot Chili Peppers</a:t>
-            </a:r>
-          </a:p>
-        </p:txBody>
-      </p:sp>
-      <p:sp>
-        <p:nvSpPr>
-          <p:cNvPr id="3" name="Content Placeholder 2"/>
-          <p:cNvSpPr>
-            <a:spLocks noGrp="1"/>
-          </p:cNvSpPr>
-          <p:nvPr>
-            <p:ph idx="1"/>
-          </p:nvPr>
-        </p:nvSpPr>
-        <p:spPr/>
-        <p:txBody>
-          <a:bodyPr/>
-          <a:lstStyle/>
-          <a:p>
-            <a:pPr algn="ctr">
-              <a:defRPr sz="3800">
-                <a:solidFill>
-                  <a:srgbClr val="000000"/>
-                </a:solidFill>
-              </a:defRPr>
-            </a:pPr>
-            <a:r>
-              <a:t>I heard your voice through a photograph</a:t>
-            </a:r>
-          </a:p>
-          <a:p>
-            <a:pPr algn="ctr">
-              <a:defRPr sz="3800">
-                <a:solidFill>
-                  <a:srgbClr val="000000"/>
-                </a:solidFill>
-              </a:defRPr>
-            </a:pPr>
-            <a:r>
-              <a:t>I thought it up and brought up the past</a:t>
-            </a:r>
-          </a:p>
-          <a:p>
-            <a:pPr algn="ctr">
-              <a:defRPr sz="3800">
-                <a:solidFill>
-                  <a:srgbClr val="000000"/>
-                </a:solidFill>
-              </a:defRPr>
-            </a:pPr>
-            <a:r>
-              <a:t>Once you know, you can never go back</a:t>
-            </a:r>
-          </a:p>
-          <a:p>
-            <a:pPr algn="ctr">
-              <a:defRPr sz="3800">
-                <a:solidFill>
-                  <a:srgbClr val="000000"/>
-                </a:solidFill>
-              </a:defRPr>
-            </a:pPr>
-            <a:r>
-              <a:t>I’ve got to take it on the otherside</a:t>
+          <p:cNvPr id="2" name="TextBox 1"/>
+          <p:cNvSpPr txBox="1"/>
+          <p:nvPr/>
+        </p:nvSpPr>
+        <p:spPr>
+          <a:xfrm>
+            <a:off x="914400" y="914400"/>
+            <a:ext cx="7315200" cy="1828800"/>
+          </a:xfrm>
+          <a:prstGeom prst="rect">
+            <a:avLst/>
+          </a:prstGeom>
+          <a:noFill/>
+        </p:spPr>
+        <p:txBody>
+          <a:bodyPr wrap="square">
+            <a:spAutoFit/>
+          </a:bodyPr>
+          <a:lstStyle/>
+          <a:p>
+            <a:pPr algn="ctr">
+              <a:defRPr sz="6000">
+                <a:solidFill>
+                  <a:srgbClr val="FFFFFF"/>
+                </a:solidFill>
+                <a:latin typeface="Times New Roman"/>
+              </a:defRPr>
+            </a:pPr>
+            <a:r>
+              <a:t>Senhor, que viestes ao mundo para nos salvar, tem piedade de nós</a:t>
             </a:r>
           </a:p>
         </p:txBody>
@@ -3782,6 +3766,14 @@
 <file path=ppt/slides/slide16.xml><?xml version="1.0" encoding="utf-8"?>
 <p:sld xmlns:a="http://schemas.openxmlformats.org/drawingml/2006/main" xmlns:p="http://schemas.openxmlformats.org/presentationml/2006/main" xmlns:r="http://schemas.openxmlformats.org/officeDocument/2006/relationships">
   <p:cSld>
+    <p:bg>
+      <p:bgPr>
+        <a:solidFill>
+          <a:srgbClr val="000000"/>
+        </a:solidFill>
+        <a:effectLst/>
+      </p:bgPr>
+    </p:bg>
     <p:spTree>
       <p:nvGrpSpPr>
         <p:cNvPr id="1" name=""/>
@@ -3791,88 +3783,49 @@
       <p:grpSpPr/>
       <p:sp>
         <p:nvSpPr>
-          <p:cNvPr id="2" name="Title 1"/>
-          <p:cNvSpPr>
-            <a:spLocks noGrp="1"/>
-          </p:cNvSpPr>
-          <p:nvPr>
-            <p:ph type="title"/>
-          </p:nvPr>
-        </p:nvSpPr>
-        <p:spPr/>
-        <p:txBody>
-          <a:bodyPr/>
-          <a:lstStyle/>
-          <a:p>
-            <a:pPr>
-              <a:defRPr b="1" sz="4200"/>
-            </a:pPr>
-            <a:r>
-              <a:t>2 - Otherside - Red Hot Chili Peppers</a:t>
-            </a:r>
-          </a:p>
-        </p:txBody>
-      </p:sp>
-      <p:sp>
-        <p:nvSpPr>
-          <p:cNvPr id="3" name="Content Placeholder 2"/>
-          <p:cNvSpPr>
-            <a:spLocks noGrp="1"/>
-          </p:cNvSpPr>
-          <p:nvPr>
-            <p:ph idx="1"/>
-          </p:nvPr>
-        </p:nvSpPr>
-        <p:spPr/>
-        <p:txBody>
-          <a:bodyPr/>
-          <a:lstStyle/>
-          <a:p>
-            <a:pPr algn="ctr">
-              <a:defRPr sz="3900">
-                <a:solidFill>
-                  <a:srgbClr val="000000"/>
-                </a:solidFill>
-              </a:defRPr>
-            </a:pPr>
-            <a:r>
-              <a:t>Centuries are what it meant to me</a:t>
-            </a:r>
-          </a:p>
-          <a:p>
-            <a:pPr algn="ctr">
-              <a:defRPr sz="3900">
-                <a:solidFill>
-                  <a:srgbClr val="000000"/>
-                </a:solidFill>
-              </a:defRPr>
-            </a:pPr>
-            <a:r>
-              <a:t>A cemetery where I marry the sea</a:t>
-            </a:r>
-          </a:p>
-          <a:p>
-            <a:pPr algn="ctr">
-              <a:defRPr sz="3900">
-                <a:solidFill>
-                  <a:srgbClr val="000000"/>
-                </a:solidFill>
-              </a:defRPr>
-            </a:pPr>
-            <a:r>
-              <a:t>Stranger things could never change my mind</a:t>
-            </a:r>
-          </a:p>
-          <a:p>
-            <a:pPr algn="ctr">
-              <a:defRPr sz="3900">
-                <a:solidFill>
-                  <a:srgbClr val="000000"/>
-                </a:solidFill>
-              </a:defRPr>
-            </a:pPr>
-            <a:r>
-              <a:t>I’ve got to take it on the otherside</a:t>
+          <p:cNvPr id="2" name="TextBox 1"/>
+          <p:cNvSpPr txBox="1"/>
+          <p:nvPr/>
+        </p:nvSpPr>
+        <p:spPr>
+          <a:xfrm>
+            <a:off x="914400" y="914400"/>
+            <a:ext cx="7315200" cy="1828800"/>
+          </a:xfrm>
+          <a:prstGeom prst="rect">
+            <a:avLst/>
+          </a:prstGeom>
+          <a:noFill/>
+        </p:spPr>
+        <p:txBody>
+          <a:bodyPr wrap="square">
+            <a:spAutoFit/>
+          </a:bodyPr>
+          <a:lstStyle/>
+          <a:p>
+            <a:pPr algn="ctr">
+              <a:defRPr sz="6500">
+                <a:solidFill>
+                  <a:srgbClr val="FFFFFF"/>
+                </a:solidFill>
+                <a:latin typeface="Times New Roman"/>
+              </a:defRPr>
+            </a:pPr>
+            <a:r>
+              <a:t>Kyrie, Kyrie, Kyrie Eleison</a:t>
+            </a:r>
+          </a:p>
+          <a:p>
+            <a:pPr algn="ctr">
+              <a:defRPr sz="6500">
+                <a:solidFill>
+                  <a:srgbClr val="FFFFFF"/>
+                </a:solidFill>
+                <a:latin typeface="Times New Roman"/>
+              </a:defRPr>
+            </a:pPr>
+            <a:r>
+              <a:t>Kyrie, Kyrie, Kyrie Eleison</a:t>
             </a:r>
           </a:p>
         </p:txBody>
@@ -3888,6 +3841,14 @@
 <file path=ppt/slides/slide17.xml><?xml version="1.0" encoding="utf-8"?>
 <p:sld xmlns:a="http://schemas.openxmlformats.org/drawingml/2006/main" xmlns:p="http://schemas.openxmlformats.org/presentationml/2006/main" xmlns:r="http://schemas.openxmlformats.org/officeDocument/2006/relationships">
   <p:cSld>
+    <p:bg>
+      <p:bgPr>
+        <a:solidFill>
+          <a:srgbClr val="000000"/>
+        </a:solidFill>
+        <a:effectLst/>
+      </p:bgPr>
+    </p:bg>
     <p:spTree>
       <p:nvGrpSpPr>
         <p:cNvPr id="1" name=""/>
@@ -3897,76 +3858,36 @@
       <p:grpSpPr/>
       <p:sp>
         <p:nvSpPr>
-          <p:cNvPr id="2" name="Title 1"/>
-          <p:cNvSpPr>
-            <a:spLocks noGrp="1"/>
-          </p:cNvSpPr>
-          <p:nvPr>
-            <p:ph type="title"/>
-          </p:nvPr>
-        </p:nvSpPr>
-        <p:spPr/>
-        <p:txBody>
-          <a:bodyPr/>
-          <a:lstStyle/>
-          <a:p>
-            <a:pPr>
-              <a:defRPr b="1" sz="4200"/>
-            </a:pPr>
-            <a:r>
-              <a:t>2 - Otherside - Red Hot Chili Peppers</a:t>
-            </a:r>
-          </a:p>
-        </p:txBody>
-      </p:sp>
-      <p:sp>
-        <p:nvSpPr>
-          <p:cNvPr id="3" name="Content Placeholder 2"/>
-          <p:cNvSpPr>
-            <a:spLocks noGrp="1"/>
-          </p:cNvSpPr>
-          <p:nvPr>
-            <p:ph idx="1"/>
-          </p:nvPr>
-        </p:nvSpPr>
-        <p:spPr/>
-        <p:txBody>
-          <a:bodyPr/>
-          <a:lstStyle/>
-          <a:p>
-            <a:pPr algn="ctr">
-              <a:defRPr sz="7200">
-                <a:solidFill>
-                  <a:srgbClr val="000000"/>
-                </a:solidFill>
-              </a:defRPr>
-            </a:pPr>
-            <a:r>
-              <a:t>Take it on the otherside</a:t>
-            </a:r>
-          </a:p>
-          <a:p>
-            <a:pPr algn="ctr">
-              <a:defRPr sz="7200">
-                <a:solidFill>
-                  <a:srgbClr val="000000"/>
-                </a:solidFill>
-              </a:defRPr>
-            </a:pPr>
-            <a:r>
-              <a:t>Take it on</a:t>
-            </a:r>
-          </a:p>
-          <a:p>
-            <a:pPr algn="ctr">
-              <a:defRPr sz="7200">
-                <a:solidFill>
-                  <a:srgbClr val="000000"/>
-                </a:solidFill>
-              </a:defRPr>
-            </a:pPr>
-            <a:r>
-              <a:t>Take it on</a:t>
+          <p:cNvPr id="2" name="TextBox 1"/>
+          <p:cNvSpPr txBox="1"/>
+          <p:nvPr/>
+        </p:nvSpPr>
+        <p:spPr>
+          <a:xfrm>
+            <a:off x="914400" y="914400"/>
+            <a:ext cx="7315200" cy="1828800"/>
+          </a:xfrm>
+          <a:prstGeom prst="rect">
+            <a:avLst/>
+          </a:prstGeom>
+          <a:noFill/>
+        </p:spPr>
+        <p:txBody>
+          <a:bodyPr wrap="square">
+            <a:spAutoFit/>
+          </a:bodyPr>
+          <a:lstStyle/>
+          <a:p>
+            <a:pPr algn="ctr">
+              <a:defRPr sz="6400">
+                <a:solidFill>
+                  <a:srgbClr val="FFFFFF"/>
+                </a:solidFill>
+                <a:latin typeface="Times New Roman"/>
+              </a:defRPr>
+            </a:pPr>
+            <a:r>
+              <a:t>Ó Cristo, que continuais a nos visitar, tem piedade de nós</a:t>
             </a:r>
           </a:p>
         </p:txBody>
@@ -3982,6 +3903,14 @@
 <file path=ppt/slides/slide18.xml><?xml version="1.0" encoding="utf-8"?>
 <p:sld xmlns:a="http://schemas.openxmlformats.org/drawingml/2006/main" xmlns:p="http://schemas.openxmlformats.org/presentationml/2006/main" xmlns:r="http://schemas.openxmlformats.org/officeDocument/2006/relationships">
   <p:cSld>
+    <p:bg>
+      <p:bgPr>
+        <a:solidFill>
+          <a:srgbClr val="000000"/>
+        </a:solidFill>
+        <a:effectLst/>
+      </p:bgPr>
+    </p:bg>
     <p:spTree>
       <p:nvGrpSpPr>
         <p:cNvPr id="1" name=""/>
@@ -3991,88 +3920,49 @@
       <p:grpSpPr/>
       <p:sp>
         <p:nvSpPr>
-          <p:cNvPr id="2" name="Title 1"/>
-          <p:cNvSpPr>
-            <a:spLocks noGrp="1"/>
-          </p:cNvSpPr>
-          <p:nvPr>
-            <p:ph type="title"/>
-          </p:nvPr>
-        </p:nvSpPr>
-        <p:spPr/>
-        <p:txBody>
-          <a:bodyPr/>
-          <a:lstStyle/>
-          <a:p>
-            <a:pPr>
-              <a:defRPr b="1" sz="4200"/>
-            </a:pPr>
-            <a:r>
-              <a:t>2 - Otherside - Red Hot Chili Peppers</a:t>
-            </a:r>
-          </a:p>
-        </p:txBody>
-      </p:sp>
-      <p:sp>
-        <p:nvSpPr>
-          <p:cNvPr id="3" name="Content Placeholder 2"/>
-          <p:cNvSpPr>
-            <a:spLocks noGrp="1"/>
-          </p:cNvSpPr>
-          <p:nvPr>
-            <p:ph idx="1"/>
-          </p:nvPr>
-        </p:nvSpPr>
-        <p:spPr/>
-        <p:txBody>
-          <a:bodyPr/>
-          <a:lstStyle/>
-          <a:p>
-            <a:pPr algn="ctr">
-              <a:defRPr sz="4300">
-                <a:solidFill>
-                  <a:srgbClr val="000000"/>
-                </a:solidFill>
-              </a:defRPr>
-            </a:pPr>
-            <a:r>
-              <a:t>How long, how long will I slide?</a:t>
-            </a:r>
-          </a:p>
-          <a:p>
-            <a:pPr algn="ctr">
-              <a:defRPr sz="4300">
-                <a:solidFill>
-                  <a:srgbClr val="000000"/>
-                </a:solidFill>
-              </a:defRPr>
-            </a:pPr>
-            <a:r>
-              <a:t>Separate my side, I don’t</a:t>
-            </a:r>
-          </a:p>
-          <a:p>
-            <a:pPr algn="ctr">
-              <a:defRPr sz="4300">
-                <a:solidFill>
-                  <a:srgbClr val="000000"/>
-                </a:solidFill>
-              </a:defRPr>
-            </a:pPr>
-            <a:r>
-              <a:t>I don’t believe it’s bad</a:t>
-            </a:r>
-          </a:p>
-          <a:p>
-            <a:pPr algn="ctr">
-              <a:defRPr sz="4300">
-                <a:solidFill>
-                  <a:srgbClr val="000000"/>
-                </a:solidFill>
-              </a:defRPr>
-            </a:pPr>
-            <a:r>
-              <a:t>A slit in my throat, it’s all I ever</a:t>
+          <p:cNvPr id="2" name="TextBox 1"/>
+          <p:cNvSpPr txBox="1"/>
+          <p:nvPr/>
+        </p:nvSpPr>
+        <p:spPr>
+          <a:xfrm>
+            <a:off x="914400" y="914400"/>
+            <a:ext cx="7315200" cy="1828800"/>
+          </a:xfrm>
+          <a:prstGeom prst="rect">
+            <a:avLst/>
+          </a:prstGeom>
+          <a:noFill/>
+        </p:spPr>
+        <p:txBody>
+          <a:bodyPr wrap="square">
+            <a:spAutoFit/>
+          </a:bodyPr>
+          <a:lstStyle/>
+          <a:p>
+            <a:pPr algn="ctr">
+              <a:defRPr sz="5900">
+                <a:solidFill>
+                  <a:srgbClr val="FFFFFF"/>
+                </a:solidFill>
+                <a:latin typeface="Times New Roman"/>
+              </a:defRPr>
+            </a:pPr>
+            <a:r>
+              <a:t>Christe, Christe, Christe Eleison</a:t>
+            </a:r>
+          </a:p>
+          <a:p>
+            <a:pPr algn="ctr">
+              <a:defRPr sz="5900">
+                <a:solidFill>
+                  <a:srgbClr val="FFFFFF"/>
+                </a:solidFill>
+                <a:latin typeface="Times New Roman"/>
+              </a:defRPr>
+            </a:pPr>
+            <a:r>
+              <a:t>Christe, Christe, Christe Eleison</a:t>
             </a:r>
           </a:p>
         </p:txBody>
@@ -4088,6 +3978,14 @@
 <file path=ppt/slides/slide19.xml><?xml version="1.0" encoding="utf-8"?>
 <p:sld xmlns:a="http://schemas.openxmlformats.org/drawingml/2006/main" xmlns:p="http://schemas.openxmlformats.org/presentationml/2006/main" xmlns:r="http://schemas.openxmlformats.org/officeDocument/2006/relationships">
   <p:cSld>
+    <p:bg>
+      <p:bgPr>
+        <a:solidFill>
+          <a:srgbClr val="000000"/>
+        </a:solidFill>
+        <a:effectLst/>
+      </p:bgPr>
+    </p:bg>
     <p:spTree>
       <p:nvGrpSpPr>
         <p:cNvPr id="1" name=""/>
@@ -4097,88 +3995,36 @@
       <p:grpSpPr/>
       <p:sp>
         <p:nvSpPr>
-          <p:cNvPr id="2" name="Title 1"/>
-          <p:cNvSpPr>
-            <a:spLocks noGrp="1"/>
-          </p:cNvSpPr>
-          <p:nvPr>
-            <p:ph type="title"/>
-          </p:nvPr>
-        </p:nvSpPr>
-        <p:spPr/>
-        <p:txBody>
-          <a:bodyPr/>
-          <a:lstStyle/>
-          <a:p>
-            <a:pPr>
-              <a:defRPr b="1" sz="4200"/>
-            </a:pPr>
-            <a:r>
-              <a:t>2 - Otherside - Red Hot Chili Peppers</a:t>
-            </a:r>
-          </a:p>
-        </p:txBody>
-      </p:sp>
-      <p:sp>
-        <p:nvSpPr>
-          <p:cNvPr id="3" name="Content Placeholder 2"/>
-          <p:cNvSpPr>
-            <a:spLocks noGrp="1"/>
-          </p:cNvSpPr>
-          <p:nvPr>
-            <p:ph idx="1"/>
-          </p:nvPr>
-        </p:nvSpPr>
-        <p:spPr/>
-        <p:txBody>
-          <a:bodyPr/>
-          <a:lstStyle/>
-          <a:p>
-            <a:pPr algn="ctr">
-              <a:defRPr sz="3800">
-                <a:solidFill>
-                  <a:srgbClr val="000000"/>
-                </a:solidFill>
-              </a:defRPr>
-            </a:pPr>
-            <a:r>
-              <a:t>Pour my life into a paper cup</a:t>
-            </a:r>
-          </a:p>
-          <a:p>
-            <a:pPr algn="ctr">
-              <a:defRPr sz="3800">
-                <a:solidFill>
-                  <a:srgbClr val="000000"/>
-                </a:solidFill>
-              </a:defRPr>
-            </a:pPr>
-            <a:r>
-              <a:t>The ashtray’s full and I’m spillin’ my guts</a:t>
-            </a:r>
-          </a:p>
-          <a:p>
-            <a:pPr algn="ctr">
-              <a:defRPr sz="3800">
-                <a:solidFill>
-                  <a:srgbClr val="000000"/>
-                </a:solidFill>
-              </a:defRPr>
-            </a:pPr>
-            <a:r>
-              <a:t>She wants to know, am I still a slut?</a:t>
-            </a:r>
-          </a:p>
-          <a:p>
-            <a:pPr algn="ctr">
-              <a:defRPr sz="3800">
-                <a:solidFill>
-                  <a:srgbClr val="000000"/>
-                </a:solidFill>
-              </a:defRPr>
-            </a:pPr>
-            <a:r>
-              <a:t>I’ve got to take it on the otherside</a:t>
+          <p:cNvPr id="2" name="TextBox 1"/>
+          <p:cNvSpPr txBox="1"/>
+          <p:nvPr/>
+        </p:nvSpPr>
+        <p:spPr>
+          <a:xfrm>
+            <a:off x="914400" y="914400"/>
+            <a:ext cx="7315200" cy="1828800"/>
+          </a:xfrm>
+          <a:prstGeom prst="rect">
+            <a:avLst/>
+          </a:prstGeom>
+          <a:noFill/>
+        </p:spPr>
+        <p:txBody>
+          <a:bodyPr wrap="square">
+            <a:spAutoFit/>
+          </a:bodyPr>
+          <a:lstStyle/>
+          <a:p>
+            <a:pPr algn="ctr">
+              <a:defRPr sz="6200">
+                <a:solidFill>
+                  <a:srgbClr val="FFFFFF"/>
+                </a:solidFill>
+                <a:latin typeface="Times New Roman"/>
+              </a:defRPr>
+            </a:pPr>
+            <a:r>
+              <a:t>Senhor, que vireis um dia para nos julgar, tem piedade de nós</a:t>
             </a:r>
           </a:p>
         </p:txBody>
@@ -4194,6 +4040,14 @@
 <file path=ppt/slides/slide2.xml><?xml version="1.0" encoding="utf-8"?>
 <p:sld xmlns:a="http://schemas.openxmlformats.org/drawingml/2006/main" xmlns:p="http://schemas.openxmlformats.org/presentationml/2006/main" xmlns:r="http://schemas.openxmlformats.org/officeDocument/2006/relationships">
   <p:cSld>
+    <p:bg>
+      <p:bgPr>
+        <a:solidFill>
+          <a:srgbClr val="000000"/>
+        </a:solidFill>
+        <a:effectLst/>
+      </p:bgPr>
+    </p:bg>
     <p:spTree>
       <p:nvGrpSpPr>
         <p:cNvPr id="1" name=""/>
@@ -4203,88 +4057,75 @@
       <p:grpSpPr/>
       <p:sp>
         <p:nvSpPr>
-          <p:cNvPr id="2" name="Title 1"/>
-          <p:cNvSpPr>
-            <a:spLocks noGrp="1"/>
-          </p:cNvSpPr>
-          <p:nvPr>
-            <p:ph type="title"/>
-          </p:nvPr>
-        </p:nvSpPr>
-        <p:spPr/>
-        <p:txBody>
-          <a:bodyPr/>
-          <a:lstStyle/>
-          <a:p>
-            <a:pPr>
-              <a:defRPr b="1" sz="4200"/>
-            </a:pPr>
-            <a:r>
-              <a:t>1 - Sweet Child O' Mine - Guns N' Roses</a:t>
-            </a:r>
-          </a:p>
-        </p:txBody>
-      </p:sp>
-      <p:sp>
-        <p:nvSpPr>
-          <p:cNvPr id="3" name="Content Placeholder 2"/>
-          <p:cNvSpPr>
-            <a:spLocks noGrp="1"/>
-          </p:cNvSpPr>
-          <p:nvPr>
-            <p:ph idx="1"/>
-          </p:nvPr>
-        </p:nvSpPr>
-        <p:spPr/>
-        <p:txBody>
-          <a:bodyPr/>
-          <a:lstStyle/>
-          <a:p>
-            <a:pPr algn="ctr">
-              <a:defRPr sz="4100">
-                <a:solidFill>
-                  <a:srgbClr val="000000"/>
-                </a:solidFill>
-              </a:defRPr>
-            </a:pPr>
-            <a:r>
-              <a:t>Now and then when I see her face</a:t>
-            </a:r>
-          </a:p>
-          <a:p>
-            <a:pPr algn="ctr">
-              <a:defRPr sz="4100">
-                <a:solidFill>
-                  <a:srgbClr val="000000"/>
-                </a:solidFill>
-              </a:defRPr>
-            </a:pPr>
-            <a:r>
-              <a:t>She takes me away to that special place</a:t>
-            </a:r>
-          </a:p>
-          <a:p>
-            <a:pPr algn="ctr">
-              <a:defRPr sz="4100">
-                <a:solidFill>
-                  <a:srgbClr val="000000"/>
-                </a:solidFill>
-              </a:defRPr>
-            </a:pPr>
-            <a:r>
-              <a:t>And if I stare too long</a:t>
-            </a:r>
-          </a:p>
-          <a:p>
-            <a:pPr algn="ctr">
-              <a:defRPr sz="4100">
-                <a:solidFill>
-                  <a:srgbClr val="000000"/>
-                </a:solidFill>
-              </a:defRPr>
-            </a:pPr>
-            <a:r>
-              <a:t>I'd probably break down and cry</a:t>
+          <p:cNvPr id="2" name="TextBox 1"/>
+          <p:cNvSpPr txBox="1"/>
+          <p:nvPr/>
+        </p:nvSpPr>
+        <p:spPr>
+          <a:xfrm>
+            <a:off x="914400" y="914400"/>
+            <a:ext cx="7315200" cy="1828800"/>
+          </a:xfrm>
+          <a:prstGeom prst="rect">
+            <a:avLst/>
+          </a:prstGeom>
+          <a:noFill/>
+        </p:spPr>
+        <p:txBody>
+          <a:bodyPr wrap="square">
+            <a:spAutoFit/>
+          </a:bodyPr>
+          <a:lstStyle/>
+          <a:p>
+            <a:pPr algn="ctr">
+              <a:defRPr sz="5600">
+                <a:solidFill>
+                  <a:srgbClr val="FFFFFF"/>
+                </a:solidFill>
+                <a:latin typeface="Times New Roman"/>
+              </a:defRPr>
+            </a:pPr>
+            <a:r>
+              <a:t>Ó luz do Senhor</a:t>
+            </a:r>
+          </a:p>
+          <a:p>
+            <a:pPr algn="ctr">
+              <a:defRPr sz="5600">
+                <a:solidFill>
+                  <a:srgbClr val="FFFFFF"/>
+                </a:solidFill>
+                <a:latin typeface="Times New Roman"/>
+              </a:defRPr>
+            </a:pPr>
+            <a:r>
+              <a:t>Que vem sobre a terra</a:t>
+            </a:r>
+          </a:p>
+          <a:p>
+            <a:pPr algn="ctr">
+              <a:defRPr sz="5600">
+                <a:solidFill>
+                  <a:srgbClr val="FFFFFF"/>
+                </a:solidFill>
+                <a:latin typeface="Times New Roman"/>
+              </a:defRPr>
+            </a:pPr>
+            <a:r>
+              <a:t>Vem nos visitar</a:t>
+            </a:r>
+          </a:p>
+          <a:p>
+            <a:pPr algn="ctr">
+              <a:defRPr sz="5600">
+                <a:solidFill>
+                  <a:srgbClr val="FFFFFF"/>
+                </a:solidFill>
+                <a:latin typeface="Times New Roman"/>
+              </a:defRPr>
+            </a:pPr>
+            <a:r>
+              <a:t>Com o seu resplendor</a:t>
             </a:r>
           </a:p>
         </p:txBody>
@@ -4300,6 +4141,14 @@
 <file path=ppt/slides/slide20.xml><?xml version="1.0" encoding="utf-8"?>
 <p:sld xmlns:a="http://schemas.openxmlformats.org/drawingml/2006/main" xmlns:p="http://schemas.openxmlformats.org/presentationml/2006/main" xmlns:r="http://schemas.openxmlformats.org/officeDocument/2006/relationships">
   <p:cSld>
+    <p:bg>
+      <p:bgPr>
+        <a:solidFill>
+          <a:srgbClr val="000000"/>
+        </a:solidFill>
+        <a:effectLst/>
+      </p:bgPr>
+    </p:bg>
     <p:spTree>
       <p:nvGrpSpPr>
         <p:cNvPr id="1" name=""/>
@@ -4309,88 +4158,49 @@
       <p:grpSpPr/>
       <p:sp>
         <p:nvSpPr>
-          <p:cNvPr id="2" name="Title 1"/>
-          <p:cNvSpPr>
-            <a:spLocks noGrp="1"/>
-          </p:cNvSpPr>
-          <p:nvPr>
-            <p:ph type="title"/>
-          </p:nvPr>
-        </p:nvSpPr>
-        <p:spPr/>
-        <p:txBody>
-          <a:bodyPr/>
-          <a:lstStyle/>
-          <a:p>
-            <a:pPr>
-              <a:defRPr b="1" sz="4200"/>
-            </a:pPr>
-            <a:r>
-              <a:t>2 - Otherside - Red Hot Chili Peppers</a:t>
-            </a:r>
-          </a:p>
-        </p:txBody>
-      </p:sp>
-      <p:sp>
-        <p:nvSpPr>
-          <p:cNvPr id="3" name="Content Placeholder 2"/>
-          <p:cNvSpPr>
-            <a:spLocks noGrp="1"/>
-          </p:cNvSpPr>
-          <p:nvPr>
-            <p:ph idx="1"/>
-          </p:nvPr>
-        </p:nvSpPr>
-        <p:spPr/>
-        <p:txBody>
-          <a:bodyPr/>
-          <a:lstStyle/>
-          <a:p>
-            <a:pPr algn="ctr">
-              <a:defRPr sz="3900">
-                <a:solidFill>
-                  <a:srgbClr val="000000"/>
-                </a:solidFill>
-              </a:defRPr>
-            </a:pPr>
-            <a:r>
-              <a:t>Scarlet starlet and she’s in my bed</a:t>
-            </a:r>
-          </a:p>
-          <a:p>
-            <a:pPr algn="ctr">
-              <a:defRPr sz="3900">
-                <a:solidFill>
-                  <a:srgbClr val="000000"/>
-                </a:solidFill>
-              </a:defRPr>
-            </a:pPr>
-            <a:r>
-              <a:t>A candidate for my soul mate bled</a:t>
-            </a:r>
-          </a:p>
-          <a:p>
-            <a:pPr algn="ctr">
-              <a:defRPr sz="3900">
-                <a:solidFill>
-                  <a:srgbClr val="000000"/>
-                </a:solidFill>
-              </a:defRPr>
-            </a:pPr>
-            <a:r>
-              <a:t>Push the trigger and I pull the thread</a:t>
-            </a:r>
-          </a:p>
-          <a:p>
-            <a:pPr algn="ctr">
-              <a:defRPr sz="3900">
-                <a:solidFill>
-                  <a:srgbClr val="000000"/>
-                </a:solidFill>
-              </a:defRPr>
-            </a:pPr>
-            <a:r>
-              <a:t>I’ve got to take it on the otherside</a:t>
+          <p:cNvPr id="2" name="TextBox 1"/>
+          <p:cNvSpPr txBox="1"/>
+          <p:nvPr/>
+        </p:nvSpPr>
+        <p:spPr>
+          <a:xfrm>
+            <a:off x="914400" y="914400"/>
+            <a:ext cx="7315200" cy="1828800"/>
+          </a:xfrm>
+          <a:prstGeom prst="rect">
+            <a:avLst/>
+          </a:prstGeom>
+          <a:noFill/>
+        </p:spPr>
+        <p:txBody>
+          <a:bodyPr wrap="square">
+            <a:spAutoFit/>
+          </a:bodyPr>
+          <a:lstStyle/>
+          <a:p>
+            <a:pPr algn="ctr">
+              <a:defRPr sz="6500">
+                <a:solidFill>
+                  <a:srgbClr val="FFFFFF"/>
+                </a:solidFill>
+                <a:latin typeface="Times New Roman"/>
+              </a:defRPr>
+            </a:pPr>
+            <a:r>
+              <a:t>Kyrie, Kyrie, Kyrie Eleison</a:t>
+            </a:r>
+          </a:p>
+          <a:p>
+            <a:pPr algn="ctr">
+              <a:defRPr sz="6500">
+                <a:solidFill>
+                  <a:srgbClr val="FFFFFF"/>
+                </a:solidFill>
+                <a:latin typeface="Times New Roman"/>
+              </a:defRPr>
+            </a:pPr>
+            <a:r>
+              <a:t>Kyrie, Kyrie, Kyrie Eleison</a:t>
             </a:r>
           </a:p>
         </p:txBody>
@@ -4406,6 +4216,14 @@
 <file path=ppt/slides/slide21.xml><?xml version="1.0" encoding="utf-8"?>
 <p:sld xmlns:a="http://schemas.openxmlformats.org/drawingml/2006/main" xmlns:p="http://schemas.openxmlformats.org/presentationml/2006/main" xmlns:r="http://schemas.openxmlformats.org/officeDocument/2006/relationships">
   <p:cSld>
+    <p:bg>
+      <p:bgPr>
+        <a:solidFill>
+          <a:srgbClr val="000000"/>
+        </a:solidFill>
+        <a:effectLst/>
+      </p:bgPr>
+    </p:bg>
     <p:spTree>
       <p:nvGrpSpPr>
         <p:cNvPr id="1" name=""/>
@@ -4415,77 +4233,34 @@
       <p:grpSpPr/>
       <p:sp>
         <p:nvSpPr>
-          <p:cNvPr id="2" name="Title 1"/>
-          <p:cNvSpPr>
-            <a:spLocks noGrp="1"/>
-          </p:cNvSpPr>
-          <p:nvPr>
-            <p:ph type="title"/>
-          </p:nvPr>
-        </p:nvSpPr>
-        <p:spPr/>
-        <p:txBody>
-          <a:bodyPr/>
-          <a:lstStyle/>
-          <a:p>
-            <a:pPr>
-              <a:defRPr b="1" sz="4200"/>
-            </a:pPr>
-            <a:r>
-              <a:t>2 - Otherside - Red Hot Chili Peppers</a:t>
-            </a:r>
-          </a:p>
-        </p:txBody>
-      </p:sp>
-      <p:sp>
-        <p:nvSpPr>
-          <p:cNvPr id="3" name="Content Placeholder 2"/>
-          <p:cNvSpPr>
-            <a:spLocks noGrp="1"/>
-          </p:cNvSpPr>
-          <p:nvPr>
-            <p:ph idx="1"/>
-          </p:nvPr>
-        </p:nvSpPr>
-        <p:spPr/>
-        <p:txBody>
-          <a:bodyPr/>
-          <a:lstStyle/>
-          <a:p>
-            <a:pPr algn="ctr">
-              <a:defRPr sz="7200">
-                <a:solidFill>
-                  <a:srgbClr val="000000"/>
-                </a:solidFill>
-              </a:defRPr>
-            </a:pPr>
-            <a:r>
-              <a:t>Take it on the otherside</a:t>
-            </a:r>
-          </a:p>
-          <a:p>
-            <a:pPr algn="ctr">
-              <a:defRPr sz="7200">
-                <a:solidFill>
-                  <a:srgbClr val="000000"/>
-                </a:solidFill>
-              </a:defRPr>
-            </a:pPr>
-            <a:r>
-              <a:t>Take it on</a:t>
-            </a:r>
-          </a:p>
-          <a:p>
-            <a:pPr algn="ctr">
-              <a:defRPr sz="7200">
-                <a:solidFill>
-                  <a:srgbClr val="000000"/>
-                </a:solidFill>
-              </a:defRPr>
-            </a:pPr>
-            <a:r>
-              <a:t>Take it on</a:t>
-            </a:r>
+          <p:cNvPr id="2" name="TextBox 1"/>
+          <p:cNvSpPr txBox="1"/>
+          <p:nvPr/>
+        </p:nvSpPr>
+        <p:spPr>
+          <a:xfrm>
+            <a:off x="914400" y="914400"/>
+            <a:ext cx="7315200" cy="1828800"/>
+          </a:xfrm>
+          <a:prstGeom prst="rect">
+            <a:avLst/>
+          </a:prstGeom>
+          <a:noFill/>
+        </p:spPr>
+        <p:txBody>
+          <a:bodyPr wrap="square">
+            <a:spAutoFit/>
+          </a:bodyPr>
+          <a:lstStyle/>
+          <a:p>
+            <a:pPr algn="ctr">
+              <a:defRPr sz="1200">
+                <a:solidFill>
+                  <a:srgbClr val="FFFFFF"/>
+                </a:solidFill>
+                <a:latin typeface="Times New Roman"/>
+              </a:defRPr>
+            </a:pPr>
           </a:p>
         </p:txBody>
       </p:sp>
@@ -4500,6 +4275,14 @@
 <file path=ppt/slides/slide22.xml><?xml version="1.0" encoding="utf-8"?>
 <p:sld xmlns:a="http://schemas.openxmlformats.org/drawingml/2006/main" xmlns:p="http://schemas.openxmlformats.org/presentationml/2006/main" xmlns:r="http://schemas.openxmlformats.org/officeDocument/2006/relationships">
   <p:cSld>
+    <p:bg>
+      <p:bgPr>
+        <a:solidFill>
+          <a:srgbClr val="000000"/>
+        </a:solidFill>
+        <a:effectLst/>
+      </p:bgPr>
+    </p:bg>
     <p:spTree>
       <p:nvGrpSpPr>
         <p:cNvPr id="1" name=""/>
@@ -4509,88 +4292,49 @@
       <p:grpSpPr/>
       <p:sp>
         <p:nvSpPr>
-          <p:cNvPr id="2" name="Title 1"/>
-          <p:cNvSpPr>
-            <a:spLocks noGrp="1"/>
-          </p:cNvSpPr>
-          <p:nvPr>
-            <p:ph type="title"/>
-          </p:nvPr>
-        </p:nvSpPr>
-        <p:spPr/>
-        <p:txBody>
-          <a:bodyPr/>
-          <a:lstStyle/>
-          <a:p>
-            <a:pPr>
-              <a:defRPr b="1" sz="4200"/>
-            </a:pPr>
-            <a:r>
-              <a:t>2 - Otherside - Red Hot Chili Peppers</a:t>
-            </a:r>
-          </a:p>
-        </p:txBody>
-      </p:sp>
-      <p:sp>
-        <p:nvSpPr>
-          <p:cNvPr id="3" name="Content Placeholder 2"/>
-          <p:cNvSpPr>
-            <a:spLocks noGrp="1"/>
-          </p:cNvSpPr>
-          <p:nvPr>
-            <p:ph idx="1"/>
-          </p:nvPr>
-        </p:nvSpPr>
-        <p:spPr/>
-        <p:txBody>
-          <a:bodyPr/>
-          <a:lstStyle/>
-          <a:p>
-            <a:pPr algn="ctr">
-              <a:defRPr sz="4300">
-                <a:solidFill>
-                  <a:srgbClr val="000000"/>
-                </a:solidFill>
-              </a:defRPr>
-            </a:pPr>
-            <a:r>
-              <a:t>How long, how long will I slide?</a:t>
-            </a:r>
-          </a:p>
-          <a:p>
-            <a:pPr algn="ctr">
-              <a:defRPr sz="4300">
-                <a:solidFill>
-                  <a:srgbClr val="000000"/>
-                </a:solidFill>
-              </a:defRPr>
-            </a:pPr>
-            <a:r>
-              <a:t>Separate my side, I don’t</a:t>
-            </a:r>
-          </a:p>
-          <a:p>
-            <a:pPr algn="ctr">
-              <a:defRPr sz="4300">
-                <a:solidFill>
-                  <a:srgbClr val="000000"/>
-                </a:solidFill>
-              </a:defRPr>
-            </a:pPr>
-            <a:r>
-              <a:t>I don’t believe it’s bad</a:t>
-            </a:r>
-          </a:p>
-          <a:p>
-            <a:pPr algn="ctr">
-              <a:defRPr sz="4300">
-                <a:solidFill>
-                  <a:srgbClr val="000000"/>
-                </a:solidFill>
-              </a:defRPr>
-            </a:pPr>
-            <a:r>
-              <a:t>A slit in my throat, it’s all I ever</a:t>
+          <p:cNvPr id="2" name="TextBox 1"/>
+          <p:cNvSpPr txBox="1"/>
+          <p:nvPr/>
+        </p:nvSpPr>
+        <p:spPr>
+          <a:xfrm>
+            <a:off x="914400" y="914400"/>
+            <a:ext cx="7315200" cy="1828800"/>
+          </a:xfrm>
+          <a:prstGeom prst="rect">
+            <a:avLst/>
+          </a:prstGeom>
+          <a:noFill/>
+        </p:spPr>
+        <p:txBody>
+          <a:bodyPr wrap="square">
+            <a:spAutoFit/>
+          </a:bodyPr>
+          <a:lstStyle/>
+          <a:p>
+            <a:pPr algn="ctr">
+              <a:defRPr sz="5800">
+                <a:solidFill>
+                  <a:srgbClr val="FFFFFF"/>
+                </a:solidFill>
+                <a:latin typeface="Times New Roman"/>
+              </a:defRPr>
+            </a:pPr>
+            <a:r>
+              <a:t>Glória, glória a Deus nas alturas</a:t>
+            </a:r>
+          </a:p>
+          <a:p>
+            <a:pPr algn="ctr">
+              <a:defRPr sz="5800">
+                <a:solidFill>
+                  <a:srgbClr val="FFFFFF"/>
+                </a:solidFill>
+                <a:latin typeface="Times New Roman"/>
+              </a:defRPr>
+            </a:pPr>
+            <a:r>
+              <a:t>Ô, ô glória e a nós a Sua paz (x2)</a:t>
             </a:r>
           </a:p>
         </p:txBody>
@@ -4606,6 +4350,14 @@
 <file path=ppt/slides/slide23.xml><?xml version="1.0" encoding="utf-8"?>
 <p:sld xmlns:a="http://schemas.openxmlformats.org/drawingml/2006/main" xmlns:p="http://schemas.openxmlformats.org/presentationml/2006/main" xmlns:r="http://schemas.openxmlformats.org/officeDocument/2006/relationships">
   <p:cSld>
+    <p:bg>
+      <p:bgPr>
+        <a:solidFill>
+          <a:srgbClr val="000000"/>
+        </a:solidFill>
+        <a:effectLst/>
+      </p:bgPr>
+    </p:bg>
     <p:spTree>
       <p:nvGrpSpPr>
         <p:cNvPr id="1" name=""/>
@@ -4615,88 +4367,49 @@
       <p:grpSpPr/>
       <p:sp>
         <p:nvSpPr>
-          <p:cNvPr id="2" name="Title 1"/>
-          <p:cNvSpPr>
-            <a:spLocks noGrp="1"/>
-          </p:cNvSpPr>
-          <p:nvPr>
-            <p:ph type="title"/>
-          </p:nvPr>
-        </p:nvSpPr>
-        <p:spPr/>
-        <p:txBody>
-          <a:bodyPr/>
-          <a:lstStyle/>
-          <a:p>
-            <a:pPr>
-              <a:defRPr b="1" sz="4200"/>
-            </a:pPr>
-            <a:r>
-              <a:t>2 - Otherside - Red Hot Chili Peppers</a:t>
-            </a:r>
-          </a:p>
-        </p:txBody>
-      </p:sp>
-      <p:sp>
-        <p:nvSpPr>
-          <p:cNvPr id="3" name="Content Placeholder 2"/>
-          <p:cNvSpPr>
-            <a:spLocks noGrp="1"/>
-          </p:cNvSpPr>
-          <p:nvPr>
-            <p:ph idx="1"/>
-          </p:nvPr>
-        </p:nvSpPr>
-        <p:spPr/>
-        <p:txBody>
-          <a:bodyPr/>
-          <a:lstStyle/>
-          <a:p>
-            <a:pPr algn="ctr">
-              <a:defRPr sz="3500">
-                <a:solidFill>
-                  <a:srgbClr val="000000"/>
-                </a:solidFill>
-              </a:defRPr>
-            </a:pPr>
-            <a:r>
-              <a:t>Turn me on, take me for a hard ride</a:t>
-            </a:r>
-          </a:p>
-          <a:p>
-            <a:pPr algn="ctr">
-              <a:defRPr sz="3500">
-                <a:solidFill>
-                  <a:srgbClr val="000000"/>
-                </a:solidFill>
-              </a:defRPr>
-            </a:pPr>
-            <a:r>
-              <a:t>Burn me out, leave me on the otherside</a:t>
-            </a:r>
-          </a:p>
-          <a:p>
-            <a:pPr algn="ctr">
-              <a:defRPr sz="3500">
-                <a:solidFill>
-                  <a:srgbClr val="000000"/>
-                </a:solidFill>
-              </a:defRPr>
-            </a:pPr>
-            <a:r>
-              <a:t>I yell and tell it that it’s not my friend</a:t>
-            </a:r>
-          </a:p>
-          <a:p>
-            <a:pPr algn="ctr">
-              <a:defRPr sz="3500">
-                <a:solidFill>
-                  <a:srgbClr val="000000"/>
-                </a:solidFill>
-              </a:defRPr>
-            </a:pPr>
-            <a:r>
-              <a:t>I tear it down, I tear it down and then it’s born again</a:t>
+          <p:cNvPr id="2" name="TextBox 1"/>
+          <p:cNvSpPr txBox="1"/>
+          <p:nvPr/>
+        </p:nvSpPr>
+        <p:spPr>
+          <a:xfrm>
+            <a:off x="914400" y="914400"/>
+            <a:ext cx="7315200" cy="1828800"/>
+          </a:xfrm>
+          <a:prstGeom prst="rect">
+            <a:avLst/>
+          </a:prstGeom>
+          <a:noFill/>
+        </p:spPr>
+        <p:txBody>
+          <a:bodyPr wrap="square">
+            <a:spAutoFit/>
+          </a:bodyPr>
+          <a:lstStyle/>
+          <a:p>
+            <a:pPr algn="ctr">
+              <a:defRPr sz="5300">
+                <a:solidFill>
+                  <a:srgbClr val="FFFFFF"/>
+                </a:solidFill>
+                <a:latin typeface="Times New Roman"/>
+              </a:defRPr>
+            </a:pPr>
+            <a:r>
+              <a:t>Senhor Deus, Rei dos céus, Deus Pai onipotente</a:t>
+            </a:r>
+          </a:p>
+          <a:p>
+            <a:pPr algn="ctr">
+              <a:defRPr sz="5300">
+                <a:solidFill>
+                  <a:srgbClr val="FFFFFF"/>
+                </a:solidFill>
+                <a:latin typeface="Times New Roman"/>
+              </a:defRPr>
+            </a:pPr>
+            <a:r>
+              <a:t>Vos louvamos, bendizemos, adoramos</a:t>
             </a:r>
           </a:p>
         </p:txBody>
@@ -4712,6 +4425,14 @@
 <file path=ppt/slides/slide24.xml><?xml version="1.0" encoding="utf-8"?>
 <p:sld xmlns:a="http://schemas.openxmlformats.org/drawingml/2006/main" xmlns:p="http://schemas.openxmlformats.org/presentationml/2006/main" xmlns:r="http://schemas.openxmlformats.org/officeDocument/2006/relationships">
   <p:cSld>
+    <p:bg>
+      <p:bgPr>
+        <a:solidFill>
+          <a:srgbClr val="000000"/>
+        </a:solidFill>
+        <a:effectLst/>
+      </p:bgPr>
+    </p:bg>
     <p:spTree>
       <p:nvGrpSpPr>
         <p:cNvPr id="1" name=""/>
@@ -4721,88 +4442,36 @@
       <p:grpSpPr/>
       <p:sp>
         <p:nvSpPr>
-          <p:cNvPr id="2" name="Title 1"/>
-          <p:cNvSpPr>
-            <a:spLocks noGrp="1"/>
-          </p:cNvSpPr>
-          <p:nvPr>
-            <p:ph type="title"/>
-          </p:nvPr>
-        </p:nvSpPr>
-        <p:spPr/>
-        <p:txBody>
-          <a:bodyPr/>
-          <a:lstStyle/>
-          <a:p>
-            <a:pPr>
-              <a:defRPr b="1" sz="4200"/>
-            </a:pPr>
-            <a:r>
-              <a:t>2 - Otherside - Red Hot Chili Peppers</a:t>
-            </a:r>
-          </a:p>
-        </p:txBody>
-      </p:sp>
-      <p:sp>
-        <p:nvSpPr>
-          <p:cNvPr id="3" name="Content Placeholder 2"/>
-          <p:cNvSpPr>
-            <a:spLocks noGrp="1"/>
-          </p:cNvSpPr>
-          <p:nvPr>
-            <p:ph idx="1"/>
-          </p:nvPr>
-        </p:nvSpPr>
-        <p:spPr/>
-        <p:txBody>
-          <a:bodyPr/>
-          <a:lstStyle/>
-          <a:p>
-            <a:pPr algn="ctr">
-              <a:defRPr sz="4200">
-                <a:solidFill>
-                  <a:srgbClr val="000000"/>
-                </a:solidFill>
-              </a:defRPr>
-            </a:pPr>
-            <a:r>
-              <a:t>How long, how long will I slide?</a:t>
-            </a:r>
-          </a:p>
-          <a:p>
-            <a:pPr algn="ctr">
-              <a:defRPr sz="4200">
-                <a:solidFill>
-                  <a:srgbClr val="000000"/>
-                </a:solidFill>
-              </a:defRPr>
-            </a:pPr>
-            <a:r>
-              <a:t>Separate my side, I don’t</a:t>
-            </a:r>
-          </a:p>
-          <a:p>
-            <a:pPr algn="ctr">
-              <a:defRPr sz="4200">
-                <a:solidFill>
-                  <a:srgbClr val="000000"/>
-                </a:solidFill>
-              </a:defRPr>
-            </a:pPr>
-            <a:r>
-              <a:t>I don’t believe it’s bad</a:t>
-            </a:r>
-          </a:p>
-          <a:p>
-            <a:pPr algn="ctr">
-              <a:defRPr sz="4200">
-                <a:solidFill>
-                  <a:srgbClr val="000000"/>
-                </a:solidFill>
-              </a:defRPr>
-            </a:pPr>
-            <a:r>
-              <a:t>A slit in my throat it’s all I ever had</a:t>
+          <p:cNvPr id="2" name="TextBox 1"/>
+          <p:cNvSpPr txBox="1"/>
+          <p:nvPr/>
+        </p:nvSpPr>
+        <p:spPr>
+          <a:xfrm>
+            <a:off x="914400" y="914400"/>
+            <a:ext cx="7315200" cy="1828800"/>
+          </a:xfrm>
+          <a:prstGeom prst="rect">
+            <a:avLst/>
+          </a:prstGeom>
+          <a:noFill/>
+        </p:spPr>
+        <p:txBody>
+          <a:bodyPr wrap="square">
+            <a:spAutoFit/>
+          </a:bodyPr>
+          <a:lstStyle/>
+          <a:p>
+            <a:pPr algn="ctr">
+              <a:defRPr sz="6500">
+                <a:solidFill>
+                  <a:srgbClr val="FFFFFF"/>
+                </a:solidFill>
+                <a:latin typeface="Times New Roman"/>
+              </a:defRPr>
+            </a:pPr>
+            <a:r>
+              <a:t>Nós Vos glorificamos e nós Vos damos graças, por Vossa </a:t>
             </a:r>
           </a:p>
         </p:txBody>
@@ -4818,6 +4487,14 @@
 <file path=ppt/slides/slide25.xml><?xml version="1.0" encoding="utf-8"?>
 <p:sld xmlns:a="http://schemas.openxmlformats.org/drawingml/2006/main" xmlns:p="http://schemas.openxmlformats.org/presentationml/2006/main" xmlns:r="http://schemas.openxmlformats.org/officeDocument/2006/relationships">
   <p:cSld>
+    <p:bg>
+      <p:bgPr>
+        <a:solidFill>
+          <a:srgbClr val="000000"/>
+        </a:solidFill>
+        <a:effectLst/>
+      </p:bgPr>
+    </p:bg>
     <p:spTree>
       <p:nvGrpSpPr>
         <p:cNvPr id="1" name=""/>
@@ -4827,76 +4504,49 @@
       <p:grpSpPr/>
       <p:sp>
         <p:nvSpPr>
-          <p:cNvPr id="2" name="Title 1"/>
-          <p:cNvSpPr>
-            <a:spLocks noGrp="1"/>
-          </p:cNvSpPr>
-          <p:nvPr>
-            <p:ph type="title"/>
-          </p:nvPr>
-        </p:nvSpPr>
-        <p:spPr/>
-        <p:txBody>
-          <a:bodyPr/>
-          <a:lstStyle/>
-          <a:p>
-            <a:pPr>
-              <a:defRPr b="1" sz="4200"/>
-            </a:pPr>
-            <a:r>
-              <a:t>2 - Otherside - Red Hot Chili Peppers</a:t>
-            </a:r>
-          </a:p>
-        </p:txBody>
-      </p:sp>
-      <p:sp>
-        <p:nvSpPr>
-          <p:cNvPr id="3" name="Content Placeholder 2"/>
-          <p:cNvSpPr>
-            <a:spLocks noGrp="1"/>
-          </p:cNvSpPr>
-          <p:nvPr>
-            <p:ph idx="1"/>
-          </p:nvPr>
-        </p:nvSpPr>
-        <p:spPr/>
-        <p:txBody>
-          <a:bodyPr/>
-          <a:lstStyle/>
-          <a:p>
-            <a:pPr algn="ctr">
-              <a:defRPr sz="5300">
-                <a:solidFill>
-                  <a:srgbClr val="000000"/>
-                </a:solidFill>
-              </a:defRPr>
-            </a:pPr>
-            <a:r>
-              <a:t>(How long?)</a:t>
-            </a:r>
-          </a:p>
-          <a:p>
-            <a:pPr algn="ctr">
-              <a:defRPr sz="5300">
-                <a:solidFill>
-                  <a:srgbClr val="000000"/>
-                </a:solidFill>
-              </a:defRPr>
-            </a:pPr>
-            <a:r>
-              <a:t>I don't, I don’t believe it’s bad</a:t>
-            </a:r>
-          </a:p>
-          <a:p>
-            <a:pPr algn="ctr">
-              <a:defRPr sz="5300">
-                <a:solidFill>
-                  <a:srgbClr val="000000"/>
-                </a:solidFill>
-              </a:defRPr>
-            </a:pPr>
-            <a:r>
-              <a:t>A slit in my throat, it’s all I ever</a:t>
+          <p:cNvPr id="2" name="TextBox 1"/>
+          <p:cNvSpPr txBox="1"/>
+          <p:nvPr/>
+        </p:nvSpPr>
+        <p:spPr>
+          <a:xfrm>
+            <a:off x="914400" y="914400"/>
+            <a:ext cx="7315200" cy="1828800"/>
+          </a:xfrm>
+          <a:prstGeom prst="rect">
+            <a:avLst/>
+          </a:prstGeom>
+          <a:noFill/>
+        </p:spPr>
+        <p:txBody>
+          <a:bodyPr wrap="square">
+            <a:spAutoFit/>
+          </a:bodyPr>
+          <a:lstStyle/>
+          <a:p>
+            <a:pPr algn="ctr">
+              <a:defRPr sz="5800">
+                <a:solidFill>
+                  <a:srgbClr val="FFFFFF"/>
+                </a:solidFill>
+                <a:latin typeface="Times New Roman"/>
+              </a:defRPr>
+            </a:pPr>
+            <a:r>
+              <a:t>Glória, glória a Deus nas alturas</a:t>
+            </a:r>
+          </a:p>
+          <a:p>
+            <a:pPr algn="ctr">
+              <a:defRPr sz="5800">
+                <a:solidFill>
+                  <a:srgbClr val="FFFFFF"/>
+                </a:solidFill>
+                <a:latin typeface="Times New Roman"/>
+              </a:defRPr>
+            </a:pPr>
+            <a:r>
+              <a:t>Ô, ô glória e a nós a Sua paz (x2)</a:t>
             </a:r>
           </a:p>
         </p:txBody>
@@ -4912,6 +4562,14 @@
 <file path=ppt/slides/slide26.xml><?xml version="1.0" encoding="utf-8"?>
 <p:sld xmlns:a="http://schemas.openxmlformats.org/drawingml/2006/main" xmlns:p="http://schemas.openxmlformats.org/presentationml/2006/main" xmlns:r="http://schemas.openxmlformats.org/officeDocument/2006/relationships">
   <p:cSld>
+    <p:bg>
+      <p:bgPr>
+        <a:solidFill>
+          <a:srgbClr val="000000"/>
+        </a:solidFill>
+        <a:effectLst/>
+      </p:bgPr>
+    </p:bg>
     <p:spTree>
       <p:nvGrpSpPr>
         <p:cNvPr id="1" name=""/>
@@ -4921,36 +4579,276 @@
       <p:grpSpPr/>
       <p:sp>
         <p:nvSpPr>
-          <p:cNvPr id="2" name="Title 1"/>
-          <p:cNvSpPr>
-            <a:spLocks noGrp="1"/>
-          </p:cNvSpPr>
-          <p:nvPr>
-            <p:ph type="ctrTitle"/>
-          </p:nvPr>
-        </p:nvSpPr>
-        <p:spPr/>
-        <p:txBody>
-          <a:bodyPr/>
-          <a:lstStyle/>
-          <a:p/>
-        </p:txBody>
-      </p:sp>
-      <p:sp>
-        <p:nvSpPr>
-          <p:cNvPr id="3" name="Subtitle 2"/>
-          <p:cNvSpPr>
-            <a:spLocks noGrp="1"/>
-          </p:cNvSpPr>
-          <p:nvPr>
-            <p:ph type="subTitle" idx="1"/>
-          </p:nvPr>
-        </p:nvSpPr>
-        <p:spPr/>
-        <p:txBody>
-          <a:bodyPr/>
-          <a:lstStyle/>
-          <a:p/>
+          <p:cNvPr id="2" name="TextBox 1"/>
+          <p:cNvSpPr txBox="1"/>
+          <p:nvPr/>
+        </p:nvSpPr>
+        <p:spPr>
+          <a:xfrm>
+            <a:off x="914400" y="914400"/>
+            <a:ext cx="7315200" cy="1828800"/>
+          </a:xfrm>
+          <a:prstGeom prst="rect">
+            <a:avLst/>
+          </a:prstGeom>
+          <a:noFill/>
+        </p:spPr>
+        <p:txBody>
+          <a:bodyPr wrap="square">
+            <a:spAutoFit/>
+          </a:bodyPr>
+          <a:lstStyle/>
+          <a:p>
+            <a:pPr algn="ctr">
+              <a:defRPr sz="4600">
+                <a:solidFill>
+                  <a:srgbClr val="FFFFFF"/>
+                </a:solidFill>
+                <a:latin typeface="Times New Roman"/>
+              </a:defRPr>
+            </a:pPr>
+            <a:r>
+              <a:t>Jesus Cristo, Senhor Deus, Filho único do Pai</a:t>
+            </a:r>
+          </a:p>
+          <a:p>
+            <a:pPr algn="ctr">
+              <a:defRPr sz="4600">
+                <a:solidFill>
+                  <a:srgbClr val="FFFFFF"/>
+                </a:solidFill>
+                <a:latin typeface="Times New Roman"/>
+              </a:defRPr>
+            </a:pPr>
+            <a:r>
+              <a:t>Cordeiro de Deus que tirais o pecado do mundo, tende piedade</a:t>
+            </a:r>
+          </a:p>
+        </p:txBody>
+      </p:sp>
+    </p:spTree>
+  </p:cSld>
+  <p:clrMapOvr>
+    <a:masterClrMapping/>
+  </p:clrMapOvr>
+</p:sld>
+</file>
+
+<file path=ppt/slides/slide27.xml><?xml version="1.0" encoding="utf-8"?>
+<p:sld xmlns:a="http://schemas.openxmlformats.org/drawingml/2006/main" xmlns:p="http://schemas.openxmlformats.org/presentationml/2006/main" xmlns:r="http://schemas.openxmlformats.org/officeDocument/2006/relationships">
+  <p:cSld>
+    <p:bg>
+      <p:bgPr>
+        <a:solidFill>
+          <a:srgbClr val="000000"/>
+        </a:solidFill>
+        <a:effectLst/>
+      </p:bgPr>
+    </p:bg>
+    <p:spTree>
+      <p:nvGrpSpPr>
+        <p:cNvPr id="1" name=""/>
+        <p:cNvGrpSpPr/>
+        <p:nvPr/>
+      </p:nvGrpSpPr>
+      <p:grpSpPr/>
+      <p:sp>
+        <p:nvSpPr>
+          <p:cNvPr id="2" name="TextBox 1"/>
+          <p:cNvSpPr txBox="1"/>
+          <p:nvPr/>
+        </p:nvSpPr>
+        <p:spPr>
+          <a:xfrm>
+            <a:off x="914400" y="914400"/>
+            <a:ext cx="7315200" cy="1828800"/>
+          </a:xfrm>
+          <a:prstGeom prst="rect">
+            <a:avLst/>
+          </a:prstGeom>
+          <a:noFill/>
+        </p:spPr>
+        <p:txBody>
+          <a:bodyPr wrap="square">
+            <a:spAutoFit/>
+          </a:bodyPr>
+          <a:lstStyle/>
+          <a:p>
+            <a:pPr algn="ctr">
+              <a:defRPr sz="4300">
+                <a:solidFill>
+                  <a:srgbClr val="FFFFFF"/>
+                </a:solidFill>
+                <a:latin typeface="Times New Roman"/>
+              </a:defRPr>
+            </a:pPr>
+            <a:r>
+              <a:t>Vós que estais a direita do Pai, tende piedade</a:t>
+            </a:r>
+          </a:p>
+          <a:p>
+            <a:pPr algn="ctr">
+              <a:defRPr sz="4300">
+                <a:solidFill>
+                  <a:srgbClr val="FFFFFF"/>
+                </a:solidFill>
+                <a:latin typeface="Times New Roman"/>
+              </a:defRPr>
+            </a:pPr>
+            <a:r>
+              <a:t>Vós que tirais o pecado do mundo, tende piedade, acolhei a nossa súplica</a:t>
+            </a:r>
+          </a:p>
+        </p:txBody>
+      </p:sp>
+    </p:spTree>
+  </p:cSld>
+  <p:clrMapOvr>
+    <a:masterClrMapping/>
+  </p:clrMapOvr>
+</p:sld>
+</file>
+
+<file path=ppt/slides/slide28.xml><?xml version="1.0" encoding="utf-8"?>
+<p:sld xmlns:a="http://schemas.openxmlformats.org/drawingml/2006/main" xmlns:p="http://schemas.openxmlformats.org/presentationml/2006/main" xmlns:r="http://schemas.openxmlformats.org/officeDocument/2006/relationships">
+  <p:cSld>
+    <p:bg>
+      <p:bgPr>
+        <a:solidFill>
+          <a:srgbClr val="000000"/>
+        </a:solidFill>
+        <a:effectLst/>
+      </p:bgPr>
+    </p:bg>
+    <p:spTree>
+      <p:nvGrpSpPr>
+        <p:cNvPr id="1" name=""/>
+        <p:cNvGrpSpPr/>
+        <p:nvPr/>
+      </p:nvGrpSpPr>
+      <p:grpSpPr/>
+      <p:sp>
+        <p:nvSpPr>
+          <p:cNvPr id="2" name="TextBox 1"/>
+          <p:cNvSpPr txBox="1"/>
+          <p:nvPr/>
+        </p:nvSpPr>
+        <p:spPr>
+          <a:xfrm>
+            <a:off x="914400" y="914400"/>
+            <a:ext cx="7315200" cy="1828800"/>
+          </a:xfrm>
+          <a:prstGeom prst="rect">
+            <a:avLst/>
+          </a:prstGeom>
+          <a:noFill/>
+        </p:spPr>
+        <p:txBody>
+          <a:bodyPr wrap="square">
+            <a:spAutoFit/>
+          </a:bodyPr>
+          <a:lstStyle/>
+          <a:p>
+            <a:pPr algn="ctr">
+              <a:defRPr sz="5800">
+                <a:solidFill>
+                  <a:srgbClr val="FFFFFF"/>
+                </a:solidFill>
+                <a:latin typeface="Times New Roman"/>
+              </a:defRPr>
+            </a:pPr>
+            <a:r>
+              <a:t>Glória, glória a Deus nas alturas</a:t>
+            </a:r>
+          </a:p>
+          <a:p>
+            <a:pPr algn="ctr">
+              <a:defRPr sz="5800">
+                <a:solidFill>
+                  <a:srgbClr val="FFFFFF"/>
+                </a:solidFill>
+                <a:latin typeface="Times New Roman"/>
+              </a:defRPr>
+            </a:pPr>
+            <a:r>
+              <a:t>Ô, ô glória e a nós a Sua paz (x2)</a:t>
+            </a:r>
+          </a:p>
+        </p:txBody>
+      </p:sp>
+    </p:spTree>
+  </p:cSld>
+  <p:clrMapOvr>
+    <a:masterClrMapping/>
+  </p:clrMapOvr>
+</p:sld>
+</file>
+
+<file path=ppt/slides/slide29.xml><?xml version="1.0" encoding="utf-8"?>
+<p:sld xmlns:a="http://schemas.openxmlformats.org/drawingml/2006/main" xmlns:p="http://schemas.openxmlformats.org/presentationml/2006/main" xmlns:r="http://schemas.openxmlformats.org/officeDocument/2006/relationships">
+  <p:cSld>
+    <p:bg>
+      <p:bgPr>
+        <a:solidFill>
+          <a:srgbClr val="000000"/>
+        </a:solidFill>
+        <a:effectLst/>
+      </p:bgPr>
+    </p:bg>
+    <p:spTree>
+      <p:nvGrpSpPr>
+        <p:cNvPr id="1" name=""/>
+        <p:cNvGrpSpPr/>
+        <p:nvPr/>
+      </p:nvGrpSpPr>
+      <p:grpSpPr/>
+      <p:sp>
+        <p:nvSpPr>
+          <p:cNvPr id="2" name="TextBox 1"/>
+          <p:cNvSpPr txBox="1"/>
+          <p:nvPr/>
+        </p:nvSpPr>
+        <p:spPr>
+          <a:xfrm>
+            <a:off x="914400" y="914400"/>
+            <a:ext cx="7315200" cy="1828800"/>
+          </a:xfrm>
+          <a:prstGeom prst="rect">
+            <a:avLst/>
+          </a:prstGeom>
+          <a:noFill/>
+        </p:spPr>
+        <p:txBody>
+          <a:bodyPr wrap="square">
+            <a:spAutoFit/>
+          </a:bodyPr>
+          <a:lstStyle/>
+          <a:p>
+            <a:pPr algn="ctr">
+              <a:defRPr sz="4800">
+                <a:solidFill>
+                  <a:srgbClr val="FFFFFF"/>
+                </a:solidFill>
+                <a:latin typeface="Times New Roman"/>
+              </a:defRPr>
+            </a:pPr>
+            <a:r>
+              <a:t>Só Vós sois o Santo, o Senhor, o Altíssimo, só Vós</a:t>
+            </a:r>
+          </a:p>
+          <a:p>
+            <a:pPr algn="ctr">
+              <a:defRPr sz="4800">
+                <a:solidFill>
+                  <a:srgbClr val="FFFFFF"/>
+                </a:solidFill>
+                <a:latin typeface="Times New Roman"/>
+              </a:defRPr>
+            </a:pPr>
+            <a:r>
+              <a:t>Jesus Cristo, com o Espírito e o Pai, em sua </a:t>
+            </a:r>
+          </a:p>
         </p:txBody>
       </p:sp>
     </p:spTree>
@@ -4964,6 +4862,14 @@
 <file path=ppt/slides/slide3.xml><?xml version="1.0" encoding="utf-8"?>
 <p:sld xmlns:a="http://schemas.openxmlformats.org/drawingml/2006/main" xmlns:p="http://schemas.openxmlformats.org/presentationml/2006/main" xmlns:r="http://schemas.openxmlformats.org/officeDocument/2006/relationships">
   <p:cSld>
+    <p:bg>
+      <p:bgPr>
+        <a:solidFill>
+          <a:srgbClr val="000000"/>
+        </a:solidFill>
+        <a:effectLst/>
+      </p:bgPr>
+    </p:bg>
     <p:spTree>
       <p:nvGrpSpPr>
         <p:cNvPr id="1" name=""/>
@@ -4973,64 +4879,813 @@
       <p:grpSpPr/>
       <p:sp>
         <p:nvSpPr>
-          <p:cNvPr id="2" name="Title 1"/>
-          <p:cNvSpPr>
-            <a:spLocks noGrp="1"/>
-          </p:cNvSpPr>
-          <p:nvPr>
-            <p:ph type="title"/>
-          </p:nvPr>
-        </p:nvSpPr>
-        <p:spPr/>
-        <p:txBody>
-          <a:bodyPr/>
-          <a:lstStyle/>
-          <a:p>
-            <a:pPr>
-              <a:defRPr b="1" sz="4200"/>
-            </a:pPr>
-            <a:r>
-              <a:t>1 - Sweet Child O' Mine - Guns N' Roses</a:t>
-            </a:r>
-          </a:p>
-        </p:txBody>
-      </p:sp>
-      <p:sp>
-        <p:nvSpPr>
-          <p:cNvPr id="3" name="Content Placeholder 2"/>
-          <p:cNvSpPr>
-            <a:spLocks noGrp="1"/>
-          </p:cNvSpPr>
-          <p:nvPr>
-            <p:ph idx="1"/>
-          </p:nvPr>
-        </p:nvSpPr>
-        <p:spPr/>
-        <p:txBody>
-          <a:bodyPr/>
-          <a:lstStyle/>
-          <a:p>
-            <a:pPr algn="ctr">
-              <a:defRPr sz="5900">
-                <a:solidFill>
-                  <a:srgbClr val="000000"/>
-                </a:solidFill>
-              </a:defRPr>
-            </a:pPr>
-            <a:r>
-              <a:t>Oh, oh, oh, sweet child of mine</a:t>
-            </a:r>
-          </a:p>
-          <a:p>
-            <a:pPr algn="ctr">
-              <a:defRPr sz="5900">
-                <a:solidFill>
-                  <a:srgbClr val="000000"/>
-                </a:solidFill>
-              </a:defRPr>
-            </a:pPr>
-            <a:r>
-              <a:t>Oh, oh, oh, oh, sweet love of mine</a:t>
+          <p:cNvPr id="2" name="TextBox 1"/>
+          <p:cNvSpPr txBox="1"/>
+          <p:nvPr/>
+        </p:nvSpPr>
+        <p:spPr>
+          <a:xfrm>
+            <a:off x="914400" y="914400"/>
+            <a:ext cx="7315200" cy="1828800"/>
+          </a:xfrm>
+          <a:prstGeom prst="rect">
+            <a:avLst/>
+          </a:prstGeom>
+          <a:noFill/>
+        </p:spPr>
+        <p:txBody>
+          <a:bodyPr wrap="square">
+            <a:spAutoFit/>
+          </a:bodyPr>
+          <a:lstStyle/>
+          <a:p>
+            <a:pPr algn="ctr">
+              <a:defRPr sz="1200">
+                <a:solidFill>
+                  <a:srgbClr val="FFFFFF"/>
+                </a:solidFill>
+                <a:latin typeface="Times New Roman"/>
+              </a:defRPr>
+            </a:pPr>
+          </a:p>
+        </p:txBody>
+      </p:sp>
+    </p:spTree>
+  </p:cSld>
+  <p:clrMapOvr>
+    <a:masterClrMapping/>
+  </p:clrMapOvr>
+</p:sld>
+</file>
+
+<file path=ppt/slides/slide30.xml><?xml version="1.0" encoding="utf-8"?>
+<p:sld xmlns:a="http://schemas.openxmlformats.org/drawingml/2006/main" xmlns:p="http://schemas.openxmlformats.org/presentationml/2006/main" xmlns:r="http://schemas.openxmlformats.org/officeDocument/2006/relationships">
+  <p:cSld>
+    <p:bg>
+      <p:bgPr>
+        <a:solidFill>
+          <a:srgbClr val="000000"/>
+        </a:solidFill>
+        <a:effectLst/>
+      </p:bgPr>
+    </p:bg>
+    <p:spTree>
+      <p:nvGrpSpPr>
+        <p:cNvPr id="1" name=""/>
+        <p:cNvGrpSpPr/>
+        <p:nvPr/>
+      </p:nvGrpSpPr>
+      <p:grpSpPr/>
+      <p:sp>
+        <p:nvSpPr>
+          <p:cNvPr id="2" name="TextBox 1"/>
+          <p:cNvSpPr txBox="1"/>
+          <p:nvPr/>
+        </p:nvSpPr>
+        <p:spPr>
+          <a:xfrm>
+            <a:off x="914400" y="914400"/>
+            <a:ext cx="7315200" cy="1828800"/>
+          </a:xfrm>
+          <a:prstGeom prst="rect">
+            <a:avLst/>
+          </a:prstGeom>
+          <a:noFill/>
+        </p:spPr>
+        <p:txBody>
+          <a:bodyPr wrap="square">
+            <a:spAutoFit/>
+          </a:bodyPr>
+          <a:lstStyle/>
+          <a:p>
+            <a:pPr algn="ctr">
+              <a:defRPr sz="5800">
+                <a:solidFill>
+                  <a:srgbClr val="FFFFFF"/>
+                </a:solidFill>
+                <a:latin typeface="Times New Roman"/>
+              </a:defRPr>
+            </a:pPr>
+            <a:r>
+              <a:t>Glória, glória a Deus nas alturas</a:t>
+            </a:r>
+          </a:p>
+          <a:p>
+            <a:pPr algn="ctr">
+              <a:defRPr sz="5800">
+                <a:solidFill>
+                  <a:srgbClr val="FFFFFF"/>
+                </a:solidFill>
+                <a:latin typeface="Times New Roman"/>
+              </a:defRPr>
+            </a:pPr>
+            <a:r>
+              <a:t>Ô, ô glória e a nós a Sua paz (x2)</a:t>
+            </a:r>
+          </a:p>
+        </p:txBody>
+      </p:sp>
+    </p:spTree>
+  </p:cSld>
+  <p:clrMapOvr>
+    <a:masterClrMapping/>
+  </p:clrMapOvr>
+</p:sld>
+</file>
+
+<file path=ppt/slides/slide31.xml><?xml version="1.0" encoding="utf-8"?>
+<p:sld xmlns:a="http://schemas.openxmlformats.org/drawingml/2006/main" xmlns:p="http://schemas.openxmlformats.org/presentationml/2006/main" xmlns:r="http://schemas.openxmlformats.org/officeDocument/2006/relationships">
+  <p:cSld>
+    <p:bg>
+      <p:bgPr>
+        <a:solidFill>
+          <a:srgbClr val="000000"/>
+        </a:solidFill>
+        <a:effectLst/>
+      </p:bgPr>
+    </p:bg>
+    <p:spTree>
+      <p:nvGrpSpPr>
+        <p:cNvPr id="1" name=""/>
+        <p:cNvGrpSpPr/>
+        <p:nvPr/>
+      </p:nvGrpSpPr>
+      <p:grpSpPr/>
+      <p:sp>
+        <p:nvSpPr>
+          <p:cNvPr id="2" name="TextBox 1"/>
+          <p:cNvSpPr txBox="1"/>
+          <p:nvPr/>
+        </p:nvSpPr>
+        <p:spPr>
+          <a:xfrm>
+            <a:off x="914400" y="914400"/>
+            <a:ext cx="7315200" cy="1828800"/>
+          </a:xfrm>
+          <a:prstGeom prst="rect">
+            <a:avLst/>
+          </a:prstGeom>
+          <a:noFill/>
+        </p:spPr>
+        <p:txBody>
+          <a:bodyPr wrap="square">
+            <a:spAutoFit/>
+          </a:bodyPr>
+          <a:lstStyle/>
+          <a:p>
+            <a:pPr algn="ctr">
+              <a:defRPr sz="1200">
+                <a:solidFill>
+                  <a:srgbClr val="FFFFFF"/>
+                </a:solidFill>
+                <a:latin typeface="Times New Roman"/>
+              </a:defRPr>
+            </a:pPr>
+          </a:p>
+        </p:txBody>
+      </p:sp>
+    </p:spTree>
+  </p:cSld>
+  <p:clrMapOvr>
+    <a:masterClrMapping/>
+  </p:clrMapOvr>
+</p:sld>
+</file>
+
+<file path=ppt/slides/slide32.xml><?xml version="1.0" encoding="utf-8"?>
+<p:sld xmlns:a="http://schemas.openxmlformats.org/drawingml/2006/main" xmlns:p="http://schemas.openxmlformats.org/presentationml/2006/main" xmlns:r="http://schemas.openxmlformats.org/officeDocument/2006/relationships">
+  <p:cSld>
+    <p:bg>
+      <p:bgPr>
+        <a:solidFill>
+          <a:srgbClr val="000000"/>
+        </a:solidFill>
+        <a:effectLst/>
+      </p:bgPr>
+    </p:bg>
+    <p:spTree>
+      <p:nvGrpSpPr>
+        <p:cNvPr id="1" name=""/>
+        <p:cNvGrpSpPr/>
+        <p:nvPr/>
+      </p:nvGrpSpPr>
+      <p:grpSpPr/>
+      <p:sp>
+        <p:nvSpPr>
+          <p:cNvPr id="2" name="TextBox 1"/>
+          <p:cNvSpPr txBox="1"/>
+          <p:nvPr/>
+        </p:nvSpPr>
+        <p:spPr>
+          <a:xfrm>
+            <a:off x="914400" y="914400"/>
+            <a:ext cx="7315200" cy="1828800"/>
+          </a:xfrm>
+          <a:prstGeom prst="rect">
+            <a:avLst/>
+          </a:prstGeom>
+          <a:noFill/>
+        </p:spPr>
+        <p:txBody>
+          <a:bodyPr wrap="square">
+            <a:spAutoFit/>
+          </a:bodyPr>
+          <a:lstStyle/>
+          <a:p>
+            <a:pPr algn="ctr">
+              <a:defRPr sz="4500">
+                <a:solidFill>
+                  <a:srgbClr val="FFFFFF"/>
+                </a:solidFill>
+                <a:latin typeface="Times New Roman"/>
+              </a:defRPr>
+            </a:pPr>
+            <a:r>
+              <a:t>Ouviste a palavra de Deus, guardaste em teu coração,</a:t>
+            </a:r>
+          </a:p>
+          <a:p>
+            <a:pPr algn="ctr">
+              <a:defRPr sz="4500">
+                <a:solidFill>
+                  <a:srgbClr val="FFFFFF"/>
+                </a:solidFill>
+                <a:latin typeface="Times New Roman"/>
+              </a:defRPr>
+            </a:pPr>
+            <a:r>
+              <a:t>feliz porque creste, Maria, por ti nos vem a salvação! (x2)</a:t>
+            </a:r>
+          </a:p>
+        </p:txBody>
+      </p:sp>
+    </p:spTree>
+  </p:cSld>
+  <p:clrMapOvr>
+    <a:masterClrMapping/>
+  </p:clrMapOvr>
+</p:sld>
+</file>
+
+<file path=ppt/slides/slide33.xml><?xml version="1.0" encoding="utf-8"?>
+<p:sld xmlns:a="http://schemas.openxmlformats.org/drawingml/2006/main" xmlns:p="http://schemas.openxmlformats.org/presentationml/2006/main" xmlns:r="http://schemas.openxmlformats.org/officeDocument/2006/relationships">
+  <p:cSld>
+    <p:bg>
+      <p:bgPr>
+        <a:solidFill>
+          <a:srgbClr val="000000"/>
+        </a:solidFill>
+        <a:effectLst/>
+      </p:bgPr>
+    </p:bg>
+    <p:spTree>
+      <p:nvGrpSpPr>
+        <p:cNvPr id="1" name=""/>
+        <p:cNvGrpSpPr/>
+        <p:nvPr/>
+      </p:nvGrpSpPr>
+      <p:grpSpPr/>
+      <p:sp>
+        <p:nvSpPr>
+          <p:cNvPr id="2" name="TextBox 1"/>
+          <p:cNvSpPr txBox="1"/>
+          <p:nvPr/>
+        </p:nvSpPr>
+        <p:spPr>
+          <a:xfrm>
+            <a:off x="914400" y="914400"/>
+            <a:ext cx="7315200" cy="1828800"/>
+          </a:xfrm>
+          <a:prstGeom prst="rect">
+            <a:avLst/>
+          </a:prstGeom>
+          <a:noFill/>
+        </p:spPr>
+        <p:txBody>
+          <a:bodyPr wrap="square">
+            <a:spAutoFit/>
+          </a:bodyPr>
+          <a:lstStyle/>
+          <a:p>
+            <a:pPr algn="ctr">
+              <a:defRPr sz="1200">
+                <a:solidFill>
+                  <a:srgbClr val="FFFFFF"/>
+                </a:solidFill>
+                <a:latin typeface="Times New Roman"/>
+              </a:defRPr>
+            </a:pPr>
+          </a:p>
+        </p:txBody>
+      </p:sp>
+    </p:spTree>
+  </p:cSld>
+  <p:clrMapOvr>
+    <a:masterClrMapping/>
+  </p:clrMapOvr>
+</p:sld>
+</file>
+
+<file path=ppt/slides/slide34.xml><?xml version="1.0" encoding="utf-8"?>
+<p:sld xmlns:a="http://schemas.openxmlformats.org/drawingml/2006/main" xmlns:p="http://schemas.openxmlformats.org/presentationml/2006/main" xmlns:r="http://schemas.openxmlformats.org/officeDocument/2006/relationships">
+  <p:cSld>
+    <p:bg>
+      <p:bgPr>
+        <a:solidFill>
+          <a:srgbClr val="000000"/>
+        </a:solidFill>
+        <a:effectLst/>
+      </p:bgPr>
+    </p:bg>
+    <p:spTree>
+      <p:nvGrpSpPr>
+        <p:cNvPr id="1" name=""/>
+        <p:cNvGrpSpPr/>
+        <p:nvPr/>
+      </p:nvGrpSpPr>
+      <p:grpSpPr/>
+      <p:sp>
+        <p:nvSpPr>
+          <p:cNvPr id="2" name="TextBox 1"/>
+          <p:cNvSpPr txBox="1"/>
+          <p:nvPr/>
+        </p:nvSpPr>
+        <p:spPr>
+          <a:xfrm>
+            <a:off x="914400" y="914400"/>
+            <a:ext cx="7315200" cy="1828800"/>
+          </a:xfrm>
+          <a:prstGeom prst="rect">
+            <a:avLst/>
+          </a:prstGeom>
+          <a:noFill/>
+        </p:spPr>
+        <p:txBody>
+          <a:bodyPr wrap="square">
+            <a:spAutoFit/>
+          </a:bodyPr>
+          <a:lstStyle/>
+          <a:p>
+            <a:pPr algn="ctr">
+              <a:defRPr sz="5800">
+                <a:solidFill>
+                  <a:srgbClr val="FFFFFF"/>
+                </a:solidFill>
+                <a:latin typeface="Times New Roman"/>
+              </a:defRPr>
+            </a:pPr>
+            <a:r>
+              <a:t>Aleluia, Aleluia, Aleluia, Aleluia</a:t>
+            </a:r>
+          </a:p>
+          <a:p>
+            <a:pPr algn="ctr">
+              <a:defRPr sz="5800">
+                <a:solidFill>
+                  <a:srgbClr val="FFFFFF"/>
+                </a:solidFill>
+                <a:latin typeface="Times New Roman"/>
+              </a:defRPr>
+            </a:pPr>
+            <a:r>
+              <a:t>Aleluia, Aleluia, Aleluia, Aleluia</a:t>
+            </a:r>
+          </a:p>
+        </p:txBody>
+      </p:sp>
+    </p:spTree>
+  </p:cSld>
+  <p:clrMapOvr>
+    <a:masterClrMapping/>
+  </p:clrMapOvr>
+</p:sld>
+</file>
+
+<file path=ppt/slides/slide35.xml><?xml version="1.0" encoding="utf-8"?>
+<p:sld xmlns:a="http://schemas.openxmlformats.org/drawingml/2006/main" xmlns:p="http://schemas.openxmlformats.org/presentationml/2006/main" xmlns:r="http://schemas.openxmlformats.org/officeDocument/2006/relationships">
+  <p:cSld>
+    <p:bg>
+      <p:bgPr>
+        <a:solidFill>
+          <a:srgbClr val="000000"/>
+        </a:solidFill>
+        <a:effectLst/>
+      </p:bgPr>
+    </p:bg>
+    <p:spTree>
+      <p:nvGrpSpPr>
+        <p:cNvPr id="1" name=""/>
+        <p:cNvGrpSpPr/>
+        <p:nvPr/>
+      </p:nvGrpSpPr>
+      <p:grpSpPr/>
+      <p:sp>
+        <p:nvSpPr>
+          <p:cNvPr id="2" name="TextBox 1"/>
+          <p:cNvSpPr txBox="1"/>
+          <p:nvPr/>
+        </p:nvSpPr>
+        <p:spPr>
+          <a:xfrm>
+            <a:off x="914400" y="914400"/>
+            <a:ext cx="7315200" cy="1828800"/>
+          </a:xfrm>
+          <a:prstGeom prst="rect">
+            <a:avLst/>
+          </a:prstGeom>
+          <a:noFill/>
+        </p:spPr>
+        <p:txBody>
+          <a:bodyPr wrap="square">
+            <a:spAutoFit/>
+          </a:bodyPr>
+          <a:lstStyle/>
+          <a:p>
+            <a:pPr algn="ctr">
+              <a:defRPr sz="4800">
+                <a:solidFill>
+                  <a:srgbClr val="FFFFFF"/>
+                </a:solidFill>
+                <a:latin typeface="Times New Roman"/>
+              </a:defRPr>
+            </a:pPr>
+            <a:r>
+              <a:t>Eu vos trago a boa nova de uma grande alegria</a:t>
+            </a:r>
+          </a:p>
+          <a:p>
+            <a:pPr algn="ctr">
+              <a:defRPr sz="4800">
+                <a:solidFill>
+                  <a:srgbClr val="FFFFFF"/>
+                </a:solidFill>
+                <a:latin typeface="Times New Roman"/>
+              </a:defRPr>
+            </a:pPr>
+            <a:r>
+              <a:t>é que hoje vos nasceu o Salvador, Cristo, o Senhor.</a:t>
+            </a:r>
+          </a:p>
+        </p:txBody>
+      </p:sp>
+    </p:spTree>
+  </p:cSld>
+  <p:clrMapOvr>
+    <a:masterClrMapping/>
+  </p:clrMapOvr>
+</p:sld>
+</file>
+
+<file path=ppt/slides/slide36.xml><?xml version="1.0" encoding="utf-8"?>
+<p:sld xmlns:a="http://schemas.openxmlformats.org/drawingml/2006/main" xmlns:p="http://schemas.openxmlformats.org/presentationml/2006/main" xmlns:r="http://schemas.openxmlformats.org/officeDocument/2006/relationships">
+  <p:cSld>
+    <p:bg>
+      <p:bgPr>
+        <a:solidFill>
+          <a:srgbClr val="000000"/>
+        </a:solidFill>
+        <a:effectLst/>
+      </p:bgPr>
+    </p:bg>
+    <p:spTree>
+      <p:nvGrpSpPr>
+        <p:cNvPr id="1" name=""/>
+        <p:cNvGrpSpPr/>
+        <p:nvPr/>
+      </p:nvGrpSpPr>
+      <p:grpSpPr/>
+      <p:sp>
+        <p:nvSpPr>
+          <p:cNvPr id="2" name="TextBox 1"/>
+          <p:cNvSpPr txBox="1"/>
+          <p:nvPr/>
+        </p:nvSpPr>
+        <p:spPr>
+          <a:xfrm>
+            <a:off x="914400" y="914400"/>
+            <a:ext cx="7315200" cy="1828800"/>
+          </a:xfrm>
+          <a:prstGeom prst="rect">
+            <a:avLst/>
+          </a:prstGeom>
+          <a:noFill/>
+        </p:spPr>
+        <p:txBody>
+          <a:bodyPr wrap="square">
+            <a:spAutoFit/>
+          </a:bodyPr>
+          <a:lstStyle/>
+          <a:p>
+            <a:pPr algn="ctr">
+              <a:defRPr sz="1200">
+                <a:solidFill>
+                  <a:srgbClr val="FFFFFF"/>
+                </a:solidFill>
+                <a:latin typeface="Times New Roman"/>
+              </a:defRPr>
+            </a:pPr>
+          </a:p>
+        </p:txBody>
+      </p:sp>
+    </p:spTree>
+  </p:cSld>
+  <p:clrMapOvr>
+    <a:masterClrMapping/>
+  </p:clrMapOvr>
+</p:sld>
+</file>
+
+<file path=ppt/slides/slide37.xml><?xml version="1.0" encoding="utf-8"?>
+<p:sld xmlns:a="http://schemas.openxmlformats.org/drawingml/2006/main" xmlns:p="http://schemas.openxmlformats.org/presentationml/2006/main" xmlns:r="http://schemas.openxmlformats.org/officeDocument/2006/relationships">
+  <p:cSld>
+    <p:bg>
+      <p:bgPr>
+        <a:solidFill>
+          <a:srgbClr val="000000"/>
+        </a:solidFill>
+        <a:effectLst/>
+      </p:bgPr>
+    </p:bg>
+    <p:spTree>
+      <p:nvGrpSpPr>
+        <p:cNvPr id="1" name=""/>
+        <p:cNvGrpSpPr/>
+        <p:nvPr/>
+      </p:nvGrpSpPr>
+      <p:grpSpPr/>
+      <p:sp>
+        <p:nvSpPr>
+          <p:cNvPr id="2" name="TextBox 1"/>
+          <p:cNvSpPr txBox="1"/>
+          <p:nvPr/>
+        </p:nvSpPr>
+        <p:spPr>
+          <a:xfrm>
+            <a:off x="914400" y="914400"/>
+            <a:ext cx="7315200" cy="1828800"/>
+          </a:xfrm>
+          <a:prstGeom prst="rect">
+            <a:avLst/>
+          </a:prstGeom>
+          <a:noFill/>
+        </p:spPr>
+        <p:txBody>
+          <a:bodyPr wrap="square">
+            <a:spAutoFit/>
+          </a:bodyPr>
+          <a:lstStyle/>
+          <a:p>
+            <a:pPr algn="ctr">
+              <a:defRPr sz="3900">
+                <a:solidFill>
+                  <a:srgbClr val="FFFFFF"/>
+                </a:solidFill>
+                <a:latin typeface="Times New Roman"/>
+              </a:defRPr>
+            </a:pPr>
+            <a:r>
+              <a:t>Já desponta entre os montes a luz dos Sol</a:t>
+            </a:r>
+          </a:p>
+          <a:p>
+            <a:pPr algn="ctr">
+              <a:defRPr sz="3900">
+                <a:solidFill>
+                  <a:srgbClr val="FFFFFF"/>
+                </a:solidFill>
+                <a:latin typeface="Times New Roman"/>
+              </a:defRPr>
+            </a:pPr>
+            <a:r>
+              <a:t>E nascerá a nós o raiar de um novo dia</a:t>
+            </a:r>
+          </a:p>
+          <a:p>
+            <a:pPr algn="ctr">
+              <a:defRPr sz="3900">
+                <a:solidFill>
+                  <a:srgbClr val="FFFFFF"/>
+                </a:solidFill>
+                <a:latin typeface="Times New Roman"/>
+              </a:defRPr>
+            </a:pPr>
+            <a:r>
+              <a:t>A igreja reunida ofertará diante do altar</a:t>
+            </a:r>
+          </a:p>
+          <a:p>
+            <a:pPr algn="ctr">
+              <a:defRPr sz="3900">
+                <a:solidFill>
+                  <a:srgbClr val="FFFFFF"/>
+                </a:solidFill>
+                <a:latin typeface="Times New Roman"/>
+              </a:defRPr>
+            </a:pPr>
+            <a:r>
+              <a:t>Um sacrifício de amor</a:t>
+            </a:r>
+          </a:p>
+        </p:txBody>
+      </p:sp>
+    </p:spTree>
+  </p:cSld>
+  <p:clrMapOvr>
+    <a:masterClrMapping/>
+  </p:clrMapOvr>
+</p:sld>
+</file>
+
+<file path=ppt/slides/slide38.xml><?xml version="1.0" encoding="utf-8"?>
+<p:sld xmlns:a="http://schemas.openxmlformats.org/drawingml/2006/main" xmlns:p="http://schemas.openxmlformats.org/presentationml/2006/main" xmlns:r="http://schemas.openxmlformats.org/officeDocument/2006/relationships">
+  <p:cSld>
+    <p:bg>
+      <p:bgPr>
+        <a:solidFill>
+          <a:srgbClr val="000000"/>
+        </a:solidFill>
+        <a:effectLst/>
+      </p:bgPr>
+    </p:bg>
+    <p:spTree>
+      <p:nvGrpSpPr>
+        <p:cNvPr id="1" name=""/>
+        <p:cNvGrpSpPr/>
+        <p:nvPr/>
+      </p:nvGrpSpPr>
+      <p:grpSpPr/>
+      <p:sp>
+        <p:nvSpPr>
+          <p:cNvPr id="2" name="TextBox 1"/>
+          <p:cNvSpPr txBox="1"/>
+          <p:nvPr/>
+        </p:nvSpPr>
+        <p:spPr>
+          <a:xfrm>
+            <a:off x="914400" y="914400"/>
+            <a:ext cx="7315200" cy="1828800"/>
+          </a:xfrm>
+          <a:prstGeom prst="rect">
+            <a:avLst/>
+          </a:prstGeom>
+          <a:noFill/>
+        </p:spPr>
+        <p:txBody>
+          <a:bodyPr wrap="square">
+            <a:spAutoFit/>
+          </a:bodyPr>
+          <a:lstStyle/>
+          <a:p>
+            <a:pPr algn="ctr">
+              <a:defRPr sz="4100">
+                <a:solidFill>
+                  <a:srgbClr val="FFFFFF"/>
+                </a:solidFill>
+                <a:latin typeface="Times New Roman"/>
+              </a:defRPr>
+            </a:pPr>
+            <a:r>
+              <a:t>Em tuas mãos está todo o nosso agir</a:t>
+            </a:r>
+          </a:p>
+          <a:p>
+            <a:pPr algn="ctr">
+              <a:defRPr sz="4100">
+                <a:solidFill>
+                  <a:srgbClr val="FFFFFF"/>
+                </a:solidFill>
+                <a:latin typeface="Times New Roman"/>
+              </a:defRPr>
+            </a:pPr>
+            <a:r>
+              <a:t>Tudo o que somos ofertamos a ti</a:t>
+            </a:r>
+          </a:p>
+          <a:p>
+            <a:pPr algn="ctr">
+              <a:defRPr sz="4100">
+                <a:solidFill>
+                  <a:srgbClr val="FFFFFF"/>
+                </a:solidFill>
+                <a:latin typeface="Times New Roman"/>
+              </a:defRPr>
+            </a:pPr>
+            <a:r>
+              <a:t>Por este vinho e pão</a:t>
+            </a:r>
+          </a:p>
+          <a:p>
+            <a:pPr algn="ctr">
+              <a:defRPr sz="4100">
+                <a:solidFill>
+                  <a:srgbClr val="FFFFFF"/>
+                </a:solidFill>
+                <a:latin typeface="Times New Roman"/>
+              </a:defRPr>
+            </a:pPr>
+            <a:r>
+              <a:t>O sacrifício do altar a nós se perpetuará</a:t>
+            </a:r>
+          </a:p>
+        </p:txBody>
+      </p:sp>
+    </p:spTree>
+  </p:cSld>
+  <p:clrMapOvr>
+    <a:masterClrMapping/>
+  </p:clrMapOvr>
+</p:sld>
+</file>
+
+<file path=ppt/slides/slide39.xml><?xml version="1.0" encoding="utf-8"?>
+<p:sld xmlns:a="http://schemas.openxmlformats.org/drawingml/2006/main" xmlns:p="http://schemas.openxmlformats.org/presentationml/2006/main" xmlns:r="http://schemas.openxmlformats.org/officeDocument/2006/relationships">
+  <p:cSld>
+    <p:bg>
+      <p:bgPr>
+        <a:solidFill>
+          <a:srgbClr val="000000"/>
+        </a:solidFill>
+        <a:effectLst/>
+      </p:bgPr>
+    </p:bg>
+    <p:spTree>
+      <p:nvGrpSpPr>
+        <p:cNvPr id="1" name=""/>
+        <p:cNvGrpSpPr/>
+        <p:nvPr/>
+      </p:nvGrpSpPr>
+      <p:grpSpPr/>
+      <p:sp>
+        <p:nvSpPr>
+          <p:cNvPr id="2" name="TextBox 1"/>
+          <p:cNvSpPr txBox="1"/>
+          <p:nvPr/>
+        </p:nvSpPr>
+        <p:spPr>
+          <a:xfrm>
+            <a:off x="914400" y="914400"/>
+            <a:ext cx="7315200" cy="1828800"/>
+          </a:xfrm>
+          <a:prstGeom prst="rect">
+            <a:avLst/>
+          </a:prstGeom>
+          <a:noFill/>
+        </p:spPr>
+        <p:txBody>
+          <a:bodyPr wrap="square">
+            <a:spAutoFit/>
+          </a:bodyPr>
+          <a:lstStyle/>
+          <a:p>
+            <a:pPr algn="ctr">
+              <a:defRPr sz="3700">
+                <a:solidFill>
+                  <a:srgbClr val="FFFFFF"/>
+                </a:solidFill>
+                <a:latin typeface="Times New Roman"/>
+              </a:defRPr>
+            </a:pPr>
+            <a:r>
+              <a:t>Cultivando essa terra</a:t>
+            </a:r>
+          </a:p>
+          <a:p>
+            <a:pPr algn="ctr">
+              <a:defRPr sz="3700">
+                <a:solidFill>
+                  <a:srgbClr val="FFFFFF"/>
+                </a:solidFill>
+                <a:latin typeface="Times New Roman"/>
+              </a:defRPr>
+            </a:pPr>
+            <a:r>
+              <a:t>A ti virá do suor de nossas mãos o que de melhor nasceu</a:t>
+            </a:r>
+          </a:p>
+          <a:p>
+            <a:pPr algn="ctr">
+              <a:defRPr sz="3700">
+                <a:solidFill>
+                  <a:srgbClr val="FFFFFF"/>
+                </a:solidFill>
+                <a:latin typeface="Times New Roman"/>
+              </a:defRPr>
+            </a:pPr>
+            <a:r>
+              <a:t>Eis os frutos que colhemos, o vinho e pão</a:t>
+            </a:r>
+          </a:p>
+          <a:p>
+            <a:pPr algn="ctr">
+              <a:defRPr sz="3700">
+                <a:solidFill>
+                  <a:srgbClr val="FFFFFF"/>
+                </a:solidFill>
+                <a:latin typeface="Times New Roman"/>
+              </a:defRPr>
+            </a:pPr>
+            <a:r>
+              <a:t>Que se converterão no sacrifício de amor</a:t>
             </a:r>
           </a:p>
         </p:txBody>
@@ -5046,6 +5701,14 @@
 <file path=ppt/slides/slide4.xml><?xml version="1.0" encoding="utf-8"?>
 <p:sld xmlns:a="http://schemas.openxmlformats.org/drawingml/2006/main" xmlns:p="http://schemas.openxmlformats.org/presentationml/2006/main" xmlns:r="http://schemas.openxmlformats.org/officeDocument/2006/relationships">
   <p:cSld>
+    <p:bg>
+      <p:bgPr>
+        <a:solidFill>
+          <a:srgbClr val="000000"/>
+        </a:solidFill>
+        <a:effectLst/>
+      </p:bgPr>
+    </p:bg>
     <p:spTree>
       <p:nvGrpSpPr>
         <p:cNvPr id="1" name=""/>
@@ -5055,89 +5718,765 @@
       <p:grpSpPr/>
       <p:sp>
         <p:nvSpPr>
-          <p:cNvPr id="2" name="Title 1"/>
-          <p:cNvSpPr>
-            <a:spLocks noGrp="1"/>
-          </p:cNvSpPr>
-          <p:nvPr>
-            <p:ph type="title"/>
-          </p:nvPr>
-        </p:nvSpPr>
-        <p:spPr/>
-        <p:txBody>
-          <a:bodyPr/>
-          <a:lstStyle/>
-          <a:p>
-            <a:pPr>
-              <a:defRPr b="1" sz="4200"/>
-            </a:pPr>
-            <a:r>
-              <a:t>1 - Sweet Child O' Mine - Guns N' Roses</a:t>
-            </a:r>
-          </a:p>
-        </p:txBody>
-      </p:sp>
-      <p:sp>
-        <p:nvSpPr>
-          <p:cNvPr id="3" name="Content Placeholder 2"/>
-          <p:cNvSpPr>
-            <a:spLocks noGrp="1"/>
-          </p:cNvSpPr>
-          <p:nvPr>
-            <p:ph idx="1"/>
-          </p:nvPr>
-        </p:nvSpPr>
-        <p:spPr/>
-        <p:txBody>
-          <a:bodyPr/>
-          <a:lstStyle/>
-          <a:p>
-            <a:pPr algn="ctr">
-              <a:defRPr sz="4300">
-                <a:solidFill>
-                  <a:srgbClr val="000000"/>
-                </a:solidFill>
-              </a:defRPr>
-            </a:pPr>
-            <a:r>
-              <a:t>She's got eyes of the bluest skies</a:t>
-            </a:r>
-          </a:p>
-          <a:p>
-            <a:pPr algn="ctr">
-              <a:defRPr sz="4300">
-                <a:solidFill>
-                  <a:srgbClr val="000000"/>
-                </a:solidFill>
-              </a:defRPr>
-            </a:pPr>
-            <a:r>
-              <a:t>As if they thought of rain</a:t>
-            </a:r>
-          </a:p>
-          <a:p>
-            <a:pPr algn="ctr">
-              <a:defRPr sz="4300">
-                <a:solidFill>
-                  <a:srgbClr val="000000"/>
-                </a:solidFill>
-              </a:defRPr>
-            </a:pPr>
-            <a:r>
-              <a:t>I hate to look into those eyes</a:t>
-            </a:r>
-          </a:p>
-          <a:p>
-            <a:pPr algn="ctr">
-              <a:defRPr sz="4300">
-                <a:solidFill>
-                  <a:srgbClr val="000000"/>
-                </a:solidFill>
-              </a:defRPr>
-            </a:pPr>
-            <a:r>
-              <a:t>And see an ounce of pain</a:t>
-            </a:r>
+          <p:cNvPr id="2" name="TextBox 1"/>
+          <p:cNvSpPr txBox="1"/>
+          <p:nvPr/>
+        </p:nvSpPr>
+        <p:spPr>
+          <a:xfrm>
+            <a:off x="914400" y="914400"/>
+            <a:ext cx="7315200" cy="1828800"/>
+          </a:xfrm>
+          <a:prstGeom prst="rect">
+            <a:avLst/>
+          </a:prstGeom>
+          <a:noFill/>
+        </p:spPr>
+        <p:txBody>
+          <a:bodyPr wrap="square">
+            <a:spAutoFit/>
+          </a:bodyPr>
+          <a:lstStyle/>
+          <a:p>
+            <a:pPr algn="ctr">
+              <a:defRPr sz="4700">
+                <a:solidFill>
+                  <a:srgbClr val="FFFFFF"/>
+                </a:solidFill>
+                <a:latin typeface="Times New Roman"/>
+              </a:defRPr>
+            </a:pPr>
+            <a:r>
+              <a:t>Cristãos, vinde todos, com alegres cantos</a:t>
+            </a:r>
+          </a:p>
+          <a:p>
+            <a:pPr algn="ctr">
+              <a:defRPr sz="4700">
+                <a:solidFill>
+                  <a:srgbClr val="FFFFFF"/>
+                </a:solidFill>
+                <a:latin typeface="Times New Roman"/>
+              </a:defRPr>
+            </a:pPr>
+            <a:r>
+              <a:t>Oh! Vinde, oh! Vinde até Belém</a:t>
+            </a:r>
+          </a:p>
+          <a:p>
+            <a:pPr algn="ctr">
+              <a:defRPr sz="4700">
+                <a:solidFill>
+                  <a:srgbClr val="FFFFFF"/>
+                </a:solidFill>
+                <a:latin typeface="Times New Roman"/>
+              </a:defRPr>
+            </a:pPr>
+            <a:r>
+              <a:t>Vede nascido, vosso Rei eterno</a:t>
+            </a:r>
+          </a:p>
+        </p:txBody>
+      </p:sp>
+    </p:spTree>
+  </p:cSld>
+  <p:clrMapOvr>
+    <a:masterClrMapping/>
+  </p:clrMapOvr>
+</p:sld>
+</file>
+
+<file path=ppt/slides/slide40.xml><?xml version="1.0" encoding="utf-8"?>
+<p:sld xmlns:a="http://schemas.openxmlformats.org/drawingml/2006/main" xmlns:p="http://schemas.openxmlformats.org/presentationml/2006/main" xmlns:r="http://schemas.openxmlformats.org/officeDocument/2006/relationships">
+  <p:cSld>
+    <p:bg>
+      <p:bgPr>
+        <a:solidFill>
+          <a:srgbClr val="000000"/>
+        </a:solidFill>
+        <a:effectLst/>
+      </p:bgPr>
+    </p:bg>
+    <p:spTree>
+      <p:nvGrpSpPr>
+        <p:cNvPr id="1" name=""/>
+        <p:cNvGrpSpPr/>
+        <p:nvPr/>
+      </p:nvGrpSpPr>
+      <p:grpSpPr/>
+      <p:sp>
+        <p:nvSpPr>
+          <p:cNvPr id="2" name="TextBox 1"/>
+          <p:cNvSpPr txBox="1"/>
+          <p:nvPr/>
+        </p:nvSpPr>
+        <p:spPr>
+          <a:xfrm>
+            <a:off x="914400" y="914400"/>
+            <a:ext cx="7315200" cy="1828800"/>
+          </a:xfrm>
+          <a:prstGeom prst="rect">
+            <a:avLst/>
+          </a:prstGeom>
+          <a:noFill/>
+        </p:spPr>
+        <p:txBody>
+          <a:bodyPr wrap="square">
+            <a:spAutoFit/>
+          </a:bodyPr>
+          <a:lstStyle/>
+          <a:p>
+            <a:pPr algn="ctr">
+              <a:defRPr sz="1200">
+                <a:solidFill>
+                  <a:srgbClr val="FFFFFF"/>
+                </a:solidFill>
+                <a:latin typeface="Times New Roman"/>
+              </a:defRPr>
+            </a:pPr>
+          </a:p>
+        </p:txBody>
+      </p:sp>
+    </p:spTree>
+  </p:cSld>
+  <p:clrMapOvr>
+    <a:masterClrMapping/>
+  </p:clrMapOvr>
+</p:sld>
+</file>
+
+<file path=ppt/slides/slide41.xml><?xml version="1.0" encoding="utf-8"?>
+<p:sld xmlns:a="http://schemas.openxmlformats.org/drawingml/2006/main" xmlns:p="http://schemas.openxmlformats.org/presentationml/2006/main" xmlns:r="http://schemas.openxmlformats.org/officeDocument/2006/relationships">
+  <p:cSld>
+    <p:bg>
+      <p:bgPr>
+        <a:solidFill>
+          <a:srgbClr val="000000"/>
+        </a:solidFill>
+        <a:effectLst/>
+      </p:bgPr>
+    </p:bg>
+    <p:spTree>
+      <p:nvGrpSpPr>
+        <p:cNvPr id="1" name=""/>
+        <p:cNvGrpSpPr/>
+        <p:nvPr/>
+      </p:nvGrpSpPr>
+      <p:grpSpPr/>
+      <p:sp>
+        <p:nvSpPr>
+          <p:cNvPr id="2" name="TextBox 1"/>
+          <p:cNvSpPr txBox="1"/>
+          <p:nvPr/>
+        </p:nvSpPr>
+        <p:spPr>
+          <a:xfrm>
+            <a:off x="914400" y="914400"/>
+            <a:ext cx="7315200" cy="1828800"/>
+          </a:xfrm>
+          <a:prstGeom prst="rect">
+            <a:avLst/>
+          </a:prstGeom>
+          <a:noFill/>
+        </p:spPr>
+        <p:txBody>
+          <a:bodyPr wrap="square">
+            <a:spAutoFit/>
+          </a:bodyPr>
+          <a:lstStyle/>
+          <a:p>
+            <a:pPr algn="ctr">
+              <a:defRPr sz="6800">
+                <a:solidFill>
+                  <a:srgbClr val="FFFFFF"/>
+                </a:solidFill>
+                <a:latin typeface="Times New Roman"/>
+              </a:defRPr>
+            </a:pPr>
+            <a:r>
+              <a:t>Sanctus, Sanctus, Sanctus</a:t>
+            </a:r>
+          </a:p>
+          <a:p>
+            <a:pPr algn="ctr">
+              <a:defRPr sz="6800">
+                <a:solidFill>
+                  <a:srgbClr val="FFFFFF"/>
+                </a:solidFill>
+                <a:latin typeface="Times New Roman"/>
+              </a:defRPr>
+            </a:pPr>
+            <a:r>
+              <a:t>Dominus Deus Sabaoth (x2)</a:t>
+            </a:r>
+          </a:p>
+        </p:txBody>
+      </p:sp>
+    </p:spTree>
+  </p:cSld>
+  <p:clrMapOvr>
+    <a:masterClrMapping/>
+  </p:clrMapOvr>
+</p:sld>
+</file>
+
+<file path=ppt/slides/slide42.xml><?xml version="1.0" encoding="utf-8"?>
+<p:sld xmlns:a="http://schemas.openxmlformats.org/drawingml/2006/main" xmlns:p="http://schemas.openxmlformats.org/presentationml/2006/main" xmlns:r="http://schemas.openxmlformats.org/officeDocument/2006/relationships">
+  <p:cSld>
+    <p:bg>
+      <p:bgPr>
+        <a:solidFill>
+          <a:srgbClr val="000000"/>
+        </a:solidFill>
+        <a:effectLst/>
+      </p:bgPr>
+    </p:bg>
+    <p:spTree>
+      <p:nvGrpSpPr>
+        <p:cNvPr id="1" name=""/>
+        <p:cNvGrpSpPr/>
+        <p:nvPr/>
+      </p:nvGrpSpPr>
+      <p:grpSpPr/>
+      <p:sp>
+        <p:nvSpPr>
+          <p:cNvPr id="2" name="TextBox 1"/>
+          <p:cNvSpPr txBox="1"/>
+          <p:nvPr/>
+        </p:nvSpPr>
+        <p:spPr>
+          <a:xfrm>
+            <a:off x="914400" y="914400"/>
+            <a:ext cx="7315200" cy="1828800"/>
+          </a:xfrm>
+          <a:prstGeom prst="rect">
+            <a:avLst/>
+          </a:prstGeom>
+          <a:noFill/>
+        </p:spPr>
+        <p:txBody>
+          <a:bodyPr wrap="square">
+            <a:spAutoFit/>
+          </a:bodyPr>
+          <a:lstStyle/>
+          <a:p>
+            <a:pPr algn="ctr">
+              <a:defRPr sz="7800">
+                <a:solidFill>
+                  <a:srgbClr val="FFFFFF"/>
+                </a:solidFill>
+                <a:latin typeface="Times New Roman"/>
+              </a:defRPr>
+            </a:pPr>
+            <a:r>
+              <a:t>Pleni sunt cæli et terra gloria Tua (x2)</a:t>
+            </a:r>
+          </a:p>
+        </p:txBody>
+      </p:sp>
+    </p:spTree>
+  </p:cSld>
+  <p:clrMapOvr>
+    <a:masterClrMapping/>
+  </p:clrMapOvr>
+</p:sld>
+</file>
+
+<file path=ppt/slides/slide43.xml><?xml version="1.0" encoding="utf-8"?>
+<p:sld xmlns:a="http://schemas.openxmlformats.org/drawingml/2006/main" xmlns:p="http://schemas.openxmlformats.org/presentationml/2006/main" xmlns:r="http://schemas.openxmlformats.org/officeDocument/2006/relationships">
+  <p:cSld>
+    <p:bg>
+      <p:bgPr>
+        <a:solidFill>
+          <a:srgbClr val="000000"/>
+        </a:solidFill>
+        <a:effectLst/>
+      </p:bgPr>
+    </p:bg>
+    <p:spTree>
+      <p:nvGrpSpPr>
+        <p:cNvPr id="1" name=""/>
+        <p:cNvGrpSpPr/>
+        <p:nvPr/>
+      </p:nvGrpSpPr>
+      <p:grpSpPr/>
+      <p:sp>
+        <p:nvSpPr>
+          <p:cNvPr id="2" name="TextBox 1"/>
+          <p:cNvSpPr txBox="1"/>
+          <p:nvPr/>
+        </p:nvSpPr>
+        <p:spPr>
+          <a:xfrm>
+            <a:off x="914400" y="914400"/>
+            <a:ext cx="7315200" cy="1828800"/>
+          </a:xfrm>
+          <a:prstGeom prst="rect">
+            <a:avLst/>
+          </a:prstGeom>
+          <a:noFill/>
+        </p:spPr>
+        <p:txBody>
+          <a:bodyPr wrap="square">
+            <a:spAutoFit/>
+          </a:bodyPr>
+          <a:lstStyle/>
+          <a:p>
+            <a:pPr algn="ctr">
+              <a:defRPr sz="10200">
+                <a:solidFill>
+                  <a:srgbClr val="FFFFFF"/>
+                </a:solidFill>
+                <a:latin typeface="Times New Roman"/>
+              </a:defRPr>
+            </a:pPr>
+            <a:r>
+              <a:t>Hosanna in excelsis (x4)</a:t>
+            </a:r>
+          </a:p>
+        </p:txBody>
+      </p:sp>
+    </p:spTree>
+  </p:cSld>
+  <p:clrMapOvr>
+    <a:masterClrMapping/>
+  </p:clrMapOvr>
+</p:sld>
+</file>
+
+<file path=ppt/slides/slide44.xml><?xml version="1.0" encoding="utf-8"?>
+<p:sld xmlns:a="http://schemas.openxmlformats.org/drawingml/2006/main" xmlns:p="http://schemas.openxmlformats.org/presentationml/2006/main" xmlns:r="http://schemas.openxmlformats.org/officeDocument/2006/relationships">
+  <p:cSld>
+    <p:bg>
+      <p:bgPr>
+        <a:solidFill>
+          <a:srgbClr val="000000"/>
+        </a:solidFill>
+        <a:effectLst/>
+      </p:bgPr>
+    </p:bg>
+    <p:spTree>
+      <p:nvGrpSpPr>
+        <p:cNvPr id="1" name=""/>
+        <p:cNvGrpSpPr/>
+        <p:nvPr/>
+      </p:nvGrpSpPr>
+      <p:grpSpPr/>
+      <p:sp>
+        <p:nvSpPr>
+          <p:cNvPr id="2" name="TextBox 1"/>
+          <p:cNvSpPr txBox="1"/>
+          <p:nvPr/>
+        </p:nvSpPr>
+        <p:spPr>
+          <a:xfrm>
+            <a:off x="914400" y="914400"/>
+            <a:ext cx="7315200" cy="1828800"/>
+          </a:xfrm>
+          <a:prstGeom prst="rect">
+            <a:avLst/>
+          </a:prstGeom>
+          <a:noFill/>
+        </p:spPr>
+        <p:txBody>
+          <a:bodyPr wrap="square">
+            <a:spAutoFit/>
+          </a:bodyPr>
+          <a:lstStyle/>
+          <a:p>
+            <a:pPr algn="ctr">
+              <a:defRPr sz="7500">
+                <a:solidFill>
+                  <a:srgbClr val="FFFFFF"/>
+                </a:solidFill>
+                <a:latin typeface="Times New Roman"/>
+              </a:defRPr>
+            </a:pPr>
+            <a:r>
+              <a:t>Benedictus, qui venit in nomine Domini (x2)</a:t>
+            </a:r>
+          </a:p>
+        </p:txBody>
+      </p:sp>
+    </p:spTree>
+  </p:cSld>
+  <p:clrMapOvr>
+    <a:masterClrMapping/>
+  </p:clrMapOvr>
+</p:sld>
+</file>
+
+<file path=ppt/slides/slide45.xml><?xml version="1.0" encoding="utf-8"?>
+<p:sld xmlns:a="http://schemas.openxmlformats.org/drawingml/2006/main" xmlns:p="http://schemas.openxmlformats.org/presentationml/2006/main" xmlns:r="http://schemas.openxmlformats.org/officeDocument/2006/relationships">
+  <p:cSld>
+    <p:bg>
+      <p:bgPr>
+        <a:solidFill>
+          <a:srgbClr val="000000"/>
+        </a:solidFill>
+        <a:effectLst/>
+      </p:bgPr>
+    </p:bg>
+    <p:spTree>
+      <p:nvGrpSpPr>
+        <p:cNvPr id="1" name=""/>
+        <p:cNvGrpSpPr/>
+        <p:nvPr/>
+      </p:nvGrpSpPr>
+      <p:grpSpPr/>
+      <p:sp>
+        <p:nvSpPr>
+          <p:cNvPr id="2" name="TextBox 1"/>
+          <p:cNvSpPr txBox="1"/>
+          <p:nvPr/>
+        </p:nvSpPr>
+        <p:spPr>
+          <a:xfrm>
+            <a:off x="914400" y="914400"/>
+            <a:ext cx="7315200" cy="1828800"/>
+          </a:xfrm>
+          <a:prstGeom prst="rect">
+            <a:avLst/>
+          </a:prstGeom>
+          <a:noFill/>
+        </p:spPr>
+        <p:txBody>
+          <a:bodyPr wrap="square">
+            <a:spAutoFit/>
+          </a:bodyPr>
+          <a:lstStyle/>
+          <a:p>
+            <a:pPr algn="ctr">
+              <a:defRPr sz="10200">
+                <a:solidFill>
+                  <a:srgbClr val="FFFFFF"/>
+                </a:solidFill>
+                <a:latin typeface="Times New Roman"/>
+              </a:defRPr>
+            </a:pPr>
+            <a:r>
+              <a:t>Hosanna in excelsis (x4)</a:t>
+            </a:r>
+          </a:p>
+        </p:txBody>
+      </p:sp>
+    </p:spTree>
+  </p:cSld>
+  <p:clrMapOvr>
+    <a:masterClrMapping/>
+  </p:clrMapOvr>
+</p:sld>
+</file>
+
+<file path=ppt/slides/slide46.xml><?xml version="1.0" encoding="utf-8"?>
+<p:sld xmlns:a="http://schemas.openxmlformats.org/drawingml/2006/main" xmlns:p="http://schemas.openxmlformats.org/presentationml/2006/main" xmlns:r="http://schemas.openxmlformats.org/officeDocument/2006/relationships">
+  <p:cSld>
+    <p:bg>
+      <p:bgPr>
+        <a:solidFill>
+          <a:srgbClr val="000000"/>
+        </a:solidFill>
+        <a:effectLst/>
+      </p:bgPr>
+    </p:bg>
+    <p:spTree>
+      <p:nvGrpSpPr>
+        <p:cNvPr id="1" name=""/>
+        <p:cNvGrpSpPr/>
+        <p:nvPr/>
+      </p:nvGrpSpPr>
+      <p:grpSpPr/>
+      <p:sp>
+        <p:nvSpPr>
+          <p:cNvPr id="2" name="TextBox 1"/>
+          <p:cNvSpPr txBox="1"/>
+          <p:nvPr/>
+        </p:nvSpPr>
+        <p:spPr>
+          <a:xfrm>
+            <a:off x="914400" y="914400"/>
+            <a:ext cx="7315200" cy="1828800"/>
+          </a:xfrm>
+          <a:prstGeom prst="rect">
+            <a:avLst/>
+          </a:prstGeom>
+          <a:noFill/>
+        </p:spPr>
+        <p:txBody>
+          <a:bodyPr wrap="square">
+            <a:spAutoFit/>
+          </a:bodyPr>
+          <a:lstStyle/>
+          <a:p>
+            <a:pPr algn="ctr">
+              <a:defRPr sz="1200">
+                <a:solidFill>
+                  <a:srgbClr val="FFFFFF"/>
+                </a:solidFill>
+                <a:latin typeface="Times New Roman"/>
+              </a:defRPr>
+            </a:pPr>
+          </a:p>
+        </p:txBody>
+      </p:sp>
+    </p:spTree>
+  </p:cSld>
+  <p:clrMapOvr>
+    <a:masterClrMapping/>
+  </p:clrMapOvr>
+</p:sld>
+</file>
+
+<file path=ppt/slides/slide47.xml><?xml version="1.0" encoding="utf-8"?>
+<p:sld xmlns:a="http://schemas.openxmlformats.org/drawingml/2006/main" xmlns:p="http://schemas.openxmlformats.org/presentationml/2006/main" xmlns:r="http://schemas.openxmlformats.org/officeDocument/2006/relationships">
+  <p:cSld>
+    <p:bg>
+      <p:bgPr>
+        <a:solidFill>
+          <a:srgbClr val="000000"/>
+        </a:solidFill>
+        <a:effectLst/>
+      </p:bgPr>
+    </p:bg>
+    <p:spTree>
+      <p:nvGrpSpPr>
+        <p:cNvPr id="1" name=""/>
+        <p:cNvGrpSpPr/>
+        <p:nvPr/>
+      </p:nvGrpSpPr>
+      <p:grpSpPr/>
+      <p:sp>
+        <p:nvSpPr>
+          <p:cNvPr id="2" name="TextBox 1"/>
+          <p:cNvSpPr txBox="1"/>
+          <p:nvPr/>
+        </p:nvSpPr>
+        <p:spPr>
+          <a:xfrm>
+            <a:off x="914400" y="914400"/>
+            <a:ext cx="7315200" cy="1828800"/>
+          </a:xfrm>
+          <a:prstGeom prst="rect">
+            <a:avLst/>
+          </a:prstGeom>
+          <a:noFill/>
+        </p:spPr>
+        <p:txBody>
+          <a:bodyPr wrap="square">
+            <a:spAutoFit/>
+          </a:bodyPr>
+          <a:lstStyle/>
+          <a:p>
+            <a:pPr algn="ctr">
+              <a:defRPr sz="5600">
+                <a:solidFill>
+                  <a:srgbClr val="FFFFFF"/>
+                </a:solidFill>
+                <a:latin typeface="Times New Roman"/>
+              </a:defRPr>
+            </a:pPr>
+            <a:r>
+              <a:t>Agnus Dei,</a:t>
+            </a:r>
+          </a:p>
+          <a:p>
+            <a:pPr algn="ctr">
+              <a:defRPr sz="5600">
+                <a:solidFill>
+                  <a:srgbClr val="FFFFFF"/>
+                </a:solidFill>
+                <a:latin typeface="Times New Roman"/>
+              </a:defRPr>
+            </a:pPr>
+            <a:r>
+              <a:t>Qui tollis peccata mundi,</a:t>
+            </a:r>
+          </a:p>
+          <a:p>
+            <a:pPr algn="ctr">
+              <a:defRPr sz="5600">
+                <a:solidFill>
+                  <a:srgbClr val="FFFFFF"/>
+                </a:solidFill>
+                <a:latin typeface="Times New Roman"/>
+              </a:defRPr>
+            </a:pPr>
+            <a:r>
+              <a:t>Miserere nobis.</a:t>
+            </a:r>
+          </a:p>
+          <a:p>
+            <a:pPr algn="ctr">
+              <a:defRPr sz="5600">
+                <a:solidFill>
+                  <a:srgbClr val="FFFFFF"/>
+                </a:solidFill>
+                <a:latin typeface="Times New Roman"/>
+              </a:defRPr>
+            </a:pPr>
+            <a:r>
+              <a:t>Miserere nobis. (x2)</a:t>
+            </a:r>
+          </a:p>
+        </p:txBody>
+      </p:sp>
+    </p:spTree>
+  </p:cSld>
+  <p:clrMapOvr>
+    <a:masterClrMapping/>
+  </p:clrMapOvr>
+</p:sld>
+</file>
+
+<file path=ppt/slides/slide48.xml><?xml version="1.0" encoding="utf-8"?>
+<p:sld xmlns:a="http://schemas.openxmlformats.org/drawingml/2006/main" xmlns:p="http://schemas.openxmlformats.org/presentationml/2006/main" xmlns:r="http://schemas.openxmlformats.org/officeDocument/2006/relationships">
+  <p:cSld>
+    <p:bg>
+      <p:bgPr>
+        <a:solidFill>
+          <a:srgbClr val="000000"/>
+        </a:solidFill>
+        <a:effectLst/>
+      </p:bgPr>
+    </p:bg>
+    <p:spTree>
+      <p:nvGrpSpPr>
+        <p:cNvPr id="1" name=""/>
+        <p:cNvGrpSpPr/>
+        <p:nvPr/>
+      </p:nvGrpSpPr>
+      <p:grpSpPr/>
+      <p:sp>
+        <p:nvSpPr>
+          <p:cNvPr id="2" name="TextBox 1"/>
+          <p:cNvSpPr txBox="1"/>
+          <p:nvPr/>
+        </p:nvSpPr>
+        <p:spPr>
+          <a:xfrm>
+            <a:off x="914400" y="914400"/>
+            <a:ext cx="7315200" cy="1828800"/>
+          </a:xfrm>
+          <a:prstGeom prst="rect">
+            <a:avLst/>
+          </a:prstGeom>
+          <a:noFill/>
+        </p:spPr>
+        <p:txBody>
+          <a:bodyPr wrap="square">
+            <a:spAutoFit/>
+          </a:bodyPr>
+          <a:lstStyle/>
+          <a:p>
+            <a:pPr algn="ctr">
+              <a:defRPr sz="5400">
+                <a:solidFill>
+                  <a:srgbClr val="FFFFFF"/>
+                </a:solidFill>
+                <a:latin typeface="Times New Roman"/>
+              </a:defRPr>
+            </a:pPr>
+            <a:r>
+              <a:t>Agnus Dei,</a:t>
+            </a:r>
+          </a:p>
+          <a:p>
+            <a:pPr algn="ctr">
+              <a:defRPr sz="5400">
+                <a:solidFill>
+                  <a:srgbClr val="FFFFFF"/>
+                </a:solidFill>
+                <a:latin typeface="Times New Roman"/>
+              </a:defRPr>
+            </a:pPr>
+            <a:r>
+              <a:t>Qui tollis peccata mundi,</a:t>
+            </a:r>
+          </a:p>
+          <a:p>
+            <a:pPr algn="ctr">
+              <a:defRPr sz="5400">
+                <a:solidFill>
+                  <a:srgbClr val="FFFFFF"/>
+                </a:solidFill>
+                <a:latin typeface="Times New Roman"/>
+              </a:defRPr>
+            </a:pPr>
+            <a:r>
+              <a:t>Dona nobis, Dona nobis,</a:t>
+            </a:r>
+          </a:p>
+          <a:p>
+            <a:pPr algn="ctr">
+              <a:defRPr sz="5400">
+                <a:solidFill>
+                  <a:srgbClr val="FFFFFF"/>
+                </a:solidFill>
+                <a:latin typeface="Times New Roman"/>
+              </a:defRPr>
+            </a:pPr>
+            <a:r>
+              <a:t>Dona nobis, pacem.</a:t>
+            </a:r>
+          </a:p>
+        </p:txBody>
+      </p:sp>
+    </p:spTree>
+  </p:cSld>
+  <p:clrMapOvr>
+    <a:masterClrMapping/>
+  </p:clrMapOvr>
+</p:sld>
+</file>
+
+<file path=ppt/slides/slide49.xml><?xml version="1.0" encoding="utf-8"?>
+<p:sld xmlns:a="http://schemas.openxmlformats.org/drawingml/2006/main" xmlns:p="http://schemas.openxmlformats.org/presentationml/2006/main" xmlns:r="http://schemas.openxmlformats.org/officeDocument/2006/relationships">
+  <p:cSld>
+    <p:bg>
+      <p:bgPr>
+        <a:solidFill>
+          <a:srgbClr val="000000"/>
+        </a:solidFill>
+        <a:effectLst/>
+      </p:bgPr>
+    </p:bg>
+    <p:spTree>
+      <p:nvGrpSpPr>
+        <p:cNvPr id="1" name=""/>
+        <p:cNvGrpSpPr/>
+        <p:nvPr/>
+      </p:nvGrpSpPr>
+      <p:grpSpPr/>
+      <p:sp>
+        <p:nvSpPr>
+          <p:cNvPr id="2" name="TextBox 1"/>
+          <p:cNvSpPr txBox="1"/>
+          <p:nvPr/>
+        </p:nvSpPr>
+        <p:spPr>
+          <a:xfrm>
+            <a:off x="914400" y="914400"/>
+            <a:ext cx="7315200" cy="1828800"/>
+          </a:xfrm>
+          <a:prstGeom prst="rect">
+            <a:avLst/>
+          </a:prstGeom>
+          <a:noFill/>
+        </p:spPr>
+        <p:txBody>
+          <a:bodyPr wrap="square">
+            <a:spAutoFit/>
+          </a:bodyPr>
+          <a:lstStyle/>
+          <a:p>
+            <a:pPr algn="ctr">
+              <a:defRPr sz="1200">
+                <a:solidFill>
+                  <a:srgbClr val="FFFFFF"/>
+                </a:solidFill>
+                <a:latin typeface="Times New Roman"/>
+              </a:defRPr>
+            </a:pPr>
           </a:p>
         </p:txBody>
       </p:sp>
@@ -5152,6 +6491,14 @@
 <file path=ppt/slides/slide5.xml><?xml version="1.0" encoding="utf-8"?>
 <p:sld xmlns:a="http://schemas.openxmlformats.org/drawingml/2006/main" xmlns:p="http://schemas.openxmlformats.org/presentationml/2006/main" xmlns:r="http://schemas.openxmlformats.org/officeDocument/2006/relationships">
   <p:cSld>
+    <p:bg>
+      <p:bgPr>
+        <a:solidFill>
+          <a:srgbClr val="000000"/>
+        </a:solidFill>
+        <a:effectLst/>
+      </p:bgPr>
+    </p:bg>
     <p:spTree>
       <p:nvGrpSpPr>
         <p:cNvPr id="1" name=""/>
@@ -5161,88 +6508,1033 @@
       <p:grpSpPr/>
       <p:sp>
         <p:nvSpPr>
-          <p:cNvPr id="2" name="Title 1"/>
-          <p:cNvSpPr>
-            <a:spLocks noGrp="1"/>
-          </p:cNvSpPr>
-          <p:nvPr>
-            <p:ph type="title"/>
-          </p:nvPr>
-        </p:nvSpPr>
-        <p:spPr/>
-        <p:txBody>
-          <a:bodyPr/>
-          <a:lstStyle/>
-          <a:p>
-            <a:pPr>
-              <a:defRPr b="1" sz="4200"/>
-            </a:pPr>
-            <a:r>
-              <a:t>1 - Sweet Child O' Mine - Guns N' Roses</a:t>
-            </a:r>
-          </a:p>
-        </p:txBody>
-      </p:sp>
-      <p:sp>
-        <p:nvSpPr>
-          <p:cNvPr id="3" name="Content Placeholder 2"/>
-          <p:cNvSpPr>
-            <a:spLocks noGrp="1"/>
-          </p:cNvSpPr>
-          <p:nvPr>
-            <p:ph idx="1"/>
-          </p:nvPr>
-        </p:nvSpPr>
-        <p:spPr/>
-        <p:txBody>
-          <a:bodyPr/>
-          <a:lstStyle/>
-          <a:p>
-            <a:pPr algn="ctr">
-              <a:defRPr sz="4100">
-                <a:solidFill>
-                  <a:srgbClr val="000000"/>
-                </a:solidFill>
-              </a:defRPr>
-            </a:pPr>
-            <a:r>
-              <a:t>Her hair reminds me of a warm safe place</a:t>
-            </a:r>
-          </a:p>
-          <a:p>
-            <a:pPr algn="ctr">
-              <a:defRPr sz="4100">
-                <a:solidFill>
-                  <a:srgbClr val="000000"/>
-                </a:solidFill>
-              </a:defRPr>
-            </a:pPr>
-            <a:r>
-              <a:t>Where, as a child, I'd hide</a:t>
-            </a:r>
-          </a:p>
-          <a:p>
-            <a:pPr algn="ctr">
-              <a:defRPr sz="4100">
-                <a:solidFill>
-                  <a:srgbClr val="000000"/>
-                </a:solidFill>
-              </a:defRPr>
-            </a:pPr>
-            <a:r>
-              <a:t>And pray for the thunder and the rain</a:t>
-            </a:r>
-          </a:p>
-          <a:p>
-            <a:pPr algn="ctr">
-              <a:defRPr sz="4100">
-                <a:solidFill>
-                  <a:srgbClr val="000000"/>
-                </a:solidFill>
-              </a:defRPr>
-            </a:pPr>
-            <a:r>
-              <a:t>To quietly pass me by</a:t>
+          <p:cNvPr id="2" name="TextBox 1"/>
+          <p:cNvSpPr txBox="1"/>
+          <p:nvPr/>
+        </p:nvSpPr>
+        <p:spPr>
+          <a:xfrm>
+            <a:off x="914400" y="914400"/>
+            <a:ext cx="7315200" cy="1828800"/>
+          </a:xfrm>
+          <a:prstGeom prst="rect">
+            <a:avLst/>
+          </a:prstGeom>
+          <a:noFill/>
+        </p:spPr>
+        <p:txBody>
+          <a:bodyPr wrap="square">
+            <a:spAutoFit/>
+          </a:bodyPr>
+          <a:lstStyle/>
+          <a:p>
+            <a:pPr algn="ctr">
+              <a:defRPr sz="5600">
+                <a:solidFill>
+                  <a:srgbClr val="FFFFFF"/>
+                </a:solidFill>
+                <a:latin typeface="Times New Roman"/>
+              </a:defRPr>
+            </a:pPr>
+            <a:r>
+              <a:t>Oh! Vinde, adoremos!</a:t>
+            </a:r>
+          </a:p>
+          <a:p>
+            <a:pPr algn="ctr">
+              <a:defRPr sz="5600">
+                <a:solidFill>
+                  <a:srgbClr val="FFFFFF"/>
+                </a:solidFill>
+                <a:latin typeface="Times New Roman"/>
+              </a:defRPr>
+            </a:pPr>
+            <a:r>
+              <a:t>Oh! Vinde, adoremos!</a:t>
+            </a:r>
+          </a:p>
+          <a:p>
+            <a:pPr algn="ctr">
+              <a:defRPr sz="5600">
+                <a:solidFill>
+                  <a:srgbClr val="FFFFFF"/>
+                </a:solidFill>
+                <a:latin typeface="Times New Roman"/>
+              </a:defRPr>
+            </a:pPr>
+            <a:r>
+              <a:t>Oh! Vinde, adoremos!</a:t>
+            </a:r>
+          </a:p>
+          <a:p>
+            <a:pPr algn="ctr">
+              <a:defRPr sz="5600">
+                <a:solidFill>
+                  <a:srgbClr val="FFFFFF"/>
+                </a:solidFill>
+                <a:latin typeface="Times New Roman"/>
+              </a:defRPr>
+            </a:pPr>
+            <a:r>
+              <a:t>O Salvador!</a:t>
+            </a:r>
+          </a:p>
+        </p:txBody>
+      </p:sp>
+    </p:spTree>
+  </p:cSld>
+  <p:clrMapOvr>
+    <a:masterClrMapping/>
+  </p:clrMapOvr>
+</p:sld>
+</file>
+
+<file path=ppt/slides/slide50.xml><?xml version="1.0" encoding="utf-8"?>
+<p:sld xmlns:a="http://schemas.openxmlformats.org/drawingml/2006/main" xmlns:p="http://schemas.openxmlformats.org/presentationml/2006/main" xmlns:r="http://schemas.openxmlformats.org/officeDocument/2006/relationships">
+  <p:cSld>
+    <p:bg>
+      <p:bgPr>
+        <a:solidFill>
+          <a:srgbClr val="000000"/>
+        </a:solidFill>
+        <a:effectLst/>
+      </p:bgPr>
+    </p:bg>
+    <p:spTree>
+      <p:nvGrpSpPr>
+        <p:cNvPr id="1" name=""/>
+        <p:cNvGrpSpPr/>
+        <p:nvPr/>
+      </p:nvGrpSpPr>
+      <p:grpSpPr/>
+      <p:sp>
+        <p:nvSpPr>
+          <p:cNvPr id="2" name="TextBox 1"/>
+          <p:cNvSpPr txBox="1"/>
+          <p:nvPr/>
+        </p:nvSpPr>
+        <p:spPr>
+          <a:xfrm>
+            <a:off x="914400" y="914400"/>
+            <a:ext cx="7315200" cy="1828800"/>
+          </a:xfrm>
+          <a:prstGeom prst="rect">
+            <a:avLst/>
+          </a:prstGeom>
+          <a:noFill/>
+        </p:spPr>
+        <p:txBody>
+          <a:bodyPr wrap="square">
+            <a:spAutoFit/>
+          </a:bodyPr>
+          <a:lstStyle/>
+          <a:p>
+            <a:pPr algn="ctr">
+              <a:defRPr sz="5000">
+                <a:solidFill>
+                  <a:srgbClr val="FFFFFF"/>
+                </a:solidFill>
+                <a:latin typeface="Times New Roman"/>
+              </a:defRPr>
+            </a:pPr>
+            <a:r>
+              <a:t>Desde o princípio</a:t>
+            </a:r>
+          </a:p>
+          <a:p>
+            <a:pPr algn="ctr">
+              <a:defRPr sz="5000">
+                <a:solidFill>
+                  <a:srgbClr val="FFFFFF"/>
+                </a:solidFill>
+                <a:latin typeface="Times New Roman"/>
+              </a:defRPr>
+            </a:pPr>
+            <a:r>
+              <a:t>Antes mesmo que a Terra começasse a existir</a:t>
+            </a:r>
+          </a:p>
+          <a:p>
+            <a:pPr algn="ctr">
+              <a:defRPr sz="5000">
+                <a:solidFill>
+                  <a:srgbClr val="FFFFFF"/>
+                </a:solidFill>
+                <a:latin typeface="Times New Roman"/>
+              </a:defRPr>
+            </a:pPr>
+            <a:r>
+              <a:t>O Verbo estava junto a Deus</a:t>
+            </a:r>
+          </a:p>
+        </p:txBody>
+      </p:sp>
+    </p:spTree>
+  </p:cSld>
+  <p:clrMapOvr>
+    <a:masterClrMapping/>
+  </p:clrMapOvr>
+</p:sld>
+</file>
+
+<file path=ppt/slides/slide51.xml><?xml version="1.0" encoding="utf-8"?>
+<p:sld xmlns:a="http://schemas.openxmlformats.org/drawingml/2006/main" xmlns:p="http://schemas.openxmlformats.org/presentationml/2006/main" xmlns:r="http://schemas.openxmlformats.org/officeDocument/2006/relationships">
+  <p:cSld>
+    <p:bg>
+      <p:bgPr>
+        <a:solidFill>
+          <a:srgbClr val="000000"/>
+        </a:solidFill>
+        <a:effectLst/>
+      </p:bgPr>
+    </p:bg>
+    <p:spTree>
+      <p:nvGrpSpPr>
+        <p:cNvPr id="1" name=""/>
+        <p:cNvGrpSpPr/>
+        <p:nvPr/>
+      </p:nvGrpSpPr>
+      <p:grpSpPr/>
+      <p:sp>
+        <p:nvSpPr>
+          <p:cNvPr id="2" name="TextBox 1"/>
+          <p:cNvSpPr txBox="1"/>
+          <p:nvPr/>
+        </p:nvSpPr>
+        <p:spPr>
+          <a:xfrm>
+            <a:off x="914400" y="914400"/>
+            <a:ext cx="7315200" cy="1828800"/>
+          </a:xfrm>
+          <a:prstGeom prst="rect">
+            <a:avLst/>
+          </a:prstGeom>
+          <a:noFill/>
+        </p:spPr>
+        <p:txBody>
+          <a:bodyPr wrap="square">
+            <a:spAutoFit/>
+          </a:bodyPr>
+          <a:lstStyle/>
+          <a:p>
+            <a:pPr algn="ctr">
+              <a:defRPr sz="5100">
+                <a:solidFill>
+                  <a:srgbClr val="FFFFFF"/>
+                </a:solidFill>
+                <a:latin typeface="Times New Roman"/>
+              </a:defRPr>
+            </a:pPr>
+            <a:r>
+              <a:t>Veio ao mundo</a:t>
+            </a:r>
+          </a:p>
+          <a:p>
+            <a:pPr algn="ctr">
+              <a:defRPr sz="5100">
+                <a:solidFill>
+                  <a:srgbClr val="FFFFFF"/>
+                </a:solidFill>
+                <a:latin typeface="Times New Roman"/>
+              </a:defRPr>
+            </a:pPr>
+            <a:r>
+              <a:t>E pra não abandonar-nos nesta viagem</a:t>
+            </a:r>
+          </a:p>
+          <a:p>
+            <a:pPr algn="ctr">
+              <a:defRPr sz="5100">
+                <a:solidFill>
+                  <a:srgbClr val="FFFFFF"/>
+                </a:solidFill>
+                <a:latin typeface="Times New Roman"/>
+              </a:defRPr>
+            </a:pPr>
+            <a:r>
+              <a:t>Nos deixou todo a Si mesmo como Pão</a:t>
+            </a:r>
+          </a:p>
+        </p:txBody>
+      </p:sp>
+    </p:spTree>
+  </p:cSld>
+  <p:clrMapOvr>
+    <a:masterClrMapping/>
+  </p:clrMapOvr>
+</p:sld>
+</file>
+
+<file path=ppt/slides/slide52.xml><?xml version="1.0" encoding="utf-8"?>
+<p:sld xmlns:a="http://schemas.openxmlformats.org/drawingml/2006/main" xmlns:p="http://schemas.openxmlformats.org/presentationml/2006/main" xmlns:r="http://schemas.openxmlformats.org/officeDocument/2006/relationships">
+  <p:cSld>
+    <p:bg>
+      <p:bgPr>
+        <a:solidFill>
+          <a:srgbClr val="000000"/>
+        </a:solidFill>
+        <a:effectLst/>
+      </p:bgPr>
+    </p:bg>
+    <p:spTree>
+      <p:nvGrpSpPr>
+        <p:cNvPr id="1" name=""/>
+        <p:cNvGrpSpPr/>
+        <p:nvPr/>
+      </p:nvGrpSpPr>
+      <p:grpSpPr/>
+      <p:sp>
+        <p:nvSpPr>
+          <p:cNvPr id="2" name="TextBox 1"/>
+          <p:cNvSpPr txBox="1"/>
+          <p:nvPr/>
+        </p:nvSpPr>
+        <p:spPr>
+          <a:xfrm>
+            <a:off x="914400" y="914400"/>
+            <a:ext cx="7315200" cy="1828800"/>
+          </a:xfrm>
+          <a:prstGeom prst="rect">
+            <a:avLst/>
+          </a:prstGeom>
+          <a:noFill/>
+        </p:spPr>
+        <p:txBody>
+          <a:bodyPr wrap="square">
+            <a:spAutoFit/>
+          </a:bodyPr>
+          <a:lstStyle/>
+          <a:p>
+            <a:pPr algn="ctr">
+              <a:defRPr sz="4900">
+                <a:solidFill>
+                  <a:srgbClr val="FFFFFF"/>
+                </a:solidFill>
+                <a:latin typeface="Times New Roman"/>
+              </a:defRPr>
+            </a:pPr>
+            <a:r>
+              <a:t>Verbum caro factum est</a:t>
+            </a:r>
+          </a:p>
+          <a:p>
+            <a:pPr algn="ctr">
+              <a:defRPr sz="4900">
+                <a:solidFill>
+                  <a:srgbClr val="FFFFFF"/>
+                </a:solidFill>
+                <a:latin typeface="Times New Roman"/>
+              </a:defRPr>
+            </a:pPr>
+            <a:r>
+              <a:t>Panis corpus factum est</a:t>
+            </a:r>
+          </a:p>
+          <a:p>
+            <a:pPr algn="ctr">
+              <a:defRPr sz="4900">
+                <a:solidFill>
+                  <a:srgbClr val="FFFFFF"/>
+                </a:solidFill>
+                <a:latin typeface="Times New Roman"/>
+              </a:defRPr>
+            </a:pPr>
+            <a:r>
+              <a:t>Verbum caro factum est</a:t>
+            </a:r>
+          </a:p>
+          <a:p>
+            <a:pPr algn="ctr">
+              <a:defRPr sz="4900">
+                <a:solidFill>
+                  <a:srgbClr val="FFFFFF"/>
+                </a:solidFill>
+                <a:latin typeface="Times New Roman"/>
+              </a:defRPr>
+            </a:pPr>
+            <a:r>
+              <a:t>Panis corpus factum est</a:t>
+            </a:r>
+          </a:p>
+        </p:txBody>
+      </p:sp>
+    </p:spTree>
+  </p:cSld>
+  <p:clrMapOvr>
+    <a:masterClrMapping/>
+  </p:clrMapOvr>
+</p:sld>
+</file>
+
+<file path=ppt/slides/slide53.xml><?xml version="1.0" encoding="utf-8"?>
+<p:sld xmlns:a="http://schemas.openxmlformats.org/drawingml/2006/main" xmlns:p="http://schemas.openxmlformats.org/presentationml/2006/main" xmlns:r="http://schemas.openxmlformats.org/officeDocument/2006/relationships">
+  <p:cSld>
+    <p:bg>
+      <p:bgPr>
+        <a:solidFill>
+          <a:srgbClr val="000000"/>
+        </a:solidFill>
+        <a:effectLst/>
+      </p:bgPr>
+    </p:bg>
+    <p:spTree>
+      <p:nvGrpSpPr>
+        <p:cNvPr id="1" name=""/>
+        <p:cNvGrpSpPr/>
+        <p:nvPr/>
+      </p:nvGrpSpPr>
+      <p:grpSpPr/>
+      <p:sp>
+        <p:nvSpPr>
+          <p:cNvPr id="2" name="TextBox 1"/>
+          <p:cNvSpPr txBox="1"/>
+          <p:nvPr/>
+        </p:nvSpPr>
+        <p:spPr>
+          <a:xfrm>
+            <a:off x="914400" y="914400"/>
+            <a:ext cx="7315200" cy="1828800"/>
+          </a:xfrm>
+          <a:prstGeom prst="rect">
+            <a:avLst/>
+          </a:prstGeom>
+          <a:noFill/>
+        </p:spPr>
+        <p:txBody>
+          <a:bodyPr wrap="square">
+            <a:spAutoFit/>
+          </a:bodyPr>
+          <a:lstStyle/>
+          <a:p>
+            <a:pPr algn="ctr">
+              <a:defRPr sz="3800">
+                <a:solidFill>
+                  <a:srgbClr val="FFFFFF"/>
+                </a:solidFill>
+                <a:latin typeface="Times New Roman"/>
+              </a:defRPr>
+            </a:pPr>
+            <a:r>
+              <a:t>E, aqui, partes o Teu pão em meio a nós</a:t>
+            </a:r>
+          </a:p>
+          <a:p>
+            <a:pPr algn="ctr">
+              <a:defRPr sz="3800">
+                <a:solidFill>
+                  <a:srgbClr val="FFFFFF"/>
+                </a:solidFill>
+                <a:latin typeface="Times New Roman"/>
+              </a:defRPr>
+            </a:pPr>
+            <a:r>
+              <a:t>Todo aquele que comer, não terá mais fome</a:t>
+            </a:r>
+          </a:p>
+          <a:p>
+            <a:pPr algn="ctr">
+              <a:defRPr sz="3800">
+                <a:solidFill>
+                  <a:srgbClr val="FFFFFF"/>
+                </a:solidFill>
+                <a:latin typeface="Times New Roman"/>
+              </a:defRPr>
+            </a:pPr>
+            <a:r>
+              <a:t>Aqui, vive Tua Igreja em torno a Ti</a:t>
+            </a:r>
+          </a:p>
+          <a:p>
+            <a:pPr algn="ctr">
+              <a:defRPr sz="3800">
+                <a:solidFill>
+                  <a:srgbClr val="FFFFFF"/>
+                </a:solidFill>
+                <a:latin typeface="Times New Roman"/>
+              </a:defRPr>
+            </a:pPr>
+            <a:r>
+              <a:t>Onde se encontrará, a morada eterna</a:t>
+            </a:r>
+          </a:p>
+        </p:txBody>
+      </p:sp>
+    </p:spTree>
+  </p:cSld>
+  <p:clrMapOvr>
+    <a:masterClrMapping/>
+  </p:clrMapOvr>
+</p:sld>
+</file>
+
+<file path=ppt/slides/slide54.xml><?xml version="1.0" encoding="utf-8"?>
+<p:sld xmlns:a="http://schemas.openxmlformats.org/drawingml/2006/main" xmlns:p="http://schemas.openxmlformats.org/presentationml/2006/main" xmlns:r="http://schemas.openxmlformats.org/officeDocument/2006/relationships">
+  <p:cSld>
+    <p:bg>
+      <p:bgPr>
+        <a:solidFill>
+          <a:srgbClr val="000000"/>
+        </a:solidFill>
+        <a:effectLst/>
+      </p:bgPr>
+    </p:bg>
+    <p:spTree>
+      <p:nvGrpSpPr>
+        <p:cNvPr id="1" name=""/>
+        <p:cNvGrpSpPr/>
+        <p:nvPr/>
+      </p:nvGrpSpPr>
+      <p:grpSpPr/>
+      <p:sp>
+        <p:nvSpPr>
+          <p:cNvPr id="2" name="TextBox 1"/>
+          <p:cNvSpPr txBox="1"/>
+          <p:nvPr/>
+        </p:nvSpPr>
+        <p:spPr>
+          <a:xfrm>
+            <a:off x="914400" y="914400"/>
+            <a:ext cx="7315200" cy="1828800"/>
+          </a:xfrm>
+          <a:prstGeom prst="rect">
+            <a:avLst/>
+          </a:prstGeom>
+          <a:noFill/>
+        </p:spPr>
+        <p:txBody>
+          <a:bodyPr wrap="square">
+            <a:spAutoFit/>
+          </a:bodyPr>
+          <a:lstStyle/>
+          <a:p>
+            <a:pPr algn="ctr">
+              <a:defRPr sz="5300">
+                <a:solidFill>
+                  <a:srgbClr val="FFFFFF"/>
+                </a:solidFill>
+                <a:latin typeface="Times New Roman"/>
+              </a:defRPr>
+            </a:pPr>
+            <a:r>
+              <a:t>Verbum caro factum est</a:t>
+            </a:r>
+          </a:p>
+          <a:p>
+            <a:pPr algn="ctr">
+              <a:defRPr sz="5300">
+                <a:solidFill>
+                  <a:srgbClr val="FFFFFF"/>
+                </a:solidFill>
+                <a:latin typeface="Times New Roman"/>
+              </a:defRPr>
+            </a:pPr>
+            <a:r>
+              <a:t>Panis corpus factum est</a:t>
+            </a:r>
+          </a:p>
+          <a:p>
+            <a:pPr algn="ctr">
+              <a:defRPr sz="5300">
+                <a:solidFill>
+                  <a:srgbClr val="FFFFFF"/>
+                </a:solidFill>
+                <a:latin typeface="Times New Roman"/>
+              </a:defRPr>
+            </a:pPr>
+            <a:r>
+              <a:t>Verbum caro factum est</a:t>
+            </a:r>
+          </a:p>
+          <a:p>
+            <a:pPr algn="ctr">
+              <a:defRPr sz="5300">
+                <a:solidFill>
+                  <a:srgbClr val="FFFFFF"/>
+                </a:solidFill>
+                <a:latin typeface="Times New Roman"/>
+              </a:defRPr>
+            </a:pPr>
+            <a:r>
+              <a:t>Panis corpus</a:t>
+            </a:r>
+          </a:p>
+        </p:txBody>
+      </p:sp>
+    </p:spTree>
+  </p:cSld>
+  <p:clrMapOvr>
+    <a:masterClrMapping/>
+  </p:clrMapOvr>
+</p:sld>
+</file>
+
+<file path=ppt/slides/slide55.xml><?xml version="1.0" encoding="utf-8"?>
+<p:sld xmlns:a="http://schemas.openxmlformats.org/drawingml/2006/main" xmlns:p="http://schemas.openxmlformats.org/presentationml/2006/main" xmlns:r="http://schemas.openxmlformats.org/officeDocument/2006/relationships">
+  <p:cSld>
+    <p:bg>
+      <p:bgPr>
+        <a:solidFill>
+          <a:srgbClr val="000000"/>
+        </a:solidFill>
+        <a:effectLst/>
+      </p:bgPr>
+    </p:bg>
+    <p:spTree>
+      <p:nvGrpSpPr>
+        <p:cNvPr id="1" name=""/>
+        <p:cNvGrpSpPr/>
+        <p:nvPr/>
+      </p:nvGrpSpPr>
+      <p:grpSpPr/>
+      <p:sp>
+        <p:nvSpPr>
+          <p:cNvPr id="2" name="TextBox 1"/>
+          <p:cNvSpPr txBox="1"/>
+          <p:nvPr/>
+        </p:nvSpPr>
+        <p:spPr>
+          <a:xfrm>
+            <a:off x="914400" y="914400"/>
+            <a:ext cx="7315200" cy="1828800"/>
+          </a:xfrm>
+          <a:prstGeom prst="rect">
+            <a:avLst/>
+          </a:prstGeom>
+          <a:noFill/>
+        </p:spPr>
+        <p:txBody>
+          <a:bodyPr wrap="square">
+            <a:spAutoFit/>
+          </a:bodyPr>
+          <a:lstStyle/>
+          <a:p>
+            <a:pPr algn="ctr">
+              <a:defRPr sz="5100">
+                <a:solidFill>
+                  <a:srgbClr val="FFFFFF"/>
+                </a:solidFill>
+                <a:latin typeface="Times New Roman"/>
+              </a:defRPr>
+            </a:pPr>
+            <a:r>
+              <a:t>Desde o princípio</a:t>
+            </a:r>
+          </a:p>
+          <a:p>
+            <a:pPr algn="ctr">
+              <a:defRPr sz="5100">
+                <a:solidFill>
+                  <a:srgbClr val="FFFFFF"/>
+                </a:solidFill>
+                <a:latin typeface="Times New Roman"/>
+              </a:defRPr>
+            </a:pPr>
+            <a:r>
+              <a:t>Quando o universo foi criado da escuridão</a:t>
+            </a:r>
+          </a:p>
+          <a:p>
+            <a:pPr algn="ctr">
+              <a:defRPr sz="5100">
+                <a:solidFill>
+                  <a:srgbClr val="FFFFFF"/>
+                </a:solidFill>
+                <a:latin typeface="Times New Roman"/>
+              </a:defRPr>
+            </a:pPr>
+            <a:r>
+              <a:t>O Verbo estava junto a Deus</a:t>
+            </a:r>
+          </a:p>
+        </p:txBody>
+      </p:sp>
+    </p:spTree>
+  </p:cSld>
+  <p:clrMapOvr>
+    <a:masterClrMapping/>
+  </p:clrMapOvr>
+</p:sld>
+</file>
+
+<file path=ppt/slides/slide56.xml><?xml version="1.0" encoding="utf-8"?>
+<p:sld xmlns:a="http://schemas.openxmlformats.org/drawingml/2006/main" xmlns:p="http://schemas.openxmlformats.org/presentationml/2006/main" xmlns:r="http://schemas.openxmlformats.org/officeDocument/2006/relationships">
+  <p:cSld>
+    <p:bg>
+      <p:bgPr>
+        <a:solidFill>
+          <a:srgbClr val="000000"/>
+        </a:solidFill>
+        <a:effectLst/>
+      </p:bgPr>
+    </p:bg>
+    <p:spTree>
+      <p:nvGrpSpPr>
+        <p:cNvPr id="1" name=""/>
+        <p:cNvGrpSpPr/>
+        <p:nvPr/>
+      </p:nvGrpSpPr>
+      <p:grpSpPr/>
+      <p:sp>
+        <p:nvSpPr>
+          <p:cNvPr id="2" name="TextBox 1"/>
+          <p:cNvSpPr txBox="1"/>
+          <p:nvPr/>
+        </p:nvSpPr>
+        <p:spPr>
+          <a:xfrm>
+            <a:off x="914400" y="914400"/>
+            <a:ext cx="7315200" cy="1828800"/>
+          </a:xfrm>
+          <a:prstGeom prst="rect">
+            <a:avLst/>
+          </a:prstGeom>
+          <a:noFill/>
+        </p:spPr>
+        <p:txBody>
+          <a:bodyPr wrap="square">
+            <a:spAutoFit/>
+          </a:bodyPr>
+          <a:lstStyle/>
+          <a:p>
+            <a:pPr algn="ctr">
+              <a:defRPr sz="5200">
+                <a:solidFill>
+                  <a:srgbClr val="FFFFFF"/>
+                </a:solidFill>
+                <a:latin typeface="Times New Roman"/>
+              </a:defRPr>
+            </a:pPr>
+            <a:r>
+              <a:t>Veio ao mundo</a:t>
+            </a:r>
+          </a:p>
+          <a:p>
+            <a:pPr algn="ctr">
+              <a:defRPr sz="5200">
+                <a:solidFill>
+                  <a:srgbClr val="FFFFFF"/>
+                </a:solidFill>
+                <a:latin typeface="Times New Roman"/>
+              </a:defRPr>
+            </a:pPr>
+            <a:r>
+              <a:t>Rico em misericórdia, Deus mandou o Filho Seu</a:t>
+            </a:r>
+          </a:p>
+          <a:p>
+            <a:pPr algn="ctr">
+              <a:defRPr sz="5200">
+                <a:solidFill>
+                  <a:srgbClr val="FFFFFF"/>
+                </a:solidFill>
+                <a:latin typeface="Times New Roman"/>
+              </a:defRPr>
+            </a:pPr>
+            <a:r>
+              <a:t>Todo a Si mesmo como Pão</a:t>
+            </a:r>
+          </a:p>
+        </p:txBody>
+      </p:sp>
+    </p:spTree>
+  </p:cSld>
+  <p:clrMapOvr>
+    <a:masterClrMapping/>
+  </p:clrMapOvr>
+</p:sld>
+</file>
+
+<file path=ppt/slides/slide57.xml><?xml version="1.0" encoding="utf-8"?>
+<p:sld xmlns:a="http://schemas.openxmlformats.org/drawingml/2006/main" xmlns:p="http://schemas.openxmlformats.org/presentationml/2006/main" xmlns:r="http://schemas.openxmlformats.org/officeDocument/2006/relationships">
+  <p:cSld>
+    <p:bg>
+      <p:bgPr>
+        <a:solidFill>
+          <a:srgbClr val="000000"/>
+        </a:solidFill>
+        <a:effectLst/>
+      </p:bgPr>
+    </p:bg>
+    <p:spTree>
+      <p:nvGrpSpPr>
+        <p:cNvPr id="1" name=""/>
+        <p:cNvGrpSpPr/>
+        <p:nvPr/>
+      </p:nvGrpSpPr>
+      <p:grpSpPr/>
+      <p:sp>
+        <p:nvSpPr>
+          <p:cNvPr id="2" name="TextBox 1"/>
+          <p:cNvSpPr txBox="1"/>
+          <p:nvPr/>
+        </p:nvSpPr>
+        <p:spPr>
+          <a:xfrm>
+            <a:off x="914400" y="914400"/>
+            <a:ext cx="7315200" cy="1828800"/>
+          </a:xfrm>
+          <a:prstGeom prst="rect">
+            <a:avLst/>
+          </a:prstGeom>
+          <a:noFill/>
+        </p:spPr>
+        <p:txBody>
+          <a:bodyPr wrap="square">
+            <a:spAutoFit/>
+          </a:bodyPr>
+          <a:lstStyle/>
+          <a:p>
+            <a:pPr algn="ctr">
+              <a:defRPr sz="4900">
+                <a:solidFill>
+                  <a:srgbClr val="FFFFFF"/>
+                </a:solidFill>
+                <a:latin typeface="Times New Roman"/>
+              </a:defRPr>
+            </a:pPr>
+            <a:r>
+              <a:t>Verbum caro factum est</a:t>
+            </a:r>
+          </a:p>
+          <a:p>
+            <a:pPr algn="ctr">
+              <a:defRPr sz="4900">
+                <a:solidFill>
+                  <a:srgbClr val="FFFFFF"/>
+                </a:solidFill>
+                <a:latin typeface="Times New Roman"/>
+              </a:defRPr>
+            </a:pPr>
+            <a:r>
+              <a:t>Panis corpus factum est</a:t>
+            </a:r>
+          </a:p>
+          <a:p>
+            <a:pPr algn="ctr">
+              <a:defRPr sz="4900">
+                <a:solidFill>
+                  <a:srgbClr val="FFFFFF"/>
+                </a:solidFill>
+                <a:latin typeface="Times New Roman"/>
+              </a:defRPr>
+            </a:pPr>
+            <a:r>
+              <a:t>Verbum caro factum est</a:t>
+            </a:r>
+          </a:p>
+          <a:p>
+            <a:pPr algn="ctr">
+              <a:defRPr sz="4900">
+                <a:solidFill>
+                  <a:srgbClr val="FFFFFF"/>
+                </a:solidFill>
+                <a:latin typeface="Times New Roman"/>
+              </a:defRPr>
+            </a:pPr>
+            <a:r>
+              <a:t>Panis corpus factum est</a:t>
+            </a:r>
+          </a:p>
+        </p:txBody>
+      </p:sp>
+    </p:spTree>
+  </p:cSld>
+  <p:clrMapOvr>
+    <a:masterClrMapping/>
+  </p:clrMapOvr>
+</p:sld>
+</file>
+
+<file path=ppt/slides/slide58.xml><?xml version="1.0" encoding="utf-8"?>
+<p:sld xmlns:a="http://schemas.openxmlformats.org/drawingml/2006/main" xmlns:p="http://schemas.openxmlformats.org/presentationml/2006/main" xmlns:r="http://schemas.openxmlformats.org/officeDocument/2006/relationships">
+  <p:cSld>
+    <p:bg>
+      <p:bgPr>
+        <a:solidFill>
+          <a:srgbClr val="000000"/>
+        </a:solidFill>
+        <a:effectLst/>
+      </p:bgPr>
+    </p:bg>
+    <p:spTree>
+      <p:nvGrpSpPr>
+        <p:cNvPr id="1" name=""/>
+        <p:cNvGrpSpPr/>
+        <p:nvPr/>
+      </p:nvGrpSpPr>
+      <p:grpSpPr/>
+      <p:sp>
+        <p:nvSpPr>
+          <p:cNvPr id="2" name="TextBox 1"/>
+          <p:cNvSpPr txBox="1"/>
+          <p:nvPr/>
+        </p:nvSpPr>
+        <p:spPr>
+          <a:xfrm>
+            <a:off x="914400" y="914400"/>
+            <a:ext cx="7315200" cy="1828800"/>
+          </a:xfrm>
+          <a:prstGeom prst="rect">
+            <a:avLst/>
+          </a:prstGeom>
+          <a:noFill/>
+        </p:spPr>
+        <p:txBody>
+          <a:bodyPr wrap="square">
+            <a:spAutoFit/>
+          </a:bodyPr>
+          <a:lstStyle/>
+          <a:p>
+            <a:pPr algn="ctr">
+              <a:defRPr sz="3800">
+                <a:solidFill>
+                  <a:srgbClr val="FFFFFF"/>
+                </a:solidFill>
+                <a:latin typeface="Times New Roman"/>
+              </a:defRPr>
+            </a:pPr>
+            <a:r>
+              <a:t>E aqui partes o Teu pão em meio a nós</a:t>
+            </a:r>
+          </a:p>
+          <a:p>
+            <a:pPr algn="ctr">
+              <a:defRPr sz="3800">
+                <a:solidFill>
+                  <a:srgbClr val="FFFFFF"/>
+                </a:solidFill>
+                <a:latin typeface="Times New Roman"/>
+              </a:defRPr>
+            </a:pPr>
+            <a:r>
+              <a:t>Todo aquele que comer, não terá mais fome</a:t>
+            </a:r>
+          </a:p>
+          <a:p>
+            <a:pPr algn="ctr">
+              <a:defRPr sz="3800">
+                <a:solidFill>
+                  <a:srgbClr val="FFFFFF"/>
+                </a:solidFill>
+                <a:latin typeface="Times New Roman"/>
+              </a:defRPr>
+            </a:pPr>
+            <a:r>
+              <a:t>Aqui vive Tua Igreja em torno a Ti</a:t>
+            </a:r>
+          </a:p>
+          <a:p>
+            <a:pPr algn="ctr">
+              <a:defRPr sz="3800">
+                <a:solidFill>
+                  <a:srgbClr val="FFFFFF"/>
+                </a:solidFill>
+                <a:latin typeface="Times New Roman"/>
+              </a:defRPr>
+            </a:pPr>
+            <a:r>
+              <a:t>Onde se encontrará, a morada eterna</a:t>
+            </a:r>
+          </a:p>
+        </p:txBody>
+      </p:sp>
+    </p:spTree>
+  </p:cSld>
+  <p:clrMapOvr>
+    <a:masterClrMapping/>
+  </p:clrMapOvr>
+</p:sld>
+</file>
+
+<file path=ppt/slides/slide59.xml><?xml version="1.0" encoding="utf-8"?>
+<p:sld xmlns:a="http://schemas.openxmlformats.org/drawingml/2006/main" xmlns:p="http://schemas.openxmlformats.org/presentationml/2006/main" xmlns:r="http://schemas.openxmlformats.org/officeDocument/2006/relationships">
+  <p:cSld>
+    <p:bg>
+      <p:bgPr>
+        <a:solidFill>
+          <a:srgbClr val="000000"/>
+        </a:solidFill>
+        <a:effectLst/>
+      </p:bgPr>
+    </p:bg>
+    <p:spTree>
+      <p:nvGrpSpPr>
+        <p:cNvPr id="1" name=""/>
+        <p:cNvGrpSpPr/>
+        <p:nvPr/>
+      </p:nvGrpSpPr>
+      <p:grpSpPr/>
+      <p:sp>
+        <p:nvSpPr>
+          <p:cNvPr id="2" name="TextBox 1"/>
+          <p:cNvSpPr txBox="1"/>
+          <p:nvPr/>
+        </p:nvSpPr>
+        <p:spPr>
+          <a:xfrm>
+            <a:off x="914400" y="914400"/>
+            <a:ext cx="7315200" cy="1828800"/>
+          </a:xfrm>
+          <a:prstGeom prst="rect">
+            <a:avLst/>
+          </a:prstGeom>
+          <a:noFill/>
+        </p:spPr>
+        <p:txBody>
+          <a:bodyPr wrap="square">
+            <a:spAutoFit/>
+          </a:bodyPr>
+          <a:lstStyle/>
+          <a:p>
+            <a:pPr algn="ctr">
+              <a:defRPr sz="3800">
+                <a:solidFill>
+                  <a:srgbClr val="FFFFFF"/>
+                </a:solidFill>
+                <a:latin typeface="Times New Roman"/>
+              </a:defRPr>
+            </a:pPr>
+            <a:r>
+              <a:t>E aqui partes o Teu pão em meio a nós</a:t>
+            </a:r>
+          </a:p>
+          <a:p>
+            <a:pPr algn="ctr">
+              <a:defRPr sz="3800">
+                <a:solidFill>
+                  <a:srgbClr val="FFFFFF"/>
+                </a:solidFill>
+                <a:latin typeface="Times New Roman"/>
+              </a:defRPr>
+            </a:pPr>
+            <a:r>
+              <a:t>Todo aquele que comer, não terá mais fome</a:t>
+            </a:r>
+          </a:p>
+          <a:p>
+            <a:pPr algn="ctr">
+              <a:defRPr sz="3800">
+                <a:solidFill>
+                  <a:srgbClr val="FFFFFF"/>
+                </a:solidFill>
+                <a:latin typeface="Times New Roman"/>
+              </a:defRPr>
+            </a:pPr>
+            <a:r>
+              <a:t>Aqui vive Tua Igreja em torno a Ti</a:t>
+            </a:r>
+          </a:p>
+          <a:p>
+            <a:pPr algn="ctr">
+              <a:defRPr sz="3800">
+                <a:solidFill>
+                  <a:srgbClr val="FFFFFF"/>
+                </a:solidFill>
+                <a:latin typeface="Times New Roman"/>
+              </a:defRPr>
+            </a:pPr>
+            <a:r>
+              <a:t>Onde se encontrará, a morada eterna</a:t>
             </a:r>
           </a:p>
         </p:txBody>
@@ -5258,6 +7550,14 @@
 <file path=ppt/slides/slide6.xml><?xml version="1.0" encoding="utf-8"?>
 <p:sld xmlns:a="http://schemas.openxmlformats.org/drawingml/2006/main" xmlns:p="http://schemas.openxmlformats.org/presentationml/2006/main" xmlns:r="http://schemas.openxmlformats.org/officeDocument/2006/relationships">
   <p:cSld>
+    <p:bg>
+      <p:bgPr>
+        <a:solidFill>
+          <a:srgbClr val="000000"/>
+        </a:solidFill>
+        <a:effectLst/>
+      </p:bgPr>
+    </p:bg>
     <p:spTree>
       <p:nvGrpSpPr>
         <p:cNvPr id="1" name=""/>
@@ -5267,100 +7567,783 @@
       <p:grpSpPr/>
       <p:sp>
         <p:nvSpPr>
-          <p:cNvPr id="2" name="Title 1"/>
-          <p:cNvSpPr>
-            <a:spLocks noGrp="1"/>
-          </p:cNvSpPr>
-          <p:nvPr>
-            <p:ph type="title"/>
-          </p:nvPr>
-        </p:nvSpPr>
-        <p:spPr/>
-        <p:txBody>
-          <a:bodyPr/>
-          <a:lstStyle/>
-          <a:p>
-            <a:pPr>
-              <a:defRPr b="1" sz="4200"/>
-            </a:pPr>
-            <a:r>
-              <a:t>1 - Sweet Child O' Mine - Guns N' Roses</a:t>
-            </a:r>
-          </a:p>
-        </p:txBody>
-      </p:sp>
-      <p:sp>
-        <p:nvSpPr>
-          <p:cNvPr id="3" name="Content Placeholder 2"/>
-          <p:cNvSpPr>
-            <a:spLocks noGrp="1"/>
-          </p:cNvSpPr>
-          <p:nvPr>
-            <p:ph idx="1"/>
-          </p:nvPr>
-        </p:nvSpPr>
-        <p:spPr/>
-        <p:txBody>
-          <a:bodyPr/>
-          <a:lstStyle/>
-          <a:p>
-            <a:pPr algn="ctr">
-              <a:defRPr sz="3900">
-                <a:solidFill>
-                  <a:srgbClr val="000000"/>
-                </a:solidFill>
-              </a:defRPr>
-            </a:pPr>
-            <a:r>
-              <a:t>Oh, oh, oh, sweet child of mine</a:t>
-            </a:r>
-          </a:p>
-          <a:p>
-            <a:pPr algn="ctr">
-              <a:defRPr sz="3900">
-                <a:solidFill>
-                  <a:srgbClr val="000000"/>
-                </a:solidFill>
-              </a:defRPr>
-            </a:pPr>
-            <a:r>
-              <a:t>Oh, oh, oh, oh, sweet love of mine</a:t>
-            </a:r>
-          </a:p>
-          <a:p>
-            <a:pPr algn="ctr">
-              <a:defRPr sz="3900">
-                <a:solidFill>
-                  <a:srgbClr val="000000"/>
-                </a:solidFill>
-              </a:defRPr>
-            </a:pPr>
-            <a:r>
-              <a:t>Oh, oh, oh, oh, sweet child of mine</a:t>
-            </a:r>
-          </a:p>
-          <a:p>
-            <a:pPr algn="ctr">
-              <a:defRPr sz="3900">
-                <a:solidFill>
-                  <a:srgbClr val="000000"/>
-                </a:solidFill>
-              </a:defRPr>
-            </a:pPr>
-            <a:r>
-              <a:t>Ooh, yeah, yeah</a:t>
-            </a:r>
-          </a:p>
-          <a:p>
-            <a:pPr algn="ctr">
-              <a:defRPr sz="3900">
-                <a:solidFill>
-                  <a:srgbClr val="000000"/>
-                </a:solidFill>
-              </a:defRPr>
-            </a:pPr>
-            <a:r>
-              <a:t>Ooh! Sweet love of mine</a:t>
+          <p:cNvPr id="2" name="TextBox 1"/>
+          <p:cNvSpPr txBox="1"/>
+          <p:nvPr/>
+        </p:nvSpPr>
+        <p:spPr>
+          <a:xfrm>
+            <a:off x="914400" y="914400"/>
+            <a:ext cx="7315200" cy="1828800"/>
+          </a:xfrm>
+          <a:prstGeom prst="rect">
+            <a:avLst/>
+          </a:prstGeom>
+          <a:noFill/>
+        </p:spPr>
+        <p:txBody>
+          <a:bodyPr wrap="square">
+            <a:spAutoFit/>
+          </a:bodyPr>
+          <a:lstStyle/>
+          <a:p>
+            <a:pPr algn="ctr">
+              <a:defRPr sz="4600">
+                <a:solidFill>
+                  <a:srgbClr val="FFFFFF"/>
+                </a:solidFill>
+                <a:latin typeface="Times New Roman"/>
+              </a:defRPr>
+            </a:pPr>
+            <a:r>
+              <a:t>Humildes pastores deixam seus rebanhos</a:t>
+            </a:r>
+          </a:p>
+          <a:p>
+            <a:pPr algn="ctr">
+              <a:defRPr sz="4600">
+                <a:solidFill>
+                  <a:srgbClr val="FFFFFF"/>
+                </a:solidFill>
+                <a:latin typeface="Times New Roman"/>
+              </a:defRPr>
+            </a:pPr>
+            <a:r>
+              <a:t>E alegres acorrem ao Rei dos céus</a:t>
+            </a:r>
+          </a:p>
+          <a:p>
+            <a:pPr algn="ctr">
+              <a:defRPr sz="4600">
+                <a:solidFill>
+                  <a:srgbClr val="FFFFFF"/>
+                </a:solidFill>
+                <a:latin typeface="Times New Roman"/>
+              </a:defRPr>
+            </a:pPr>
+            <a:r>
+              <a:t>Nós, igualmente, cheios de alegria</a:t>
+            </a:r>
+          </a:p>
+        </p:txBody>
+      </p:sp>
+    </p:spTree>
+  </p:cSld>
+  <p:clrMapOvr>
+    <a:masterClrMapping/>
+  </p:clrMapOvr>
+</p:sld>
+</file>
+
+<file path=ppt/slides/slide60.xml><?xml version="1.0" encoding="utf-8"?>
+<p:sld xmlns:a="http://schemas.openxmlformats.org/drawingml/2006/main" xmlns:p="http://schemas.openxmlformats.org/presentationml/2006/main" xmlns:r="http://schemas.openxmlformats.org/officeDocument/2006/relationships">
+  <p:cSld>
+    <p:bg>
+      <p:bgPr>
+        <a:solidFill>
+          <a:srgbClr val="000000"/>
+        </a:solidFill>
+        <a:effectLst/>
+      </p:bgPr>
+    </p:bg>
+    <p:spTree>
+      <p:nvGrpSpPr>
+        <p:cNvPr id="1" name=""/>
+        <p:cNvGrpSpPr/>
+        <p:nvPr/>
+      </p:nvGrpSpPr>
+      <p:grpSpPr/>
+      <p:sp>
+        <p:nvSpPr>
+          <p:cNvPr id="2" name="TextBox 1"/>
+          <p:cNvSpPr txBox="1"/>
+          <p:nvPr/>
+        </p:nvSpPr>
+        <p:spPr>
+          <a:xfrm>
+            <a:off x="914400" y="914400"/>
+            <a:ext cx="7315200" cy="1828800"/>
+          </a:xfrm>
+          <a:prstGeom prst="rect">
+            <a:avLst/>
+          </a:prstGeom>
+          <a:noFill/>
+        </p:spPr>
+        <p:txBody>
+          <a:bodyPr wrap="square">
+            <a:spAutoFit/>
+          </a:bodyPr>
+          <a:lstStyle/>
+          <a:p>
+            <a:pPr algn="ctr">
+              <a:defRPr sz="4900">
+                <a:solidFill>
+                  <a:srgbClr val="FFFFFF"/>
+                </a:solidFill>
+                <a:latin typeface="Times New Roman"/>
+              </a:defRPr>
+            </a:pPr>
+            <a:r>
+              <a:t>Verbum caro factum est</a:t>
+            </a:r>
+          </a:p>
+          <a:p>
+            <a:pPr algn="ctr">
+              <a:defRPr sz="4900">
+                <a:solidFill>
+                  <a:srgbClr val="FFFFFF"/>
+                </a:solidFill>
+                <a:latin typeface="Times New Roman"/>
+              </a:defRPr>
+            </a:pPr>
+            <a:r>
+              <a:t>Panis corpus factum est</a:t>
+            </a:r>
+          </a:p>
+          <a:p>
+            <a:pPr algn="ctr">
+              <a:defRPr sz="4900">
+                <a:solidFill>
+                  <a:srgbClr val="FFFFFF"/>
+                </a:solidFill>
+                <a:latin typeface="Times New Roman"/>
+              </a:defRPr>
+            </a:pPr>
+            <a:r>
+              <a:t>Verbum caro factum est</a:t>
+            </a:r>
+          </a:p>
+          <a:p>
+            <a:pPr algn="ctr">
+              <a:defRPr sz="4900">
+                <a:solidFill>
+                  <a:srgbClr val="FFFFFF"/>
+                </a:solidFill>
+                <a:latin typeface="Times New Roman"/>
+              </a:defRPr>
+            </a:pPr>
+            <a:r>
+              <a:t>Panis corpus factum est</a:t>
+            </a:r>
+          </a:p>
+        </p:txBody>
+      </p:sp>
+    </p:spTree>
+  </p:cSld>
+  <p:clrMapOvr>
+    <a:masterClrMapping/>
+  </p:clrMapOvr>
+</p:sld>
+</file>
+
+<file path=ppt/slides/slide61.xml><?xml version="1.0" encoding="utf-8"?>
+<p:sld xmlns:a="http://schemas.openxmlformats.org/drawingml/2006/main" xmlns:p="http://schemas.openxmlformats.org/presentationml/2006/main" xmlns:r="http://schemas.openxmlformats.org/officeDocument/2006/relationships">
+  <p:cSld>
+    <p:bg>
+      <p:bgPr>
+        <a:solidFill>
+          <a:srgbClr val="000000"/>
+        </a:solidFill>
+        <a:effectLst/>
+      </p:bgPr>
+    </p:bg>
+    <p:spTree>
+      <p:nvGrpSpPr>
+        <p:cNvPr id="1" name=""/>
+        <p:cNvGrpSpPr/>
+        <p:nvPr/>
+      </p:nvGrpSpPr>
+      <p:grpSpPr/>
+      <p:sp>
+        <p:nvSpPr>
+          <p:cNvPr id="2" name="TextBox 1"/>
+          <p:cNvSpPr txBox="1"/>
+          <p:nvPr/>
+        </p:nvSpPr>
+        <p:spPr>
+          <a:xfrm>
+            <a:off x="914400" y="914400"/>
+            <a:ext cx="7315200" cy="1828800"/>
+          </a:xfrm>
+          <a:prstGeom prst="rect">
+            <a:avLst/>
+          </a:prstGeom>
+          <a:noFill/>
+        </p:spPr>
+        <p:txBody>
+          <a:bodyPr wrap="square">
+            <a:spAutoFit/>
+          </a:bodyPr>
+          <a:lstStyle/>
+          <a:p>
+            <a:pPr algn="ctr">
+              <a:defRPr sz="1200">
+                <a:solidFill>
+                  <a:srgbClr val="FFFFFF"/>
+                </a:solidFill>
+                <a:latin typeface="Times New Roman"/>
+              </a:defRPr>
+            </a:pPr>
+          </a:p>
+        </p:txBody>
+      </p:sp>
+    </p:spTree>
+  </p:cSld>
+  <p:clrMapOvr>
+    <a:masterClrMapping/>
+  </p:clrMapOvr>
+</p:sld>
+</file>
+
+<file path=ppt/slides/slide62.xml><?xml version="1.0" encoding="utf-8"?>
+<p:sld xmlns:a="http://schemas.openxmlformats.org/drawingml/2006/main" xmlns:p="http://schemas.openxmlformats.org/presentationml/2006/main" xmlns:r="http://schemas.openxmlformats.org/officeDocument/2006/relationships">
+  <p:cSld>
+    <p:bg>
+      <p:bgPr>
+        <a:solidFill>
+          <a:srgbClr val="000000"/>
+        </a:solidFill>
+        <a:effectLst/>
+      </p:bgPr>
+    </p:bg>
+    <p:spTree>
+      <p:nvGrpSpPr>
+        <p:cNvPr id="1" name=""/>
+        <p:cNvGrpSpPr/>
+        <p:nvPr/>
+      </p:nvGrpSpPr>
+      <p:grpSpPr/>
+      <p:sp>
+        <p:nvSpPr>
+          <p:cNvPr id="2" name="TextBox 1"/>
+          <p:cNvSpPr txBox="1"/>
+          <p:nvPr/>
+        </p:nvSpPr>
+        <p:spPr>
+          <a:xfrm>
+            <a:off x="914400" y="914400"/>
+            <a:ext cx="7315200" cy="1828800"/>
+          </a:xfrm>
+          <a:prstGeom prst="rect">
+            <a:avLst/>
+          </a:prstGeom>
+          <a:noFill/>
+        </p:spPr>
+        <p:txBody>
+          <a:bodyPr wrap="square">
+            <a:spAutoFit/>
+          </a:bodyPr>
+          <a:lstStyle/>
+          <a:p>
+            <a:pPr algn="ctr">
+              <a:defRPr sz="6900">
+                <a:solidFill>
+                  <a:srgbClr val="FFFFFF"/>
+                </a:solidFill>
+                <a:latin typeface="Times New Roman"/>
+              </a:defRPr>
+            </a:pPr>
+            <a:r>
+              <a:t>O Verbo se fez carne, e nós vimos sua glória! (x2)</a:t>
+            </a:r>
+          </a:p>
+        </p:txBody>
+      </p:sp>
+    </p:spTree>
+  </p:cSld>
+  <p:clrMapOvr>
+    <a:masterClrMapping/>
+  </p:clrMapOvr>
+</p:sld>
+</file>
+
+<file path=ppt/slides/slide63.xml><?xml version="1.0" encoding="utf-8"?>
+<p:sld xmlns:a="http://schemas.openxmlformats.org/drawingml/2006/main" xmlns:p="http://schemas.openxmlformats.org/presentationml/2006/main" xmlns:r="http://schemas.openxmlformats.org/officeDocument/2006/relationships">
+  <p:cSld>
+    <p:bg>
+      <p:bgPr>
+        <a:solidFill>
+          <a:srgbClr val="000000"/>
+        </a:solidFill>
+        <a:effectLst/>
+      </p:bgPr>
+    </p:bg>
+    <p:spTree>
+      <p:nvGrpSpPr>
+        <p:cNvPr id="1" name=""/>
+        <p:cNvGrpSpPr/>
+        <p:nvPr/>
+      </p:nvGrpSpPr>
+      <p:grpSpPr/>
+      <p:sp>
+        <p:nvSpPr>
+          <p:cNvPr id="2" name="TextBox 1"/>
+          <p:cNvSpPr txBox="1"/>
+          <p:nvPr/>
+        </p:nvSpPr>
+        <p:spPr>
+          <a:xfrm>
+            <a:off x="914400" y="914400"/>
+            <a:ext cx="7315200" cy="1828800"/>
+          </a:xfrm>
+          <a:prstGeom prst="rect">
+            <a:avLst/>
+          </a:prstGeom>
+          <a:noFill/>
+        </p:spPr>
+        <p:txBody>
+          <a:bodyPr wrap="square">
+            <a:spAutoFit/>
+          </a:bodyPr>
+          <a:lstStyle/>
+          <a:p>
+            <a:pPr algn="ctr">
+              <a:defRPr sz="6200">
+                <a:solidFill>
+                  <a:srgbClr val="FFFFFF"/>
+                </a:solidFill>
+                <a:latin typeface="Times New Roman"/>
+              </a:defRPr>
+            </a:pPr>
+            <a:r>
+              <a:t>Cantai ao senhor Deus um canto novo</a:t>
+            </a:r>
+          </a:p>
+          <a:p>
+            <a:pPr algn="ctr">
+              <a:defRPr sz="6200">
+                <a:solidFill>
+                  <a:srgbClr val="FFFFFF"/>
+                </a:solidFill>
+                <a:latin typeface="Times New Roman"/>
+              </a:defRPr>
+            </a:pPr>
+            <a:r>
+              <a:t>Porque ele fez prodígios!</a:t>
+            </a:r>
+          </a:p>
+        </p:txBody>
+      </p:sp>
+    </p:spTree>
+  </p:cSld>
+  <p:clrMapOvr>
+    <a:masterClrMapping/>
+  </p:clrMapOvr>
+</p:sld>
+</file>
+
+<file path=ppt/slides/slide64.xml><?xml version="1.0" encoding="utf-8"?>
+<p:sld xmlns:a="http://schemas.openxmlformats.org/drawingml/2006/main" xmlns:p="http://schemas.openxmlformats.org/presentationml/2006/main" xmlns:r="http://schemas.openxmlformats.org/officeDocument/2006/relationships">
+  <p:cSld>
+    <p:bg>
+      <p:bgPr>
+        <a:solidFill>
+          <a:srgbClr val="000000"/>
+        </a:solidFill>
+        <a:effectLst/>
+      </p:bgPr>
+    </p:bg>
+    <p:spTree>
+      <p:nvGrpSpPr>
+        <p:cNvPr id="1" name=""/>
+        <p:cNvGrpSpPr/>
+        <p:nvPr/>
+      </p:nvGrpSpPr>
+      <p:grpSpPr/>
+      <p:sp>
+        <p:nvSpPr>
+          <p:cNvPr id="2" name="TextBox 1"/>
+          <p:cNvSpPr txBox="1"/>
+          <p:nvPr/>
+        </p:nvSpPr>
+        <p:spPr>
+          <a:xfrm>
+            <a:off x="914400" y="914400"/>
+            <a:ext cx="7315200" cy="1828800"/>
+          </a:xfrm>
+          <a:prstGeom prst="rect">
+            <a:avLst/>
+          </a:prstGeom>
+          <a:noFill/>
+        </p:spPr>
+        <p:txBody>
+          <a:bodyPr wrap="square">
+            <a:spAutoFit/>
+          </a:bodyPr>
+          <a:lstStyle/>
+          <a:p>
+            <a:pPr algn="ctr">
+              <a:defRPr sz="6200">
+                <a:solidFill>
+                  <a:srgbClr val="FFFFFF"/>
+                </a:solidFill>
+                <a:latin typeface="Times New Roman"/>
+              </a:defRPr>
+            </a:pPr>
+            <a:r>
+              <a:t>Aclamai o senhor Deus, ó terra inteira</a:t>
+            </a:r>
+          </a:p>
+          <a:p>
+            <a:pPr algn="ctr">
+              <a:defRPr sz="6200">
+                <a:solidFill>
+                  <a:srgbClr val="FFFFFF"/>
+                </a:solidFill>
+                <a:latin typeface="Times New Roman"/>
+              </a:defRPr>
+            </a:pPr>
+            <a:r>
+              <a:t>Alegrai-vos e exultai!</a:t>
+            </a:r>
+          </a:p>
+        </p:txBody>
+      </p:sp>
+    </p:spTree>
+  </p:cSld>
+  <p:clrMapOvr>
+    <a:masterClrMapping/>
+  </p:clrMapOvr>
+</p:sld>
+</file>
+
+<file path=ppt/slides/slide65.xml><?xml version="1.0" encoding="utf-8"?>
+<p:sld xmlns:a="http://schemas.openxmlformats.org/drawingml/2006/main" xmlns:p="http://schemas.openxmlformats.org/presentationml/2006/main" xmlns:r="http://schemas.openxmlformats.org/officeDocument/2006/relationships">
+  <p:cSld>
+    <p:bg>
+      <p:bgPr>
+        <a:solidFill>
+          <a:srgbClr val="000000"/>
+        </a:solidFill>
+        <a:effectLst/>
+      </p:bgPr>
+    </p:bg>
+    <p:spTree>
+      <p:nvGrpSpPr>
+        <p:cNvPr id="1" name=""/>
+        <p:cNvGrpSpPr/>
+        <p:nvPr/>
+      </p:nvGrpSpPr>
+      <p:grpSpPr/>
+      <p:sp>
+        <p:nvSpPr>
+          <p:cNvPr id="2" name="TextBox 1"/>
+          <p:cNvSpPr txBox="1"/>
+          <p:nvPr/>
+        </p:nvSpPr>
+        <p:spPr>
+          <a:xfrm>
+            <a:off x="914400" y="914400"/>
+            <a:ext cx="7315200" cy="1828800"/>
+          </a:xfrm>
+          <a:prstGeom prst="rect">
+            <a:avLst/>
+          </a:prstGeom>
+          <a:noFill/>
+        </p:spPr>
+        <p:txBody>
+          <a:bodyPr wrap="square">
+            <a:spAutoFit/>
+          </a:bodyPr>
+          <a:lstStyle/>
+          <a:p>
+            <a:pPr algn="ctr">
+              <a:defRPr sz="6900">
+                <a:solidFill>
+                  <a:srgbClr val="FFFFFF"/>
+                </a:solidFill>
+                <a:latin typeface="Times New Roman"/>
+              </a:defRPr>
+            </a:pPr>
+            <a:r>
+              <a:t>O Verbo se fez carne, e nós vimos sua glória! (x2)</a:t>
+            </a:r>
+          </a:p>
+        </p:txBody>
+      </p:sp>
+    </p:spTree>
+  </p:cSld>
+  <p:clrMapOvr>
+    <a:masterClrMapping/>
+  </p:clrMapOvr>
+</p:sld>
+</file>
+
+<file path=ppt/slides/slide66.xml><?xml version="1.0" encoding="utf-8"?>
+<p:sld xmlns:a="http://schemas.openxmlformats.org/drawingml/2006/main" xmlns:p="http://schemas.openxmlformats.org/presentationml/2006/main" xmlns:r="http://schemas.openxmlformats.org/officeDocument/2006/relationships">
+  <p:cSld>
+    <p:bg>
+      <p:bgPr>
+        <a:solidFill>
+          <a:srgbClr val="000000"/>
+        </a:solidFill>
+        <a:effectLst/>
+      </p:bgPr>
+    </p:bg>
+    <p:spTree>
+      <p:nvGrpSpPr>
+        <p:cNvPr id="1" name=""/>
+        <p:cNvGrpSpPr/>
+        <p:nvPr/>
+      </p:nvGrpSpPr>
+      <p:grpSpPr/>
+      <p:sp>
+        <p:nvSpPr>
+          <p:cNvPr id="2" name="TextBox 1"/>
+          <p:cNvSpPr txBox="1"/>
+          <p:nvPr/>
+        </p:nvSpPr>
+        <p:spPr>
+          <a:xfrm>
+            <a:off x="914400" y="914400"/>
+            <a:ext cx="7315200" cy="1828800"/>
+          </a:xfrm>
+          <a:prstGeom prst="rect">
+            <a:avLst/>
+          </a:prstGeom>
+          <a:noFill/>
+        </p:spPr>
+        <p:txBody>
+          <a:bodyPr wrap="square">
+            <a:spAutoFit/>
+          </a:bodyPr>
+          <a:lstStyle/>
+          <a:p>
+            <a:pPr algn="ctr">
+              <a:defRPr sz="6400">
+                <a:solidFill>
+                  <a:srgbClr val="FFFFFF"/>
+                </a:solidFill>
+                <a:latin typeface="Times New Roman"/>
+              </a:defRPr>
+            </a:pPr>
+            <a:r>
+              <a:t>Cantai salmos ao Senhor ao som da harpa</a:t>
+            </a:r>
+          </a:p>
+          <a:p>
+            <a:pPr algn="ctr">
+              <a:defRPr sz="6400">
+                <a:solidFill>
+                  <a:srgbClr val="FFFFFF"/>
+                </a:solidFill>
+                <a:latin typeface="Times New Roman"/>
+              </a:defRPr>
+            </a:pPr>
+            <a:r>
+              <a:t>E da cítara suave!</a:t>
+            </a:r>
+          </a:p>
+        </p:txBody>
+      </p:sp>
+    </p:spTree>
+  </p:cSld>
+  <p:clrMapOvr>
+    <a:masterClrMapping/>
+  </p:clrMapOvr>
+</p:sld>
+</file>
+
+<file path=ppt/slides/slide67.xml><?xml version="1.0" encoding="utf-8"?>
+<p:sld xmlns:a="http://schemas.openxmlformats.org/drawingml/2006/main" xmlns:p="http://schemas.openxmlformats.org/presentationml/2006/main" xmlns:r="http://schemas.openxmlformats.org/officeDocument/2006/relationships">
+  <p:cSld>
+    <p:bg>
+      <p:bgPr>
+        <a:solidFill>
+          <a:srgbClr val="000000"/>
+        </a:solidFill>
+        <a:effectLst/>
+      </p:bgPr>
+    </p:bg>
+    <p:spTree>
+      <p:nvGrpSpPr>
+        <p:cNvPr id="1" name=""/>
+        <p:cNvGrpSpPr/>
+        <p:nvPr/>
+      </p:nvGrpSpPr>
+      <p:grpSpPr/>
+      <p:sp>
+        <p:nvSpPr>
+          <p:cNvPr id="2" name="TextBox 1"/>
+          <p:cNvSpPr txBox="1"/>
+          <p:nvPr/>
+        </p:nvSpPr>
+        <p:spPr>
+          <a:xfrm>
+            <a:off x="914400" y="914400"/>
+            <a:ext cx="7315200" cy="1828800"/>
+          </a:xfrm>
+          <a:prstGeom prst="rect">
+            <a:avLst/>
+          </a:prstGeom>
+          <a:noFill/>
+        </p:spPr>
+        <p:txBody>
+          <a:bodyPr wrap="square">
+            <a:spAutoFit/>
+          </a:bodyPr>
+          <a:lstStyle/>
+          <a:p>
+            <a:pPr algn="ctr">
+              <a:defRPr sz="6100">
+                <a:solidFill>
+                  <a:srgbClr val="FFFFFF"/>
+                </a:solidFill>
+                <a:latin typeface="Times New Roman"/>
+              </a:defRPr>
+            </a:pPr>
+            <a:r>
+              <a:t>Aclamai, com os clarins e as trombetas</a:t>
+            </a:r>
+          </a:p>
+          <a:p>
+            <a:pPr algn="ctr">
+              <a:defRPr sz="6100">
+                <a:solidFill>
+                  <a:srgbClr val="FFFFFF"/>
+                </a:solidFill>
+                <a:latin typeface="Times New Roman"/>
+              </a:defRPr>
+            </a:pPr>
+            <a:r>
+              <a:t>Ao senhor, o nosso rei!</a:t>
+            </a:r>
+          </a:p>
+        </p:txBody>
+      </p:sp>
+    </p:spTree>
+  </p:cSld>
+  <p:clrMapOvr>
+    <a:masterClrMapping/>
+  </p:clrMapOvr>
+</p:sld>
+</file>
+
+<file path=ppt/slides/slide68.xml><?xml version="1.0" encoding="utf-8"?>
+<p:sld xmlns:a="http://schemas.openxmlformats.org/drawingml/2006/main" xmlns:p="http://schemas.openxmlformats.org/presentationml/2006/main" xmlns:r="http://schemas.openxmlformats.org/officeDocument/2006/relationships">
+  <p:cSld>
+    <p:bg>
+      <p:bgPr>
+        <a:solidFill>
+          <a:srgbClr val="000000"/>
+        </a:solidFill>
+        <a:effectLst/>
+      </p:bgPr>
+    </p:bg>
+    <p:spTree>
+      <p:nvGrpSpPr>
+        <p:cNvPr id="1" name=""/>
+        <p:cNvGrpSpPr/>
+        <p:nvPr/>
+      </p:nvGrpSpPr>
+      <p:grpSpPr/>
+      <p:sp>
+        <p:nvSpPr>
+          <p:cNvPr id="2" name="TextBox 1"/>
+          <p:cNvSpPr txBox="1"/>
+          <p:nvPr/>
+        </p:nvSpPr>
+        <p:spPr>
+          <a:xfrm>
+            <a:off x="914400" y="914400"/>
+            <a:ext cx="7315200" cy="1828800"/>
+          </a:xfrm>
+          <a:prstGeom prst="rect">
+            <a:avLst/>
+          </a:prstGeom>
+          <a:noFill/>
+        </p:spPr>
+        <p:txBody>
+          <a:bodyPr wrap="square">
+            <a:spAutoFit/>
+          </a:bodyPr>
+          <a:lstStyle/>
+          <a:p>
+            <a:pPr algn="ctr">
+              <a:defRPr sz="6900">
+                <a:solidFill>
+                  <a:srgbClr val="FFFFFF"/>
+                </a:solidFill>
+                <a:latin typeface="Times New Roman"/>
+              </a:defRPr>
+            </a:pPr>
+            <a:r>
+              <a:t>O Verbo se fez carne, e nós vimos sua glória! (x2)</a:t>
+            </a:r>
+          </a:p>
+        </p:txBody>
+      </p:sp>
+    </p:spTree>
+  </p:cSld>
+  <p:clrMapOvr>
+    <a:masterClrMapping/>
+  </p:clrMapOvr>
+</p:sld>
+</file>
+
+<file path=ppt/slides/slide69.xml><?xml version="1.0" encoding="utf-8"?>
+<p:sld xmlns:a="http://schemas.openxmlformats.org/drawingml/2006/main" xmlns:p="http://schemas.openxmlformats.org/presentationml/2006/main" xmlns:r="http://schemas.openxmlformats.org/officeDocument/2006/relationships">
+  <p:cSld>
+    <p:bg>
+      <p:bgPr>
+        <a:solidFill>
+          <a:srgbClr val="000000"/>
+        </a:solidFill>
+        <a:effectLst/>
+      </p:bgPr>
+    </p:bg>
+    <p:spTree>
+      <p:nvGrpSpPr>
+        <p:cNvPr id="1" name=""/>
+        <p:cNvGrpSpPr/>
+        <p:nvPr/>
+      </p:nvGrpSpPr>
+      <p:grpSpPr/>
+      <p:sp>
+        <p:nvSpPr>
+          <p:cNvPr id="2" name="TextBox 1"/>
+          <p:cNvSpPr txBox="1"/>
+          <p:nvPr/>
+        </p:nvSpPr>
+        <p:spPr>
+          <a:xfrm>
+            <a:off x="914400" y="914400"/>
+            <a:ext cx="7315200" cy="1828800"/>
+          </a:xfrm>
+          <a:prstGeom prst="rect">
+            <a:avLst/>
+          </a:prstGeom>
+          <a:noFill/>
+        </p:spPr>
+        <p:txBody>
+          <a:bodyPr wrap="square">
+            <a:spAutoFit/>
+          </a:bodyPr>
+          <a:lstStyle/>
+          <a:p>
+            <a:pPr algn="ctr">
+              <a:defRPr sz="5700">
+                <a:solidFill>
+                  <a:srgbClr val="FFFFFF"/>
+                </a:solidFill>
+                <a:latin typeface="Times New Roman"/>
+              </a:defRPr>
+            </a:pPr>
+            <a:r>
+              <a:t>Aplauda o mar com todo ser que nele vive</a:t>
+            </a:r>
+          </a:p>
+          <a:p>
+            <a:pPr algn="ctr">
+              <a:defRPr sz="5700">
+                <a:solidFill>
+                  <a:srgbClr val="FFFFFF"/>
+                </a:solidFill>
+                <a:latin typeface="Times New Roman"/>
+              </a:defRPr>
+            </a:pPr>
+            <a:r>
+              <a:t>O mundo inteiro e toda gente!</a:t>
             </a:r>
           </a:p>
         </p:txBody>
@@ -5376,6 +8359,14 @@
 <file path=ppt/slides/slide7.xml><?xml version="1.0" encoding="utf-8"?>
 <p:sld xmlns:a="http://schemas.openxmlformats.org/drawingml/2006/main" xmlns:p="http://schemas.openxmlformats.org/presentationml/2006/main" xmlns:r="http://schemas.openxmlformats.org/officeDocument/2006/relationships">
   <p:cSld>
+    <p:bg>
+      <p:bgPr>
+        <a:solidFill>
+          <a:srgbClr val="000000"/>
+        </a:solidFill>
+        <a:effectLst/>
+      </p:bgPr>
+    </p:bg>
     <p:spTree>
       <p:nvGrpSpPr>
         <p:cNvPr id="1" name=""/>
@@ -5385,76 +8376,770 @@
       <p:grpSpPr/>
       <p:sp>
         <p:nvSpPr>
-          <p:cNvPr id="2" name="Title 1"/>
-          <p:cNvSpPr>
-            <a:spLocks noGrp="1"/>
-          </p:cNvSpPr>
-          <p:nvPr>
-            <p:ph type="title"/>
-          </p:nvPr>
-        </p:nvSpPr>
-        <p:spPr/>
-        <p:txBody>
-          <a:bodyPr/>
-          <a:lstStyle/>
-          <a:p>
-            <a:pPr>
-              <a:defRPr b="1" sz="4200"/>
-            </a:pPr>
-            <a:r>
-              <a:t>1 - Sweet Child O' Mine - Guns N' Roses</a:t>
-            </a:r>
-          </a:p>
-        </p:txBody>
-      </p:sp>
-      <p:sp>
-        <p:nvSpPr>
-          <p:cNvPr id="3" name="Content Placeholder 2"/>
-          <p:cNvSpPr>
-            <a:spLocks noGrp="1"/>
-          </p:cNvSpPr>
-          <p:nvPr>
-            <p:ph idx="1"/>
-          </p:nvPr>
-        </p:nvSpPr>
-        <p:spPr/>
-        <p:txBody>
-          <a:bodyPr/>
-          <a:lstStyle/>
-          <a:p>
-            <a:pPr algn="ctr">
-              <a:defRPr sz="6800">
-                <a:solidFill>
-                  <a:srgbClr val="000000"/>
-                </a:solidFill>
-              </a:defRPr>
-            </a:pPr>
-            <a:r>
-              <a:t>Where do we go?</a:t>
-            </a:r>
-          </a:p>
-          <a:p>
-            <a:pPr algn="ctr">
-              <a:defRPr sz="6800">
-                <a:solidFill>
-                  <a:srgbClr val="000000"/>
-                </a:solidFill>
-              </a:defRPr>
-            </a:pPr>
-            <a:r>
-              <a:t>Where do we go now?</a:t>
-            </a:r>
-          </a:p>
-          <a:p>
-            <a:pPr algn="ctr">
-              <a:defRPr sz="6800">
-                <a:solidFill>
-                  <a:srgbClr val="000000"/>
-                </a:solidFill>
-              </a:defRPr>
-            </a:pPr>
-            <a:r>
-              <a:t>Where do we go?</a:t>
+          <p:cNvPr id="2" name="TextBox 1"/>
+          <p:cNvSpPr txBox="1"/>
+          <p:nvPr/>
+        </p:nvSpPr>
+        <p:spPr>
+          <a:xfrm>
+            <a:off x="914400" y="914400"/>
+            <a:ext cx="7315200" cy="1828800"/>
+          </a:xfrm>
+          <a:prstGeom prst="rect">
+            <a:avLst/>
+          </a:prstGeom>
+          <a:noFill/>
+        </p:spPr>
+        <p:txBody>
+          <a:bodyPr wrap="square">
+            <a:spAutoFit/>
+          </a:bodyPr>
+          <a:lstStyle/>
+          <a:p>
+            <a:pPr algn="ctr">
+              <a:defRPr sz="5600">
+                <a:solidFill>
+                  <a:srgbClr val="FFFFFF"/>
+                </a:solidFill>
+                <a:latin typeface="Times New Roman"/>
+              </a:defRPr>
+            </a:pPr>
+            <a:r>
+              <a:t>Oh! Vinde, adoremos!</a:t>
+            </a:r>
+          </a:p>
+          <a:p>
+            <a:pPr algn="ctr">
+              <a:defRPr sz="5600">
+                <a:solidFill>
+                  <a:srgbClr val="FFFFFF"/>
+                </a:solidFill>
+                <a:latin typeface="Times New Roman"/>
+              </a:defRPr>
+            </a:pPr>
+            <a:r>
+              <a:t>Oh! Vinde, adoremos!</a:t>
+            </a:r>
+          </a:p>
+          <a:p>
+            <a:pPr algn="ctr">
+              <a:defRPr sz="5600">
+                <a:solidFill>
+                  <a:srgbClr val="FFFFFF"/>
+                </a:solidFill>
+                <a:latin typeface="Times New Roman"/>
+              </a:defRPr>
+            </a:pPr>
+            <a:r>
+              <a:t>Oh! Vinde, adoremos!</a:t>
+            </a:r>
+          </a:p>
+          <a:p>
+            <a:pPr algn="ctr">
+              <a:defRPr sz="5600">
+                <a:solidFill>
+                  <a:srgbClr val="FFFFFF"/>
+                </a:solidFill>
+                <a:latin typeface="Times New Roman"/>
+              </a:defRPr>
+            </a:pPr>
+            <a:r>
+              <a:t>O Salvador!</a:t>
+            </a:r>
+          </a:p>
+        </p:txBody>
+      </p:sp>
+    </p:spTree>
+  </p:cSld>
+  <p:clrMapOvr>
+    <a:masterClrMapping/>
+  </p:clrMapOvr>
+</p:sld>
+</file>
+
+<file path=ppt/slides/slide70.xml><?xml version="1.0" encoding="utf-8"?>
+<p:sld xmlns:a="http://schemas.openxmlformats.org/drawingml/2006/main" xmlns:p="http://schemas.openxmlformats.org/presentationml/2006/main" xmlns:r="http://schemas.openxmlformats.org/officeDocument/2006/relationships">
+  <p:cSld>
+    <p:bg>
+      <p:bgPr>
+        <a:solidFill>
+          <a:srgbClr val="000000"/>
+        </a:solidFill>
+        <a:effectLst/>
+      </p:bgPr>
+    </p:bg>
+    <p:spTree>
+      <p:nvGrpSpPr>
+        <p:cNvPr id="1" name=""/>
+        <p:cNvGrpSpPr/>
+        <p:nvPr/>
+      </p:nvGrpSpPr>
+      <p:grpSpPr/>
+      <p:sp>
+        <p:nvSpPr>
+          <p:cNvPr id="2" name="TextBox 1"/>
+          <p:cNvSpPr txBox="1"/>
+          <p:nvPr/>
+        </p:nvSpPr>
+        <p:spPr>
+          <a:xfrm>
+            <a:off x="914400" y="914400"/>
+            <a:ext cx="7315200" cy="1828800"/>
+          </a:xfrm>
+          <a:prstGeom prst="rect">
+            <a:avLst/>
+          </a:prstGeom>
+          <a:noFill/>
+        </p:spPr>
+        <p:txBody>
+          <a:bodyPr wrap="square">
+            <a:spAutoFit/>
+          </a:bodyPr>
+          <a:lstStyle/>
+          <a:p>
+            <a:pPr algn="ctr">
+              <a:defRPr sz="6400">
+                <a:solidFill>
+                  <a:srgbClr val="FFFFFF"/>
+                </a:solidFill>
+                <a:latin typeface="Times New Roman"/>
+              </a:defRPr>
+            </a:pPr>
+            <a:r>
+              <a:t>As montanhas e os rios batam palmas</a:t>
+            </a:r>
+          </a:p>
+          <a:p>
+            <a:pPr algn="ctr">
+              <a:defRPr sz="6400">
+                <a:solidFill>
+                  <a:srgbClr val="FFFFFF"/>
+                </a:solidFill>
+                <a:latin typeface="Times New Roman"/>
+              </a:defRPr>
+            </a:pPr>
+            <a:r>
+              <a:t>E exultem de alegria!</a:t>
+            </a:r>
+          </a:p>
+        </p:txBody>
+      </p:sp>
+    </p:spTree>
+  </p:cSld>
+  <p:clrMapOvr>
+    <a:masterClrMapping/>
+  </p:clrMapOvr>
+</p:sld>
+</file>
+
+<file path=ppt/slides/slide71.xml><?xml version="1.0" encoding="utf-8"?>
+<p:sld xmlns:a="http://schemas.openxmlformats.org/drawingml/2006/main" xmlns:p="http://schemas.openxmlformats.org/presentationml/2006/main" xmlns:r="http://schemas.openxmlformats.org/officeDocument/2006/relationships">
+  <p:cSld>
+    <p:bg>
+      <p:bgPr>
+        <a:solidFill>
+          <a:srgbClr val="000000"/>
+        </a:solidFill>
+        <a:effectLst/>
+      </p:bgPr>
+    </p:bg>
+    <p:spTree>
+      <p:nvGrpSpPr>
+        <p:cNvPr id="1" name=""/>
+        <p:cNvGrpSpPr/>
+        <p:nvPr/>
+      </p:nvGrpSpPr>
+      <p:grpSpPr/>
+      <p:sp>
+        <p:nvSpPr>
+          <p:cNvPr id="2" name="TextBox 1"/>
+          <p:cNvSpPr txBox="1"/>
+          <p:nvPr/>
+        </p:nvSpPr>
+        <p:spPr>
+          <a:xfrm>
+            <a:off x="914400" y="914400"/>
+            <a:ext cx="7315200" cy="1828800"/>
+          </a:xfrm>
+          <a:prstGeom prst="rect">
+            <a:avLst/>
+          </a:prstGeom>
+          <a:noFill/>
+        </p:spPr>
+        <p:txBody>
+          <a:bodyPr wrap="square">
+            <a:spAutoFit/>
+          </a:bodyPr>
+          <a:lstStyle/>
+          <a:p>
+            <a:pPr algn="ctr">
+              <a:defRPr sz="6900">
+                <a:solidFill>
+                  <a:srgbClr val="FFFFFF"/>
+                </a:solidFill>
+                <a:latin typeface="Times New Roman"/>
+              </a:defRPr>
+            </a:pPr>
+            <a:r>
+              <a:t>O Verbo se fez carne, e nós vimos sua glória! (x2)</a:t>
+            </a:r>
+          </a:p>
+        </p:txBody>
+      </p:sp>
+    </p:spTree>
+  </p:cSld>
+  <p:clrMapOvr>
+    <a:masterClrMapping/>
+  </p:clrMapOvr>
+</p:sld>
+</file>
+
+<file path=ppt/slides/slide72.xml><?xml version="1.0" encoding="utf-8"?>
+<p:sld xmlns:a="http://schemas.openxmlformats.org/drawingml/2006/main" xmlns:p="http://schemas.openxmlformats.org/presentationml/2006/main" xmlns:r="http://schemas.openxmlformats.org/officeDocument/2006/relationships">
+  <p:cSld>
+    <p:bg>
+      <p:bgPr>
+        <a:solidFill>
+          <a:srgbClr val="000000"/>
+        </a:solidFill>
+        <a:effectLst/>
+      </p:bgPr>
+    </p:bg>
+    <p:spTree>
+      <p:nvGrpSpPr>
+        <p:cNvPr id="1" name=""/>
+        <p:cNvGrpSpPr/>
+        <p:nvPr/>
+      </p:nvGrpSpPr>
+      <p:grpSpPr/>
+      <p:sp>
+        <p:nvSpPr>
+          <p:cNvPr id="2" name="TextBox 1"/>
+          <p:cNvSpPr txBox="1"/>
+          <p:nvPr/>
+        </p:nvSpPr>
+        <p:spPr>
+          <a:xfrm>
+            <a:off x="914400" y="914400"/>
+            <a:ext cx="7315200" cy="1828800"/>
+          </a:xfrm>
+          <a:prstGeom prst="rect">
+            <a:avLst/>
+          </a:prstGeom>
+          <a:noFill/>
+        </p:spPr>
+        <p:txBody>
+          <a:bodyPr wrap="square">
+            <a:spAutoFit/>
+          </a:bodyPr>
+          <a:lstStyle/>
+          <a:p>
+            <a:pPr algn="ctr">
+              <a:defRPr sz="6700">
+                <a:solidFill>
+                  <a:srgbClr val="FFFFFF"/>
+                </a:solidFill>
+                <a:latin typeface="Times New Roman"/>
+              </a:defRPr>
+            </a:pPr>
+            <a:r>
+              <a:t>Exultem na presença do Senhor</a:t>
+            </a:r>
+          </a:p>
+          <a:p>
+            <a:pPr algn="ctr">
+              <a:defRPr sz="6700">
+                <a:solidFill>
+                  <a:srgbClr val="FFFFFF"/>
+                </a:solidFill>
+                <a:latin typeface="Times New Roman"/>
+              </a:defRPr>
+            </a:pPr>
+            <a:r>
+              <a:t>Julgará a terra inteira</a:t>
+            </a:r>
+          </a:p>
+        </p:txBody>
+      </p:sp>
+    </p:spTree>
+  </p:cSld>
+  <p:clrMapOvr>
+    <a:masterClrMapping/>
+  </p:clrMapOvr>
+</p:sld>
+</file>
+
+<file path=ppt/slides/slide73.xml><?xml version="1.0" encoding="utf-8"?>
+<p:sld xmlns:a="http://schemas.openxmlformats.org/drawingml/2006/main" xmlns:p="http://schemas.openxmlformats.org/presentationml/2006/main" xmlns:r="http://schemas.openxmlformats.org/officeDocument/2006/relationships">
+  <p:cSld>
+    <p:bg>
+      <p:bgPr>
+        <a:solidFill>
+          <a:srgbClr val="000000"/>
+        </a:solidFill>
+        <a:effectLst/>
+      </p:bgPr>
+    </p:bg>
+    <p:spTree>
+      <p:nvGrpSpPr>
+        <p:cNvPr id="1" name=""/>
+        <p:cNvGrpSpPr/>
+        <p:nvPr/>
+      </p:nvGrpSpPr>
+      <p:grpSpPr/>
+      <p:sp>
+        <p:nvSpPr>
+          <p:cNvPr id="2" name="TextBox 1"/>
+          <p:cNvSpPr txBox="1"/>
+          <p:nvPr/>
+        </p:nvSpPr>
+        <p:spPr>
+          <a:xfrm>
+            <a:off x="914400" y="914400"/>
+            <a:ext cx="7315200" cy="1828800"/>
+          </a:xfrm>
+          <a:prstGeom prst="rect">
+            <a:avLst/>
+          </a:prstGeom>
+          <a:noFill/>
+        </p:spPr>
+        <p:txBody>
+          <a:bodyPr wrap="square">
+            <a:spAutoFit/>
+          </a:bodyPr>
+          <a:lstStyle/>
+          <a:p>
+            <a:pPr algn="ctr">
+              <a:defRPr sz="6500">
+                <a:solidFill>
+                  <a:srgbClr val="FFFFFF"/>
+                </a:solidFill>
+                <a:latin typeface="Times New Roman"/>
+              </a:defRPr>
+            </a:pPr>
+            <a:r>
+              <a:t>Julgará o universo com justiça</a:t>
+            </a:r>
+          </a:p>
+          <a:p>
+            <a:pPr algn="ctr">
+              <a:defRPr sz="6500">
+                <a:solidFill>
+                  <a:srgbClr val="FFFFFF"/>
+                </a:solidFill>
+                <a:latin typeface="Times New Roman"/>
+              </a:defRPr>
+            </a:pPr>
+            <a:r>
+              <a:t>E as nações com equidade</a:t>
+            </a:r>
+          </a:p>
+        </p:txBody>
+      </p:sp>
+    </p:spTree>
+  </p:cSld>
+  <p:clrMapOvr>
+    <a:masterClrMapping/>
+  </p:clrMapOvr>
+</p:sld>
+</file>
+
+<file path=ppt/slides/slide74.xml><?xml version="1.0" encoding="utf-8"?>
+<p:sld xmlns:a="http://schemas.openxmlformats.org/drawingml/2006/main" xmlns:p="http://schemas.openxmlformats.org/presentationml/2006/main" xmlns:r="http://schemas.openxmlformats.org/officeDocument/2006/relationships">
+  <p:cSld>
+    <p:bg>
+      <p:bgPr>
+        <a:solidFill>
+          <a:srgbClr val="000000"/>
+        </a:solidFill>
+        <a:effectLst/>
+      </p:bgPr>
+    </p:bg>
+    <p:spTree>
+      <p:nvGrpSpPr>
+        <p:cNvPr id="1" name=""/>
+        <p:cNvGrpSpPr/>
+        <p:nvPr/>
+      </p:nvGrpSpPr>
+      <p:grpSpPr/>
+      <p:sp>
+        <p:nvSpPr>
+          <p:cNvPr id="2" name="TextBox 1"/>
+          <p:cNvSpPr txBox="1"/>
+          <p:nvPr/>
+        </p:nvSpPr>
+        <p:spPr>
+          <a:xfrm>
+            <a:off x="914400" y="914400"/>
+            <a:ext cx="7315200" cy="1828800"/>
+          </a:xfrm>
+          <a:prstGeom prst="rect">
+            <a:avLst/>
+          </a:prstGeom>
+          <a:noFill/>
+        </p:spPr>
+        <p:txBody>
+          <a:bodyPr wrap="square">
+            <a:spAutoFit/>
+          </a:bodyPr>
+          <a:lstStyle/>
+          <a:p>
+            <a:pPr algn="ctr">
+              <a:defRPr sz="6900">
+                <a:solidFill>
+                  <a:srgbClr val="FFFFFF"/>
+                </a:solidFill>
+                <a:latin typeface="Times New Roman"/>
+              </a:defRPr>
+            </a:pPr>
+            <a:r>
+              <a:t>O Verbo se fez carne, e nós vimos sua glória! (x2)</a:t>
+            </a:r>
+          </a:p>
+        </p:txBody>
+      </p:sp>
+    </p:spTree>
+  </p:cSld>
+  <p:clrMapOvr>
+    <a:masterClrMapping/>
+  </p:clrMapOvr>
+</p:sld>
+</file>
+
+<file path=ppt/slides/slide75.xml><?xml version="1.0" encoding="utf-8"?>
+<p:sld xmlns:a="http://schemas.openxmlformats.org/drawingml/2006/main" xmlns:p="http://schemas.openxmlformats.org/presentationml/2006/main" xmlns:r="http://schemas.openxmlformats.org/officeDocument/2006/relationships">
+  <p:cSld>
+    <p:bg>
+      <p:bgPr>
+        <a:solidFill>
+          <a:srgbClr val="000000"/>
+        </a:solidFill>
+        <a:effectLst/>
+      </p:bgPr>
+    </p:bg>
+    <p:spTree>
+      <p:nvGrpSpPr>
+        <p:cNvPr id="1" name=""/>
+        <p:cNvGrpSpPr/>
+        <p:nvPr/>
+      </p:nvGrpSpPr>
+      <p:grpSpPr/>
+      <p:sp>
+        <p:nvSpPr>
+          <p:cNvPr id="2" name="TextBox 1"/>
+          <p:cNvSpPr txBox="1"/>
+          <p:nvPr/>
+        </p:nvSpPr>
+        <p:spPr>
+          <a:xfrm>
+            <a:off x="914400" y="914400"/>
+            <a:ext cx="7315200" cy="1828800"/>
+          </a:xfrm>
+          <a:prstGeom prst="rect">
+            <a:avLst/>
+          </a:prstGeom>
+          <a:noFill/>
+        </p:spPr>
+        <p:txBody>
+          <a:bodyPr wrap="square">
+            <a:spAutoFit/>
+          </a:bodyPr>
+          <a:lstStyle/>
+          <a:p>
+            <a:pPr algn="ctr">
+              <a:defRPr sz="5700">
+                <a:solidFill>
+                  <a:srgbClr val="FFFFFF"/>
+                </a:solidFill>
+                <a:latin typeface="Times New Roman"/>
+              </a:defRPr>
+            </a:pPr>
+            <a:r>
+              <a:t>Glória ao Pai e ao Filho e ao Santo Espírito</a:t>
+            </a:r>
+          </a:p>
+          <a:p>
+            <a:pPr algn="ctr">
+              <a:defRPr sz="5700">
+                <a:solidFill>
+                  <a:srgbClr val="FFFFFF"/>
+                </a:solidFill>
+                <a:latin typeface="Times New Roman"/>
+              </a:defRPr>
+            </a:pPr>
+            <a:r>
+              <a:t>Desde agora e para sempre</a:t>
+            </a:r>
+          </a:p>
+        </p:txBody>
+      </p:sp>
+    </p:spTree>
+  </p:cSld>
+  <p:clrMapOvr>
+    <a:masterClrMapping/>
+  </p:clrMapOvr>
+</p:sld>
+</file>
+
+<file path=ppt/slides/slide76.xml><?xml version="1.0" encoding="utf-8"?>
+<p:sld xmlns:a="http://schemas.openxmlformats.org/drawingml/2006/main" xmlns:p="http://schemas.openxmlformats.org/presentationml/2006/main" xmlns:r="http://schemas.openxmlformats.org/officeDocument/2006/relationships">
+  <p:cSld>
+    <p:bg>
+      <p:bgPr>
+        <a:solidFill>
+          <a:srgbClr val="000000"/>
+        </a:solidFill>
+        <a:effectLst/>
+      </p:bgPr>
+    </p:bg>
+    <p:spTree>
+      <p:nvGrpSpPr>
+        <p:cNvPr id="1" name=""/>
+        <p:cNvGrpSpPr/>
+        <p:nvPr/>
+      </p:nvGrpSpPr>
+      <p:grpSpPr/>
+      <p:sp>
+        <p:nvSpPr>
+          <p:cNvPr id="2" name="TextBox 1"/>
+          <p:cNvSpPr txBox="1"/>
+          <p:nvPr/>
+        </p:nvSpPr>
+        <p:spPr>
+          <a:xfrm>
+            <a:off x="914400" y="914400"/>
+            <a:ext cx="7315200" cy="1828800"/>
+          </a:xfrm>
+          <a:prstGeom prst="rect">
+            <a:avLst/>
+          </a:prstGeom>
+          <a:noFill/>
+        </p:spPr>
+        <p:txBody>
+          <a:bodyPr wrap="square">
+            <a:spAutoFit/>
+          </a:bodyPr>
+          <a:lstStyle/>
+          <a:p>
+            <a:pPr algn="ctr">
+              <a:defRPr sz="6700">
+                <a:solidFill>
+                  <a:srgbClr val="FFFFFF"/>
+                </a:solidFill>
+                <a:latin typeface="Times New Roman"/>
+              </a:defRPr>
+            </a:pPr>
+            <a:r>
+              <a:t>Ao Deus que é, que era e que vem</a:t>
+            </a:r>
+          </a:p>
+          <a:p>
+            <a:pPr algn="ctr">
+              <a:defRPr sz="6700">
+                <a:solidFill>
+                  <a:srgbClr val="FFFFFF"/>
+                </a:solidFill>
+                <a:latin typeface="Times New Roman"/>
+              </a:defRPr>
+            </a:pPr>
+            <a:r>
+              <a:t>Pelos séculos. Amém!</a:t>
+            </a:r>
+          </a:p>
+        </p:txBody>
+      </p:sp>
+    </p:spTree>
+  </p:cSld>
+  <p:clrMapOvr>
+    <a:masterClrMapping/>
+  </p:clrMapOvr>
+</p:sld>
+</file>
+
+<file path=ppt/slides/slide77.xml><?xml version="1.0" encoding="utf-8"?>
+<p:sld xmlns:a="http://schemas.openxmlformats.org/drawingml/2006/main" xmlns:p="http://schemas.openxmlformats.org/presentationml/2006/main" xmlns:r="http://schemas.openxmlformats.org/officeDocument/2006/relationships">
+  <p:cSld>
+    <p:bg>
+      <p:bgPr>
+        <a:solidFill>
+          <a:srgbClr val="000000"/>
+        </a:solidFill>
+        <a:effectLst/>
+      </p:bgPr>
+    </p:bg>
+    <p:spTree>
+      <p:nvGrpSpPr>
+        <p:cNvPr id="1" name=""/>
+        <p:cNvGrpSpPr/>
+        <p:nvPr/>
+      </p:nvGrpSpPr>
+      <p:grpSpPr/>
+      <p:sp>
+        <p:nvSpPr>
+          <p:cNvPr id="2" name="TextBox 1"/>
+          <p:cNvSpPr txBox="1"/>
+          <p:nvPr/>
+        </p:nvSpPr>
+        <p:spPr>
+          <a:xfrm>
+            <a:off x="914400" y="914400"/>
+            <a:ext cx="7315200" cy="1828800"/>
+          </a:xfrm>
+          <a:prstGeom prst="rect">
+            <a:avLst/>
+          </a:prstGeom>
+          <a:noFill/>
+        </p:spPr>
+        <p:txBody>
+          <a:bodyPr wrap="square">
+            <a:spAutoFit/>
+          </a:bodyPr>
+          <a:lstStyle/>
+          <a:p>
+            <a:pPr algn="ctr">
+              <a:defRPr sz="6900">
+                <a:solidFill>
+                  <a:srgbClr val="FFFFFF"/>
+                </a:solidFill>
+                <a:latin typeface="Times New Roman"/>
+              </a:defRPr>
+            </a:pPr>
+            <a:r>
+              <a:t>O Verbo se fez carne, e nós vimos sua glória! (x2)</a:t>
+            </a:r>
+          </a:p>
+        </p:txBody>
+      </p:sp>
+    </p:spTree>
+  </p:cSld>
+  <p:clrMapOvr>
+    <a:masterClrMapping/>
+  </p:clrMapOvr>
+</p:sld>
+</file>
+
+<file path=ppt/slides/slide78.xml><?xml version="1.0" encoding="utf-8"?>
+<p:sld xmlns:a="http://schemas.openxmlformats.org/drawingml/2006/main" xmlns:p="http://schemas.openxmlformats.org/presentationml/2006/main" xmlns:r="http://schemas.openxmlformats.org/officeDocument/2006/relationships">
+  <p:cSld>
+    <p:bg>
+      <p:bgPr>
+        <a:solidFill>
+          <a:srgbClr val="000000"/>
+        </a:solidFill>
+        <a:effectLst/>
+      </p:bgPr>
+    </p:bg>
+    <p:spTree>
+      <p:nvGrpSpPr>
+        <p:cNvPr id="1" name=""/>
+        <p:cNvGrpSpPr/>
+        <p:nvPr/>
+      </p:nvGrpSpPr>
+      <p:grpSpPr/>
+      <p:sp>
+        <p:nvSpPr>
+          <p:cNvPr id="2" name="TextBox 1"/>
+          <p:cNvSpPr txBox="1"/>
+          <p:nvPr/>
+        </p:nvSpPr>
+        <p:spPr>
+          <a:xfrm>
+            <a:off x="914400" y="914400"/>
+            <a:ext cx="7315200" cy="1828800"/>
+          </a:xfrm>
+          <a:prstGeom prst="rect">
+            <a:avLst/>
+          </a:prstGeom>
+          <a:noFill/>
+        </p:spPr>
+        <p:txBody>
+          <a:bodyPr wrap="square">
+            <a:spAutoFit/>
+          </a:bodyPr>
+          <a:lstStyle/>
+          <a:p>
+            <a:pPr algn="ctr">
+              <a:defRPr sz="1200">
+                <a:solidFill>
+                  <a:srgbClr val="FFFFFF"/>
+                </a:solidFill>
+                <a:latin typeface="Times New Roman"/>
+              </a:defRPr>
+            </a:pPr>
+          </a:p>
+        </p:txBody>
+      </p:sp>
+    </p:spTree>
+  </p:cSld>
+  <p:clrMapOvr>
+    <a:masterClrMapping/>
+  </p:clrMapOvr>
+</p:sld>
+</file>
+
+<file path=ppt/slides/slide79.xml><?xml version="1.0" encoding="utf-8"?>
+<p:sld xmlns:a="http://schemas.openxmlformats.org/drawingml/2006/main" xmlns:p="http://schemas.openxmlformats.org/presentationml/2006/main" xmlns:r="http://schemas.openxmlformats.org/officeDocument/2006/relationships">
+  <p:cSld>
+    <p:bg>
+      <p:bgPr>
+        <a:solidFill>
+          <a:srgbClr val="000000"/>
+        </a:solidFill>
+        <a:effectLst/>
+      </p:bgPr>
+    </p:bg>
+    <p:spTree>
+      <p:nvGrpSpPr>
+        <p:cNvPr id="1" name=""/>
+        <p:cNvGrpSpPr/>
+        <p:nvPr/>
+      </p:nvGrpSpPr>
+      <p:grpSpPr/>
+      <p:sp>
+        <p:nvSpPr>
+          <p:cNvPr id="2" name="TextBox 1"/>
+          <p:cNvSpPr txBox="1"/>
+          <p:nvPr/>
+        </p:nvSpPr>
+        <p:spPr>
+          <a:xfrm>
+            <a:off x="914400" y="914400"/>
+            <a:ext cx="7315200" cy="1828800"/>
+          </a:xfrm>
+          <a:prstGeom prst="rect">
+            <a:avLst/>
+          </a:prstGeom>
+          <a:noFill/>
+        </p:spPr>
+        <p:txBody>
+          <a:bodyPr wrap="square">
+            <a:spAutoFit/>
+          </a:bodyPr>
+          <a:lstStyle/>
+          <a:p>
+            <a:pPr algn="ctr">
+              <a:defRPr sz="4300">
+                <a:solidFill>
+                  <a:srgbClr val="FFFFFF"/>
+                </a:solidFill>
+                <a:latin typeface="Times New Roman"/>
+              </a:defRPr>
+            </a:pPr>
+            <a:r>
+              <a:t>Salve, ó Santa Mãe de Deus, tu deste à luz o Rei </a:t>
+            </a:r>
+          </a:p>
+          <a:p>
+            <a:pPr algn="ctr">
+              <a:defRPr sz="4300">
+                <a:solidFill>
+                  <a:srgbClr val="FFFFFF"/>
+                </a:solidFill>
+                <a:latin typeface="Times New Roman"/>
+              </a:defRPr>
+            </a:pPr>
+            <a:r>
+              <a:t>Que governa o céu e a terra         pelos séculos eter........nos. </a:t>
             </a:r>
           </a:p>
         </p:txBody>
@@ -5470,6 +9155,14 @@
 <file path=ppt/slides/slide8.xml><?xml version="1.0" encoding="utf-8"?>
 <p:sld xmlns:a="http://schemas.openxmlformats.org/drawingml/2006/main" xmlns:p="http://schemas.openxmlformats.org/presentationml/2006/main" xmlns:r="http://schemas.openxmlformats.org/officeDocument/2006/relationships">
   <p:cSld>
+    <p:bg>
+      <p:bgPr>
+        <a:solidFill>
+          <a:srgbClr val="000000"/>
+        </a:solidFill>
+        <a:effectLst/>
+      </p:bgPr>
+    </p:bg>
     <p:spTree>
       <p:nvGrpSpPr>
         <p:cNvPr id="1" name=""/>
@@ -5479,77 +9172,572 @@
       <p:grpSpPr/>
       <p:sp>
         <p:nvSpPr>
-          <p:cNvPr id="2" name="Title 1"/>
-          <p:cNvSpPr>
-            <a:spLocks noGrp="1"/>
-          </p:cNvSpPr>
-          <p:nvPr>
-            <p:ph type="title"/>
-          </p:nvPr>
-        </p:nvSpPr>
-        <p:spPr/>
-        <p:txBody>
-          <a:bodyPr/>
-          <a:lstStyle/>
-          <a:p>
-            <a:pPr>
-              <a:defRPr b="1" sz="4200"/>
-            </a:pPr>
-            <a:r>
-              <a:t>1 - Sweet Child O' Mine - Guns N' Roses</a:t>
-            </a:r>
-          </a:p>
-        </p:txBody>
-      </p:sp>
-      <p:sp>
-        <p:nvSpPr>
-          <p:cNvPr id="3" name="Content Placeholder 2"/>
-          <p:cNvSpPr>
-            <a:spLocks noGrp="1"/>
-          </p:cNvSpPr>
-          <p:nvPr>
-            <p:ph idx="1"/>
-          </p:nvPr>
-        </p:nvSpPr>
-        <p:spPr/>
-        <p:txBody>
-          <a:bodyPr/>
-          <a:lstStyle/>
-          <a:p>
-            <a:pPr algn="ctr">
-              <a:defRPr sz="6500">
-                <a:solidFill>
-                  <a:srgbClr val="000000"/>
-                </a:solidFill>
-              </a:defRPr>
-            </a:pPr>
-            <a:r>
-              <a:t>Where do we go?</a:t>
-            </a:r>
-          </a:p>
-          <a:p>
-            <a:pPr algn="ctr">
-              <a:defRPr sz="6500">
-                <a:solidFill>
-                  <a:srgbClr val="000000"/>
-                </a:solidFill>
-              </a:defRPr>
-            </a:pPr>
-            <a:r>
-              <a:t>Where do we go now?</a:t>
-            </a:r>
-          </a:p>
-          <a:p>
-            <a:pPr algn="ctr">
-              <a:defRPr sz="6500">
-                <a:solidFill>
-                  <a:srgbClr val="000000"/>
-                </a:solidFill>
-              </a:defRPr>
-            </a:pPr>
-            <a:r>
-              <a:t>Where do we go now?</a:t>
-            </a:r>
+          <p:cNvPr id="2" name="TextBox 1"/>
+          <p:cNvSpPr txBox="1"/>
+          <p:nvPr/>
+        </p:nvSpPr>
+        <p:spPr>
+          <a:xfrm>
+            <a:off x="914400" y="914400"/>
+            <a:ext cx="7315200" cy="1828800"/>
+          </a:xfrm>
+          <a:prstGeom prst="rect">
+            <a:avLst/>
+          </a:prstGeom>
+          <a:noFill/>
+        </p:spPr>
+        <p:txBody>
+          <a:bodyPr wrap="square">
+            <a:spAutoFit/>
+          </a:bodyPr>
+          <a:lstStyle/>
+          <a:p>
+            <a:pPr algn="ctr">
+              <a:defRPr sz="4500">
+                <a:solidFill>
+                  <a:srgbClr val="FFFFFF"/>
+                </a:solidFill>
+                <a:latin typeface="Times New Roman"/>
+              </a:defRPr>
+            </a:pPr>
+            <a:r>
+              <a:t>O Deus invisível de eternal grandeza</a:t>
+            </a:r>
+          </a:p>
+          <a:p>
+            <a:pPr algn="ctr">
+              <a:defRPr sz="4500">
+                <a:solidFill>
+                  <a:srgbClr val="FFFFFF"/>
+                </a:solidFill>
+                <a:latin typeface="Times New Roman"/>
+              </a:defRPr>
+            </a:pPr>
+            <a:r>
+              <a:t>Sob véus de humildade, podemos ver</a:t>
+            </a:r>
+          </a:p>
+          <a:p>
+            <a:pPr algn="ctr">
+              <a:defRPr sz="4500">
+                <a:solidFill>
+                  <a:srgbClr val="FFFFFF"/>
+                </a:solidFill>
+                <a:latin typeface="Times New Roman"/>
+              </a:defRPr>
+            </a:pPr>
+            <a:r>
+              <a:t>Deus pequenino, Deus envolto em faixas!</a:t>
+            </a:r>
+          </a:p>
+        </p:txBody>
+      </p:sp>
+    </p:spTree>
+  </p:cSld>
+  <p:clrMapOvr>
+    <a:masterClrMapping/>
+  </p:clrMapOvr>
+</p:sld>
+</file>
+
+<file path=ppt/slides/slide80.xml><?xml version="1.0" encoding="utf-8"?>
+<p:sld xmlns:a="http://schemas.openxmlformats.org/drawingml/2006/main" xmlns:p="http://schemas.openxmlformats.org/presentationml/2006/main" xmlns:r="http://schemas.openxmlformats.org/officeDocument/2006/relationships">
+  <p:cSld>
+    <p:bg>
+      <p:bgPr>
+        <a:solidFill>
+          <a:srgbClr val="000000"/>
+        </a:solidFill>
+        <a:effectLst/>
+      </p:bgPr>
+    </p:bg>
+    <p:spTree>
+      <p:nvGrpSpPr>
+        <p:cNvPr id="1" name=""/>
+        <p:cNvGrpSpPr/>
+        <p:nvPr/>
+      </p:nvGrpSpPr>
+      <p:grpSpPr/>
+      <p:sp>
+        <p:nvSpPr>
+          <p:cNvPr id="2" name="TextBox 1"/>
+          <p:cNvSpPr txBox="1"/>
+          <p:nvPr/>
+        </p:nvSpPr>
+        <p:spPr>
+          <a:xfrm>
+            <a:off x="914400" y="914400"/>
+            <a:ext cx="7315200" cy="1828800"/>
+          </a:xfrm>
+          <a:prstGeom prst="rect">
+            <a:avLst/>
+          </a:prstGeom>
+          <a:noFill/>
+        </p:spPr>
+        <p:txBody>
+          <a:bodyPr wrap="square">
+            <a:spAutoFit/>
+          </a:bodyPr>
+          <a:lstStyle/>
+          <a:p>
+            <a:pPr algn="ctr">
+              <a:defRPr sz="4300">
+                <a:solidFill>
+                  <a:srgbClr val="FFFFFF"/>
+                </a:solidFill>
+                <a:latin typeface="Times New Roman"/>
+              </a:defRPr>
+            </a:pPr>
+            <a:r>
+              <a:t>Salve, ó Santa Mãe de Deus, tu deste à luz o Rei </a:t>
+            </a:r>
+          </a:p>
+          <a:p>
+            <a:pPr algn="ctr">
+              <a:defRPr sz="4300">
+                <a:solidFill>
+                  <a:srgbClr val="FFFFFF"/>
+                </a:solidFill>
+                <a:latin typeface="Times New Roman"/>
+              </a:defRPr>
+            </a:pPr>
+            <a:r>
+              <a:t>Que governa o  céu e a ter..ra             pelos séculos eter.....nos. </a:t>
+            </a:r>
+          </a:p>
+        </p:txBody>
+      </p:sp>
+    </p:spTree>
+  </p:cSld>
+  <p:clrMapOvr>
+    <a:masterClrMapping/>
+  </p:clrMapOvr>
+</p:sld>
+</file>
+
+<file path=ppt/slides/slide81.xml><?xml version="1.0" encoding="utf-8"?>
+<p:sld xmlns:a="http://schemas.openxmlformats.org/drawingml/2006/main" xmlns:p="http://schemas.openxmlformats.org/presentationml/2006/main" xmlns:r="http://schemas.openxmlformats.org/officeDocument/2006/relationships">
+  <p:cSld>
+    <p:bg>
+      <p:bgPr>
+        <a:solidFill>
+          <a:srgbClr val="000000"/>
+        </a:solidFill>
+        <a:effectLst/>
+      </p:bgPr>
+    </p:bg>
+    <p:spTree>
+      <p:nvGrpSpPr>
+        <p:cNvPr id="1" name=""/>
+        <p:cNvGrpSpPr/>
+        <p:nvPr/>
+      </p:nvGrpSpPr>
+      <p:grpSpPr/>
+      <p:sp>
+        <p:nvSpPr>
+          <p:cNvPr id="2" name="TextBox 1"/>
+          <p:cNvSpPr txBox="1"/>
+          <p:nvPr/>
+        </p:nvSpPr>
+        <p:spPr>
+          <a:xfrm>
+            <a:off x="914400" y="914400"/>
+            <a:ext cx="7315200" cy="1828800"/>
+          </a:xfrm>
+          <a:prstGeom prst="rect">
+            <a:avLst/>
+          </a:prstGeom>
+          <a:noFill/>
+        </p:spPr>
+        <p:txBody>
+          <a:bodyPr wrap="square">
+            <a:spAutoFit/>
+          </a:bodyPr>
+          <a:lstStyle/>
+          <a:p>
+            <a:pPr algn="ctr">
+              <a:defRPr sz="3900">
+                <a:solidFill>
+                  <a:srgbClr val="FFFFFF"/>
+                </a:solidFill>
+                <a:latin typeface="Times New Roman"/>
+              </a:defRPr>
+            </a:pPr>
+            <a:r>
+              <a:t>Sempre contaremos com a tua intercessão, tu nos trouxeste o autor da vida.</a:t>
+            </a:r>
+          </a:p>
+          <a:p>
+            <a:pPr algn="ctr">
+              <a:defRPr sz="3900">
+                <a:solidFill>
+                  <a:srgbClr val="FFFFFF"/>
+                </a:solidFill>
+                <a:latin typeface="Times New Roman"/>
+              </a:defRPr>
+            </a:pPr>
+            <a:r>
+              <a:t>Nós te proclamamos, doce serva do Senhor, Mãe de Deus e Mãe da Igreja! </a:t>
+            </a:r>
+          </a:p>
+        </p:txBody>
+      </p:sp>
+    </p:spTree>
+  </p:cSld>
+  <p:clrMapOvr>
+    <a:masterClrMapping/>
+  </p:clrMapOvr>
+</p:sld>
+</file>
+
+<file path=ppt/slides/slide82.xml><?xml version="1.0" encoding="utf-8"?>
+<p:sld xmlns:a="http://schemas.openxmlformats.org/drawingml/2006/main" xmlns:p="http://schemas.openxmlformats.org/presentationml/2006/main" xmlns:r="http://schemas.openxmlformats.org/officeDocument/2006/relationships">
+  <p:cSld>
+    <p:bg>
+      <p:bgPr>
+        <a:solidFill>
+          <a:srgbClr val="000000"/>
+        </a:solidFill>
+        <a:effectLst/>
+      </p:bgPr>
+    </p:bg>
+    <p:spTree>
+      <p:nvGrpSpPr>
+        <p:cNvPr id="1" name=""/>
+        <p:cNvGrpSpPr/>
+        <p:nvPr/>
+      </p:nvGrpSpPr>
+      <p:grpSpPr/>
+      <p:sp>
+        <p:nvSpPr>
+          <p:cNvPr id="2" name="TextBox 1"/>
+          <p:cNvSpPr txBox="1"/>
+          <p:nvPr/>
+        </p:nvSpPr>
+        <p:spPr>
+          <a:xfrm>
+            <a:off x="914400" y="914400"/>
+            <a:ext cx="7315200" cy="1828800"/>
+          </a:xfrm>
+          <a:prstGeom prst="rect">
+            <a:avLst/>
+          </a:prstGeom>
+          <a:noFill/>
+        </p:spPr>
+        <p:txBody>
+          <a:bodyPr wrap="square">
+            <a:spAutoFit/>
+          </a:bodyPr>
+          <a:lstStyle/>
+          <a:p>
+            <a:pPr algn="ctr">
+              <a:defRPr sz="4300">
+                <a:solidFill>
+                  <a:srgbClr val="FFFFFF"/>
+                </a:solidFill>
+                <a:latin typeface="Times New Roman"/>
+              </a:defRPr>
+            </a:pPr>
+            <a:r>
+              <a:t>Salve, ó Santa Mãe de Deus, tu deste à luz o Rei</a:t>
+            </a:r>
+          </a:p>
+          <a:p>
+            <a:pPr algn="ctr">
+              <a:defRPr sz="4300">
+                <a:solidFill>
+                  <a:srgbClr val="FFFFFF"/>
+                </a:solidFill>
+                <a:latin typeface="Times New Roman"/>
+              </a:defRPr>
+            </a:pPr>
+            <a:r>
+              <a:t>Que governa o  céu e a ter..ra             pelos séculos eter.....nos. </a:t>
+            </a:r>
+          </a:p>
+        </p:txBody>
+      </p:sp>
+    </p:spTree>
+  </p:cSld>
+  <p:clrMapOvr>
+    <a:masterClrMapping/>
+  </p:clrMapOvr>
+</p:sld>
+</file>
+
+<file path=ppt/slides/slide83.xml><?xml version="1.0" encoding="utf-8"?>
+<p:sld xmlns:a="http://schemas.openxmlformats.org/drawingml/2006/main" xmlns:p="http://schemas.openxmlformats.org/presentationml/2006/main" xmlns:r="http://schemas.openxmlformats.org/officeDocument/2006/relationships">
+  <p:cSld>
+    <p:bg>
+      <p:bgPr>
+        <a:solidFill>
+          <a:srgbClr val="000000"/>
+        </a:solidFill>
+        <a:effectLst/>
+      </p:bgPr>
+    </p:bg>
+    <p:spTree>
+      <p:nvGrpSpPr>
+        <p:cNvPr id="1" name=""/>
+        <p:cNvGrpSpPr/>
+        <p:nvPr/>
+      </p:nvGrpSpPr>
+      <p:grpSpPr/>
+      <p:sp>
+        <p:nvSpPr>
+          <p:cNvPr id="2" name="TextBox 1"/>
+          <p:cNvSpPr txBox="1"/>
+          <p:nvPr/>
+        </p:nvSpPr>
+        <p:spPr>
+          <a:xfrm>
+            <a:off x="914400" y="914400"/>
+            <a:ext cx="7315200" cy="1828800"/>
+          </a:xfrm>
+          <a:prstGeom prst="rect">
+            <a:avLst/>
+          </a:prstGeom>
+          <a:noFill/>
+        </p:spPr>
+        <p:txBody>
+          <a:bodyPr wrap="square">
+            <a:spAutoFit/>
+          </a:bodyPr>
+          <a:lstStyle/>
+          <a:p>
+            <a:pPr algn="ctr">
+              <a:defRPr sz="3900">
+                <a:solidFill>
+                  <a:srgbClr val="FFFFFF"/>
+                </a:solidFill>
+                <a:latin typeface="Times New Roman"/>
+              </a:defRPr>
+            </a:pPr>
+            <a:r>
+              <a:t>Entre as mulheres és bendita, Virgem Mãe. Teu ventre santo acolheu Jesus.</a:t>
+            </a:r>
+          </a:p>
+          <a:p>
+            <a:pPr algn="ctr">
+              <a:defRPr sz="3900">
+                <a:solidFill>
+                  <a:srgbClr val="FFFFFF"/>
+                </a:solidFill>
+                <a:latin typeface="Times New Roman"/>
+              </a:defRPr>
+            </a:pPr>
+            <a:r>
+              <a:t>Nós te proclamamos, doce serva do Senhor, Mãe de Deus e Mãe da Igreja!</a:t>
+            </a:r>
+          </a:p>
+        </p:txBody>
+      </p:sp>
+    </p:spTree>
+  </p:cSld>
+  <p:clrMapOvr>
+    <a:masterClrMapping/>
+  </p:clrMapOvr>
+</p:sld>
+</file>
+
+<file path=ppt/slides/slide84.xml><?xml version="1.0" encoding="utf-8"?>
+<p:sld xmlns:a="http://schemas.openxmlformats.org/drawingml/2006/main" xmlns:p="http://schemas.openxmlformats.org/presentationml/2006/main" xmlns:r="http://schemas.openxmlformats.org/officeDocument/2006/relationships">
+  <p:cSld>
+    <p:bg>
+      <p:bgPr>
+        <a:solidFill>
+          <a:srgbClr val="000000"/>
+        </a:solidFill>
+        <a:effectLst/>
+      </p:bgPr>
+    </p:bg>
+    <p:spTree>
+      <p:nvGrpSpPr>
+        <p:cNvPr id="1" name=""/>
+        <p:cNvGrpSpPr/>
+        <p:nvPr/>
+      </p:nvGrpSpPr>
+      <p:grpSpPr/>
+      <p:sp>
+        <p:nvSpPr>
+          <p:cNvPr id="2" name="TextBox 1"/>
+          <p:cNvSpPr txBox="1"/>
+          <p:nvPr/>
+        </p:nvSpPr>
+        <p:spPr>
+          <a:xfrm>
+            <a:off x="914400" y="914400"/>
+            <a:ext cx="7315200" cy="1828800"/>
+          </a:xfrm>
+          <a:prstGeom prst="rect">
+            <a:avLst/>
+          </a:prstGeom>
+          <a:noFill/>
+        </p:spPr>
+        <p:txBody>
+          <a:bodyPr wrap="square">
+            <a:spAutoFit/>
+          </a:bodyPr>
+          <a:lstStyle/>
+          <a:p>
+            <a:pPr algn="ctr">
+              <a:defRPr sz="4500">
+                <a:solidFill>
+                  <a:srgbClr val="FFFFFF"/>
+                </a:solidFill>
+                <a:latin typeface="Times New Roman"/>
+              </a:defRPr>
+            </a:pPr>
+            <a:r>
+              <a:t>Salve, ó Santa Mãe de Deus, tu deste à luz o Rei</a:t>
+            </a:r>
+          </a:p>
+          <a:p>
+            <a:pPr algn="ctr">
+              <a:defRPr sz="4500">
+                <a:solidFill>
+                  <a:srgbClr val="FFFFFF"/>
+                </a:solidFill>
+                <a:latin typeface="Times New Roman"/>
+              </a:defRPr>
+            </a:pPr>
+            <a:r>
+              <a:t>Que governa o  céu e a ter...ra pelos séculos eter.....nos.</a:t>
+            </a:r>
+          </a:p>
+        </p:txBody>
+      </p:sp>
+    </p:spTree>
+  </p:cSld>
+  <p:clrMapOvr>
+    <a:masterClrMapping/>
+  </p:clrMapOvr>
+</p:sld>
+</file>
+
+<file path=ppt/slides/slide85.xml><?xml version="1.0" encoding="utf-8"?>
+<p:sld xmlns:a="http://schemas.openxmlformats.org/drawingml/2006/main" xmlns:p="http://schemas.openxmlformats.org/presentationml/2006/main" xmlns:r="http://schemas.openxmlformats.org/officeDocument/2006/relationships">
+  <p:cSld>
+    <p:bg>
+      <p:bgPr>
+        <a:solidFill>
+          <a:srgbClr val="000000"/>
+        </a:solidFill>
+        <a:effectLst/>
+      </p:bgPr>
+    </p:bg>
+    <p:spTree>
+      <p:nvGrpSpPr>
+        <p:cNvPr id="1" name=""/>
+        <p:cNvGrpSpPr/>
+        <p:nvPr/>
+      </p:nvGrpSpPr>
+      <p:grpSpPr/>
+      <p:sp>
+        <p:nvSpPr>
+          <p:cNvPr id="2" name="TextBox 1"/>
+          <p:cNvSpPr txBox="1"/>
+          <p:nvPr/>
+        </p:nvSpPr>
+        <p:spPr>
+          <a:xfrm>
+            <a:off x="914400" y="914400"/>
+            <a:ext cx="7315200" cy="1828800"/>
+          </a:xfrm>
+          <a:prstGeom prst="rect">
+            <a:avLst/>
+          </a:prstGeom>
+          <a:noFill/>
+        </p:spPr>
+        <p:txBody>
+          <a:bodyPr wrap="square">
+            <a:spAutoFit/>
+          </a:bodyPr>
+          <a:lstStyle/>
+          <a:p>
+            <a:pPr algn="ctr">
+              <a:defRPr sz="4400">
+                <a:solidFill>
+                  <a:srgbClr val="FFFFFF"/>
+                </a:solidFill>
+                <a:latin typeface="Times New Roman"/>
+              </a:defRPr>
+            </a:pPr>
+            <a:r>
+              <a:t>Salve, ó Santa   Mãe de Deus, tu  deste à luz o Rei </a:t>
+            </a:r>
+          </a:p>
+          <a:p>
+            <a:pPr algn="ctr">
+              <a:defRPr sz="4400">
+                <a:solidFill>
+                  <a:srgbClr val="FFFFFF"/>
+                </a:solidFill>
+                <a:latin typeface="Times New Roman"/>
+              </a:defRPr>
+            </a:pPr>
+            <a:r>
+              <a:t>Que governa o céu e a terra pelos séculos eter..........nos.</a:t>
+            </a:r>
+          </a:p>
+        </p:txBody>
+      </p:sp>
+    </p:spTree>
+  </p:cSld>
+  <p:clrMapOvr>
+    <a:masterClrMapping/>
+  </p:clrMapOvr>
+</p:sld>
+</file>
+
+<file path=ppt/slides/slide86.xml><?xml version="1.0" encoding="utf-8"?>
+<p:sld xmlns:a="http://schemas.openxmlformats.org/drawingml/2006/main" xmlns:p="http://schemas.openxmlformats.org/presentationml/2006/main" xmlns:r="http://schemas.openxmlformats.org/officeDocument/2006/relationships">
+  <p:cSld>
+    <p:bg>
+      <p:bgPr>
+        <a:solidFill>
+          <a:srgbClr val="000000"/>
+        </a:solidFill>
+        <a:effectLst/>
+      </p:bgPr>
+    </p:bg>
+    <p:spTree>
+      <p:nvGrpSpPr>
+        <p:cNvPr id="1" name=""/>
+        <p:cNvGrpSpPr/>
+        <p:nvPr/>
+      </p:nvGrpSpPr>
+      <p:grpSpPr/>
+      <p:sp>
+        <p:nvSpPr>
+          <p:cNvPr id="2" name="TextBox 1"/>
+          <p:cNvSpPr txBox="1"/>
+          <p:nvPr/>
+        </p:nvSpPr>
+        <p:spPr>
+          <a:xfrm>
+            <a:off x="914400" y="914400"/>
+            <a:ext cx="7315200" cy="1828800"/>
+          </a:xfrm>
+          <a:prstGeom prst="rect">
+            <a:avLst/>
+          </a:prstGeom>
+          <a:noFill/>
+        </p:spPr>
+        <p:txBody>
+          <a:bodyPr wrap="square">
+            <a:spAutoFit/>
+          </a:bodyPr>
+          <a:lstStyle/>
+          <a:p>
+            <a:pPr algn="ctr">
+              <a:defRPr sz="1200">
+                <a:solidFill>
+                  <a:srgbClr val="FFFFFF"/>
+                </a:solidFill>
+                <a:latin typeface="Times New Roman"/>
+              </a:defRPr>
+            </a:pPr>
           </a:p>
         </p:txBody>
       </p:sp>
@@ -5564,6 +9752,14 @@
 <file path=ppt/slides/slide9.xml><?xml version="1.0" encoding="utf-8"?>
 <p:sld xmlns:a="http://schemas.openxmlformats.org/drawingml/2006/main" xmlns:p="http://schemas.openxmlformats.org/presentationml/2006/main" xmlns:r="http://schemas.openxmlformats.org/officeDocument/2006/relationships">
   <p:cSld>
+    <p:bg>
+      <p:bgPr>
+        <a:solidFill>
+          <a:srgbClr val="000000"/>
+        </a:solidFill>
+        <a:effectLst/>
+      </p:bgPr>
+    </p:bg>
     <p:spTree>
       <p:nvGrpSpPr>
         <p:cNvPr id="1" name=""/>
@@ -5573,88 +9769,75 @@
       <p:grpSpPr/>
       <p:sp>
         <p:nvSpPr>
-          <p:cNvPr id="2" name="Title 1"/>
-          <p:cNvSpPr>
-            <a:spLocks noGrp="1"/>
-          </p:cNvSpPr>
-          <p:nvPr>
-            <p:ph type="title"/>
-          </p:nvPr>
-        </p:nvSpPr>
-        <p:spPr/>
-        <p:txBody>
-          <a:bodyPr/>
-          <a:lstStyle/>
-          <a:p>
-            <a:pPr>
-              <a:defRPr b="1" sz="4200"/>
-            </a:pPr>
-            <a:r>
-              <a:t>1 - Sweet Child O' Mine - Guns N' Roses</a:t>
-            </a:r>
-          </a:p>
-        </p:txBody>
-      </p:sp>
-      <p:sp>
-        <p:nvSpPr>
-          <p:cNvPr id="3" name="Content Placeholder 2"/>
-          <p:cNvSpPr>
-            <a:spLocks noGrp="1"/>
-          </p:cNvSpPr>
-          <p:nvPr>
-            <p:ph idx="1"/>
-          </p:nvPr>
-        </p:nvSpPr>
-        <p:spPr/>
-        <p:txBody>
-          <a:bodyPr/>
-          <a:lstStyle/>
-          <a:p>
-            <a:pPr algn="ctr">
-              <a:defRPr sz="5900">
-                <a:solidFill>
-                  <a:srgbClr val="000000"/>
-                </a:solidFill>
-              </a:defRPr>
-            </a:pPr>
-            <a:r>
-              <a:t>Where do we go?</a:t>
-            </a:r>
-          </a:p>
-          <a:p>
-            <a:pPr algn="ctr">
-              <a:defRPr sz="5900">
-                <a:solidFill>
-                  <a:srgbClr val="000000"/>
-                </a:solidFill>
-              </a:defRPr>
-            </a:pPr>
-            <a:r>
-              <a:t>Where do we go now?</a:t>
-            </a:r>
-          </a:p>
-          <a:p>
-            <a:pPr algn="ctr">
-              <a:defRPr sz="5900">
-                <a:solidFill>
-                  <a:srgbClr val="000000"/>
-                </a:solidFill>
-              </a:defRPr>
-            </a:pPr>
-            <a:r>
-              <a:t>Where do we go?</a:t>
-            </a:r>
-          </a:p>
-          <a:p>
-            <a:pPr algn="ctr">
-              <a:defRPr sz="5900">
-                <a:solidFill>
-                  <a:srgbClr val="000000"/>
-                </a:solidFill>
-              </a:defRPr>
-            </a:pPr>
-            <a:r>
-              <a:t>Where do we go?</a:t>
+          <p:cNvPr id="2" name="TextBox 1"/>
+          <p:cNvSpPr txBox="1"/>
+          <p:nvPr/>
+        </p:nvSpPr>
+        <p:spPr>
+          <a:xfrm>
+            <a:off x="914400" y="914400"/>
+            <a:ext cx="7315200" cy="1828800"/>
+          </a:xfrm>
+          <a:prstGeom prst="rect">
+            <a:avLst/>
+          </a:prstGeom>
+          <a:noFill/>
+        </p:spPr>
+        <p:txBody>
+          <a:bodyPr wrap="square">
+            <a:spAutoFit/>
+          </a:bodyPr>
+          <a:lstStyle/>
+          <a:p>
+            <a:pPr algn="ctr">
+              <a:defRPr sz="5600">
+                <a:solidFill>
+                  <a:srgbClr val="FFFFFF"/>
+                </a:solidFill>
+                <a:latin typeface="Times New Roman"/>
+              </a:defRPr>
+            </a:pPr>
+            <a:r>
+              <a:t>Oh! Vinde, adoremos!</a:t>
+            </a:r>
+          </a:p>
+          <a:p>
+            <a:pPr algn="ctr">
+              <a:defRPr sz="5600">
+                <a:solidFill>
+                  <a:srgbClr val="FFFFFF"/>
+                </a:solidFill>
+                <a:latin typeface="Times New Roman"/>
+              </a:defRPr>
+            </a:pPr>
+            <a:r>
+              <a:t>Oh! Vinde, adoremos!</a:t>
+            </a:r>
+          </a:p>
+          <a:p>
+            <a:pPr algn="ctr">
+              <a:defRPr sz="5600">
+                <a:solidFill>
+                  <a:srgbClr val="FFFFFF"/>
+                </a:solidFill>
+                <a:latin typeface="Times New Roman"/>
+              </a:defRPr>
+            </a:pPr>
+            <a:r>
+              <a:t>Oh! Vinde, adoremos!</a:t>
+            </a:r>
+          </a:p>
+          <a:p>
+            <a:pPr algn="ctr">
+              <a:defRPr sz="5600">
+                <a:solidFill>
+                  <a:srgbClr val="FFFFFF"/>
+                </a:solidFill>
+                <a:latin typeface="Times New Roman"/>
+              </a:defRPr>
+            </a:pPr>
+            <a:r>
+              <a:t>O Salvador!</a:t>
             </a:r>
           </a:p>
         </p:txBody>

--- a/slides.pptx
+++ b/slides.pptx
@@ -3256,6 +3256,30 @@
           </a:p>
         </p:txBody>
       </p:sp>
+      <p:pic>
+        <p:nvPicPr>
+          <p:cNvPr id="3" name="Picture 2" descr="logo.png"/>
+          <p:cNvPicPr>
+            <a:picLocks noChangeAspect="1"/>
+          </p:cNvPicPr>
+          <p:nvPr/>
+        </p:nvPicPr>
+        <p:blipFill>
+          <a:blip r:embed="rId2"/>
+          <a:stretch>
+            <a:fillRect/>
+          </a:stretch>
+        </p:blipFill>
+        <p:spPr>
+          <a:xfrm>
+            <a:off x="7086600" y="4800600"/>
+            <a:ext cx="1828800" cy="1828800"/>
+          </a:xfrm>
+          <a:prstGeom prst="rect">
+            <a:avLst/>
+          </a:prstGeom>
+        </p:spPr>
+      </p:pic>
     </p:spTree>
   </p:cSld>
   <p:clrMapOvr>
@@ -3344,6 +3368,30 @@
           </a:p>
         </p:txBody>
       </p:sp>
+      <p:pic>
+        <p:nvPicPr>
+          <p:cNvPr id="3" name="Picture 2" descr="logo.png"/>
+          <p:cNvPicPr>
+            <a:picLocks noChangeAspect="1"/>
+          </p:cNvPicPr>
+          <p:nvPr/>
+        </p:nvPicPr>
+        <p:blipFill>
+          <a:blip r:embed="rId2"/>
+          <a:stretch>
+            <a:fillRect/>
+          </a:stretch>
+        </p:blipFill>
+        <p:spPr>
+          <a:xfrm>
+            <a:off x="7086600" y="4800600"/>
+            <a:ext cx="1828800" cy="1828800"/>
+          </a:xfrm>
+          <a:prstGeom prst="rect">
+            <a:avLst/>
+          </a:prstGeom>
+        </p:spPr>
+      </p:pic>
     </p:spTree>
   </p:cSld>
   <p:clrMapOvr>
@@ -3445,6 +3493,30 @@
           </a:p>
         </p:txBody>
       </p:sp>
+      <p:pic>
+        <p:nvPicPr>
+          <p:cNvPr id="3" name="Picture 2" descr="logo.png"/>
+          <p:cNvPicPr>
+            <a:picLocks noChangeAspect="1"/>
+          </p:cNvPicPr>
+          <p:nvPr/>
+        </p:nvPicPr>
+        <p:blipFill>
+          <a:blip r:embed="rId2"/>
+          <a:stretch>
+            <a:fillRect/>
+          </a:stretch>
+        </p:blipFill>
+        <p:spPr>
+          <a:xfrm>
+            <a:off x="7086600" y="4800600"/>
+            <a:ext cx="1828800" cy="1828800"/>
+          </a:xfrm>
+          <a:prstGeom prst="rect">
+            <a:avLst/>
+          </a:prstGeom>
+        </p:spPr>
+      </p:pic>
     </p:spTree>
   </p:cSld>
   <p:clrMapOvr>
@@ -3533,6 +3605,30 @@
           </a:p>
         </p:txBody>
       </p:sp>
+      <p:pic>
+        <p:nvPicPr>
+          <p:cNvPr id="3" name="Picture 2" descr="logo.png"/>
+          <p:cNvPicPr>
+            <a:picLocks noChangeAspect="1"/>
+          </p:cNvPicPr>
+          <p:nvPr/>
+        </p:nvPicPr>
+        <p:blipFill>
+          <a:blip r:embed="rId2"/>
+          <a:stretch>
+            <a:fillRect/>
+          </a:stretch>
+        </p:blipFill>
+        <p:spPr>
+          <a:xfrm>
+            <a:off x="7086600" y="4800600"/>
+            <a:ext cx="1828800" cy="1828800"/>
+          </a:xfrm>
+          <a:prstGeom prst="rect">
+            <a:avLst/>
+          </a:prstGeom>
+        </p:spPr>
+      </p:pic>
     </p:spTree>
   </p:cSld>
   <p:clrMapOvr>
@@ -3634,6 +3730,30 @@
           </a:p>
         </p:txBody>
       </p:sp>
+      <p:pic>
+        <p:nvPicPr>
+          <p:cNvPr id="3" name="Picture 2" descr="logo.png"/>
+          <p:cNvPicPr>
+            <a:picLocks noChangeAspect="1"/>
+          </p:cNvPicPr>
+          <p:nvPr/>
+        </p:nvPicPr>
+        <p:blipFill>
+          <a:blip r:embed="rId2"/>
+          <a:stretch>
+            <a:fillRect/>
+          </a:stretch>
+        </p:blipFill>
+        <p:spPr>
+          <a:xfrm>
+            <a:off x="7086600" y="4800600"/>
+            <a:ext cx="1828800" cy="1828800"/>
+          </a:xfrm>
+          <a:prstGeom prst="rect">
+            <a:avLst/>
+          </a:prstGeom>
+        </p:spPr>
+      </p:pic>
     </p:spTree>
   </p:cSld>
   <p:clrMapOvr>
@@ -3693,6 +3813,30 @@
           </a:p>
         </p:txBody>
       </p:sp>
+      <p:pic>
+        <p:nvPicPr>
+          <p:cNvPr id="3" name="Picture 2" descr="logo.png"/>
+          <p:cNvPicPr>
+            <a:picLocks noChangeAspect="1"/>
+          </p:cNvPicPr>
+          <p:nvPr/>
+        </p:nvPicPr>
+        <p:blipFill>
+          <a:blip r:embed="rId2"/>
+          <a:stretch>
+            <a:fillRect/>
+          </a:stretch>
+        </p:blipFill>
+        <p:spPr>
+          <a:xfrm>
+            <a:off x="7086600" y="4800600"/>
+            <a:ext cx="1828800" cy="1828800"/>
+          </a:xfrm>
+          <a:prstGeom prst="rect">
+            <a:avLst/>
+          </a:prstGeom>
+        </p:spPr>
+      </p:pic>
     </p:spTree>
   </p:cSld>
   <p:clrMapOvr>
@@ -3755,6 +3899,30 @@
           </a:p>
         </p:txBody>
       </p:sp>
+      <p:pic>
+        <p:nvPicPr>
+          <p:cNvPr id="3" name="Picture 2" descr="logo.png"/>
+          <p:cNvPicPr>
+            <a:picLocks noChangeAspect="1"/>
+          </p:cNvPicPr>
+          <p:nvPr/>
+        </p:nvPicPr>
+        <p:blipFill>
+          <a:blip r:embed="rId2"/>
+          <a:stretch>
+            <a:fillRect/>
+          </a:stretch>
+        </p:blipFill>
+        <p:spPr>
+          <a:xfrm>
+            <a:off x="7086600" y="4800600"/>
+            <a:ext cx="1828800" cy="1828800"/>
+          </a:xfrm>
+          <a:prstGeom prst="rect">
+            <a:avLst/>
+          </a:prstGeom>
+        </p:spPr>
+      </p:pic>
     </p:spTree>
   </p:cSld>
   <p:clrMapOvr>
@@ -3830,6 +3998,30 @@
           </a:p>
         </p:txBody>
       </p:sp>
+      <p:pic>
+        <p:nvPicPr>
+          <p:cNvPr id="3" name="Picture 2" descr="logo.png"/>
+          <p:cNvPicPr>
+            <a:picLocks noChangeAspect="1"/>
+          </p:cNvPicPr>
+          <p:nvPr/>
+        </p:nvPicPr>
+        <p:blipFill>
+          <a:blip r:embed="rId2"/>
+          <a:stretch>
+            <a:fillRect/>
+          </a:stretch>
+        </p:blipFill>
+        <p:spPr>
+          <a:xfrm>
+            <a:off x="7086600" y="4800600"/>
+            <a:ext cx="1828800" cy="1828800"/>
+          </a:xfrm>
+          <a:prstGeom prst="rect">
+            <a:avLst/>
+          </a:prstGeom>
+        </p:spPr>
+      </p:pic>
     </p:spTree>
   </p:cSld>
   <p:clrMapOvr>
@@ -3892,6 +4084,30 @@
           </a:p>
         </p:txBody>
       </p:sp>
+      <p:pic>
+        <p:nvPicPr>
+          <p:cNvPr id="3" name="Picture 2" descr="logo.png"/>
+          <p:cNvPicPr>
+            <a:picLocks noChangeAspect="1"/>
+          </p:cNvPicPr>
+          <p:nvPr/>
+        </p:nvPicPr>
+        <p:blipFill>
+          <a:blip r:embed="rId2"/>
+          <a:stretch>
+            <a:fillRect/>
+          </a:stretch>
+        </p:blipFill>
+        <p:spPr>
+          <a:xfrm>
+            <a:off x="7086600" y="4800600"/>
+            <a:ext cx="1828800" cy="1828800"/>
+          </a:xfrm>
+          <a:prstGeom prst="rect">
+            <a:avLst/>
+          </a:prstGeom>
+        </p:spPr>
+      </p:pic>
     </p:spTree>
   </p:cSld>
   <p:clrMapOvr>
@@ -3967,6 +4183,30 @@
           </a:p>
         </p:txBody>
       </p:sp>
+      <p:pic>
+        <p:nvPicPr>
+          <p:cNvPr id="3" name="Picture 2" descr="logo.png"/>
+          <p:cNvPicPr>
+            <a:picLocks noChangeAspect="1"/>
+          </p:cNvPicPr>
+          <p:nvPr/>
+        </p:nvPicPr>
+        <p:blipFill>
+          <a:blip r:embed="rId2"/>
+          <a:stretch>
+            <a:fillRect/>
+          </a:stretch>
+        </p:blipFill>
+        <p:spPr>
+          <a:xfrm>
+            <a:off x="7086600" y="4800600"/>
+            <a:ext cx="1828800" cy="1828800"/>
+          </a:xfrm>
+          <a:prstGeom prst="rect">
+            <a:avLst/>
+          </a:prstGeom>
+        </p:spPr>
+      </p:pic>
     </p:spTree>
   </p:cSld>
   <p:clrMapOvr>
@@ -4029,6 +4269,30 @@
           </a:p>
         </p:txBody>
       </p:sp>
+      <p:pic>
+        <p:nvPicPr>
+          <p:cNvPr id="3" name="Picture 2" descr="logo.png"/>
+          <p:cNvPicPr>
+            <a:picLocks noChangeAspect="1"/>
+          </p:cNvPicPr>
+          <p:nvPr/>
+        </p:nvPicPr>
+        <p:blipFill>
+          <a:blip r:embed="rId2"/>
+          <a:stretch>
+            <a:fillRect/>
+          </a:stretch>
+        </p:blipFill>
+        <p:spPr>
+          <a:xfrm>
+            <a:off x="7086600" y="4800600"/>
+            <a:ext cx="1828800" cy="1828800"/>
+          </a:xfrm>
+          <a:prstGeom prst="rect">
+            <a:avLst/>
+          </a:prstGeom>
+        </p:spPr>
+      </p:pic>
     </p:spTree>
   </p:cSld>
   <p:clrMapOvr>
@@ -4130,6 +4394,30 @@
           </a:p>
         </p:txBody>
       </p:sp>
+      <p:pic>
+        <p:nvPicPr>
+          <p:cNvPr id="3" name="Picture 2" descr="logo.png"/>
+          <p:cNvPicPr>
+            <a:picLocks noChangeAspect="1"/>
+          </p:cNvPicPr>
+          <p:nvPr/>
+        </p:nvPicPr>
+        <p:blipFill>
+          <a:blip r:embed="rId2"/>
+          <a:stretch>
+            <a:fillRect/>
+          </a:stretch>
+        </p:blipFill>
+        <p:spPr>
+          <a:xfrm>
+            <a:off x="7086600" y="4800600"/>
+            <a:ext cx="1828800" cy="1828800"/>
+          </a:xfrm>
+          <a:prstGeom prst="rect">
+            <a:avLst/>
+          </a:prstGeom>
+        </p:spPr>
+      </p:pic>
     </p:spTree>
   </p:cSld>
   <p:clrMapOvr>
@@ -4205,6 +4493,30 @@
           </a:p>
         </p:txBody>
       </p:sp>
+      <p:pic>
+        <p:nvPicPr>
+          <p:cNvPr id="3" name="Picture 2" descr="logo.png"/>
+          <p:cNvPicPr>
+            <a:picLocks noChangeAspect="1"/>
+          </p:cNvPicPr>
+          <p:nvPr/>
+        </p:nvPicPr>
+        <p:blipFill>
+          <a:blip r:embed="rId2"/>
+          <a:stretch>
+            <a:fillRect/>
+          </a:stretch>
+        </p:blipFill>
+        <p:spPr>
+          <a:xfrm>
+            <a:off x="7086600" y="4800600"/>
+            <a:ext cx="1828800" cy="1828800"/>
+          </a:xfrm>
+          <a:prstGeom prst="rect">
+            <a:avLst/>
+          </a:prstGeom>
+        </p:spPr>
+      </p:pic>
     </p:spTree>
   </p:cSld>
   <p:clrMapOvr>
@@ -4264,6 +4576,30 @@
           </a:p>
         </p:txBody>
       </p:sp>
+      <p:pic>
+        <p:nvPicPr>
+          <p:cNvPr id="3" name="Picture 2" descr="logo.png"/>
+          <p:cNvPicPr>
+            <a:picLocks noChangeAspect="1"/>
+          </p:cNvPicPr>
+          <p:nvPr/>
+        </p:nvPicPr>
+        <p:blipFill>
+          <a:blip r:embed="rId2"/>
+          <a:stretch>
+            <a:fillRect/>
+          </a:stretch>
+        </p:blipFill>
+        <p:spPr>
+          <a:xfrm>
+            <a:off x="7086600" y="4800600"/>
+            <a:ext cx="1828800" cy="1828800"/>
+          </a:xfrm>
+          <a:prstGeom prst="rect">
+            <a:avLst/>
+          </a:prstGeom>
+        </p:spPr>
+      </p:pic>
     </p:spTree>
   </p:cSld>
   <p:clrMapOvr>
@@ -4339,6 +4675,30 @@
           </a:p>
         </p:txBody>
       </p:sp>
+      <p:pic>
+        <p:nvPicPr>
+          <p:cNvPr id="3" name="Picture 2" descr="logo.png"/>
+          <p:cNvPicPr>
+            <a:picLocks noChangeAspect="1"/>
+          </p:cNvPicPr>
+          <p:nvPr/>
+        </p:nvPicPr>
+        <p:blipFill>
+          <a:blip r:embed="rId2"/>
+          <a:stretch>
+            <a:fillRect/>
+          </a:stretch>
+        </p:blipFill>
+        <p:spPr>
+          <a:xfrm>
+            <a:off x="7086600" y="4800600"/>
+            <a:ext cx="1828800" cy="1828800"/>
+          </a:xfrm>
+          <a:prstGeom prst="rect">
+            <a:avLst/>
+          </a:prstGeom>
+        </p:spPr>
+      </p:pic>
     </p:spTree>
   </p:cSld>
   <p:clrMapOvr>
@@ -4414,6 +4774,30 @@
           </a:p>
         </p:txBody>
       </p:sp>
+      <p:pic>
+        <p:nvPicPr>
+          <p:cNvPr id="3" name="Picture 2" descr="logo.png"/>
+          <p:cNvPicPr>
+            <a:picLocks noChangeAspect="1"/>
+          </p:cNvPicPr>
+          <p:nvPr/>
+        </p:nvPicPr>
+        <p:blipFill>
+          <a:blip r:embed="rId2"/>
+          <a:stretch>
+            <a:fillRect/>
+          </a:stretch>
+        </p:blipFill>
+        <p:spPr>
+          <a:xfrm>
+            <a:off x="7086600" y="4800600"/>
+            <a:ext cx="1828800" cy="1828800"/>
+          </a:xfrm>
+          <a:prstGeom prst="rect">
+            <a:avLst/>
+          </a:prstGeom>
+        </p:spPr>
+      </p:pic>
     </p:spTree>
   </p:cSld>
   <p:clrMapOvr>
@@ -4476,6 +4860,30 @@
           </a:p>
         </p:txBody>
       </p:sp>
+      <p:pic>
+        <p:nvPicPr>
+          <p:cNvPr id="3" name="Picture 2" descr="logo.png"/>
+          <p:cNvPicPr>
+            <a:picLocks noChangeAspect="1"/>
+          </p:cNvPicPr>
+          <p:nvPr/>
+        </p:nvPicPr>
+        <p:blipFill>
+          <a:blip r:embed="rId2"/>
+          <a:stretch>
+            <a:fillRect/>
+          </a:stretch>
+        </p:blipFill>
+        <p:spPr>
+          <a:xfrm>
+            <a:off x="7086600" y="4800600"/>
+            <a:ext cx="1828800" cy="1828800"/>
+          </a:xfrm>
+          <a:prstGeom prst="rect">
+            <a:avLst/>
+          </a:prstGeom>
+        </p:spPr>
+      </p:pic>
     </p:spTree>
   </p:cSld>
   <p:clrMapOvr>
@@ -4551,6 +4959,30 @@
           </a:p>
         </p:txBody>
       </p:sp>
+      <p:pic>
+        <p:nvPicPr>
+          <p:cNvPr id="3" name="Picture 2" descr="logo.png"/>
+          <p:cNvPicPr>
+            <a:picLocks noChangeAspect="1"/>
+          </p:cNvPicPr>
+          <p:nvPr/>
+        </p:nvPicPr>
+        <p:blipFill>
+          <a:blip r:embed="rId2"/>
+          <a:stretch>
+            <a:fillRect/>
+          </a:stretch>
+        </p:blipFill>
+        <p:spPr>
+          <a:xfrm>
+            <a:off x="7086600" y="4800600"/>
+            <a:ext cx="1828800" cy="1828800"/>
+          </a:xfrm>
+          <a:prstGeom prst="rect">
+            <a:avLst/>
+          </a:prstGeom>
+        </p:spPr>
+      </p:pic>
     </p:spTree>
   </p:cSld>
   <p:clrMapOvr>
@@ -4626,6 +5058,30 @@
           </a:p>
         </p:txBody>
       </p:sp>
+      <p:pic>
+        <p:nvPicPr>
+          <p:cNvPr id="3" name="Picture 2" descr="logo.png"/>
+          <p:cNvPicPr>
+            <a:picLocks noChangeAspect="1"/>
+          </p:cNvPicPr>
+          <p:nvPr/>
+        </p:nvPicPr>
+        <p:blipFill>
+          <a:blip r:embed="rId2"/>
+          <a:stretch>
+            <a:fillRect/>
+          </a:stretch>
+        </p:blipFill>
+        <p:spPr>
+          <a:xfrm>
+            <a:off x="7086600" y="4800600"/>
+            <a:ext cx="1828800" cy="1828800"/>
+          </a:xfrm>
+          <a:prstGeom prst="rect">
+            <a:avLst/>
+          </a:prstGeom>
+        </p:spPr>
+      </p:pic>
     </p:spTree>
   </p:cSld>
   <p:clrMapOvr>
@@ -4701,6 +5157,30 @@
           </a:p>
         </p:txBody>
       </p:sp>
+      <p:pic>
+        <p:nvPicPr>
+          <p:cNvPr id="3" name="Picture 2" descr="logo.png"/>
+          <p:cNvPicPr>
+            <a:picLocks noChangeAspect="1"/>
+          </p:cNvPicPr>
+          <p:nvPr/>
+        </p:nvPicPr>
+        <p:blipFill>
+          <a:blip r:embed="rId2"/>
+          <a:stretch>
+            <a:fillRect/>
+          </a:stretch>
+        </p:blipFill>
+        <p:spPr>
+          <a:xfrm>
+            <a:off x="7086600" y="4800600"/>
+            <a:ext cx="1828800" cy="1828800"/>
+          </a:xfrm>
+          <a:prstGeom prst="rect">
+            <a:avLst/>
+          </a:prstGeom>
+        </p:spPr>
+      </p:pic>
     </p:spTree>
   </p:cSld>
   <p:clrMapOvr>
@@ -4776,6 +5256,30 @@
           </a:p>
         </p:txBody>
       </p:sp>
+      <p:pic>
+        <p:nvPicPr>
+          <p:cNvPr id="3" name="Picture 2" descr="logo.png"/>
+          <p:cNvPicPr>
+            <a:picLocks noChangeAspect="1"/>
+          </p:cNvPicPr>
+          <p:nvPr/>
+        </p:nvPicPr>
+        <p:blipFill>
+          <a:blip r:embed="rId2"/>
+          <a:stretch>
+            <a:fillRect/>
+          </a:stretch>
+        </p:blipFill>
+        <p:spPr>
+          <a:xfrm>
+            <a:off x="7086600" y="4800600"/>
+            <a:ext cx="1828800" cy="1828800"/>
+          </a:xfrm>
+          <a:prstGeom prst="rect">
+            <a:avLst/>
+          </a:prstGeom>
+        </p:spPr>
+      </p:pic>
     </p:spTree>
   </p:cSld>
   <p:clrMapOvr>
@@ -4851,6 +5355,30 @@
           </a:p>
         </p:txBody>
       </p:sp>
+      <p:pic>
+        <p:nvPicPr>
+          <p:cNvPr id="3" name="Picture 2" descr="logo.png"/>
+          <p:cNvPicPr>
+            <a:picLocks noChangeAspect="1"/>
+          </p:cNvPicPr>
+          <p:nvPr/>
+        </p:nvPicPr>
+        <p:blipFill>
+          <a:blip r:embed="rId2"/>
+          <a:stretch>
+            <a:fillRect/>
+          </a:stretch>
+        </p:blipFill>
+        <p:spPr>
+          <a:xfrm>
+            <a:off x="7086600" y="4800600"/>
+            <a:ext cx="1828800" cy="1828800"/>
+          </a:xfrm>
+          <a:prstGeom prst="rect">
+            <a:avLst/>
+          </a:prstGeom>
+        </p:spPr>
+      </p:pic>
     </p:spTree>
   </p:cSld>
   <p:clrMapOvr>
@@ -4910,6 +5438,30 @@
           </a:p>
         </p:txBody>
       </p:sp>
+      <p:pic>
+        <p:nvPicPr>
+          <p:cNvPr id="3" name="Picture 2" descr="logo.png"/>
+          <p:cNvPicPr>
+            <a:picLocks noChangeAspect="1"/>
+          </p:cNvPicPr>
+          <p:nvPr/>
+        </p:nvPicPr>
+        <p:blipFill>
+          <a:blip r:embed="rId2"/>
+          <a:stretch>
+            <a:fillRect/>
+          </a:stretch>
+        </p:blipFill>
+        <p:spPr>
+          <a:xfrm>
+            <a:off x="7086600" y="4800600"/>
+            <a:ext cx="1828800" cy="1828800"/>
+          </a:xfrm>
+          <a:prstGeom prst="rect">
+            <a:avLst/>
+          </a:prstGeom>
+        </p:spPr>
+      </p:pic>
     </p:spTree>
   </p:cSld>
   <p:clrMapOvr>
@@ -4985,6 +5537,30 @@
           </a:p>
         </p:txBody>
       </p:sp>
+      <p:pic>
+        <p:nvPicPr>
+          <p:cNvPr id="3" name="Picture 2" descr="logo.png"/>
+          <p:cNvPicPr>
+            <a:picLocks noChangeAspect="1"/>
+          </p:cNvPicPr>
+          <p:nvPr/>
+        </p:nvPicPr>
+        <p:blipFill>
+          <a:blip r:embed="rId2"/>
+          <a:stretch>
+            <a:fillRect/>
+          </a:stretch>
+        </p:blipFill>
+        <p:spPr>
+          <a:xfrm>
+            <a:off x="7086600" y="4800600"/>
+            <a:ext cx="1828800" cy="1828800"/>
+          </a:xfrm>
+          <a:prstGeom prst="rect">
+            <a:avLst/>
+          </a:prstGeom>
+        </p:spPr>
+      </p:pic>
     </p:spTree>
   </p:cSld>
   <p:clrMapOvr>
@@ -5044,6 +5620,30 @@
           </a:p>
         </p:txBody>
       </p:sp>
+      <p:pic>
+        <p:nvPicPr>
+          <p:cNvPr id="3" name="Picture 2" descr="logo.png"/>
+          <p:cNvPicPr>
+            <a:picLocks noChangeAspect="1"/>
+          </p:cNvPicPr>
+          <p:nvPr/>
+        </p:nvPicPr>
+        <p:blipFill>
+          <a:blip r:embed="rId2"/>
+          <a:stretch>
+            <a:fillRect/>
+          </a:stretch>
+        </p:blipFill>
+        <p:spPr>
+          <a:xfrm>
+            <a:off x="7086600" y="4800600"/>
+            <a:ext cx="1828800" cy="1828800"/>
+          </a:xfrm>
+          <a:prstGeom prst="rect">
+            <a:avLst/>
+          </a:prstGeom>
+        </p:spPr>
+      </p:pic>
     </p:spTree>
   </p:cSld>
   <p:clrMapOvr>
@@ -5119,6 +5719,30 @@
           </a:p>
         </p:txBody>
       </p:sp>
+      <p:pic>
+        <p:nvPicPr>
+          <p:cNvPr id="3" name="Picture 2" descr="logo.png"/>
+          <p:cNvPicPr>
+            <a:picLocks noChangeAspect="1"/>
+          </p:cNvPicPr>
+          <p:nvPr/>
+        </p:nvPicPr>
+        <p:blipFill>
+          <a:blip r:embed="rId2"/>
+          <a:stretch>
+            <a:fillRect/>
+          </a:stretch>
+        </p:blipFill>
+        <p:spPr>
+          <a:xfrm>
+            <a:off x="7086600" y="4800600"/>
+            <a:ext cx="1828800" cy="1828800"/>
+          </a:xfrm>
+          <a:prstGeom prst="rect">
+            <a:avLst/>
+          </a:prstGeom>
+        </p:spPr>
+      </p:pic>
     </p:spTree>
   </p:cSld>
   <p:clrMapOvr>
@@ -5178,6 +5802,30 @@
           </a:p>
         </p:txBody>
       </p:sp>
+      <p:pic>
+        <p:nvPicPr>
+          <p:cNvPr id="3" name="Picture 2" descr="logo.png"/>
+          <p:cNvPicPr>
+            <a:picLocks noChangeAspect="1"/>
+          </p:cNvPicPr>
+          <p:nvPr/>
+        </p:nvPicPr>
+        <p:blipFill>
+          <a:blip r:embed="rId2"/>
+          <a:stretch>
+            <a:fillRect/>
+          </a:stretch>
+        </p:blipFill>
+        <p:spPr>
+          <a:xfrm>
+            <a:off x="7086600" y="4800600"/>
+            <a:ext cx="1828800" cy="1828800"/>
+          </a:xfrm>
+          <a:prstGeom prst="rect">
+            <a:avLst/>
+          </a:prstGeom>
+        </p:spPr>
+      </p:pic>
     </p:spTree>
   </p:cSld>
   <p:clrMapOvr>
@@ -5253,6 +5901,30 @@
           </a:p>
         </p:txBody>
       </p:sp>
+      <p:pic>
+        <p:nvPicPr>
+          <p:cNvPr id="3" name="Picture 2" descr="logo.png"/>
+          <p:cNvPicPr>
+            <a:picLocks noChangeAspect="1"/>
+          </p:cNvPicPr>
+          <p:nvPr/>
+        </p:nvPicPr>
+        <p:blipFill>
+          <a:blip r:embed="rId2"/>
+          <a:stretch>
+            <a:fillRect/>
+          </a:stretch>
+        </p:blipFill>
+        <p:spPr>
+          <a:xfrm>
+            <a:off x="7086600" y="4800600"/>
+            <a:ext cx="1828800" cy="1828800"/>
+          </a:xfrm>
+          <a:prstGeom prst="rect">
+            <a:avLst/>
+          </a:prstGeom>
+        </p:spPr>
+      </p:pic>
     </p:spTree>
   </p:cSld>
   <p:clrMapOvr>
@@ -5328,6 +6000,30 @@
           </a:p>
         </p:txBody>
       </p:sp>
+      <p:pic>
+        <p:nvPicPr>
+          <p:cNvPr id="3" name="Picture 2" descr="logo.png"/>
+          <p:cNvPicPr>
+            <a:picLocks noChangeAspect="1"/>
+          </p:cNvPicPr>
+          <p:nvPr/>
+        </p:nvPicPr>
+        <p:blipFill>
+          <a:blip r:embed="rId2"/>
+          <a:stretch>
+            <a:fillRect/>
+          </a:stretch>
+        </p:blipFill>
+        <p:spPr>
+          <a:xfrm>
+            <a:off x="7086600" y="4800600"/>
+            <a:ext cx="1828800" cy="1828800"/>
+          </a:xfrm>
+          <a:prstGeom prst="rect">
+            <a:avLst/>
+          </a:prstGeom>
+        </p:spPr>
+      </p:pic>
     </p:spTree>
   </p:cSld>
   <p:clrMapOvr>
@@ -5387,6 +6083,30 @@
           </a:p>
         </p:txBody>
       </p:sp>
+      <p:pic>
+        <p:nvPicPr>
+          <p:cNvPr id="3" name="Picture 2" descr="logo.png"/>
+          <p:cNvPicPr>
+            <a:picLocks noChangeAspect="1"/>
+          </p:cNvPicPr>
+          <p:nvPr/>
+        </p:nvPicPr>
+        <p:blipFill>
+          <a:blip r:embed="rId2"/>
+          <a:stretch>
+            <a:fillRect/>
+          </a:stretch>
+        </p:blipFill>
+        <p:spPr>
+          <a:xfrm>
+            <a:off x="7086600" y="4800600"/>
+            <a:ext cx="1828800" cy="1828800"/>
+          </a:xfrm>
+          <a:prstGeom prst="rect">
+            <a:avLst/>
+          </a:prstGeom>
+        </p:spPr>
+      </p:pic>
     </p:spTree>
   </p:cSld>
   <p:clrMapOvr>
@@ -5488,6 +6208,30 @@
           </a:p>
         </p:txBody>
       </p:sp>
+      <p:pic>
+        <p:nvPicPr>
+          <p:cNvPr id="3" name="Picture 2" descr="logo.png"/>
+          <p:cNvPicPr>
+            <a:picLocks noChangeAspect="1"/>
+          </p:cNvPicPr>
+          <p:nvPr/>
+        </p:nvPicPr>
+        <p:blipFill>
+          <a:blip r:embed="rId2"/>
+          <a:stretch>
+            <a:fillRect/>
+          </a:stretch>
+        </p:blipFill>
+        <p:spPr>
+          <a:xfrm>
+            <a:off x="7086600" y="4800600"/>
+            <a:ext cx="1828800" cy="1828800"/>
+          </a:xfrm>
+          <a:prstGeom prst="rect">
+            <a:avLst/>
+          </a:prstGeom>
+        </p:spPr>
+      </p:pic>
     </p:spTree>
   </p:cSld>
   <p:clrMapOvr>
@@ -5589,6 +6333,30 @@
           </a:p>
         </p:txBody>
       </p:sp>
+      <p:pic>
+        <p:nvPicPr>
+          <p:cNvPr id="3" name="Picture 2" descr="logo.png"/>
+          <p:cNvPicPr>
+            <a:picLocks noChangeAspect="1"/>
+          </p:cNvPicPr>
+          <p:nvPr/>
+        </p:nvPicPr>
+        <p:blipFill>
+          <a:blip r:embed="rId2"/>
+          <a:stretch>
+            <a:fillRect/>
+          </a:stretch>
+        </p:blipFill>
+        <p:spPr>
+          <a:xfrm>
+            <a:off x="7086600" y="4800600"/>
+            <a:ext cx="1828800" cy="1828800"/>
+          </a:xfrm>
+          <a:prstGeom prst="rect">
+            <a:avLst/>
+          </a:prstGeom>
+        </p:spPr>
+      </p:pic>
     </p:spTree>
   </p:cSld>
   <p:clrMapOvr>
@@ -5690,6 +6458,30 @@
           </a:p>
         </p:txBody>
       </p:sp>
+      <p:pic>
+        <p:nvPicPr>
+          <p:cNvPr id="3" name="Picture 2" descr="logo.png"/>
+          <p:cNvPicPr>
+            <a:picLocks noChangeAspect="1"/>
+          </p:cNvPicPr>
+          <p:nvPr/>
+        </p:nvPicPr>
+        <p:blipFill>
+          <a:blip r:embed="rId2"/>
+          <a:stretch>
+            <a:fillRect/>
+          </a:stretch>
+        </p:blipFill>
+        <p:spPr>
+          <a:xfrm>
+            <a:off x="7086600" y="4800600"/>
+            <a:ext cx="1828800" cy="1828800"/>
+          </a:xfrm>
+          <a:prstGeom prst="rect">
+            <a:avLst/>
+          </a:prstGeom>
+        </p:spPr>
+      </p:pic>
     </p:spTree>
   </p:cSld>
   <p:clrMapOvr>
@@ -5778,6 +6570,30 @@
           </a:p>
         </p:txBody>
       </p:sp>
+      <p:pic>
+        <p:nvPicPr>
+          <p:cNvPr id="3" name="Picture 2" descr="logo.png"/>
+          <p:cNvPicPr>
+            <a:picLocks noChangeAspect="1"/>
+          </p:cNvPicPr>
+          <p:nvPr/>
+        </p:nvPicPr>
+        <p:blipFill>
+          <a:blip r:embed="rId2"/>
+          <a:stretch>
+            <a:fillRect/>
+          </a:stretch>
+        </p:blipFill>
+        <p:spPr>
+          <a:xfrm>
+            <a:off x="7086600" y="4800600"/>
+            <a:ext cx="1828800" cy="1828800"/>
+          </a:xfrm>
+          <a:prstGeom prst="rect">
+            <a:avLst/>
+          </a:prstGeom>
+        </p:spPr>
+      </p:pic>
     </p:spTree>
   </p:cSld>
   <p:clrMapOvr>
@@ -5837,6 +6653,30 @@
           </a:p>
         </p:txBody>
       </p:sp>
+      <p:pic>
+        <p:nvPicPr>
+          <p:cNvPr id="3" name="Picture 2" descr="logo.png"/>
+          <p:cNvPicPr>
+            <a:picLocks noChangeAspect="1"/>
+          </p:cNvPicPr>
+          <p:nvPr/>
+        </p:nvPicPr>
+        <p:blipFill>
+          <a:blip r:embed="rId2"/>
+          <a:stretch>
+            <a:fillRect/>
+          </a:stretch>
+        </p:blipFill>
+        <p:spPr>
+          <a:xfrm>
+            <a:off x="7086600" y="4800600"/>
+            <a:ext cx="1828800" cy="1828800"/>
+          </a:xfrm>
+          <a:prstGeom prst="rect">
+            <a:avLst/>
+          </a:prstGeom>
+        </p:spPr>
+      </p:pic>
     </p:spTree>
   </p:cSld>
   <p:clrMapOvr>
@@ -5912,6 +6752,30 @@
           </a:p>
         </p:txBody>
       </p:sp>
+      <p:pic>
+        <p:nvPicPr>
+          <p:cNvPr id="3" name="Picture 2" descr="logo.png"/>
+          <p:cNvPicPr>
+            <a:picLocks noChangeAspect="1"/>
+          </p:cNvPicPr>
+          <p:nvPr/>
+        </p:nvPicPr>
+        <p:blipFill>
+          <a:blip r:embed="rId2"/>
+          <a:stretch>
+            <a:fillRect/>
+          </a:stretch>
+        </p:blipFill>
+        <p:spPr>
+          <a:xfrm>
+            <a:off x="7086600" y="4800600"/>
+            <a:ext cx="1828800" cy="1828800"/>
+          </a:xfrm>
+          <a:prstGeom prst="rect">
+            <a:avLst/>
+          </a:prstGeom>
+        </p:spPr>
+      </p:pic>
     </p:spTree>
   </p:cSld>
   <p:clrMapOvr>
@@ -5974,6 +6838,30 @@
           </a:p>
         </p:txBody>
       </p:sp>
+      <p:pic>
+        <p:nvPicPr>
+          <p:cNvPr id="3" name="Picture 2" descr="logo.png"/>
+          <p:cNvPicPr>
+            <a:picLocks noChangeAspect="1"/>
+          </p:cNvPicPr>
+          <p:nvPr/>
+        </p:nvPicPr>
+        <p:blipFill>
+          <a:blip r:embed="rId2"/>
+          <a:stretch>
+            <a:fillRect/>
+          </a:stretch>
+        </p:blipFill>
+        <p:spPr>
+          <a:xfrm>
+            <a:off x="7086600" y="4800600"/>
+            <a:ext cx="1828800" cy="1828800"/>
+          </a:xfrm>
+          <a:prstGeom prst="rect">
+            <a:avLst/>
+          </a:prstGeom>
+        </p:spPr>
+      </p:pic>
     </p:spTree>
   </p:cSld>
   <p:clrMapOvr>
@@ -6036,6 +6924,30 @@
           </a:p>
         </p:txBody>
       </p:sp>
+      <p:pic>
+        <p:nvPicPr>
+          <p:cNvPr id="3" name="Picture 2" descr="logo.png"/>
+          <p:cNvPicPr>
+            <a:picLocks noChangeAspect="1"/>
+          </p:cNvPicPr>
+          <p:nvPr/>
+        </p:nvPicPr>
+        <p:blipFill>
+          <a:blip r:embed="rId2"/>
+          <a:stretch>
+            <a:fillRect/>
+          </a:stretch>
+        </p:blipFill>
+        <p:spPr>
+          <a:xfrm>
+            <a:off x="7086600" y="4800600"/>
+            <a:ext cx="1828800" cy="1828800"/>
+          </a:xfrm>
+          <a:prstGeom prst="rect">
+            <a:avLst/>
+          </a:prstGeom>
+        </p:spPr>
+      </p:pic>
     </p:spTree>
   </p:cSld>
   <p:clrMapOvr>
@@ -6098,6 +7010,30 @@
           </a:p>
         </p:txBody>
       </p:sp>
+      <p:pic>
+        <p:nvPicPr>
+          <p:cNvPr id="3" name="Picture 2" descr="logo.png"/>
+          <p:cNvPicPr>
+            <a:picLocks noChangeAspect="1"/>
+          </p:cNvPicPr>
+          <p:nvPr/>
+        </p:nvPicPr>
+        <p:blipFill>
+          <a:blip r:embed="rId2"/>
+          <a:stretch>
+            <a:fillRect/>
+          </a:stretch>
+        </p:blipFill>
+        <p:spPr>
+          <a:xfrm>
+            <a:off x="7086600" y="4800600"/>
+            <a:ext cx="1828800" cy="1828800"/>
+          </a:xfrm>
+          <a:prstGeom prst="rect">
+            <a:avLst/>
+          </a:prstGeom>
+        </p:spPr>
+      </p:pic>
     </p:spTree>
   </p:cSld>
   <p:clrMapOvr>
@@ -6160,6 +7096,30 @@
           </a:p>
         </p:txBody>
       </p:sp>
+      <p:pic>
+        <p:nvPicPr>
+          <p:cNvPr id="3" name="Picture 2" descr="logo.png"/>
+          <p:cNvPicPr>
+            <a:picLocks noChangeAspect="1"/>
+          </p:cNvPicPr>
+          <p:nvPr/>
+        </p:nvPicPr>
+        <p:blipFill>
+          <a:blip r:embed="rId2"/>
+          <a:stretch>
+            <a:fillRect/>
+          </a:stretch>
+        </p:blipFill>
+        <p:spPr>
+          <a:xfrm>
+            <a:off x="7086600" y="4800600"/>
+            <a:ext cx="1828800" cy="1828800"/>
+          </a:xfrm>
+          <a:prstGeom prst="rect">
+            <a:avLst/>
+          </a:prstGeom>
+        </p:spPr>
+      </p:pic>
     </p:spTree>
   </p:cSld>
   <p:clrMapOvr>
@@ -6219,6 +7179,30 @@
           </a:p>
         </p:txBody>
       </p:sp>
+      <p:pic>
+        <p:nvPicPr>
+          <p:cNvPr id="3" name="Picture 2" descr="logo.png"/>
+          <p:cNvPicPr>
+            <a:picLocks noChangeAspect="1"/>
+          </p:cNvPicPr>
+          <p:nvPr/>
+        </p:nvPicPr>
+        <p:blipFill>
+          <a:blip r:embed="rId2"/>
+          <a:stretch>
+            <a:fillRect/>
+          </a:stretch>
+        </p:blipFill>
+        <p:spPr>
+          <a:xfrm>
+            <a:off x="7086600" y="4800600"/>
+            <a:ext cx="1828800" cy="1828800"/>
+          </a:xfrm>
+          <a:prstGeom prst="rect">
+            <a:avLst/>
+          </a:prstGeom>
+        </p:spPr>
+      </p:pic>
     </p:spTree>
   </p:cSld>
   <p:clrMapOvr>
@@ -6320,6 +7304,30 @@
           </a:p>
         </p:txBody>
       </p:sp>
+      <p:pic>
+        <p:nvPicPr>
+          <p:cNvPr id="3" name="Picture 2" descr="logo.png"/>
+          <p:cNvPicPr>
+            <a:picLocks noChangeAspect="1"/>
+          </p:cNvPicPr>
+          <p:nvPr/>
+        </p:nvPicPr>
+        <p:blipFill>
+          <a:blip r:embed="rId2"/>
+          <a:stretch>
+            <a:fillRect/>
+          </a:stretch>
+        </p:blipFill>
+        <p:spPr>
+          <a:xfrm>
+            <a:off x="7086600" y="4800600"/>
+            <a:ext cx="1828800" cy="1828800"/>
+          </a:xfrm>
+          <a:prstGeom prst="rect">
+            <a:avLst/>
+          </a:prstGeom>
+        </p:spPr>
+      </p:pic>
     </p:spTree>
   </p:cSld>
   <p:clrMapOvr>
@@ -6421,6 +7429,30 @@
           </a:p>
         </p:txBody>
       </p:sp>
+      <p:pic>
+        <p:nvPicPr>
+          <p:cNvPr id="3" name="Picture 2" descr="logo.png"/>
+          <p:cNvPicPr>
+            <a:picLocks noChangeAspect="1"/>
+          </p:cNvPicPr>
+          <p:nvPr/>
+        </p:nvPicPr>
+        <p:blipFill>
+          <a:blip r:embed="rId2"/>
+          <a:stretch>
+            <a:fillRect/>
+          </a:stretch>
+        </p:blipFill>
+        <p:spPr>
+          <a:xfrm>
+            <a:off x="7086600" y="4800600"/>
+            <a:ext cx="1828800" cy="1828800"/>
+          </a:xfrm>
+          <a:prstGeom prst="rect">
+            <a:avLst/>
+          </a:prstGeom>
+        </p:spPr>
+      </p:pic>
     </p:spTree>
   </p:cSld>
   <p:clrMapOvr>
@@ -6480,6 +7512,30 @@
           </a:p>
         </p:txBody>
       </p:sp>
+      <p:pic>
+        <p:nvPicPr>
+          <p:cNvPr id="3" name="Picture 2" descr="logo.png"/>
+          <p:cNvPicPr>
+            <a:picLocks noChangeAspect="1"/>
+          </p:cNvPicPr>
+          <p:nvPr/>
+        </p:nvPicPr>
+        <p:blipFill>
+          <a:blip r:embed="rId2"/>
+          <a:stretch>
+            <a:fillRect/>
+          </a:stretch>
+        </p:blipFill>
+        <p:spPr>
+          <a:xfrm>
+            <a:off x="7086600" y="4800600"/>
+            <a:ext cx="1828800" cy="1828800"/>
+          </a:xfrm>
+          <a:prstGeom prst="rect">
+            <a:avLst/>
+          </a:prstGeom>
+        </p:spPr>
+      </p:pic>
     </p:spTree>
   </p:cSld>
   <p:clrMapOvr>
@@ -6581,6 +7637,30 @@
           </a:p>
         </p:txBody>
       </p:sp>
+      <p:pic>
+        <p:nvPicPr>
+          <p:cNvPr id="3" name="Picture 2" descr="logo.png"/>
+          <p:cNvPicPr>
+            <a:picLocks noChangeAspect="1"/>
+          </p:cNvPicPr>
+          <p:nvPr/>
+        </p:nvPicPr>
+        <p:blipFill>
+          <a:blip r:embed="rId2"/>
+          <a:stretch>
+            <a:fillRect/>
+          </a:stretch>
+        </p:blipFill>
+        <p:spPr>
+          <a:xfrm>
+            <a:off x="7086600" y="4800600"/>
+            <a:ext cx="1828800" cy="1828800"/>
+          </a:xfrm>
+          <a:prstGeom prst="rect">
+            <a:avLst/>
+          </a:prstGeom>
+        </p:spPr>
+      </p:pic>
     </p:spTree>
   </p:cSld>
   <p:clrMapOvr>
@@ -6669,6 +7749,30 @@
           </a:p>
         </p:txBody>
       </p:sp>
+      <p:pic>
+        <p:nvPicPr>
+          <p:cNvPr id="3" name="Picture 2" descr="logo.png"/>
+          <p:cNvPicPr>
+            <a:picLocks noChangeAspect="1"/>
+          </p:cNvPicPr>
+          <p:nvPr/>
+        </p:nvPicPr>
+        <p:blipFill>
+          <a:blip r:embed="rId2"/>
+          <a:stretch>
+            <a:fillRect/>
+          </a:stretch>
+        </p:blipFill>
+        <p:spPr>
+          <a:xfrm>
+            <a:off x="7086600" y="4800600"/>
+            <a:ext cx="1828800" cy="1828800"/>
+          </a:xfrm>
+          <a:prstGeom prst="rect">
+            <a:avLst/>
+          </a:prstGeom>
+        </p:spPr>
+      </p:pic>
     </p:spTree>
   </p:cSld>
   <p:clrMapOvr>
@@ -6757,6 +7861,30 @@
           </a:p>
         </p:txBody>
       </p:sp>
+      <p:pic>
+        <p:nvPicPr>
+          <p:cNvPr id="3" name="Picture 2" descr="logo.png"/>
+          <p:cNvPicPr>
+            <a:picLocks noChangeAspect="1"/>
+          </p:cNvPicPr>
+          <p:nvPr/>
+        </p:nvPicPr>
+        <p:blipFill>
+          <a:blip r:embed="rId2"/>
+          <a:stretch>
+            <a:fillRect/>
+          </a:stretch>
+        </p:blipFill>
+        <p:spPr>
+          <a:xfrm>
+            <a:off x="7086600" y="4800600"/>
+            <a:ext cx="1828800" cy="1828800"/>
+          </a:xfrm>
+          <a:prstGeom prst="rect">
+            <a:avLst/>
+          </a:prstGeom>
+        </p:spPr>
+      </p:pic>
     </p:spTree>
   </p:cSld>
   <p:clrMapOvr>
@@ -6858,6 +7986,30 @@
           </a:p>
         </p:txBody>
       </p:sp>
+      <p:pic>
+        <p:nvPicPr>
+          <p:cNvPr id="3" name="Picture 2" descr="logo.png"/>
+          <p:cNvPicPr>
+            <a:picLocks noChangeAspect="1"/>
+          </p:cNvPicPr>
+          <p:nvPr/>
+        </p:nvPicPr>
+        <p:blipFill>
+          <a:blip r:embed="rId2"/>
+          <a:stretch>
+            <a:fillRect/>
+          </a:stretch>
+        </p:blipFill>
+        <p:spPr>
+          <a:xfrm>
+            <a:off x="7086600" y="4800600"/>
+            <a:ext cx="1828800" cy="1828800"/>
+          </a:xfrm>
+          <a:prstGeom prst="rect">
+            <a:avLst/>
+          </a:prstGeom>
+        </p:spPr>
+      </p:pic>
     </p:spTree>
   </p:cSld>
   <p:clrMapOvr>
@@ -6959,6 +8111,30 @@
           </a:p>
         </p:txBody>
       </p:sp>
+      <p:pic>
+        <p:nvPicPr>
+          <p:cNvPr id="3" name="Picture 2" descr="logo.png"/>
+          <p:cNvPicPr>
+            <a:picLocks noChangeAspect="1"/>
+          </p:cNvPicPr>
+          <p:nvPr/>
+        </p:nvPicPr>
+        <p:blipFill>
+          <a:blip r:embed="rId2"/>
+          <a:stretch>
+            <a:fillRect/>
+          </a:stretch>
+        </p:blipFill>
+        <p:spPr>
+          <a:xfrm>
+            <a:off x="7086600" y="4800600"/>
+            <a:ext cx="1828800" cy="1828800"/>
+          </a:xfrm>
+          <a:prstGeom prst="rect">
+            <a:avLst/>
+          </a:prstGeom>
+        </p:spPr>
+      </p:pic>
     </p:spTree>
   </p:cSld>
   <p:clrMapOvr>
@@ -7060,6 +8236,30 @@
           </a:p>
         </p:txBody>
       </p:sp>
+      <p:pic>
+        <p:nvPicPr>
+          <p:cNvPr id="3" name="Picture 2" descr="logo.png"/>
+          <p:cNvPicPr>
+            <a:picLocks noChangeAspect="1"/>
+          </p:cNvPicPr>
+          <p:nvPr/>
+        </p:nvPicPr>
+        <p:blipFill>
+          <a:blip r:embed="rId2"/>
+          <a:stretch>
+            <a:fillRect/>
+          </a:stretch>
+        </p:blipFill>
+        <p:spPr>
+          <a:xfrm>
+            <a:off x="7086600" y="4800600"/>
+            <a:ext cx="1828800" cy="1828800"/>
+          </a:xfrm>
+          <a:prstGeom prst="rect">
+            <a:avLst/>
+          </a:prstGeom>
+        </p:spPr>
+      </p:pic>
     </p:spTree>
   </p:cSld>
   <p:clrMapOvr>
@@ -7148,6 +8348,30 @@
           </a:p>
         </p:txBody>
       </p:sp>
+      <p:pic>
+        <p:nvPicPr>
+          <p:cNvPr id="3" name="Picture 2" descr="logo.png"/>
+          <p:cNvPicPr>
+            <a:picLocks noChangeAspect="1"/>
+          </p:cNvPicPr>
+          <p:nvPr/>
+        </p:nvPicPr>
+        <p:blipFill>
+          <a:blip r:embed="rId2"/>
+          <a:stretch>
+            <a:fillRect/>
+          </a:stretch>
+        </p:blipFill>
+        <p:spPr>
+          <a:xfrm>
+            <a:off x="7086600" y="4800600"/>
+            <a:ext cx="1828800" cy="1828800"/>
+          </a:xfrm>
+          <a:prstGeom prst="rect">
+            <a:avLst/>
+          </a:prstGeom>
+        </p:spPr>
+      </p:pic>
     </p:spTree>
   </p:cSld>
   <p:clrMapOvr>
@@ -7236,6 +8460,30 @@
           </a:p>
         </p:txBody>
       </p:sp>
+      <p:pic>
+        <p:nvPicPr>
+          <p:cNvPr id="3" name="Picture 2" descr="logo.png"/>
+          <p:cNvPicPr>
+            <a:picLocks noChangeAspect="1"/>
+          </p:cNvPicPr>
+          <p:nvPr/>
+        </p:nvPicPr>
+        <p:blipFill>
+          <a:blip r:embed="rId2"/>
+          <a:stretch>
+            <a:fillRect/>
+          </a:stretch>
+        </p:blipFill>
+        <p:spPr>
+          <a:xfrm>
+            <a:off x="7086600" y="4800600"/>
+            <a:ext cx="1828800" cy="1828800"/>
+          </a:xfrm>
+          <a:prstGeom prst="rect">
+            <a:avLst/>
+          </a:prstGeom>
+        </p:spPr>
+      </p:pic>
     </p:spTree>
   </p:cSld>
   <p:clrMapOvr>
@@ -7337,6 +8585,30 @@
           </a:p>
         </p:txBody>
       </p:sp>
+      <p:pic>
+        <p:nvPicPr>
+          <p:cNvPr id="3" name="Picture 2" descr="logo.png"/>
+          <p:cNvPicPr>
+            <a:picLocks noChangeAspect="1"/>
+          </p:cNvPicPr>
+          <p:nvPr/>
+        </p:nvPicPr>
+        <p:blipFill>
+          <a:blip r:embed="rId2"/>
+          <a:stretch>
+            <a:fillRect/>
+          </a:stretch>
+        </p:blipFill>
+        <p:spPr>
+          <a:xfrm>
+            <a:off x="7086600" y="4800600"/>
+            <a:ext cx="1828800" cy="1828800"/>
+          </a:xfrm>
+          <a:prstGeom prst="rect">
+            <a:avLst/>
+          </a:prstGeom>
+        </p:spPr>
+      </p:pic>
     </p:spTree>
   </p:cSld>
   <p:clrMapOvr>
@@ -7438,6 +8710,30 @@
           </a:p>
         </p:txBody>
       </p:sp>
+      <p:pic>
+        <p:nvPicPr>
+          <p:cNvPr id="3" name="Picture 2" descr="logo.png"/>
+          <p:cNvPicPr>
+            <a:picLocks noChangeAspect="1"/>
+          </p:cNvPicPr>
+          <p:nvPr/>
+        </p:nvPicPr>
+        <p:blipFill>
+          <a:blip r:embed="rId2"/>
+          <a:stretch>
+            <a:fillRect/>
+          </a:stretch>
+        </p:blipFill>
+        <p:spPr>
+          <a:xfrm>
+            <a:off x="7086600" y="4800600"/>
+            <a:ext cx="1828800" cy="1828800"/>
+          </a:xfrm>
+          <a:prstGeom prst="rect">
+            <a:avLst/>
+          </a:prstGeom>
+        </p:spPr>
+      </p:pic>
     </p:spTree>
   </p:cSld>
   <p:clrMapOvr>
@@ -7539,6 +8835,30 @@
           </a:p>
         </p:txBody>
       </p:sp>
+      <p:pic>
+        <p:nvPicPr>
+          <p:cNvPr id="3" name="Picture 2" descr="logo.png"/>
+          <p:cNvPicPr>
+            <a:picLocks noChangeAspect="1"/>
+          </p:cNvPicPr>
+          <p:nvPr/>
+        </p:nvPicPr>
+        <p:blipFill>
+          <a:blip r:embed="rId2"/>
+          <a:stretch>
+            <a:fillRect/>
+          </a:stretch>
+        </p:blipFill>
+        <p:spPr>
+          <a:xfrm>
+            <a:off x="7086600" y="4800600"/>
+            <a:ext cx="1828800" cy="1828800"/>
+          </a:xfrm>
+          <a:prstGeom prst="rect">
+            <a:avLst/>
+          </a:prstGeom>
+        </p:spPr>
+      </p:pic>
     </p:spTree>
   </p:cSld>
   <p:clrMapOvr>
@@ -7627,6 +8947,30 @@
           </a:p>
         </p:txBody>
       </p:sp>
+      <p:pic>
+        <p:nvPicPr>
+          <p:cNvPr id="3" name="Picture 2" descr="logo.png"/>
+          <p:cNvPicPr>
+            <a:picLocks noChangeAspect="1"/>
+          </p:cNvPicPr>
+          <p:nvPr/>
+        </p:nvPicPr>
+        <p:blipFill>
+          <a:blip r:embed="rId2"/>
+          <a:stretch>
+            <a:fillRect/>
+          </a:stretch>
+        </p:blipFill>
+        <p:spPr>
+          <a:xfrm>
+            <a:off x="7086600" y="4800600"/>
+            <a:ext cx="1828800" cy="1828800"/>
+          </a:xfrm>
+          <a:prstGeom prst="rect">
+            <a:avLst/>
+          </a:prstGeom>
+        </p:spPr>
+      </p:pic>
     </p:spTree>
   </p:cSld>
   <p:clrMapOvr>
@@ -7728,6 +9072,30 @@
           </a:p>
         </p:txBody>
       </p:sp>
+      <p:pic>
+        <p:nvPicPr>
+          <p:cNvPr id="3" name="Picture 2" descr="logo.png"/>
+          <p:cNvPicPr>
+            <a:picLocks noChangeAspect="1"/>
+          </p:cNvPicPr>
+          <p:nvPr/>
+        </p:nvPicPr>
+        <p:blipFill>
+          <a:blip r:embed="rId2"/>
+          <a:stretch>
+            <a:fillRect/>
+          </a:stretch>
+        </p:blipFill>
+        <p:spPr>
+          <a:xfrm>
+            <a:off x="7086600" y="4800600"/>
+            <a:ext cx="1828800" cy="1828800"/>
+          </a:xfrm>
+          <a:prstGeom prst="rect">
+            <a:avLst/>
+          </a:prstGeom>
+        </p:spPr>
+      </p:pic>
     </p:spTree>
   </p:cSld>
   <p:clrMapOvr>
@@ -7787,6 +9155,30 @@
           </a:p>
         </p:txBody>
       </p:sp>
+      <p:pic>
+        <p:nvPicPr>
+          <p:cNvPr id="3" name="Picture 2" descr="logo.png"/>
+          <p:cNvPicPr>
+            <a:picLocks noChangeAspect="1"/>
+          </p:cNvPicPr>
+          <p:nvPr/>
+        </p:nvPicPr>
+        <p:blipFill>
+          <a:blip r:embed="rId2"/>
+          <a:stretch>
+            <a:fillRect/>
+          </a:stretch>
+        </p:blipFill>
+        <p:spPr>
+          <a:xfrm>
+            <a:off x="7086600" y="4800600"/>
+            <a:ext cx="1828800" cy="1828800"/>
+          </a:xfrm>
+          <a:prstGeom prst="rect">
+            <a:avLst/>
+          </a:prstGeom>
+        </p:spPr>
+      </p:pic>
     </p:spTree>
   </p:cSld>
   <p:clrMapOvr>
@@ -7849,6 +9241,30 @@
           </a:p>
         </p:txBody>
       </p:sp>
+      <p:pic>
+        <p:nvPicPr>
+          <p:cNvPr id="3" name="Picture 2" descr="logo.png"/>
+          <p:cNvPicPr>
+            <a:picLocks noChangeAspect="1"/>
+          </p:cNvPicPr>
+          <p:nvPr/>
+        </p:nvPicPr>
+        <p:blipFill>
+          <a:blip r:embed="rId2"/>
+          <a:stretch>
+            <a:fillRect/>
+          </a:stretch>
+        </p:blipFill>
+        <p:spPr>
+          <a:xfrm>
+            <a:off x="7086600" y="4800600"/>
+            <a:ext cx="1828800" cy="1828800"/>
+          </a:xfrm>
+          <a:prstGeom prst="rect">
+            <a:avLst/>
+          </a:prstGeom>
+        </p:spPr>
+      </p:pic>
     </p:spTree>
   </p:cSld>
   <p:clrMapOvr>
@@ -7924,6 +9340,30 @@
           </a:p>
         </p:txBody>
       </p:sp>
+      <p:pic>
+        <p:nvPicPr>
+          <p:cNvPr id="3" name="Picture 2" descr="logo.png"/>
+          <p:cNvPicPr>
+            <a:picLocks noChangeAspect="1"/>
+          </p:cNvPicPr>
+          <p:nvPr/>
+        </p:nvPicPr>
+        <p:blipFill>
+          <a:blip r:embed="rId2"/>
+          <a:stretch>
+            <a:fillRect/>
+          </a:stretch>
+        </p:blipFill>
+        <p:spPr>
+          <a:xfrm>
+            <a:off x="7086600" y="4800600"/>
+            <a:ext cx="1828800" cy="1828800"/>
+          </a:xfrm>
+          <a:prstGeom prst="rect">
+            <a:avLst/>
+          </a:prstGeom>
+        </p:spPr>
+      </p:pic>
     </p:spTree>
   </p:cSld>
   <p:clrMapOvr>
@@ -7999,6 +9439,30 @@
           </a:p>
         </p:txBody>
       </p:sp>
+      <p:pic>
+        <p:nvPicPr>
+          <p:cNvPr id="3" name="Picture 2" descr="logo.png"/>
+          <p:cNvPicPr>
+            <a:picLocks noChangeAspect="1"/>
+          </p:cNvPicPr>
+          <p:nvPr/>
+        </p:nvPicPr>
+        <p:blipFill>
+          <a:blip r:embed="rId2"/>
+          <a:stretch>
+            <a:fillRect/>
+          </a:stretch>
+        </p:blipFill>
+        <p:spPr>
+          <a:xfrm>
+            <a:off x="7086600" y="4800600"/>
+            <a:ext cx="1828800" cy="1828800"/>
+          </a:xfrm>
+          <a:prstGeom prst="rect">
+            <a:avLst/>
+          </a:prstGeom>
+        </p:spPr>
+      </p:pic>
     </p:spTree>
   </p:cSld>
   <p:clrMapOvr>
@@ -8061,6 +9525,30 @@
           </a:p>
         </p:txBody>
       </p:sp>
+      <p:pic>
+        <p:nvPicPr>
+          <p:cNvPr id="3" name="Picture 2" descr="logo.png"/>
+          <p:cNvPicPr>
+            <a:picLocks noChangeAspect="1"/>
+          </p:cNvPicPr>
+          <p:nvPr/>
+        </p:nvPicPr>
+        <p:blipFill>
+          <a:blip r:embed="rId2"/>
+          <a:stretch>
+            <a:fillRect/>
+          </a:stretch>
+        </p:blipFill>
+        <p:spPr>
+          <a:xfrm>
+            <a:off x="7086600" y="4800600"/>
+            <a:ext cx="1828800" cy="1828800"/>
+          </a:xfrm>
+          <a:prstGeom prst="rect">
+            <a:avLst/>
+          </a:prstGeom>
+        </p:spPr>
+      </p:pic>
     </p:spTree>
   </p:cSld>
   <p:clrMapOvr>
@@ -8136,6 +9624,30 @@
           </a:p>
         </p:txBody>
       </p:sp>
+      <p:pic>
+        <p:nvPicPr>
+          <p:cNvPr id="3" name="Picture 2" descr="logo.png"/>
+          <p:cNvPicPr>
+            <a:picLocks noChangeAspect="1"/>
+          </p:cNvPicPr>
+          <p:nvPr/>
+        </p:nvPicPr>
+        <p:blipFill>
+          <a:blip r:embed="rId2"/>
+          <a:stretch>
+            <a:fillRect/>
+          </a:stretch>
+        </p:blipFill>
+        <p:spPr>
+          <a:xfrm>
+            <a:off x="7086600" y="4800600"/>
+            <a:ext cx="1828800" cy="1828800"/>
+          </a:xfrm>
+          <a:prstGeom prst="rect">
+            <a:avLst/>
+          </a:prstGeom>
+        </p:spPr>
+      </p:pic>
     </p:spTree>
   </p:cSld>
   <p:clrMapOvr>
@@ -8211,6 +9723,30 @@
           </a:p>
         </p:txBody>
       </p:sp>
+      <p:pic>
+        <p:nvPicPr>
+          <p:cNvPr id="3" name="Picture 2" descr="logo.png"/>
+          <p:cNvPicPr>
+            <a:picLocks noChangeAspect="1"/>
+          </p:cNvPicPr>
+          <p:nvPr/>
+        </p:nvPicPr>
+        <p:blipFill>
+          <a:blip r:embed="rId2"/>
+          <a:stretch>
+            <a:fillRect/>
+          </a:stretch>
+        </p:blipFill>
+        <p:spPr>
+          <a:xfrm>
+            <a:off x="7086600" y="4800600"/>
+            <a:ext cx="1828800" cy="1828800"/>
+          </a:xfrm>
+          <a:prstGeom prst="rect">
+            <a:avLst/>
+          </a:prstGeom>
+        </p:spPr>
+      </p:pic>
     </p:spTree>
   </p:cSld>
   <p:clrMapOvr>
@@ -8273,6 +9809,30 @@
           </a:p>
         </p:txBody>
       </p:sp>
+      <p:pic>
+        <p:nvPicPr>
+          <p:cNvPr id="3" name="Picture 2" descr="logo.png"/>
+          <p:cNvPicPr>
+            <a:picLocks noChangeAspect="1"/>
+          </p:cNvPicPr>
+          <p:nvPr/>
+        </p:nvPicPr>
+        <p:blipFill>
+          <a:blip r:embed="rId2"/>
+          <a:stretch>
+            <a:fillRect/>
+          </a:stretch>
+        </p:blipFill>
+        <p:spPr>
+          <a:xfrm>
+            <a:off x="7086600" y="4800600"/>
+            <a:ext cx="1828800" cy="1828800"/>
+          </a:xfrm>
+          <a:prstGeom prst="rect">
+            <a:avLst/>
+          </a:prstGeom>
+        </p:spPr>
+      </p:pic>
     </p:spTree>
   </p:cSld>
   <p:clrMapOvr>
@@ -8348,6 +9908,30 @@
           </a:p>
         </p:txBody>
       </p:sp>
+      <p:pic>
+        <p:nvPicPr>
+          <p:cNvPr id="3" name="Picture 2" descr="logo.png"/>
+          <p:cNvPicPr>
+            <a:picLocks noChangeAspect="1"/>
+          </p:cNvPicPr>
+          <p:nvPr/>
+        </p:nvPicPr>
+        <p:blipFill>
+          <a:blip r:embed="rId2"/>
+          <a:stretch>
+            <a:fillRect/>
+          </a:stretch>
+        </p:blipFill>
+        <p:spPr>
+          <a:xfrm>
+            <a:off x="7086600" y="4800600"/>
+            <a:ext cx="1828800" cy="1828800"/>
+          </a:xfrm>
+          <a:prstGeom prst="rect">
+            <a:avLst/>
+          </a:prstGeom>
+        </p:spPr>
+      </p:pic>
     </p:spTree>
   </p:cSld>
   <p:clrMapOvr>
@@ -8449,6 +10033,30 @@
           </a:p>
         </p:txBody>
       </p:sp>
+      <p:pic>
+        <p:nvPicPr>
+          <p:cNvPr id="3" name="Picture 2" descr="logo.png"/>
+          <p:cNvPicPr>
+            <a:picLocks noChangeAspect="1"/>
+          </p:cNvPicPr>
+          <p:nvPr/>
+        </p:nvPicPr>
+        <p:blipFill>
+          <a:blip r:embed="rId2"/>
+          <a:stretch>
+            <a:fillRect/>
+          </a:stretch>
+        </p:blipFill>
+        <p:spPr>
+          <a:xfrm>
+            <a:off x="7086600" y="4800600"/>
+            <a:ext cx="1828800" cy="1828800"/>
+          </a:xfrm>
+          <a:prstGeom prst="rect">
+            <a:avLst/>
+          </a:prstGeom>
+        </p:spPr>
+      </p:pic>
     </p:spTree>
   </p:cSld>
   <p:clrMapOvr>
@@ -8524,6 +10132,30 @@
           </a:p>
         </p:txBody>
       </p:sp>
+      <p:pic>
+        <p:nvPicPr>
+          <p:cNvPr id="3" name="Picture 2" descr="logo.png"/>
+          <p:cNvPicPr>
+            <a:picLocks noChangeAspect="1"/>
+          </p:cNvPicPr>
+          <p:nvPr/>
+        </p:nvPicPr>
+        <p:blipFill>
+          <a:blip r:embed="rId2"/>
+          <a:stretch>
+            <a:fillRect/>
+          </a:stretch>
+        </p:blipFill>
+        <p:spPr>
+          <a:xfrm>
+            <a:off x="7086600" y="4800600"/>
+            <a:ext cx="1828800" cy="1828800"/>
+          </a:xfrm>
+          <a:prstGeom prst="rect">
+            <a:avLst/>
+          </a:prstGeom>
+        </p:spPr>
+      </p:pic>
     </p:spTree>
   </p:cSld>
   <p:clrMapOvr>
@@ -8586,6 +10218,30 @@
           </a:p>
         </p:txBody>
       </p:sp>
+      <p:pic>
+        <p:nvPicPr>
+          <p:cNvPr id="3" name="Picture 2" descr="logo.png"/>
+          <p:cNvPicPr>
+            <a:picLocks noChangeAspect="1"/>
+          </p:cNvPicPr>
+          <p:nvPr/>
+        </p:nvPicPr>
+        <p:blipFill>
+          <a:blip r:embed="rId2"/>
+          <a:stretch>
+            <a:fillRect/>
+          </a:stretch>
+        </p:blipFill>
+        <p:spPr>
+          <a:xfrm>
+            <a:off x="7086600" y="4800600"/>
+            <a:ext cx="1828800" cy="1828800"/>
+          </a:xfrm>
+          <a:prstGeom prst="rect">
+            <a:avLst/>
+          </a:prstGeom>
+        </p:spPr>
+      </p:pic>
     </p:spTree>
   </p:cSld>
   <p:clrMapOvr>
@@ -8661,6 +10317,30 @@
           </a:p>
         </p:txBody>
       </p:sp>
+      <p:pic>
+        <p:nvPicPr>
+          <p:cNvPr id="3" name="Picture 2" descr="logo.png"/>
+          <p:cNvPicPr>
+            <a:picLocks noChangeAspect="1"/>
+          </p:cNvPicPr>
+          <p:nvPr/>
+        </p:nvPicPr>
+        <p:blipFill>
+          <a:blip r:embed="rId2"/>
+          <a:stretch>
+            <a:fillRect/>
+          </a:stretch>
+        </p:blipFill>
+        <p:spPr>
+          <a:xfrm>
+            <a:off x="7086600" y="4800600"/>
+            <a:ext cx="1828800" cy="1828800"/>
+          </a:xfrm>
+          <a:prstGeom prst="rect">
+            <a:avLst/>
+          </a:prstGeom>
+        </p:spPr>
+      </p:pic>
     </p:spTree>
   </p:cSld>
   <p:clrMapOvr>
@@ -8736,6 +10416,30 @@
           </a:p>
         </p:txBody>
       </p:sp>
+      <p:pic>
+        <p:nvPicPr>
+          <p:cNvPr id="3" name="Picture 2" descr="logo.png"/>
+          <p:cNvPicPr>
+            <a:picLocks noChangeAspect="1"/>
+          </p:cNvPicPr>
+          <p:nvPr/>
+        </p:nvPicPr>
+        <p:blipFill>
+          <a:blip r:embed="rId2"/>
+          <a:stretch>
+            <a:fillRect/>
+          </a:stretch>
+        </p:blipFill>
+        <p:spPr>
+          <a:xfrm>
+            <a:off x="7086600" y="4800600"/>
+            <a:ext cx="1828800" cy="1828800"/>
+          </a:xfrm>
+          <a:prstGeom prst="rect">
+            <a:avLst/>
+          </a:prstGeom>
+        </p:spPr>
+      </p:pic>
     </p:spTree>
   </p:cSld>
   <p:clrMapOvr>
@@ -8798,6 +10502,30 @@
           </a:p>
         </p:txBody>
       </p:sp>
+      <p:pic>
+        <p:nvPicPr>
+          <p:cNvPr id="3" name="Picture 2" descr="logo.png"/>
+          <p:cNvPicPr>
+            <a:picLocks noChangeAspect="1"/>
+          </p:cNvPicPr>
+          <p:nvPr/>
+        </p:nvPicPr>
+        <p:blipFill>
+          <a:blip r:embed="rId2"/>
+          <a:stretch>
+            <a:fillRect/>
+          </a:stretch>
+        </p:blipFill>
+        <p:spPr>
+          <a:xfrm>
+            <a:off x="7086600" y="4800600"/>
+            <a:ext cx="1828800" cy="1828800"/>
+          </a:xfrm>
+          <a:prstGeom prst="rect">
+            <a:avLst/>
+          </a:prstGeom>
+        </p:spPr>
+      </p:pic>
     </p:spTree>
   </p:cSld>
   <p:clrMapOvr>
@@ -8873,6 +10601,30 @@
           </a:p>
         </p:txBody>
       </p:sp>
+      <p:pic>
+        <p:nvPicPr>
+          <p:cNvPr id="3" name="Picture 2" descr="logo.png"/>
+          <p:cNvPicPr>
+            <a:picLocks noChangeAspect="1"/>
+          </p:cNvPicPr>
+          <p:nvPr/>
+        </p:nvPicPr>
+        <p:blipFill>
+          <a:blip r:embed="rId2"/>
+          <a:stretch>
+            <a:fillRect/>
+          </a:stretch>
+        </p:blipFill>
+        <p:spPr>
+          <a:xfrm>
+            <a:off x="7086600" y="4800600"/>
+            <a:ext cx="1828800" cy="1828800"/>
+          </a:xfrm>
+          <a:prstGeom prst="rect">
+            <a:avLst/>
+          </a:prstGeom>
+        </p:spPr>
+      </p:pic>
     </p:spTree>
   </p:cSld>
   <p:clrMapOvr>
@@ -8948,6 +10700,30 @@
           </a:p>
         </p:txBody>
       </p:sp>
+      <p:pic>
+        <p:nvPicPr>
+          <p:cNvPr id="3" name="Picture 2" descr="logo.png"/>
+          <p:cNvPicPr>
+            <a:picLocks noChangeAspect="1"/>
+          </p:cNvPicPr>
+          <p:nvPr/>
+        </p:nvPicPr>
+        <p:blipFill>
+          <a:blip r:embed="rId2"/>
+          <a:stretch>
+            <a:fillRect/>
+          </a:stretch>
+        </p:blipFill>
+        <p:spPr>
+          <a:xfrm>
+            <a:off x="7086600" y="4800600"/>
+            <a:ext cx="1828800" cy="1828800"/>
+          </a:xfrm>
+          <a:prstGeom prst="rect">
+            <a:avLst/>
+          </a:prstGeom>
+        </p:spPr>
+      </p:pic>
     </p:spTree>
   </p:cSld>
   <p:clrMapOvr>
@@ -9010,6 +10786,30 @@
           </a:p>
         </p:txBody>
       </p:sp>
+      <p:pic>
+        <p:nvPicPr>
+          <p:cNvPr id="3" name="Picture 2" descr="logo.png"/>
+          <p:cNvPicPr>
+            <a:picLocks noChangeAspect="1"/>
+          </p:cNvPicPr>
+          <p:nvPr/>
+        </p:nvPicPr>
+        <p:blipFill>
+          <a:blip r:embed="rId2"/>
+          <a:stretch>
+            <a:fillRect/>
+          </a:stretch>
+        </p:blipFill>
+        <p:spPr>
+          <a:xfrm>
+            <a:off x="7086600" y="4800600"/>
+            <a:ext cx="1828800" cy="1828800"/>
+          </a:xfrm>
+          <a:prstGeom prst="rect">
+            <a:avLst/>
+          </a:prstGeom>
+        </p:spPr>
+      </p:pic>
     </p:spTree>
   </p:cSld>
   <p:clrMapOvr>
@@ -9069,6 +10869,30 @@
           </a:p>
         </p:txBody>
       </p:sp>
+      <p:pic>
+        <p:nvPicPr>
+          <p:cNvPr id="3" name="Picture 2" descr="logo.png"/>
+          <p:cNvPicPr>
+            <a:picLocks noChangeAspect="1"/>
+          </p:cNvPicPr>
+          <p:nvPr/>
+        </p:nvPicPr>
+        <p:blipFill>
+          <a:blip r:embed="rId2"/>
+          <a:stretch>
+            <a:fillRect/>
+          </a:stretch>
+        </p:blipFill>
+        <p:spPr>
+          <a:xfrm>
+            <a:off x="7086600" y="4800600"/>
+            <a:ext cx="1828800" cy="1828800"/>
+          </a:xfrm>
+          <a:prstGeom prst="rect">
+            <a:avLst/>
+          </a:prstGeom>
+        </p:spPr>
+      </p:pic>
     </p:spTree>
   </p:cSld>
   <p:clrMapOvr>
@@ -9144,6 +10968,30 @@
           </a:p>
         </p:txBody>
       </p:sp>
+      <p:pic>
+        <p:nvPicPr>
+          <p:cNvPr id="3" name="Picture 2" descr="logo.png"/>
+          <p:cNvPicPr>
+            <a:picLocks noChangeAspect="1"/>
+          </p:cNvPicPr>
+          <p:nvPr/>
+        </p:nvPicPr>
+        <p:blipFill>
+          <a:blip r:embed="rId2"/>
+          <a:stretch>
+            <a:fillRect/>
+          </a:stretch>
+        </p:blipFill>
+        <p:spPr>
+          <a:xfrm>
+            <a:off x="7086600" y="4800600"/>
+            <a:ext cx="1828800" cy="1828800"/>
+          </a:xfrm>
+          <a:prstGeom prst="rect">
+            <a:avLst/>
+          </a:prstGeom>
+        </p:spPr>
+      </p:pic>
     </p:spTree>
   </p:cSld>
   <p:clrMapOvr>
@@ -9232,6 +11080,30 @@
           </a:p>
         </p:txBody>
       </p:sp>
+      <p:pic>
+        <p:nvPicPr>
+          <p:cNvPr id="3" name="Picture 2" descr="logo.png"/>
+          <p:cNvPicPr>
+            <a:picLocks noChangeAspect="1"/>
+          </p:cNvPicPr>
+          <p:nvPr/>
+        </p:nvPicPr>
+        <p:blipFill>
+          <a:blip r:embed="rId2"/>
+          <a:stretch>
+            <a:fillRect/>
+          </a:stretch>
+        </p:blipFill>
+        <p:spPr>
+          <a:xfrm>
+            <a:off x="7086600" y="4800600"/>
+            <a:ext cx="1828800" cy="1828800"/>
+          </a:xfrm>
+          <a:prstGeom prst="rect">
+            <a:avLst/>
+          </a:prstGeom>
+        </p:spPr>
+      </p:pic>
     </p:spTree>
   </p:cSld>
   <p:clrMapOvr>
@@ -9307,6 +11179,30 @@
           </a:p>
         </p:txBody>
       </p:sp>
+      <p:pic>
+        <p:nvPicPr>
+          <p:cNvPr id="3" name="Picture 2" descr="logo.png"/>
+          <p:cNvPicPr>
+            <a:picLocks noChangeAspect="1"/>
+          </p:cNvPicPr>
+          <p:nvPr/>
+        </p:nvPicPr>
+        <p:blipFill>
+          <a:blip r:embed="rId2"/>
+          <a:stretch>
+            <a:fillRect/>
+          </a:stretch>
+        </p:blipFill>
+        <p:spPr>
+          <a:xfrm>
+            <a:off x="7086600" y="4800600"/>
+            <a:ext cx="1828800" cy="1828800"/>
+          </a:xfrm>
+          <a:prstGeom prst="rect">
+            <a:avLst/>
+          </a:prstGeom>
+        </p:spPr>
+      </p:pic>
     </p:spTree>
   </p:cSld>
   <p:clrMapOvr>
@@ -9382,6 +11278,30 @@
           </a:p>
         </p:txBody>
       </p:sp>
+      <p:pic>
+        <p:nvPicPr>
+          <p:cNvPr id="3" name="Picture 2" descr="logo.png"/>
+          <p:cNvPicPr>
+            <a:picLocks noChangeAspect="1"/>
+          </p:cNvPicPr>
+          <p:nvPr/>
+        </p:nvPicPr>
+        <p:blipFill>
+          <a:blip r:embed="rId2"/>
+          <a:stretch>
+            <a:fillRect/>
+          </a:stretch>
+        </p:blipFill>
+        <p:spPr>
+          <a:xfrm>
+            <a:off x="7086600" y="4800600"/>
+            <a:ext cx="1828800" cy="1828800"/>
+          </a:xfrm>
+          <a:prstGeom prst="rect">
+            <a:avLst/>
+          </a:prstGeom>
+        </p:spPr>
+      </p:pic>
     </p:spTree>
   </p:cSld>
   <p:clrMapOvr>
@@ -9457,6 +11377,30 @@
           </a:p>
         </p:txBody>
       </p:sp>
+      <p:pic>
+        <p:nvPicPr>
+          <p:cNvPr id="3" name="Picture 2" descr="logo.png"/>
+          <p:cNvPicPr>
+            <a:picLocks noChangeAspect="1"/>
+          </p:cNvPicPr>
+          <p:nvPr/>
+        </p:nvPicPr>
+        <p:blipFill>
+          <a:blip r:embed="rId2"/>
+          <a:stretch>
+            <a:fillRect/>
+          </a:stretch>
+        </p:blipFill>
+        <p:spPr>
+          <a:xfrm>
+            <a:off x="7086600" y="4800600"/>
+            <a:ext cx="1828800" cy="1828800"/>
+          </a:xfrm>
+          <a:prstGeom prst="rect">
+            <a:avLst/>
+          </a:prstGeom>
+        </p:spPr>
+      </p:pic>
     </p:spTree>
   </p:cSld>
   <p:clrMapOvr>
@@ -9532,6 +11476,30 @@
           </a:p>
         </p:txBody>
       </p:sp>
+      <p:pic>
+        <p:nvPicPr>
+          <p:cNvPr id="3" name="Picture 2" descr="logo.png"/>
+          <p:cNvPicPr>
+            <a:picLocks noChangeAspect="1"/>
+          </p:cNvPicPr>
+          <p:nvPr/>
+        </p:nvPicPr>
+        <p:blipFill>
+          <a:blip r:embed="rId2"/>
+          <a:stretch>
+            <a:fillRect/>
+          </a:stretch>
+        </p:blipFill>
+        <p:spPr>
+          <a:xfrm>
+            <a:off x="7086600" y="4800600"/>
+            <a:ext cx="1828800" cy="1828800"/>
+          </a:xfrm>
+          <a:prstGeom prst="rect">
+            <a:avLst/>
+          </a:prstGeom>
+        </p:spPr>
+      </p:pic>
     </p:spTree>
   </p:cSld>
   <p:clrMapOvr>
@@ -9607,6 +11575,30 @@
           </a:p>
         </p:txBody>
       </p:sp>
+      <p:pic>
+        <p:nvPicPr>
+          <p:cNvPr id="3" name="Picture 2" descr="logo.png"/>
+          <p:cNvPicPr>
+            <a:picLocks noChangeAspect="1"/>
+          </p:cNvPicPr>
+          <p:nvPr/>
+        </p:nvPicPr>
+        <p:blipFill>
+          <a:blip r:embed="rId2"/>
+          <a:stretch>
+            <a:fillRect/>
+          </a:stretch>
+        </p:blipFill>
+        <p:spPr>
+          <a:xfrm>
+            <a:off x="7086600" y="4800600"/>
+            <a:ext cx="1828800" cy="1828800"/>
+          </a:xfrm>
+          <a:prstGeom prst="rect">
+            <a:avLst/>
+          </a:prstGeom>
+        </p:spPr>
+      </p:pic>
     </p:spTree>
   </p:cSld>
   <p:clrMapOvr>
@@ -9682,6 +11674,30 @@
           </a:p>
         </p:txBody>
       </p:sp>
+      <p:pic>
+        <p:nvPicPr>
+          <p:cNvPr id="3" name="Picture 2" descr="logo.png"/>
+          <p:cNvPicPr>
+            <a:picLocks noChangeAspect="1"/>
+          </p:cNvPicPr>
+          <p:nvPr/>
+        </p:nvPicPr>
+        <p:blipFill>
+          <a:blip r:embed="rId2"/>
+          <a:stretch>
+            <a:fillRect/>
+          </a:stretch>
+        </p:blipFill>
+        <p:spPr>
+          <a:xfrm>
+            <a:off x="7086600" y="4800600"/>
+            <a:ext cx="1828800" cy="1828800"/>
+          </a:xfrm>
+          <a:prstGeom prst="rect">
+            <a:avLst/>
+          </a:prstGeom>
+        </p:spPr>
+      </p:pic>
     </p:spTree>
   </p:cSld>
   <p:clrMapOvr>
@@ -9741,6 +11757,30 @@
           </a:p>
         </p:txBody>
       </p:sp>
+      <p:pic>
+        <p:nvPicPr>
+          <p:cNvPr id="3" name="Picture 2" descr="logo.png"/>
+          <p:cNvPicPr>
+            <a:picLocks noChangeAspect="1"/>
+          </p:cNvPicPr>
+          <p:nvPr/>
+        </p:nvPicPr>
+        <p:blipFill>
+          <a:blip r:embed="rId2"/>
+          <a:stretch>
+            <a:fillRect/>
+          </a:stretch>
+        </p:blipFill>
+        <p:spPr>
+          <a:xfrm>
+            <a:off x="7086600" y="4800600"/>
+            <a:ext cx="1828800" cy="1828800"/>
+          </a:xfrm>
+          <a:prstGeom prst="rect">
+            <a:avLst/>
+          </a:prstGeom>
+        </p:spPr>
+      </p:pic>
     </p:spTree>
   </p:cSld>
   <p:clrMapOvr>
@@ -9842,6 +11882,30 @@
           </a:p>
         </p:txBody>
       </p:sp>
+      <p:pic>
+        <p:nvPicPr>
+          <p:cNvPr id="3" name="Picture 2" descr="logo.png"/>
+          <p:cNvPicPr>
+            <a:picLocks noChangeAspect="1"/>
+          </p:cNvPicPr>
+          <p:nvPr/>
+        </p:nvPicPr>
+        <p:blipFill>
+          <a:blip r:embed="rId2"/>
+          <a:stretch>
+            <a:fillRect/>
+          </a:stretch>
+        </p:blipFill>
+        <p:spPr>
+          <a:xfrm>
+            <a:off x="7086600" y="4800600"/>
+            <a:ext cx="1828800" cy="1828800"/>
+          </a:xfrm>
+          <a:prstGeom prst="rect">
+            <a:avLst/>
+          </a:prstGeom>
+        </p:spPr>
+      </p:pic>
     </p:spTree>
   </p:cSld>
   <p:clrMapOvr>
